--- a/chukan/発表スライド.pptx
+++ b/chukan/発表スライド.pptx
@@ -8,10 +8,12 @@
     <p:sldId id="256" r:id="rId2"/>
     <p:sldId id="257" r:id="rId3"/>
     <p:sldId id="258" r:id="rId4"/>
-    <p:sldId id="259" r:id="rId5"/>
-    <p:sldId id="260" r:id="rId6"/>
-    <p:sldId id="261" r:id="rId7"/>
-    <p:sldId id="262" r:id="rId8"/>
+    <p:sldId id="263" r:id="rId5"/>
+    <p:sldId id="264" r:id="rId6"/>
+    <p:sldId id="259" r:id="rId7"/>
+    <p:sldId id="260" r:id="rId8"/>
+    <p:sldId id="261" r:id="rId9"/>
+    <p:sldId id="262" r:id="rId10"/>
   </p:sldIdLst>
   <p:sldSz cx="12192000" cy="6858000"/>
   <p:notesSz cx="6858000" cy="9144000"/>
@@ -110,6 +112,11 @@
       </a:defRPr>
     </a:lvl9pPr>
   </p:defaultTextStyle>
+  <p:extLst>
+    <p:ext uri="{EFAFB233-063F-42B5-8137-9DF3F51BA10A}">
+      <p15:sldGuideLst xmlns:p15="http://schemas.microsoft.com/office/powerpoint/2012/main"/>
+    </p:ext>
+  </p:extLst>
 </p:presentation>
 </file>
 
@@ -260,7 +267,7 @@
           <a:p>
             <a:fld id="{F43F99A3-021A-7D46-87E1-B3690043F7F3}" type="datetimeFigureOut">
               <a:rPr kumimoji="1" lang="ja-JP" altLang="en-US" smtClean="0"/>
-              <a:t>2021/9/27</a:t>
+              <a:t>2021/9/28</a:t>
             </a:fld>
             <a:endParaRPr kumimoji="1" lang="ja-JP" altLang="en-US"/>
           </a:p>
@@ -490,7 +497,7 @@
           <a:p>
             <a:fld id="{F43F99A3-021A-7D46-87E1-B3690043F7F3}" type="datetimeFigureOut">
               <a:rPr kumimoji="1" lang="ja-JP" altLang="en-US" smtClean="0"/>
-              <a:t>2021/9/27</a:t>
+              <a:t>2021/9/28</a:t>
             </a:fld>
             <a:endParaRPr kumimoji="1" lang="ja-JP" altLang="en-US"/>
           </a:p>
@@ -730,7 +737,7 @@
           <a:p>
             <a:fld id="{F43F99A3-021A-7D46-87E1-B3690043F7F3}" type="datetimeFigureOut">
               <a:rPr kumimoji="1" lang="ja-JP" altLang="en-US" smtClean="0"/>
-              <a:t>2021/9/27</a:t>
+              <a:t>2021/9/28</a:t>
             </a:fld>
             <a:endParaRPr kumimoji="1" lang="ja-JP" altLang="en-US"/>
           </a:p>
@@ -960,7 +967,7 @@
           <a:p>
             <a:fld id="{F43F99A3-021A-7D46-87E1-B3690043F7F3}" type="datetimeFigureOut">
               <a:rPr kumimoji="1" lang="ja-JP" altLang="en-US" smtClean="0"/>
-              <a:t>2021/9/27</a:t>
+              <a:t>2021/9/28</a:t>
             </a:fld>
             <a:endParaRPr kumimoji="1" lang="ja-JP" altLang="en-US"/>
           </a:p>
@@ -1235,7 +1242,7 @@
           <a:p>
             <a:fld id="{F43F99A3-021A-7D46-87E1-B3690043F7F3}" type="datetimeFigureOut">
               <a:rPr kumimoji="1" lang="ja-JP" altLang="en-US" smtClean="0"/>
-              <a:t>2021/9/27</a:t>
+              <a:t>2021/9/28</a:t>
             </a:fld>
             <a:endParaRPr kumimoji="1" lang="ja-JP" altLang="en-US"/>
           </a:p>
@@ -1564,7 +1571,7 @@
           <a:p>
             <a:fld id="{F43F99A3-021A-7D46-87E1-B3690043F7F3}" type="datetimeFigureOut">
               <a:rPr kumimoji="1" lang="ja-JP" altLang="en-US" smtClean="0"/>
-              <a:t>2021/9/27</a:t>
+              <a:t>2021/9/28</a:t>
             </a:fld>
             <a:endParaRPr kumimoji="1" lang="ja-JP" altLang="en-US"/>
           </a:p>
@@ -2040,7 +2047,7 @@
           <a:p>
             <a:fld id="{F43F99A3-021A-7D46-87E1-B3690043F7F3}" type="datetimeFigureOut">
               <a:rPr kumimoji="1" lang="ja-JP" altLang="en-US" smtClean="0"/>
-              <a:t>2021/9/27</a:t>
+              <a:t>2021/9/28</a:t>
             </a:fld>
             <a:endParaRPr kumimoji="1" lang="ja-JP" altLang="en-US"/>
           </a:p>
@@ -2181,7 +2188,7 @@
           <a:p>
             <a:fld id="{F43F99A3-021A-7D46-87E1-B3690043F7F3}" type="datetimeFigureOut">
               <a:rPr kumimoji="1" lang="ja-JP" altLang="en-US" smtClean="0"/>
-              <a:t>2021/9/27</a:t>
+              <a:t>2021/9/28</a:t>
             </a:fld>
             <a:endParaRPr kumimoji="1" lang="ja-JP" altLang="en-US"/>
           </a:p>
@@ -2294,7 +2301,7 @@
           <a:p>
             <a:fld id="{F43F99A3-021A-7D46-87E1-B3690043F7F3}" type="datetimeFigureOut">
               <a:rPr kumimoji="1" lang="ja-JP" altLang="en-US" smtClean="0"/>
-              <a:t>2021/9/27</a:t>
+              <a:t>2021/9/28</a:t>
             </a:fld>
             <a:endParaRPr kumimoji="1" lang="ja-JP" altLang="en-US"/>
           </a:p>
@@ -2637,7 +2644,7 @@
           <a:p>
             <a:fld id="{F43F99A3-021A-7D46-87E1-B3690043F7F3}" type="datetimeFigureOut">
               <a:rPr kumimoji="1" lang="ja-JP" altLang="en-US" smtClean="0"/>
-              <a:t>2021/9/27</a:t>
+              <a:t>2021/9/28</a:t>
             </a:fld>
             <a:endParaRPr kumimoji="1" lang="ja-JP" altLang="en-US"/>
           </a:p>
@@ -2925,7 +2932,7 @@
           <a:p>
             <a:fld id="{F43F99A3-021A-7D46-87E1-B3690043F7F3}" type="datetimeFigureOut">
               <a:rPr kumimoji="1" lang="ja-JP" altLang="en-US" smtClean="0"/>
-              <a:t>2021/9/27</a:t>
+              <a:t>2021/9/28</a:t>
             </a:fld>
             <a:endParaRPr kumimoji="1" lang="ja-JP" altLang="en-US"/>
           </a:p>
@@ -3198,7 +3205,7 @@
           <a:p>
             <a:fld id="{F43F99A3-021A-7D46-87E1-B3690043F7F3}" type="datetimeFigureOut">
               <a:rPr kumimoji="1" lang="ja-JP" altLang="en-US" smtClean="0"/>
-              <a:t>2021/9/27</a:t>
+              <a:t>2021/9/28</a:t>
             </a:fld>
             <a:endParaRPr kumimoji="1" lang="ja-JP" altLang="en-US"/>
           </a:p>
@@ -4101,6 +4108,36 @@
                 <a:pPr marL="0" indent="0">
                   <a:buNone/>
                 </a:pPr>
+                <a:r>
+                  <a:rPr lang="ja-JP" altLang="en-US">
+                    <a:latin typeface="Cambria Math" panose="02040503050406030204" pitchFamily="18" charset="0"/>
+                  </a:rPr>
+                  <a:t>一般化多相ラッシュモデル</a:t>
+                </a:r>
+                <a:endParaRPr lang="en-US" altLang="ja-JP" dirty="0">
+                  <a:latin typeface="Cambria Math" panose="02040503050406030204" pitchFamily="18" charset="0"/>
+                </a:endParaRPr>
+              </a:p>
+              <a:p>
+                <a:pPr marL="0" indent="0">
+                  <a:buNone/>
+                </a:pPr>
+                <a:endParaRPr lang="en-US" altLang="ja-JP" i="1" dirty="0">
+                  <a:latin typeface="Cambria Math" panose="02040503050406030204" pitchFamily="18" charset="0"/>
+                </a:endParaRPr>
+              </a:p>
+              <a:p>
+                <a:pPr marL="0" indent="0">
+                  <a:buNone/>
+                </a:pPr>
+                <a:endParaRPr lang="en-US" altLang="ja-JP" i="1" dirty="0">
+                  <a:latin typeface="Cambria Math" panose="02040503050406030204" pitchFamily="18" charset="0"/>
+                </a:endParaRPr>
+              </a:p>
+              <a:p>
+                <a:pPr marL="0" indent="0">
+                  <a:buNone/>
+                </a:pPr>
                 <a14:m>
                   <m:oMathPara xmlns:m="http://schemas.openxmlformats.org/officeDocument/2006/math">
                     <m:oMathParaPr>
@@ -4177,6 +4214,62 @@
                                 </a:rPr>
                                 <m:t> </m:t>
                               </m:r>
+                              <m:sSub>
+                                <m:sSubPr>
+                                  <m:ctrlPr>
+                                    <a:rPr lang="en-US" altLang="ja-JP" b="0" i="1" smtClean="0">
+                                      <a:latin typeface="Cambria Math" panose="02040503050406030204" pitchFamily="18" charset="0"/>
+                                      <a:ea typeface="Cambria Math" panose="02040503050406030204" pitchFamily="18" charset="0"/>
+                                    </a:rPr>
+                                  </m:ctrlPr>
+                                </m:sSubPr>
+                                <m:e>
+                                  <m:r>
+                                    <a:rPr lang="en-US" altLang="ja-JP" i="1" smtClean="0">
+                                      <a:latin typeface="Cambria Math" panose="02040503050406030204" pitchFamily="18" charset="0"/>
+                                      <a:ea typeface="Cambria Math" panose="02040503050406030204" pitchFamily="18" charset="0"/>
+                                    </a:rPr>
+                                    <m:t>𝛼</m:t>
+                                  </m:r>
+                                </m:e>
+                                <m:sub>
+                                  <m:r>
+                                    <a:rPr lang="en-US" altLang="ja-JP" b="0" i="1" smtClean="0">
+                                      <a:latin typeface="Cambria Math" panose="02040503050406030204" pitchFamily="18" charset="0"/>
+                                      <a:ea typeface="Cambria Math" panose="02040503050406030204" pitchFamily="18" charset="0"/>
+                                    </a:rPr>
+                                    <m:t>𝑖</m:t>
+                                  </m:r>
+                                </m:sub>
+                              </m:sSub>
+                              <m:sSub>
+                                <m:sSubPr>
+                                  <m:ctrlPr>
+                                    <a:rPr lang="en-US" altLang="ja-JP" b="0" i="1" smtClean="0">
+                                      <a:latin typeface="Cambria Math" panose="02040503050406030204" pitchFamily="18" charset="0"/>
+                                      <a:ea typeface="Cambria Math" panose="02040503050406030204" pitchFamily="18" charset="0"/>
+                                    </a:rPr>
+                                  </m:ctrlPr>
+                                </m:sSubPr>
+                                <m:e>
+                                  <m:r>
+                                    <a:rPr lang="en-US" altLang="ja-JP" b="0" i="1" smtClean="0">
+                                      <a:latin typeface="Cambria Math" panose="02040503050406030204" pitchFamily="18" charset="0"/>
+                                      <a:ea typeface="Cambria Math" panose="02040503050406030204" pitchFamily="18" charset="0"/>
+                                    </a:rPr>
+                                    <m:t>𝛼</m:t>
+                                  </m:r>
+                                </m:e>
+                                <m:sub>
+                                  <m:r>
+                                    <a:rPr lang="en-US" altLang="ja-JP" b="0" i="1" smtClean="0">
+                                      <a:latin typeface="Cambria Math" panose="02040503050406030204" pitchFamily="18" charset="0"/>
+                                      <a:ea typeface="Cambria Math" panose="02040503050406030204" pitchFamily="18" charset="0"/>
+                                    </a:rPr>
+                                    <m:t>𝑟</m:t>
+                                  </m:r>
+                                </m:sub>
+                              </m:sSub>
                               <m:r>
                                 <a:rPr lang="en-US" altLang="ja-JP" i="1">
                                   <a:latin typeface="Cambria Math" panose="02040503050406030204" pitchFamily="18" charset="0"/>
@@ -4292,7 +4385,7 @@
                               <m:sSub>
                                 <m:sSubPr>
                                   <m:ctrlPr>
-                                    <a:rPr lang="en-US" altLang="ja-JP" b="0" i="1" smtClean="0">
+                                    <a:rPr lang="en-US" altLang="ja-JP" i="1">
                                       <a:latin typeface="Cambria Math" panose="02040503050406030204" pitchFamily="18" charset="0"/>
                                       <a:ea typeface="Cambria Math" panose="02040503050406030204" pitchFamily="18" charset="0"/>
                                     </a:rPr>
@@ -4300,11 +4393,11 @@
                                 </m:sSubPr>
                                 <m:e>
                                   <m:r>
-                                    <a:rPr lang="en-US" altLang="ja-JP" b="0" i="1" smtClean="0">
-                                      <a:latin typeface="Cambria Math" panose="02040503050406030204" pitchFamily="18" charset="0"/>
-                                      <a:ea typeface="Cambria Math" panose="02040503050406030204" pitchFamily="18" charset="0"/>
-                                    </a:rPr>
-                                    <m:t>𝛽</m:t>
+                                    <a:rPr lang="en-US" altLang="ja-JP" i="1">
+                                      <a:latin typeface="Cambria Math" panose="02040503050406030204" pitchFamily="18" charset="0"/>
+                                      <a:ea typeface="Cambria Math" panose="02040503050406030204" pitchFamily="18" charset="0"/>
+                                    </a:rPr>
+                                    <m:t>𝑑</m:t>
                                   </m:r>
                                 </m:e>
                                 <m:sub>
@@ -4313,42 +4406,7 @@
                                       <a:latin typeface="Cambria Math" panose="02040503050406030204" pitchFamily="18" charset="0"/>
                                       <a:ea typeface="Cambria Math" panose="02040503050406030204" pitchFamily="18" charset="0"/>
                                     </a:rPr>
-                                    <m:t>𝑡</m:t>
-                                  </m:r>
-                                </m:sub>
-                              </m:sSub>
-                              <m:r>
-                                <a:rPr lang="en-US" altLang="ja-JP" i="1">
-                                  <a:latin typeface="Cambria Math" panose="02040503050406030204" pitchFamily="18" charset="0"/>
-                                  <a:ea typeface="Cambria Math" panose="02040503050406030204" pitchFamily="18" charset="0"/>
-                                </a:rPr>
-                                <m:t>−</m:t>
-                              </m:r>
-                              <m:sSub>
-                                <m:sSubPr>
-                                  <m:ctrlPr>
-                                    <a:rPr lang="en-US" altLang="ja-JP" i="1">
-                                      <a:latin typeface="Cambria Math" panose="02040503050406030204" pitchFamily="18" charset="0"/>
-                                      <a:ea typeface="Cambria Math" panose="02040503050406030204" pitchFamily="18" charset="0"/>
-                                    </a:rPr>
-                                  </m:ctrlPr>
-                                </m:sSubPr>
-                                <m:e>
-                                  <m:r>
-                                    <a:rPr lang="en-US" altLang="ja-JP" i="1">
-                                      <a:latin typeface="Cambria Math" panose="02040503050406030204" pitchFamily="18" charset="0"/>
-                                      <a:ea typeface="Cambria Math" panose="02040503050406030204" pitchFamily="18" charset="0"/>
-                                    </a:rPr>
-                                    <m:t>𝑑</m:t>
-                                  </m:r>
-                                </m:e>
-                                <m:sub>
-                                  <m:r>
-                                    <a:rPr lang="en-US" altLang="ja-JP" i="1">
-                                      <a:latin typeface="Cambria Math" panose="02040503050406030204" pitchFamily="18" charset="0"/>
-                                      <a:ea typeface="Cambria Math" panose="02040503050406030204" pitchFamily="18" charset="0"/>
-                                    </a:rPr>
-                                    <m:t>𝑘</m:t>
+                                    <m:t>𝑟𝑘</m:t>
                                   </m:r>
                                 </m:sub>
                               </m:sSub>
@@ -4407,6 +4465,62 @@
                                     </a:rPr>
                                     <m:t> </m:t>
                                   </m:r>
+                                  <m:sSub>
+                                    <m:sSubPr>
+                                      <m:ctrlPr>
+                                        <a:rPr lang="en-US" altLang="ja-JP" b="0" i="1" smtClean="0">
+                                          <a:latin typeface="Cambria Math" panose="02040503050406030204" pitchFamily="18" charset="0"/>
+                                          <a:ea typeface="Cambria Math" panose="02040503050406030204" pitchFamily="18" charset="0"/>
+                                        </a:rPr>
+                                      </m:ctrlPr>
+                                    </m:sSubPr>
+                                    <m:e>
+                                      <m:r>
+                                        <a:rPr lang="en-US" altLang="ja-JP" i="1" smtClean="0">
+                                          <a:latin typeface="Cambria Math" panose="02040503050406030204" pitchFamily="18" charset="0"/>
+                                          <a:ea typeface="Cambria Math" panose="02040503050406030204" pitchFamily="18" charset="0"/>
+                                        </a:rPr>
+                                        <m:t>𝛼</m:t>
+                                      </m:r>
+                                    </m:e>
+                                    <m:sub>
+                                      <m:r>
+                                        <a:rPr lang="en-US" altLang="ja-JP" b="0" i="1" smtClean="0">
+                                          <a:latin typeface="Cambria Math" panose="02040503050406030204" pitchFamily="18" charset="0"/>
+                                          <a:ea typeface="Cambria Math" panose="02040503050406030204" pitchFamily="18" charset="0"/>
+                                        </a:rPr>
+                                        <m:t>𝑖</m:t>
+                                      </m:r>
+                                    </m:sub>
+                                  </m:sSub>
+                                  <m:sSub>
+                                    <m:sSubPr>
+                                      <m:ctrlPr>
+                                        <a:rPr lang="en-US" altLang="ja-JP" b="0" i="1" smtClean="0">
+                                          <a:latin typeface="Cambria Math" panose="02040503050406030204" pitchFamily="18" charset="0"/>
+                                          <a:ea typeface="Cambria Math" panose="02040503050406030204" pitchFamily="18" charset="0"/>
+                                        </a:rPr>
+                                      </m:ctrlPr>
+                                    </m:sSubPr>
+                                    <m:e>
+                                      <m:r>
+                                        <a:rPr lang="en-US" altLang="ja-JP" b="0" i="1" smtClean="0">
+                                          <a:latin typeface="Cambria Math" panose="02040503050406030204" pitchFamily="18" charset="0"/>
+                                          <a:ea typeface="Cambria Math" panose="02040503050406030204" pitchFamily="18" charset="0"/>
+                                        </a:rPr>
+                                        <m:t>𝛼</m:t>
+                                      </m:r>
+                                    </m:e>
+                                    <m:sub>
+                                      <m:r>
+                                        <a:rPr lang="en-US" altLang="ja-JP" b="0" i="1" smtClean="0">
+                                          <a:latin typeface="Cambria Math" panose="02040503050406030204" pitchFamily="18" charset="0"/>
+                                          <a:ea typeface="Cambria Math" panose="02040503050406030204" pitchFamily="18" charset="0"/>
+                                        </a:rPr>
+                                        <m:t>𝑟</m:t>
+                                      </m:r>
+                                    </m:sub>
+                                  </m:sSub>
                                   <m:r>
                                     <a:rPr lang="en-US" altLang="ja-JP" i="1">
                                       <a:latin typeface="Cambria Math" panose="02040503050406030204" pitchFamily="18" charset="0"/>
@@ -4513,41 +4627,6 @@
                                     </m:sub>
                                   </m:sSub>
                                   <m:r>
-                                    <a:rPr lang="en-US" altLang="ja-JP" b="0" i="1" smtClean="0">
-                                      <a:latin typeface="Cambria Math" panose="02040503050406030204" pitchFamily="18" charset="0"/>
-                                      <a:ea typeface="Cambria Math" panose="02040503050406030204" pitchFamily="18" charset="0"/>
-                                    </a:rPr>
-                                    <m:t>−</m:t>
-                                  </m:r>
-                                  <m:sSub>
-                                    <m:sSubPr>
-                                      <m:ctrlPr>
-                                        <a:rPr lang="en-US" altLang="ja-JP" b="0" i="1" smtClean="0">
-                                          <a:latin typeface="Cambria Math" panose="02040503050406030204" pitchFamily="18" charset="0"/>
-                                          <a:ea typeface="Cambria Math" panose="02040503050406030204" pitchFamily="18" charset="0"/>
-                                        </a:rPr>
-                                      </m:ctrlPr>
-                                    </m:sSubPr>
-                                    <m:e>
-                                      <m:r>
-                                        <a:rPr lang="en-US" altLang="ja-JP" b="0" i="1" smtClean="0">
-                                          <a:latin typeface="Cambria Math" panose="02040503050406030204" pitchFamily="18" charset="0"/>
-                                          <a:ea typeface="Cambria Math" panose="02040503050406030204" pitchFamily="18" charset="0"/>
-                                        </a:rPr>
-                                        <m:t>𝛽</m:t>
-                                      </m:r>
-                                    </m:e>
-                                    <m:sub>
-                                      <m:r>
-                                        <a:rPr lang="en-US" altLang="ja-JP" b="0" i="1" smtClean="0">
-                                          <a:latin typeface="Cambria Math" panose="02040503050406030204" pitchFamily="18" charset="0"/>
-                                          <a:ea typeface="Cambria Math" panose="02040503050406030204" pitchFamily="18" charset="0"/>
-                                        </a:rPr>
-                                        <m:t>𝑡</m:t>
-                                      </m:r>
-                                    </m:sub>
-                                  </m:sSub>
-                                  <m:r>
                                     <a:rPr lang="en-US" altLang="ja-JP" i="1">
                                       <a:latin typeface="Cambria Math" panose="02040503050406030204" pitchFamily="18" charset="0"/>
                                       <a:ea typeface="Cambria Math" panose="02040503050406030204" pitchFamily="18" charset="0"/>
@@ -4574,6 +4653,13 @@
                                     </m:e>
                                     <m:sub>
                                       <m:r>
+                                        <a:rPr lang="en-US" altLang="ja-JP" b="0" i="1" smtClean="0">
+                                          <a:latin typeface="Cambria Math" panose="02040503050406030204" pitchFamily="18" charset="0"/>
+                                          <a:ea typeface="Cambria Math" panose="02040503050406030204" pitchFamily="18" charset="0"/>
+                                        </a:rPr>
+                                        <m:t>𝑟</m:t>
+                                      </m:r>
+                                      <m:r>
                                         <a:rPr lang="en-US" altLang="ja-JP" i="1">
                                           <a:latin typeface="Cambria Math" panose="02040503050406030204" pitchFamily="18" charset="0"/>
                                           <a:ea typeface="Cambria Math" panose="02040503050406030204" pitchFamily="18" charset="0"/>
@@ -4598,13 +4684,162 @@
                     </m:oMath>
                   </m:oMathPara>
                 </a14:m>
-                <a:endParaRPr kumimoji="1" lang="en-US" altLang="ja-JP" dirty="0"/>
+                <a:endParaRPr lang="en-US" altLang="ja-JP" i="1" dirty="0">
+                  <a:latin typeface="Cambria Math" panose="02040503050406030204" pitchFamily="18" charset="0"/>
+                </a:endParaRPr>
+              </a:p>
+            </p:txBody>
+          </p:sp>
+        </mc:Choice>
+        <mc:Fallback>
+          <p:sp>
+            <p:nvSpPr>
+              <p:cNvPr id="3" name="コンテンツ プレースホルダー 2">
+                <a:extLst>
+                  <a:ext uri="{FF2B5EF4-FFF2-40B4-BE49-F238E27FC236}">
+                    <a16:creationId xmlns:a16="http://schemas.microsoft.com/office/drawing/2014/main" id="{C3CF8BC3-3D61-C34F-9DC9-13DF01D55FFE}"/>
+                  </a:ext>
+                </a:extLst>
+              </p:cNvPr>
+              <p:cNvSpPr>
+                <a:spLocks noGrp="1" noRot="1" noChangeAspect="1" noMove="1" noResize="1" noEditPoints="1" noAdjustHandles="1" noChangeArrowheads="1" noChangeShapeType="1" noTextEdit="1"/>
+              </p:cNvSpPr>
+              <p:nvPr>
+                <p:ph idx="1"/>
+              </p:nvPr>
+            </p:nvSpPr>
+            <p:spPr>
+              <a:blipFill>
+                <a:blip r:embed="rId2"/>
+                <a:stretch>
+                  <a:fillRect l="-1206" t="-2326"/>
+                </a:stretch>
+              </a:blipFill>
+            </p:spPr>
+            <p:txBody>
+              <a:bodyPr/>
+              <a:lstStyle/>
+              <a:p>
+                <a:r>
+                  <a:rPr lang="ja-JP" altLang="en-US">
+                    <a:noFill/>
+                  </a:rPr>
+                  <a:t> </a:t>
+                </a:r>
+              </a:p>
+            </p:txBody>
+          </p:sp>
+        </mc:Fallback>
+      </mc:AlternateContent>
+    </p:spTree>
+    <p:extLst>
+      <p:ext uri="{BB962C8B-B14F-4D97-AF65-F5344CB8AC3E}">
+        <p14:creationId xmlns:p14="http://schemas.microsoft.com/office/powerpoint/2010/main" val="3272383291"/>
+      </p:ext>
+    </p:extLst>
+  </p:cSld>
+  <p:clrMapOvr>
+    <a:masterClrMapping/>
+  </p:clrMapOvr>
+</p:sld>
+</file>
+
+<file path=ppt/slides/slide4.xml><?xml version="1.0" encoding="utf-8"?>
+<p:sld xmlns:a="http://schemas.openxmlformats.org/drawingml/2006/main" xmlns:r="http://schemas.openxmlformats.org/officeDocument/2006/relationships" xmlns:p="http://schemas.openxmlformats.org/presentationml/2006/main">
+  <p:cSld>
+    <p:spTree>
+      <p:nvGrpSpPr>
+        <p:cNvPr id="1" name=""/>
+        <p:cNvGrpSpPr/>
+        <p:nvPr/>
+      </p:nvGrpSpPr>
+      <p:grpSpPr>
+        <a:xfrm>
+          <a:off x="0" y="0"/>
+          <a:ext cx="0" cy="0"/>
+          <a:chOff x="0" y="0"/>
+          <a:chExt cx="0" cy="0"/>
+        </a:xfrm>
+      </p:grpSpPr>
+      <p:sp>
+        <p:nvSpPr>
+          <p:cNvPr id="2" name="タイトル 1">
+            <a:extLst>
+              <a:ext uri="{FF2B5EF4-FFF2-40B4-BE49-F238E27FC236}">
+                <a16:creationId xmlns:a16="http://schemas.microsoft.com/office/drawing/2014/main" id="{5F2B9539-0BEB-2646-8C67-AAADA7E8A508}"/>
+              </a:ext>
+            </a:extLst>
+          </p:cNvPr>
+          <p:cNvSpPr>
+            <a:spLocks noGrp="1"/>
+          </p:cNvSpPr>
+          <p:nvPr>
+            <p:ph type="title"/>
+          </p:nvPr>
+        </p:nvSpPr>
+        <p:spPr/>
+        <p:txBody>
+          <a:bodyPr/>
+          <a:lstStyle/>
+          <a:p>
+            <a:r>
+              <a:rPr kumimoji="1" lang="ja-JP" altLang="en-US"/>
+              <a:t>項目反応理論</a:t>
+            </a:r>
+          </a:p>
+        </p:txBody>
+      </p:sp>
+      <mc:AlternateContent xmlns:mc="http://schemas.openxmlformats.org/markup-compatibility/2006">
+        <mc:Choice xmlns:a14="http://schemas.microsoft.com/office/drawing/2010/main" Requires="a14">
+          <p:sp>
+            <p:nvSpPr>
+              <p:cNvPr id="3" name="コンテンツ プレースホルダー 2">
+                <a:extLst>
+                  <a:ext uri="{FF2B5EF4-FFF2-40B4-BE49-F238E27FC236}">
+                    <a16:creationId xmlns:a16="http://schemas.microsoft.com/office/drawing/2014/main" id="{938E151A-72D2-4248-9014-7F619D3898DD}"/>
+                  </a:ext>
+                </a:extLst>
+              </p:cNvPr>
+              <p:cNvSpPr>
+                <a:spLocks noGrp="1"/>
+              </p:cNvSpPr>
+              <p:nvPr>
+                <p:ph idx="1"/>
+              </p:nvPr>
+            </p:nvSpPr>
+            <p:spPr/>
+            <p:txBody>
+              <a:bodyPr/>
+              <a:lstStyle/>
+              <a:p>
+                <a:pPr marL="0" indent="0">
+                  <a:buNone/>
+                </a:pPr>
+                <a:r>
+                  <a:rPr lang="ja-JP" altLang="en-US">
+                    <a:latin typeface="Cambria Math" panose="02040503050406030204" pitchFamily="18" charset="0"/>
+                  </a:rPr>
+                  <a:t>時間による特性変化を考慮</a:t>
+                </a:r>
+                <a:endParaRPr lang="en-US" altLang="ja-JP" dirty="0">
+                  <a:latin typeface="Cambria Math" panose="02040503050406030204" pitchFamily="18" charset="0"/>
+                </a:endParaRPr>
               </a:p>
               <a:p>
                 <a:pPr marL="0" indent="0">
                   <a:buNone/>
                 </a:pPr>
-                <a:endParaRPr kumimoji="1" lang="en-US" altLang="ja-JP" dirty="0"/>
+                <a:endParaRPr lang="en-US" altLang="ja-JP" i="1" dirty="0">
+                  <a:latin typeface="Cambria Math" panose="02040503050406030204" pitchFamily="18" charset="0"/>
+                </a:endParaRPr>
+              </a:p>
+              <a:p>
+                <a:pPr marL="0" indent="0">
+                  <a:buNone/>
+                </a:pPr>
+                <a:endParaRPr lang="en-US" altLang="ja-JP" i="1" dirty="0">
+                  <a:latin typeface="Cambria Math" panose="02040503050406030204" pitchFamily="18" charset="0"/>
+                </a:endParaRPr>
               </a:p>
               <a:p>
                 <a:pPr marL="0" indent="0">
@@ -4813,6 +5048,662 @@
                                       <a:latin typeface="Cambria Math" panose="02040503050406030204" pitchFamily="18" charset="0"/>
                                       <a:ea typeface="Cambria Math" panose="02040503050406030204" pitchFamily="18" charset="0"/>
                                     </a:rPr>
+                                    <m:t>𝛽</m:t>
+                                  </m:r>
+                                </m:e>
+                                <m:sub>
+                                  <m:r>
+                                    <a:rPr lang="en-US" altLang="ja-JP" b="0" i="1" smtClean="0">
+                                      <a:latin typeface="Cambria Math" panose="02040503050406030204" pitchFamily="18" charset="0"/>
+                                      <a:ea typeface="Cambria Math" panose="02040503050406030204" pitchFamily="18" charset="0"/>
+                                    </a:rPr>
+                                    <m:t>𝑡</m:t>
+                                  </m:r>
+                                </m:sub>
+                              </m:sSub>
+                              <m:r>
+                                <a:rPr lang="en-US" altLang="ja-JP" i="1">
+                                  <a:latin typeface="Cambria Math" panose="02040503050406030204" pitchFamily="18" charset="0"/>
+                                  <a:ea typeface="Cambria Math" panose="02040503050406030204" pitchFamily="18" charset="0"/>
+                                </a:rPr>
+                                <m:t>−</m:t>
+                              </m:r>
+                              <m:sSub>
+                                <m:sSubPr>
+                                  <m:ctrlPr>
+                                    <a:rPr lang="en-US" altLang="ja-JP" i="1">
+                                      <a:latin typeface="Cambria Math" panose="02040503050406030204" pitchFamily="18" charset="0"/>
+                                      <a:ea typeface="Cambria Math" panose="02040503050406030204" pitchFamily="18" charset="0"/>
+                                    </a:rPr>
+                                  </m:ctrlPr>
+                                </m:sSubPr>
+                                <m:e>
+                                  <m:r>
+                                    <a:rPr lang="en-US" altLang="ja-JP" i="1">
+                                      <a:latin typeface="Cambria Math" panose="02040503050406030204" pitchFamily="18" charset="0"/>
+                                      <a:ea typeface="Cambria Math" panose="02040503050406030204" pitchFamily="18" charset="0"/>
+                                    </a:rPr>
+                                    <m:t>𝑑</m:t>
+                                  </m:r>
+                                </m:e>
+                                <m:sub>
+                                  <m:r>
+                                    <a:rPr lang="en-US" altLang="ja-JP" i="1">
+                                      <a:latin typeface="Cambria Math" panose="02040503050406030204" pitchFamily="18" charset="0"/>
+                                      <a:ea typeface="Cambria Math" panose="02040503050406030204" pitchFamily="18" charset="0"/>
+                                    </a:rPr>
+                                    <m:t>𝑘</m:t>
+                                  </m:r>
+                                </m:sub>
+                              </m:sSub>
+                              <m:r>
+                                <a:rPr lang="en-US" altLang="ja-JP" i="1">
+                                  <a:latin typeface="Cambria Math" panose="02040503050406030204" pitchFamily="18" charset="0"/>
+                                  <a:ea typeface="Cambria Math" panose="02040503050406030204" pitchFamily="18" charset="0"/>
+                                </a:rPr>
+                                <m:t>)</m:t>
+                              </m:r>
+                            </m:e>
+                          </m:nary>
+                        </m:num>
+                        <m:den>
+                          <m:nary>
+                            <m:naryPr>
+                              <m:chr m:val="∑"/>
+                              <m:subHide m:val="on"/>
+                              <m:supHide m:val="on"/>
+                              <m:ctrlPr>
+                                <a:rPr lang="en-US" altLang="ja-JP" i="1">
+                                  <a:latin typeface="Cambria Math" panose="02040503050406030204" pitchFamily="18" charset="0"/>
+                                </a:rPr>
+                              </m:ctrlPr>
+                            </m:naryPr>
+                            <m:sub/>
+                            <m:sup/>
+                            <m:e>
+                              <m:r>
+                                <m:rPr>
+                                  <m:nor/>
+                                </m:rPr>
+                                <a:rPr lang="en-US" altLang="ja-JP">
+                                  <a:latin typeface="Cambria Math" panose="02040503050406030204" pitchFamily="18" charset="0"/>
+                                </a:rPr>
+                                <m:t>exp</m:t>
+                              </m:r>
+                              <m:nary>
+                                <m:naryPr>
+                                  <m:chr m:val="∑"/>
+                                  <m:subHide m:val="on"/>
+                                  <m:supHide m:val="on"/>
+                                  <m:ctrlPr>
+                                    <a:rPr lang="en-US" altLang="ja-JP" i="1">
+                                      <a:latin typeface="Cambria Math" panose="02040503050406030204" pitchFamily="18" charset="0"/>
+                                    </a:rPr>
+                                  </m:ctrlPr>
+                                </m:naryPr>
+                                <m:sub/>
+                                <m:sup/>
+                                <m:e>
+                                  <m:r>
+                                    <a:rPr lang="en-US" altLang="ja-JP" i="1" smtClean="0">
+                                      <a:latin typeface="Cambria Math" panose="02040503050406030204" pitchFamily="18" charset="0"/>
+                                      <a:ea typeface="Cambria Math" panose="02040503050406030204" pitchFamily="18" charset="0"/>
+                                    </a:rPr>
+                                    <m:t> </m:t>
+                                  </m:r>
+                                  <m:r>
+                                    <a:rPr lang="en-US" altLang="ja-JP" i="1">
+                                      <a:latin typeface="Cambria Math" panose="02040503050406030204" pitchFamily="18" charset="0"/>
+                                      <a:ea typeface="Cambria Math" panose="02040503050406030204" pitchFamily="18" charset="0"/>
+                                    </a:rPr>
+                                    <m:t>(</m:t>
+                                  </m:r>
+                                  <m:sSub>
+                                    <m:sSubPr>
+                                      <m:ctrlPr>
+                                        <a:rPr lang="en-US" altLang="ja-JP" i="1" smtClean="0">
+                                          <a:latin typeface="Cambria Math" panose="02040503050406030204" pitchFamily="18" charset="0"/>
+                                          <a:ea typeface="Cambria Math" panose="02040503050406030204" pitchFamily="18" charset="0"/>
+                                        </a:rPr>
+                                      </m:ctrlPr>
+                                    </m:sSubPr>
+                                    <m:e>
+                                      <m:r>
+                                        <a:rPr lang="en-US" altLang="ja-JP" i="1">
+                                          <a:latin typeface="Cambria Math" panose="02040503050406030204" pitchFamily="18" charset="0"/>
+                                          <a:ea typeface="Cambria Math" panose="02040503050406030204" pitchFamily="18" charset="0"/>
+                                        </a:rPr>
+                                        <m:t>𝜃</m:t>
+                                      </m:r>
+                                    </m:e>
+                                    <m:sub>
+                                      <m:r>
+                                        <a:rPr lang="en-US" altLang="ja-JP" i="1">
+                                          <a:latin typeface="Cambria Math" panose="02040503050406030204" pitchFamily="18" charset="0"/>
+                                          <a:ea typeface="Cambria Math" panose="02040503050406030204" pitchFamily="18" charset="0"/>
+                                        </a:rPr>
+                                        <m:t>𝑗</m:t>
+                                      </m:r>
+                                    </m:sub>
+                                  </m:sSub>
+                                  <m:r>
+                                    <a:rPr lang="en-US" altLang="ja-JP" i="1">
+                                      <a:latin typeface="Cambria Math" panose="02040503050406030204" pitchFamily="18" charset="0"/>
+                                      <a:ea typeface="Cambria Math" panose="02040503050406030204" pitchFamily="18" charset="0"/>
+                                    </a:rPr>
+                                    <m:t>−</m:t>
+                                  </m:r>
+                                  <m:sSub>
+                                    <m:sSubPr>
+                                      <m:ctrlPr>
+                                        <a:rPr lang="en-US" altLang="ja-JP" i="1">
+                                          <a:latin typeface="Cambria Math" panose="02040503050406030204" pitchFamily="18" charset="0"/>
+                                          <a:ea typeface="Cambria Math" panose="02040503050406030204" pitchFamily="18" charset="0"/>
+                                        </a:rPr>
+                                      </m:ctrlPr>
+                                    </m:sSubPr>
+                                    <m:e>
+                                      <m:r>
+                                        <a:rPr lang="en-US" altLang="ja-JP" i="1">
+                                          <a:latin typeface="Cambria Math" panose="02040503050406030204" pitchFamily="18" charset="0"/>
+                                          <a:ea typeface="Cambria Math" panose="02040503050406030204" pitchFamily="18" charset="0"/>
+                                        </a:rPr>
+                                        <m:t>𝛽</m:t>
+                                      </m:r>
+                                    </m:e>
+                                    <m:sub>
+                                      <m:r>
+                                        <a:rPr lang="en-US" altLang="ja-JP" b="0" i="1" smtClean="0">
+                                          <a:latin typeface="Cambria Math" panose="02040503050406030204" pitchFamily="18" charset="0"/>
+                                          <a:ea typeface="Cambria Math" panose="02040503050406030204" pitchFamily="18" charset="0"/>
+                                        </a:rPr>
+                                        <m:t>𝑖</m:t>
+                                      </m:r>
+                                    </m:sub>
+                                  </m:sSub>
+                                  <m:r>
+                                    <a:rPr lang="en-US" altLang="ja-JP" b="0" i="1" smtClean="0">
+                                      <a:latin typeface="Cambria Math" panose="02040503050406030204" pitchFamily="18" charset="0"/>
+                                      <a:ea typeface="Cambria Math" panose="02040503050406030204" pitchFamily="18" charset="0"/>
+                                    </a:rPr>
+                                    <m:t>−</m:t>
+                                  </m:r>
+                                  <m:sSub>
+                                    <m:sSubPr>
+                                      <m:ctrlPr>
+                                        <a:rPr lang="en-US" altLang="ja-JP" b="0" i="1" smtClean="0">
+                                          <a:latin typeface="Cambria Math" panose="02040503050406030204" pitchFamily="18" charset="0"/>
+                                          <a:ea typeface="Cambria Math" panose="02040503050406030204" pitchFamily="18" charset="0"/>
+                                        </a:rPr>
+                                      </m:ctrlPr>
+                                    </m:sSubPr>
+                                    <m:e>
+                                      <m:r>
+                                        <a:rPr lang="en-US" altLang="ja-JP" b="0" i="1" smtClean="0">
+                                          <a:latin typeface="Cambria Math" panose="02040503050406030204" pitchFamily="18" charset="0"/>
+                                          <a:ea typeface="Cambria Math" panose="02040503050406030204" pitchFamily="18" charset="0"/>
+                                        </a:rPr>
+                                        <m:t>𝛽</m:t>
+                                      </m:r>
+                                    </m:e>
+                                    <m:sub>
+                                      <m:r>
+                                        <a:rPr lang="en-US" altLang="ja-JP" b="0" i="1" smtClean="0">
+                                          <a:latin typeface="Cambria Math" panose="02040503050406030204" pitchFamily="18" charset="0"/>
+                                          <a:ea typeface="Cambria Math" panose="02040503050406030204" pitchFamily="18" charset="0"/>
+                                        </a:rPr>
+                                        <m:t>𝑟</m:t>
+                                      </m:r>
+                                    </m:sub>
+                                  </m:sSub>
+                                  <m:r>
+                                    <a:rPr lang="en-US" altLang="ja-JP" b="0" i="1" smtClean="0">
+                                      <a:latin typeface="Cambria Math" panose="02040503050406030204" pitchFamily="18" charset="0"/>
+                                      <a:ea typeface="Cambria Math" panose="02040503050406030204" pitchFamily="18" charset="0"/>
+                                    </a:rPr>
+                                    <m:t>−</m:t>
+                                  </m:r>
+                                  <m:sSub>
+                                    <m:sSubPr>
+                                      <m:ctrlPr>
+                                        <a:rPr lang="en-US" altLang="ja-JP" b="0" i="1" smtClean="0">
+                                          <a:latin typeface="Cambria Math" panose="02040503050406030204" pitchFamily="18" charset="0"/>
+                                          <a:ea typeface="Cambria Math" panose="02040503050406030204" pitchFamily="18" charset="0"/>
+                                        </a:rPr>
+                                      </m:ctrlPr>
+                                    </m:sSubPr>
+                                    <m:e>
+                                      <m:r>
+                                        <a:rPr lang="en-US" altLang="ja-JP" b="0" i="1" smtClean="0">
+                                          <a:latin typeface="Cambria Math" panose="02040503050406030204" pitchFamily="18" charset="0"/>
+                                          <a:ea typeface="Cambria Math" panose="02040503050406030204" pitchFamily="18" charset="0"/>
+                                        </a:rPr>
+                                        <m:t>𝛽</m:t>
+                                      </m:r>
+                                    </m:e>
+                                    <m:sub>
+                                      <m:r>
+                                        <a:rPr lang="en-US" altLang="ja-JP" b="0" i="1" smtClean="0">
+                                          <a:latin typeface="Cambria Math" panose="02040503050406030204" pitchFamily="18" charset="0"/>
+                                          <a:ea typeface="Cambria Math" panose="02040503050406030204" pitchFamily="18" charset="0"/>
+                                        </a:rPr>
+                                        <m:t>𝑡</m:t>
+                                      </m:r>
+                                    </m:sub>
+                                  </m:sSub>
+                                  <m:r>
+                                    <a:rPr lang="en-US" altLang="ja-JP" i="1">
+                                      <a:latin typeface="Cambria Math" panose="02040503050406030204" pitchFamily="18" charset="0"/>
+                                      <a:ea typeface="Cambria Math" panose="02040503050406030204" pitchFamily="18" charset="0"/>
+                                    </a:rPr>
+                                    <m:t>−</m:t>
+                                  </m:r>
+                                  <m:sSub>
+                                    <m:sSubPr>
+                                      <m:ctrlPr>
+                                        <a:rPr lang="en-US" altLang="ja-JP" i="1">
+                                          <a:latin typeface="Cambria Math" panose="02040503050406030204" pitchFamily="18" charset="0"/>
+                                          <a:ea typeface="Cambria Math" panose="02040503050406030204" pitchFamily="18" charset="0"/>
+                                        </a:rPr>
+                                      </m:ctrlPr>
+                                    </m:sSubPr>
+                                    <m:e>
+                                      <m:r>
+                                        <a:rPr lang="en-US" altLang="ja-JP" i="1">
+                                          <a:latin typeface="Cambria Math" panose="02040503050406030204" pitchFamily="18" charset="0"/>
+                                          <a:ea typeface="Cambria Math" panose="02040503050406030204" pitchFamily="18" charset="0"/>
+                                        </a:rPr>
+                                        <m:t>𝑑</m:t>
+                                      </m:r>
+                                    </m:e>
+                                    <m:sub>
+                                      <m:r>
+                                        <a:rPr lang="en-US" altLang="ja-JP" i="1">
+                                          <a:latin typeface="Cambria Math" panose="02040503050406030204" pitchFamily="18" charset="0"/>
+                                          <a:ea typeface="Cambria Math" panose="02040503050406030204" pitchFamily="18" charset="0"/>
+                                        </a:rPr>
+                                        <m:t>𝑘</m:t>
+                                      </m:r>
+                                    </m:sub>
+                                  </m:sSub>
+                                  <m:r>
+                                    <a:rPr lang="en-US" altLang="ja-JP" i="1">
+                                      <a:latin typeface="Cambria Math" panose="02040503050406030204" pitchFamily="18" charset="0"/>
+                                      <a:ea typeface="Cambria Math" panose="02040503050406030204" pitchFamily="18" charset="0"/>
+                                    </a:rPr>
+                                    <m:t>)</m:t>
+                                  </m:r>
+                                </m:e>
+                              </m:nary>
+                            </m:e>
+                          </m:nary>
+                        </m:den>
+                      </m:f>
+                    </m:oMath>
+                  </m:oMathPara>
+                </a14:m>
+                <a:endParaRPr kumimoji="1" lang="ja-JP" altLang="en-US"/>
+              </a:p>
+            </p:txBody>
+          </p:sp>
+        </mc:Choice>
+        <mc:Fallback>
+          <p:sp>
+            <p:nvSpPr>
+              <p:cNvPr id="3" name="コンテンツ プレースホルダー 2">
+                <a:extLst>
+                  <a:ext uri="{FF2B5EF4-FFF2-40B4-BE49-F238E27FC236}">
+                    <a16:creationId xmlns:a16="http://schemas.microsoft.com/office/drawing/2014/main" id="{938E151A-72D2-4248-9014-7F619D3898DD}"/>
+                  </a:ext>
+                </a:extLst>
+              </p:cNvPr>
+              <p:cNvSpPr>
+                <a:spLocks noGrp="1" noRot="1" noChangeAspect="1" noMove="1" noResize="1" noEditPoints="1" noAdjustHandles="1" noChangeArrowheads="1" noChangeShapeType="1" noTextEdit="1"/>
+              </p:cNvSpPr>
+              <p:nvPr>
+                <p:ph idx="1"/>
+              </p:nvPr>
+            </p:nvSpPr>
+            <p:spPr>
+              <a:blipFill>
+                <a:blip r:embed="rId2"/>
+                <a:stretch>
+                  <a:fillRect l="-1206" t="-2326"/>
+                </a:stretch>
+              </a:blipFill>
+            </p:spPr>
+            <p:txBody>
+              <a:bodyPr/>
+              <a:lstStyle/>
+              <a:p>
+                <a:r>
+                  <a:rPr lang="ja-JP" altLang="en-US">
+                    <a:noFill/>
+                  </a:rPr>
+                  <a:t> </a:t>
+                </a:r>
+              </a:p>
+            </p:txBody>
+          </p:sp>
+        </mc:Fallback>
+      </mc:AlternateContent>
+    </p:spTree>
+    <p:extLst>
+      <p:ext uri="{BB962C8B-B14F-4D97-AF65-F5344CB8AC3E}">
+        <p14:creationId xmlns:p14="http://schemas.microsoft.com/office/powerpoint/2010/main" val="2994741032"/>
+      </p:ext>
+    </p:extLst>
+  </p:cSld>
+  <p:clrMapOvr>
+    <a:masterClrMapping/>
+  </p:clrMapOvr>
+</p:sld>
+</file>
+
+<file path=ppt/slides/slide5.xml><?xml version="1.0" encoding="utf-8"?>
+<p:sld xmlns:a="http://schemas.openxmlformats.org/drawingml/2006/main" xmlns:r="http://schemas.openxmlformats.org/officeDocument/2006/relationships" xmlns:p="http://schemas.openxmlformats.org/presentationml/2006/main">
+  <p:cSld>
+    <p:spTree>
+      <p:nvGrpSpPr>
+        <p:cNvPr id="1" name=""/>
+        <p:cNvGrpSpPr/>
+        <p:nvPr/>
+      </p:nvGrpSpPr>
+      <p:grpSpPr>
+        <a:xfrm>
+          <a:off x="0" y="0"/>
+          <a:ext cx="0" cy="0"/>
+          <a:chOff x="0" y="0"/>
+          <a:chExt cx="0" cy="0"/>
+        </a:xfrm>
+      </p:grpSpPr>
+      <p:sp>
+        <p:nvSpPr>
+          <p:cNvPr id="2" name="タイトル 1">
+            <a:extLst>
+              <a:ext uri="{FF2B5EF4-FFF2-40B4-BE49-F238E27FC236}">
+                <a16:creationId xmlns:a16="http://schemas.microsoft.com/office/drawing/2014/main" id="{4BBB86CA-CBB4-5B4B-B859-D5F8D220B93C}"/>
+              </a:ext>
+            </a:extLst>
+          </p:cNvPr>
+          <p:cNvSpPr>
+            <a:spLocks noGrp="1"/>
+          </p:cNvSpPr>
+          <p:nvPr>
+            <p:ph type="title"/>
+          </p:nvPr>
+        </p:nvSpPr>
+        <p:spPr/>
+        <p:txBody>
+          <a:bodyPr/>
+          <a:lstStyle/>
+          <a:p>
+            <a:r>
+              <a:rPr kumimoji="1" lang="ja-JP" altLang="en-US"/>
+              <a:t>項目反応理論</a:t>
+            </a:r>
+          </a:p>
+        </p:txBody>
+      </p:sp>
+      <mc:AlternateContent xmlns:mc="http://schemas.openxmlformats.org/markup-compatibility/2006">
+        <mc:Choice xmlns:a14="http://schemas.microsoft.com/office/drawing/2010/main" Requires="a14">
+          <p:sp>
+            <p:nvSpPr>
+              <p:cNvPr id="3" name="コンテンツ プレースホルダー 2">
+                <a:extLst>
+                  <a:ext uri="{FF2B5EF4-FFF2-40B4-BE49-F238E27FC236}">
+                    <a16:creationId xmlns:a16="http://schemas.microsoft.com/office/drawing/2014/main" id="{E7724FD9-0B05-6F49-BB42-AE4C88C29624}"/>
+                  </a:ext>
+                </a:extLst>
+              </p:cNvPr>
+              <p:cNvSpPr>
+                <a:spLocks noGrp="1"/>
+              </p:cNvSpPr>
+              <p:nvPr>
+                <p:ph idx="1"/>
+              </p:nvPr>
+            </p:nvSpPr>
+            <p:spPr/>
+            <p:txBody>
+              <a:bodyPr/>
+              <a:lstStyle/>
+              <a:p>
+                <a:pPr marL="0" indent="0">
+                  <a:buNone/>
+                </a:pPr>
+                <a:r>
+                  <a:rPr lang="ja-JP" altLang="en-US">
+                    <a:latin typeface="Cambria Math" panose="02040503050406030204" pitchFamily="18" charset="0"/>
+                  </a:rPr>
+                  <a:t>評価者ドリフトを考慮</a:t>
+                </a:r>
+                <a:endParaRPr lang="en-US" altLang="ja-JP" dirty="0">
+                  <a:latin typeface="Cambria Math" panose="02040503050406030204" pitchFamily="18" charset="0"/>
+                </a:endParaRPr>
+              </a:p>
+              <a:p>
+                <a:pPr marL="0" indent="0">
+                  <a:buNone/>
+                </a:pPr>
+                <a:endParaRPr lang="en-US" altLang="ja-JP" i="1" dirty="0">
+                  <a:latin typeface="Cambria Math" panose="02040503050406030204" pitchFamily="18" charset="0"/>
+                </a:endParaRPr>
+              </a:p>
+              <a:p>
+                <a:pPr marL="0" indent="0">
+                  <a:buNone/>
+                </a:pPr>
+                <a:endParaRPr lang="en-US" altLang="ja-JP" i="1" dirty="0">
+                  <a:latin typeface="Cambria Math" panose="02040503050406030204" pitchFamily="18" charset="0"/>
+                </a:endParaRPr>
+              </a:p>
+              <a:p>
+                <a:pPr marL="0" indent="0">
+                  <a:buNone/>
+                </a:pPr>
+                <a14:m>
+                  <m:oMathPara xmlns:m="http://schemas.openxmlformats.org/officeDocument/2006/math">
+                    <m:oMathParaPr>
+                      <m:jc m:val="centerGroup"/>
+                    </m:oMathParaPr>
+                    <m:oMath xmlns:m="http://schemas.openxmlformats.org/officeDocument/2006/math">
+                      <m:sSub>
+                        <m:sSubPr>
+                          <m:ctrlPr>
+                            <a:rPr lang="en-US" altLang="ja-JP" i="1" smtClean="0">
+                              <a:latin typeface="Cambria Math" panose="02040503050406030204" pitchFamily="18" charset="0"/>
+                            </a:rPr>
+                          </m:ctrlPr>
+                        </m:sSubPr>
+                        <m:e>
+                          <m:r>
+                            <a:rPr lang="en-US" altLang="ja-JP" i="1">
+                              <a:latin typeface="Cambria Math" panose="02040503050406030204" pitchFamily="18" charset="0"/>
+                            </a:rPr>
+                            <m:t>𝑃</m:t>
+                          </m:r>
+                        </m:e>
+                        <m:sub>
+                          <m:r>
+                            <a:rPr lang="en-US" altLang="ja-JP" i="1">
+                              <a:latin typeface="Cambria Math" panose="02040503050406030204" pitchFamily="18" charset="0"/>
+                            </a:rPr>
+                            <m:t>𝑗𝑟𝑡𝑘</m:t>
+                          </m:r>
+                        </m:sub>
+                      </m:sSub>
+                      <m:r>
+                        <a:rPr lang="en-US" altLang="ja-JP" i="1">
+                          <a:latin typeface="Cambria Math" panose="02040503050406030204" pitchFamily="18" charset="0"/>
+                        </a:rPr>
+                        <m:t>=</m:t>
+                      </m:r>
+                      <m:f>
+                        <m:fPr>
+                          <m:ctrlPr>
+                            <a:rPr lang="en-US" altLang="ja-JP" i="1">
+                              <a:latin typeface="Cambria Math" panose="02040503050406030204" pitchFamily="18" charset="0"/>
+                            </a:rPr>
+                          </m:ctrlPr>
+                        </m:fPr>
+                        <m:num>
+                          <m:r>
+                            <m:rPr>
+                              <m:nor/>
+                            </m:rPr>
+                            <a:rPr lang="en-US" altLang="ja-JP">
+                              <a:latin typeface="Cambria Math" panose="02040503050406030204" pitchFamily="18" charset="0"/>
+                            </a:rPr>
+                            <m:t>exp</m:t>
+                          </m:r>
+                          <m:nary>
+                            <m:naryPr>
+                              <m:chr m:val="∑"/>
+                              <m:subHide m:val="on"/>
+                              <m:supHide m:val="on"/>
+                              <m:ctrlPr>
+                                <a:rPr lang="en-US" altLang="ja-JP" i="1">
+                                  <a:latin typeface="Cambria Math" panose="02040503050406030204" pitchFamily="18" charset="0"/>
+                                </a:rPr>
+                              </m:ctrlPr>
+                            </m:naryPr>
+                            <m:sub/>
+                            <m:sup/>
+                            <m:e>
+                              <m:r>
+                                <a:rPr lang="en-US" altLang="ja-JP" i="1" smtClean="0">
+                                  <a:latin typeface="Cambria Math" panose="02040503050406030204" pitchFamily="18" charset="0"/>
+                                  <a:ea typeface="Cambria Math" panose="02040503050406030204" pitchFamily="18" charset="0"/>
+                                </a:rPr>
+                                <m:t> </m:t>
+                              </m:r>
+                              <m:r>
+                                <a:rPr lang="en-US" altLang="ja-JP" i="1">
+                                  <a:latin typeface="Cambria Math" panose="02040503050406030204" pitchFamily="18" charset="0"/>
+                                  <a:ea typeface="Cambria Math" panose="02040503050406030204" pitchFamily="18" charset="0"/>
+                                </a:rPr>
+                                <m:t>(</m:t>
+                              </m:r>
+                              <m:sSub>
+                                <m:sSubPr>
+                                  <m:ctrlPr>
+                                    <a:rPr lang="en-US" altLang="ja-JP" i="1">
+                                      <a:latin typeface="Cambria Math" panose="02040503050406030204" pitchFamily="18" charset="0"/>
+                                      <a:ea typeface="Cambria Math" panose="02040503050406030204" pitchFamily="18" charset="0"/>
+                                    </a:rPr>
+                                  </m:ctrlPr>
+                                </m:sSubPr>
+                                <m:e>
+                                  <m:r>
+                                    <a:rPr lang="en-US" altLang="ja-JP" i="1">
+                                      <a:latin typeface="Cambria Math" panose="02040503050406030204" pitchFamily="18" charset="0"/>
+                                      <a:ea typeface="Cambria Math" panose="02040503050406030204" pitchFamily="18" charset="0"/>
+                                    </a:rPr>
+                                    <m:t>𝜃</m:t>
+                                  </m:r>
+                                </m:e>
+                                <m:sub>
+                                  <m:r>
+                                    <a:rPr lang="en-US" altLang="ja-JP" i="1">
+                                      <a:latin typeface="Cambria Math" panose="02040503050406030204" pitchFamily="18" charset="0"/>
+                                      <a:ea typeface="Cambria Math" panose="02040503050406030204" pitchFamily="18" charset="0"/>
+                                    </a:rPr>
+                                    <m:t>𝑗</m:t>
+                                  </m:r>
+                                </m:sub>
+                              </m:sSub>
+                              <m:r>
+                                <a:rPr lang="en-US" altLang="ja-JP" i="1">
+                                  <a:latin typeface="Cambria Math" panose="02040503050406030204" pitchFamily="18" charset="0"/>
+                                  <a:ea typeface="Cambria Math" panose="02040503050406030204" pitchFamily="18" charset="0"/>
+                                </a:rPr>
+                                <m:t>−</m:t>
+                              </m:r>
+                              <m:sSub>
+                                <m:sSubPr>
+                                  <m:ctrlPr>
+                                    <a:rPr lang="en-US" altLang="ja-JP" i="1">
+                                      <a:latin typeface="Cambria Math" panose="02040503050406030204" pitchFamily="18" charset="0"/>
+                                      <a:ea typeface="Cambria Math" panose="02040503050406030204" pitchFamily="18" charset="0"/>
+                                    </a:rPr>
+                                  </m:ctrlPr>
+                                </m:sSubPr>
+                                <m:e>
+                                  <m:r>
+                                    <a:rPr lang="en-US" altLang="ja-JP" i="1">
+                                      <a:latin typeface="Cambria Math" panose="02040503050406030204" pitchFamily="18" charset="0"/>
+                                      <a:ea typeface="Cambria Math" panose="02040503050406030204" pitchFamily="18" charset="0"/>
+                                    </a:rPr>
+                                    <m:t>𝛽</m:t>
+                                  </m:r>
+                                </m:e>
+                                <m:sub>
+                                  <m:r>
+                                    <a:rPr lang="en-US" altLang="ja-JP" b="0" i="1" smtClean="0">
+                                      <a:latin typeface="Cambria Math" panose="02040503050406030204" pitchFamily="18" charset="0"/>
+                                      <a:ea typeface="Cambria Math" panose="02040503050406030204" pitchFamily="18" charset="0"/>
+                                    </a:rPr>
+                                    <m:t>𝑖</m:t>
+                                  </m:r>
+                                </m:sub>
+                              </m:sSub>
+                              <m:r>
+                                <a:rPr lang="en-US" altLang="ja-JP" b="0" i="1" smtClean="0">
+                                  <a:latin typeface="Cambria Math" panose="02040503050406030204" pitchFamily="18" charset="0"/>
+                                  <a:ea typeface="Cambria Math" panose="02040503050406030204" pitchFamily="18" charset="0"/>
+                                </a:rPr>
+                                <m:t>−</m:t>
+                              </m:r>
+                              <m:sSub>
+                                <m:sSubPr>
+                                  <m:ctrlPr>
+                                    <a:rPr lang="en-US" altLang="ja-JP" b="0" i="1" smtClean="0">
+                                      <a:latin typeface="Cambria Math" panose="02040503050406030204" pitchFamily="18" charset="0"/>
+                                      <a:ea typeface="Cambria Math" panose="02040503050406030204" pitchFamily="18" charset="0"/>
+                                    </a:rPr>
+                                  </m:ctrlPr>
+                                </m:sSubPr>
+                                <m:e>
+                                  <m:r>
+                                    <a:rPr lang="en-US" altLang="ja-JP" b="0" i="1" smtClean="0">
+                                      <a:latin typeface="Cambria Math" panose="02040503050406030204" pitchFamily="18" charset="0"/>
+                                      <a:ea typeface="Cambria Math" panose="02040503050406030204" pitchFamily="18" charset="0"/>
+                                    </a:rPr>
+                                    <m:t>𝛽</m:t>
+                                  </m:r>
+                                </m:e>
+                                <m:sub>
+                                  <m:r>
+                                    <a:rPr lang="en-US" altLang="ja-JP" b="0" i="1" smtClean="0">
+                                      <a:latin typeface="Cambria Math" panose="02040503050406030204" pitchFamily="18" charset="0"/>
+                                      <a:ea typeface="Cambria Math" panose="02040503050406030204" pitchFamily="18" charset="0"/>
+                                    </a:rPr>
+                                    <m:t>𝑟</m:t>
+                                  </m:r>
+                                </m:sub>
+                              </m:sSub>
+                              <m:r>
+                                <a:rPr lang="en-US" altLang="ja-JP" b="0" i="1" smtClean="0">
+                                  <a:latin typeface="Cambria Math" panose="02040503050406030204" pitchFamily="18" charset="0"/>
+                                  <a:ea typeface="Cambria Math" panose="02040503050406030204" pitchFamily="18" charset="0"/>
+                                </a:rPr>
+                                <m:t>−</m:t>
+                              </m:r>
+                              <m:sSub>
+                                <m:sSubPr>
+                                  <m:ctrlPr>
+                                    <a:rPr lang="en-US" altLang="ja-JP" b="0" i="1" smtClean="0">
+                                      <a:latin typeface="Cambria Math" panose="02040503050406030204" pitchFamily="18" charset="0"/>
+                                      <a:ea typeface="Cambria Math" panose="02040503050406030204" pitchFamily="18" charset="0"/>
+                                    </a:rPr>
+                                  </m:ctrlPr>
+                                </m:sSubPr>
+                                <m:e>
+                                  <m:r>
+                                    <a:rPr lang="en-US" altLang="ja-JP" b="0" i="1" smtClean="0">
+                                      <a:latin typeface="Cambria Math" panose="02040503050406030204" pitchFamily="18" charset="0"/>
+                                      <a:ea typeface="Cambria Math" panose="02040503050406030204" pitchFamily="18" charset="0"/>
+                                    </a:rPr>
                                     <m:t>𝜋</m:t>
                                   </m:r>
                                 </m:e>
@@ -5174,7 +6065,7 @@
               <p:cNvPr id="3" name="コンテンツ プレースホルダー 2">
                 <a:extLst>
                   <a:ext uri="{FF2B5EF4-FFF2-40B4-BE49-F238E27FC236}">
-                    <a16:creationId xmlns:a16="http://schemas.microsoft.com/office/drawing/2014/main" id="{C3CF8BC3-3D61-C34F-9DC9-13DF01D55FFE}"/>
+                    <a16:creationId xmlns:a16="http://schemas.microsoft.com/office/drawing/2014/main" id="{E7724FD9-0B05-6F49-BB42-AE4C88C29624}"/>
                   </a:ext>
                 </a:extLst>
               </p:cNvPr>
@@ -5189,7 +6080,7 @@
               <a:blipFill>
                 <a:blip r:embed="rId2"/>
                 <a:stretch>
-                  <a:fillRect t="-17733"/>
+                  <a:fillRect l="-1206" t="-2326"/>
                 </a:stretch>
               </a:blipFill>
             </p:spPr>
@@ -5211,7 +6102,7 @@
     </p:spTree>
     <p:extLst>
       <p:ext uri="{BB962C8B-B14F-4D97-AF65-F5344CB8AC3E}">
-        <p14:creationId xmlns:p14="http://schemas.microsoft.com/office/powerpoint/2010/main" val="3272383291"/>
+        <p14:creationId xmlns:p14="http://schemas.microsoft.com/office/powerpoint/2010/main" val="533515473"/>
       </p:ext>
     </p:extLst>
   </p:cSld>
@@ -5221,7 +6112,7 @@
 </p:sld>
 </file>
 
-<file path=ppt/slides/slide4.xml><?xml version="1.0" encoding="utf-8"?>
+<file path=ppt/slides/slide6.xml><?xml version="1.0" encoding="utf-8"?>
 <p:sld xmlns:a="http://schemas.openxmlformats.org/drawingml/2006/main" xmlns:r="http://schemas.openxmlformats.org/officeDocument/2006/relationships" xmlns:p="http://schemas.openxmlformats.org/presentationml/2006/main">
   <p:cSld>
     <p:spTree>
@@ -5288,6 +6179,22 @@
             <p:txBody>
               <a:bodyPr/>
               <a:lstStyle/>
+              <a:p>
+                <a:pPr marL="0" indent="0">
+                  <a:buNone/>
+                </a:pPr>
+                <a:endParaRPr kumimoji="1" lang="en-US" altLang="ja-JP" b="0" i="1" dirty="0">
+                  <a:latin typeface="Cambria Math" panose="02040503050406030204" pitchFamily="18" charset="0"/>
+                </a:endParaRPr>
+              </a:p>
+              <a:p>
+                <a:pPr marL="0" indent="0">
+                  <a:buNone/>
+                </a:pPr>
+                <a:endParaRPr kumimoji="1" lang="en-US" altLang="ja-JP" b="0" i="1" dirty="0">
+                  <a:latin typeface="Cambria Math" panose="02040503050406030204" pitchFamily="18" charset="0"/>
+                </a:endParaRPr>
+              </a:p>
               <a:p>
                 <a:pPr marL="0" indent="0">
                   <a:buNone/>
@@ -5717,7 +6624,7 @@
               <a:blipFill>
                 <a:blip r:embed="rId2"/>
                 <a:stretch>
-                  <a:fillRect t="-17733"/>
+                  <a:fillRect/>
                 </a:stretch>
               </a:blipFill>
             </p:spPr>
@@ -5749,172 +6656,6 @@
 </p:sld>
 </file>
 
-<file path=ppt/slides/slide5.xml><?xml version="1.0" encoding="utf-8"?>
-<p:sld xmlns:a="http://schemas.openxmlformats.org/drawingml/2006/main" xmlns:r="http://schemas.openxmlformats.org/officeDocument/2006/relationships" xmlns:p="http://schemas.openxmlformats.org/presentationml/2006/main">
-  <p:cSld>
-    <p:spTree>
-      <p:nvGrpSpPr>
-        <p:cNvPr id="1" name=""/>
-        <p:cNvGrpSpPr/>
-        <p:nvPr/>
-      </p:nvGrpSpPr>
-      <p:grpSpPr>
-        <a:xfrm>
-          <a:off x="0" y="0"/>
-          <a:ext cx="0" cy="0"/>
-          <a:chOff x="0" y="0"/>
-          <a:chExt cx="0" cy="0"/>
-        </a:xfrm>
-      </p:grpSpPr>
-      <p:sp>
-        <p:nvSpPr>
-          <p:cNvPr id="2" name="タイトル 1">
-            <a:extLst>
-              <a:ext uri="{FF2B5EF4-FFF2-40B4-BE49-F238E27FC236}">
-                <a16:creationId xmlns:a16="http://schemas.microsoft.com/office/drawing/2014/main" id="{6239C2B8-18BC-8845-91F0-D6B0B6822F3A}"/>
-              </a:ext>
-            </a:extLst>
-          </p:cNvPr>
-          <p:cNvSpPr>
-            <a:spLocks noGrp="1"/>
-          </p:cNvSpPr>
-          <p:nvPr>
-            <p:ph type="title"/>
-          </p:nvPr>
-        </p:nvSpPr>
-        <p:spPr/>
-        <p:txBody>
-          <a:bodyPr/>
-          <a:lstStyle/>
-          <a:p>
-            <a:r>
-              <a:rPr kumimoji="1" lang="ja-JP" altLang="en-US"/>
-              <a:t>シミュレーション実験</a:t>
-            </a:r>
-          </a:p>
-        </p:txBody>
-      </p:sp>
-      <p:sp>
-        <p:nvSpPr>
-          <p:cNvPr id="3" name="コンテンツ プレースホルダー 2">
-            <a:extLst>
-              <a:ext uri="{FF2B5EF4-FFF2-40B4-BE49-F238E27FC236}">
-                <a16:creationId xmlns:a16="http://schemas.microsoft.com/office/drawing/2014/main" id="{58CCE9B5-DDBC-BD41-85C3-B4E77867B226}"/>
-              </a:ext>
-            </a:extLst>
-          </p:cNvPr>
-          <p:cNvSpPr>
-            <a:spLocks noGrp="1"/>
-          </p:cNvSpPr>
-          <p:nvPr>
-            <p:ph idx="1"/>
-          </p:nvPr>
-        </p:nvSpPr>
-        <p:spPr/>
-        <p:txBody>
-          <a:bodyPr/>
-          <a:lstStyle/>
-          <a:p>
-            <a:endParaRPr kumimoji="1" lang="ja-JP" altLang="en-US"/>
-          </a:p>
-        </p:txBody>
-      </p:sp>
-    </p:spTree>
-    <p:extLst>
-      <p:ext uri="{BB962C8B-B14F-4D97-AF65-F5344CB8AC3E}">
-        <p14:creationId xmlns:p14="http://schemas.microsoft.com/office/powerpoint/2010/main" val="724024560"/>
-      </p:ext>
-    </p:extLst>
-  </p:cSld>
-  <p:clrMapOvr>
-    <a:masterClrMapping/>
-  </p:clrMapOvr>
-</p:sld>
-</file>
-
-<file path=ppt/slides/slide6.xml><?xml version="1.0" encoding="utf-8"?>
-<p:sld xmlns:a="http://schemas.openxmlformats.org/drawingml/2006/main" xmlns:r="http://schemas.openxmlformats.org/officeDocument/2006/relationships" xmlns:p="http://schemas.openxmlformats.org/presentationml/2006/main">
-  <p:cSld>
-    <p:spTree>
-      <p:nvGrpSpPr>
-        <p:cNvPr id="1" name=""/>
-        <p:cNvGrpSpPr/>
-        <p:nvPr/>
-      </p:nvGrpSpPr>
-      <p:grpSpPr>
-        <a:xfrm>
-          <a:off x="0" y="0"/>
-          <a:ext cx="0" cy="0"/>
-          <a:chOff x="0" y="0"/>
-          <a:chExt cx="0" cy="0"/>
-        </a:xfrm>
-      </p:grpSpPr>
-      <p:sp>
-        <p:nvSpPr>
-          <p:cNvPr id="2" name="タイトル 1">
-            <a:extLst>
-              <a:ext uri="{FF2B5EF4-FFF2-40B4-BE49-F238E27FC236}">
-                <a16:creationId xmlns:a16="http://schemas.microsoft.com/office/drawing/2014/main" id="{EF10B6F5-02D2-4D47-847E-E3161AEF9A03}"/>
-              </a:ext>
-            </a:extLst>
-          </p:cNvPr>
-          <p:cNvSpPr>
-            <a:spLocks noGrp="1"/>
-          </p:cNvSpPr>
-          <p:nvPr>
-            <p:ph type="title"/>
-          </p:nvPr>
-        </p:nvSpPr>
-        <p:spPr/>
-        <p:txBody>
-          <a:bodyPr/>
-          <a:lstStyle/>
-          <a:p>
-            <a:r>
-              <a:rPr kumimoji="1" lang="ja-JP" altLang="en-US"/>
-              <a:t>実データ実験</a:t>
-            </a:r>
-          </a:p>
-        </p:txBody>
-      </p:sp>
-      <p:sp>
-        <p:nvSpPr>
-          <p:cNvPr id="3" name="コンテンツ プレースホルダー 2">
-            <a:extLst>
-              <a:ext uri="{FF2B5EF4-FFF2-40B4-BE49-F238E27FC236}">
-                <a16:creationId xmlns:a16="http://schemas.microsoft.com/office/drawing/2014/main" id="{FFF86F95-CBE5-3942-9C52-57B6A123909D}"/>
-              </a:ext>
-            </a:extLst>
-          </p:cNvPr>
-          <p:cNvSpPr>
-            <a:spLocks noGrp="1"/>
-          </p:cNvSpPr>
-          <p:nvPr>
-            <p:ph idx="1"/>
-          </p:nvPr>
-        </p:nvSpPr>
-        <p:spPr/>
-        <p:txBody>
-          <a:bodyPr/>
-          <a:lstStyle/>
-          <a:p>
-            <a:endParaRPr kumimoji="1" lang="ja-JP" altLang="en-US"/>
-          </a:p>
-        </p:txBody>
-      </p:sp>
-    </p:spTree>
-    <p:extLst>
-      <p:ext uri="{BB962C8B-B14F-4D97-AF65-F5344CB8AC3E}">
-        <p14:creationId xmlns:p14="http://schemas.microsoft.com/office/powerpoint/2010/main" val="4121096944"/>
-      </p:ext>
-    </p:extLst>
-  </p:cSld>
-  <p:clrMapOvr>
-    <a:masterClrMapping/>
-  </p:clrMapOvr>
-</p:sld>
-</file>
-
 <file path=ppt/slides/slide7.xml><?xml version="1.0" encoding="utf-8"?>
 <p:sld xmlns:a="http://schemas.openxmlformats.org/drawingml/2006/main" xmlns:r="http://schemas.openxmlformats.org/officeDocument/2006/relationships" xmlns:p="http://schemas.openxmlformats.org/presentationml/2006/main">
   <p:cSld>
@@ -5937,7 +6678,7 @@
           <p:cNvPr id="2" name="タイトル 1">
             <a:extLst>
               <a:ext uri="{FF2B5EF4-FFF2-40B4-BE49-F238E27FC236}">
-                <a16:creationId xmlns:a16="http://schemas.microsoft.com/office/drawing/2014/main" id="{E55A92BE-0BCA-794F-A404-D694D0A19309}"/>
+                <a16:creationId xmlns:a16="http://schemas.microsoft.com/office/drawing/2014/main" id="{6239C2B8-18BC-8845-91F0-D6B0B6822F3A}"/>
               </a:ext>
             </a:extLst>
           </p:cNvPr>
@@ -5955,7 +6696,7 @@
           <a:p>
             <a:r>
               <a:rPr kumimoji="1" lang="ja-JP" altLang="en-US"/>
-              <a:t>今後の課題</a:t>
+              <a:t>シミュレーション実験</a:t>
             </a:r>
           </a:p>
         </p:txBody>
@@ -5965,7 +6706,7 @@
           <p:cNvPr id="3" name="コンテンツ プレースホルダー 2">
             <a:extLst>
               <a:ext uri="{FF2B5EF4-FFF2-40B4-BE49-F238E27FC236}">
-                <a16:creationId xmlns:a16="http://schemas.microsoft.com/office/drawing/2014/main" id="{26B88719-E8DE-204A-ADF6-300352A4D861}"/>
+                <a16:creationId xmlns:a16="http://schemas.microsoft.com/office/drawing/2014/main" id="{58CCE9B5-DDBC-BD41-85C3-B4E77867B226}"/>
               </a:ext>
             </a:extLst>
           </p:cNvPr>
@@ -5980,6 +6721,341 @@
         <p:txBody>
           <a:bodyPr/>
           <a:lstStyle/>
+          <a:p>
+            <a:r>
+              <a:rPr kumimoji="1" lang="ja-JP" altLang="en-US"/>
+              <a:t>手順</a:t>
+            </a:r>
+            <a:endParaRPr kumimoji="1" lang="en-US" altLang="ja-JP" dirty="0"/>
+          </a:p>
+          <a:p>
+            <a:pPr marL="514350" indent="-514350">
+              <a:buFont typeface="+mj-lt"/>
+              <a:buAutoNum type="arabicPeriod"/>
+            </a:pPr>
+            <a:r>
+              <a:rPr lang="ja-JP" altLang="en-US"/>
+              <a:t>パラメータの真値を，モデルの分布に従って生成する．</a:t>
+            </a:r>
+          </a:p>
+          <a:p>
+            <a:pPr marL="514350" indent="-514350">
+              <a:buFont typeface="+mj-lt"/>
+              <a:buAutoNum type="arabicPeriod"/>
+            </a:pPr>
+            <a:r>
+              <a:rPr lang="ja-JP" altLang="en-US"/>
+              <a:t>手順</a:t>
+            </a:r>
+            <a:r>
+              <a:rPr lang="en-US" altLang="ja-JP" dirty="0"/>
+              <a:t>1</a:t>
+            </a:r>
+            <a:r>
+              <a:rPr lang="ja-JP" altLang="en-US"/>
+              <a:t>で生成したパラメータを用いて，データを生成する．</a:t>
+            </a:r>
+          </a:p>
+          <a:p>
+            <a:pPr marL="514350" indent="-514350">
+              <a:buFont typeface="+mj-lt"/>
+              <a:buAutoNum type="arabicPeriod"/>
+            </a:pPr>
+            <a:r>
+              <a:rPr lang="ja-JP" altLang="en-US"/>
+              <a:t>手順</a:t>
+            </a:r>
+            <a:r>
+              <a:rPr lang="en-US" altLang="ja-JP" dirty="0"/>
+              <a:t>2</a:t>
+            </a:r>
+            <a:r>
+              <a:rPr lang="ja-JP" altLang="en-US"/>
+              <a:t>で生成したデータからパラメータ推定を行う．</a:t>
+            </a:r>
+          </a:p>
+          <a:p>
+            <a:pPr marL="514350" indent="-514350">
+              <a:buFont typeface="+mj-lt"/>
+              <a:buAutoNum type="arabicPeriod"/>
+            </a:pPr>
+            <a:r>
+              <a:rPr lang="ja-JP" altLang="en-US"/>
+              <a:t>手順</a:t>
+            </a:r>
+            <a:r>
+              <a:rPr lang="en-US" altLang="ja-JP" dirty="0"/>
+              <a:t>3</a:t>
+            </a:r>
+            <a:r>
+              <a:rPr lang="ja-JP" altLang="en-US"/>
+              <a:t>で得られたパラメータ推定値と手順</a:t>
+            </a:r>
+            <a:r>
+              <a:rPr lang="en-US" altLang="ja-JP" dirty="0"/>
+              <a:t>1</a:t>
+            </a:r>
+            <a:r>
+              <a:rPr lang="ja-JP" altLang="en-US"/>
+              <a:t>で生成したパラメータ真値において，平均平方二乗誤差</a:t>
+            </a:r>
+            <a:r>
+              <a:rPr lang="en-US" altLang="ja-JP" dirty="0"/>
+              <a:t>(</a:t>
+            </a:r>
+            <a:r>
+              <a:rPr lang="en" altLang="ja-JP" dirty="0"/>
+              <a:t>RMSE)</a:t>
+            </a:r>
+            <a:r>
+              <a:rPr lang="ja-JP" altLang="en-US"/>
+              <a:t>とバイアスを求める．</a:t>
+            </a:r>
+          </a:p>
+          <a:p>
+            <a:pPr marL="514350" indent="-514350">
+              <a:buFont typeface="+mj-lt"/>
+              <a:buAutoNum type="arabicPeriod"/>
+            </a:pPr>
+            <a:r>
+              <a:rPr lang="ja-JP" altLang="en-US"/>
+              <a:t>以上を</a:t>
+            </a:r>
+            <a:r>
+              <a:rPr lang="en-US" altLang="ja-JP" dirty="0"/>
+              <a:t>5</a:t>
+            </a:r>
+            <a:r>
+              <a:rPr lang="ja-JP" altLang="en-US"/>
+              <a:t>回繰り返し実行し，</a:t>
+            </a:r>
+            <a:r>
+              <a:rPr lang="en" altLang="ja-JP" dirty="0"/>
+              <a:t>RMSE</a:t>
+            </a:r>
+            <a:r>
+              <a:rPr lang="ja-JP" altLang="en-US"/>
+              <a:t>とバイアスの平均値を求める．</a:t>
+            </a:r>
+          </a:p>
+          <a:p>
+            <a:pPr marL="514350" indent="-514350">
+              <a:buFont typeface="+mj-lt"/>
+              <a:buAutoNum type="arabicPeriod"/>
+            </a:pPr>
+            <a:endParaRPr lang="en-US" altLang="ja-JP" dirty="0"/>
+          </a:p>
+        </p:txBody>
+      </p:sp>
+    </p:spTree>
+    <p:extLst>
+      <p:ext uri="{BB962C8B-B14F-4D97-AF65-F5344CB8AC3E}">
+        <p14:creationId xmlns:p14="http://schemas.microsoft.com/office/powerpoint/2010/main" val="724024560"/>
+      </p:ext>
+    </p:extLst>
+  </p:cSld>
+  <p:clrMapOvr>
+    <a:masterClrMapping/>
+  </p:clrMapOvr>
+</p:sld>
+</file>
+
+<file path=ppt/slides/slide8.xml><?xml version="1.0" encoding="utf-8"?>
+<p:sld xmlns:a="http://schemas.openxmlformats.org/drawingml/2006/main" xmlns:r="http://schemas.openxmlformats.org/officeDocument/2006/relationships" xmlns:p="http://schemas.openxmlformats.org/presentationml/2006/main">
+  <p:cSld>
+    <p:spTree>
+      <p:nvGrpSpPr>
+        <p:cNvPr id="1" name=""/>
+        <p:cNvGrpSpPr/>
+        <p:nvPr/>
+      </p:nvGrpSpPr>
+      <p:grpSpPr>
+        <a:xfrm>
+          <a:off x="0" y="0"/>
+          <a:ext cx="0" cy="0"/>
+          <a:chOff x="0" y="0"/>
+          <a:chExt cx="0" cy="0"/>
+        </a:xfrm>
+      </p:grpSpPr>
+      <p:sp>
+        <p:nvSpPr>
+          <p:cNvPr id="2" name="タイトル 1">
+            <a:extLst>
+              <a:ext uri="{FF2B5EF4-FFF2-40B4-BE49-F238E27FC236}">
+                <a16:creationId xmlns:a16="http://schemas.microsoft.com/office/drawing/2014/main" id="{EF10B6F5-02D2-4D47-847E-E3161AEF9A03}"/>
+              </a:ext>
+            </a:extLst>
+          </p:cNvPr>
+          <p:cNvSpPr>
+            <a:spLocks noGrp="1"/>
+          </p:cNvSpPr>
+          <p:nvPr>
+            <p:ph type="title"/>
+          </p:nvPr>
+        </p:nvSpPr>
+        <p:spPr/>
+        <p:txBody>
+          <a:bodyPr/>
+          <a:lstStyle/>
+          <a:p>
+            <a:r>
+              <a:rPr kumimoji="1" lang="ja-JP" altLang="en-US"/>
+              <a:t>実データ実験</a:t>
+            </a:r>
+          </a:p>
+        </p:txBody>
+      </p:sp>
+      <p:sp>
+        <p:nvSpPr>
+          <p:cNvPr id="3" name="コンテンツ プレースホルダー 2">
+            <a:extLst>
+              <a:ext uri="{FF2B5EF4-FFF2-40B4-BE49-F238E27FC236}">
+                <a16:creationId xmlns:a16="http://schemas.microsoft.com/office/drawing/2014/main" id="{FFF86F95-CBE5-3942-9C52-57B6A123909D}"/>
+              </a:ext>
+            </a:extLst>
+          </p:cNvPr>
+          <p:cNvSpPr>
+            <a:spLocks noGrp="1"/>
+          </p:cNvSpPr>
+          <p:nvPr>
+            <p:ph idx="1"/>
+          </p:nvPr>
+        </p:nvSpPr>
+        <p:spPr/>
+        <p:txBody>
+          <a:bodyPr/>
+          <a:lstStyle/>
+          <a:p>
+            <a:r>
+              <a:rPr lang="ja-JP" altLang="en-US"/>
+              <a:t>本研究では，</a:t>
+            </a:r>
+            <a:r>
+              <a:rPr lang="en-US" altLang="ja-JP" dirty="0"/>
+              <a:t>34</a:t>
+            </a:r>
+            <a:r>
+              <a:rPr lang="ja-JP" altLang="en-US"/>
+              <a:t>名の被験者にエッセイ課題を与え，そのエッセイを</a:t>
+            </a:r>
+            <a:r>
+              <a:rPr lang="en-US" altLang="ja-JP" dirty="0"/>
+              <a:t>34</a:t>
+            </a:r>
+            <a:r>
+              <a:rPr lang="ja-JP" altLang="en-US"/>
+              <a:t>名の評価者が</a:t>
+            </a:r>
+            <a:r>
+              <a:rPr lang="en-US" altLang="ja-JP" dirty="0"/>
+              <a:t>5</a:t>
+            </a:r>
+            <a:r>
+              <a:rPr lang="ja-JP" altLang="en-US"/>
+              <a:t>段階得点で採点したデータを使用する．</a:t>
+            </a:r>
+          </a:p>
+          <a:p>
+            <a:endParaRPr kumimoji="1" lang="ja-JP" altLang="en-US"/>
+          </a:p>
+        </p:txBody>
+      </p:sp>
+    </p:spTree>
+    <p:extLst>
+      <p:ext uri="{BB962C8B-B14F-4D97-AF65-F5344CB8AC3E}">
+        <p14:creationId xmlns:p14="http://schemas.microsoft.com/office/powerpoint/2010/main" val="4121096944"/>
+      </p:ext>
+    </p:extLst>
+  </p:cSld>
+  <p:clrMapOvr>
+    <a:masterClrMapping/>
+  </p:clrMapOvr>
+</p:sld>
+</file>
+
+<file path=ppt/slides/slide9.xml><?xml version="1.0" encoding="utf-8"?>
+<p:sld xmlns:a="http://schemas.openxmlformats.org/drawingml/2006/main" xmlns:r="http://schemas.openxmlformats.org/officeDocument/2006/relationships" xmlns:p="http://schemas.openxmlformats.org/presentationml/2006/main">
+  <p:cSld>
+    <p:spTree>
+      <p:nvGrpSpPr>
+        <p:cNvPr id="1" name=""/>
+        <p:cNvGrpSpPr/>
+        <p:nvPr/>
+      </p:nvGrpSpPr>
+      <p:grpSpPr>
+        <a:xfrm>
+          <a:off x="0" y="0"/>
+          <a:ext cx="0" cy="0"/>
+          <a:chOff x="0" y="0"/>
+          <a:chExt cx="0" cy="0"/>
+        </a:xfrm>
+      </p:grpSpPr>
+      <p:sp>
+        <p:nvSpPr>
+          <p:cNvPr id="2" name="タイトル 1">
+            <a:extLst>
+              <a:ext uri="{FF2B5EF4-FFF2-40B4-BE49-F238E27FC236}">
+                <a16:creationId xmlns:a16="http://schemas.microsoft.com/office/drawing/2014/main" id="{E55A92BE-0BCA-794F-A404-D694D0A19309}"/>
+              </a:ext>
+            </a:extLst>
+          </p:cNvPr>
+          <p:cNvSpPr>
+            <a:spLocks noGrp="1"/>
+          </p:cNvSpPr>
+          <p:nvPr>
+            <p:ph type="title"/>
+          </p:nvPr>
+        </p:nvSpPr>
+        <p:spPr/>
+        <p:txBody>
+          <a:bodyPr/>
+          <a:lstStyle/>
+          <a:p>
+            <a:r>
+              <a:rPr kumimoji="1" lang="ja-JP" altLang="en-US"/>
+              <a:t>今後の課題</a:t>
+            </a:r>
+          </a:p>
+        </p:txBody>
+      </p:sp>
+      <p:sp>
+        <p:nvSpPr>
+          <p:cNvPr id="3" name="コンテンツ プレースホルダー 2">
+            <a:extLst>
+              <a:ext uri="{FF2B5EF4-FFF2-40B4-BE49-F238E27FC236}">
+                <a16:creationId xmlns:a16="http://schemas.microsoft.com/office/drawing/2014/main" id="{26B88719-E8DE-204A-ADF6-300352A4D861}"/>
+              </a:ext>
+            </a:extLst>
+          </p:cNvPr>
+          <p:cNvSpPr>
+            <a:spLocks noGrp="1"/>
+          </p:cNvSpPr>
+          <p:nvPr>
+            <p:ph idx="1"/>
+          </p:nvPr>
+        </p:nvSpPr>
+        <p:spPr/>
+        <p:txBody>
+          <a:bodyPr/>
+          <a:lstStyle/>
+          <a:p>
+            <a:r>
+              <a:rPr lang="ja-JP" altLang="en-US"/>
+              <a:t>さらに多くの評価者データを集めて推定を行う．</a:t>
+            </a:r>
+          </a:p>
+          <a:p>
+            <a:r>
+              <a:rPr lang="ja-JP" altLang="en-US"/>
+              <a:t>課題特性も考慮して推定を行う．</a:t>
+            </a:r>
+          </a:p>
+          <a:p>
+            <a:r>
+              <a:rPr lang="ja-JP" altLang="en-US"/>
+              <a:t>既存モデルとの比較をさらに細かく行う．</a:t>
+            </a:r>
+          </a:p>
           <a:p>
             <a:endParaRPr kumimoji="1" lang="ja-JP" altLang="en-US"/>
           </a:p>

--- a/chukan/発表スライド.pptx
+++ b/chukan/発表スライド.pptx
@@ -4,16 +4,22 @@
   <p:sldMasterIdLst>
     <p:sldMasterId id="2147483815" r:id="rId1"/>
   </p:sldMasterIdLst>
+  <p:notesMasterIdLst>
+    <p:notesMasterId r:id="rId14"/>
+  </p:notesMasterIdLst>
   <p:sldIdLst>
     <p:sldId id="256" r:id="rId2"/>
     <p:sldId id="257" r:id="rId3"/>
-    <p:sldId id="258" r:id="rId4"/>
-    <p:sldId id="263" r:id="rId5"/>
-    <p:sldId id="264" r:id="rId6"/>
-    <p:sldId id="259" r:id="rId7"/>
-    <p:sldId id="260" r:id="rId8"/>
-    <p:sldId id="261" r:id="rId9"/>
-    <p:sldId id="262" r:id="rId10"/>
+    <p:sldId id="266" r:id="rId4"/>
+    <p:sldId id="268" r:id="rId5"/>
+    <p:sldId id="258" r:id="rId6"/>
+    <p:sldId id="264" r:id="rId7"/>
+    <p:sldId id="259" r:id="rId8"/>
+    <p:sldId id="260" r:id="rId9"/>
+    <p:sldId id="265" r:id="rId10"/>
+    <p:sldId id="261" r:id="rId11"/>
+    <p:sldId id="267" r:id="rId12"/>
+    <p:sldId id="262" r:id="rId13"/>
   </p:sldIdLst>
   <p:sldSz cx="12192000" cy="6858000"/>
   <p:notesSz cx="6858000" cy="9144000"/>
@@ -118,6 +124,2265 @@
     </p:ext>
   </p:extLst>
 </p:presentation>
+</file>
+
+<file path=ppt/notesMasters/notesMaster1.xml><?xml version="1.0" encoding="utf-8"?>
+<p:notesMaster xmlns:a="http://schemas.openxmlformats.org/drawingml/2006/main" xmlns:r="http://schemas.openxmlformats.org/officeDocument/2006/relationships" xmlns:p="http://schemas.openxmlformats.org/presentationml/2006/main">
+  <p:cSld>
+    <p:bg>
+      <p:bgRef idx="1001">
+        <a:schemeClr val="bg1"/>
+      </p:bgRef>
+    </p:bg>
+    <p:spTree>
+      <p:nvGrpSpPr>
+        <p:cNvPr id="1" name=""/>
+        <p:cNvGrpSpPr/>
+        <p:nvPr/>
+      </p:nvGrpSpPr>
+      <p:grpSpPr>
+        <a:xfrm>
+          <a:off x="0" y="0"/>
+          <a:ext cx="0" cy="0"/>
+          <a:chOff x="0" y="0"/>
+          <a:chExt cx="0" cy="0"/>
+        </a:xfrm>
+      </p:grpSpPr>
+      <p:sp>
+        <p:nvSpPr>
+          <p:cNvPr id="2" name="ヘッダー プレースホルダー 1"/>
+          <p:cNvSpPr>
+            <a:spLocks noGrp="1"/>
+          </p:cNvSpPr>
+          <p:nvPr>
+            <p:ph type="hdr" sz="quarter"/>
+          </p:nvPr>
+        </p:nvSpPr>
+        <p:spPr>
+          <a:xfrm>
+            <a:off x="0" y="0"/>
+            <a:ext cx="2971800" cy="458788"/>
+          </a:xfrm>
+          <a:prstGeom prst="rect">
+            <a:avLst/>
+          </a:prstGeom>
+        </p:spPr>
+        <p:txBody>
+          <a:bodyPr vert="horz" lIns="91440" tIns="45720" rIns="91440" bIns="45720" rtlCol="0"/>
+          <a:lstStyle>
+            <a:lvl1pPr algn="l">
+              <a:defRPr sz="1200"/>
+            </a:lvl1pPr>
+          </a:lstStyle>
+          <a:p>
+            <a:endParaRPr kumimoji="1" lang="ja-JP" altLang="en-US"/>
+          </a:p>
+        </p:txBody>
+      </p:sp>
+      <p:sp>
+        <p:nvSpPr>
+          <p:cNvPr id="3" name="日付プレースホルダー 2"/>
+          <p:cNvSpPr>
+            <a:spLocks noGrp="1"/>
+          </p:cNvSpPr>
+          <p:nvPr>
+            <p:ph type="dt" idx="1"/>
+          </p:nvPr>
+        </p:nvSpPr>
+        <p:spPr>
+          <a:xfrm>
+            <a:off x="3884613" y="0"/>
+            <a:ext cx="2971800" cy="458788"/>
+          </a:xfrm>
+          <a:prstGeom prst="rect">
+            <a:avLst/>
+          </a:prstGeom>
+        </p:spPr>
+        <p:txBody>
+          <a:bodyPr vert="horz" lIns="91440" tIns="45720" rIns="91440" bIns="45720" rtlCol="0"/>
+          <a:lstStyle>
+            <a:lvl1pPr algn="r">
+              <a:defRPr sz="1200"/>
+            </a:lvl1pPr>
+          </a:lstStyle>
+          <a:p>
+            <a:fld id="{8393AFC2-C2D3-F84A-9E27-287F7E69F533}" type="datetimeFigureOut">
+              <a:rPr kumimoji="1" lang="ja-JP" altLang="en-US" smtClean="0"/>
+              <a:t>2021/9/28</a:t>
+            </a:fld>
+            <a:endParaRPr kumimoji="1" lang="ja-JP" altLang="en-US"/>
+          </a:p>
+        </p:txBody>
+      </p:sp>
+      <p:sp>
+        <p:nvSpPr>
+          <p:cNvPr id="4" name="スライド イメージ プレースホルダー 3"/>
+          <p:cNvSpPr>
+            <a:spLocks noGrp="1" noRot="1" noChangeAspect="1"/>
+          </p:cNvSpPr>
+          <p:nvPr>
+            <p:ph type="sldImg" idx="2"/>
+          </p:nvPr>
+        </p:nvSpPr>
+        <p:spPr>
+          <a:xfrm>
+            <a:off x="685800" y="1143000"/>
+            <a:ext cx="5486400" cy="3086100"/>
+          </a:xfrm>
+          <a:prstGeom prst="rect">
+            <a:avLst/>
+          </a:prstGeom>
+          <a:noFill/>
+          <a:ln w="12700">
+            <a:solidFill>
+              <a:prstClr val="black"/>
+            </a:solidFill>
+          </a:ln>
+        </p:spPr>
+        <p:txBody>
+          <a:bodyPr vert="horz" lIns="91440" tIns="45720" rIns="91440" bIns="45720" rtlCol="0" anchor="ctr"/>
+          <a:lstStyle/>
+          <a:p>
+            <a:endParaRPr lang="ja-JP" altLang="en-US"/>
+          </a:p>
+        </p:txBody>
+      </p:sp>
+      <p:sp>
+        <p:nvSpPr>
+          <p:cNvPr id="5" name="ノート プレースホルダー 4"/>
+          <p:cNvSpPr>
+            <a:spLocks noGrp="1"/>
+          </p:cNvSpPr>
+          <p:nvPr>
+            <p:ph type="body" sz="quarter" idx="3"/>
+          </p:nvPr>
+        </p:nvSpPr>
+        <p:spPr>
+          <a:xfrm>
+            <a:off x="685800" y="4400550"/>
+            <a:ext cx="5486400" cy="3600450"/>
+          </a:xfrm>
+          <a:prstGeom prst="rect">
+            <a:avLst/>
+          </a:prstGeom>
+        </p:spPr>
+        <p:txBody>
+          <a:bodyPr vert="horz" lIns="91440" tIns="45720" rIns="91440" bIns="45720" rtlCol="0"/>
+          <a:lstStyle/>
+          <a:p>
+            <a:pPr lvl="0"/>
+            <a:r>
+              <a:rPr kumimoji="1" lang="ja-JP" altLang="en-US"/>
+              <a:t>マスター テキストの書式設定</a:t>
+            </a:r>
+          </a:p>
+          <a:p>
+            <a:pPr lvl="1"/>
+            <a:r>
+              <a:rPr kumimoji="1" lang="ja-JP" altLang="en-US"/>
+              <a:t>第 </a:t>
+            </a:r>
+            <a:r>
+              <a:rPr kumimoji="1" lang="en-US" altLang="ja-JP"/>
+              <a:t>2 </a:t>
+            </a:r>
+            <a:r>
+              <a:rPr kumimoji="1" lang="ja-JP" altLang="en-US"/>
+              <a:t>レベル</a:t>
+            </a:r>
+          </a:p>
+          <a:p>
+            <a:pPr lvl="2"/>
+            <a:r>
+              <a:rPr kumimoji="1" lang="ja-JP" altLang="en-US"/>
+              <a:t>第 </a:t>
+            </a:r>
+            <a:r>
+              <a:rPr kumimoji="1" lang="en-US" altLang="ja-JP"/>
+              <a:t>3 </a:t>
+            </a:r>
+            <a:r>
+              <a:rPr kumimoji="1" lang="ja-JP" altLang="en-US"/>
+              <a:t>レベル</a:t>
+            </a:r>
+          </a:p>
+          <a:p>
+            <a:pPr lvl="3"/>
+            <a:r>
+              <a:rPr kumimoji="1" lang="ja-JP" altLang="en-US"/>
+              <a:t>第 </a:t>
+            </a:r>
+            <a:r>
+              <a:rPr kumimoji="1" lang="en-US" altLang="ja-JP"/>
+              <a:t>4 </a:t>
+            </a:r>
+            <a:r>
+              <a:rPr kumimoji="1" lang="ja-JP" altLang="en-US"/>
+              <a:t>レベル</a:t>
+            </a:r>
+          </a:p>
+          <a:p>
+            <a:pPr lvl="4"/>
+            <a:r>
+              <a:rPr kumimoji="1" lang="ja-JP" altLang="en-US"/>
+              <a:t>第 </a:t>
+            </a:r>
+            <a:r>
+              <a:rPr kumimoji="1" lang="en-US" altLang="ja-JP"/>
+              <a:t>5 </a:t>
+            </a:r>
+            <a:r>
+              <a:rPr kumimoji="1" lang="ja-JP" altLang="en-US"/>
+              <a:t>レベル</a:t>
+            </a:r>
+          </a:p>
+        </p:txBody>
+      </p:sp>
+      <p:sp>
+        <p:nvSpPr>
+          <p:cNvPr id="6" name="フッター プレースホルダー 5"/>
+          <p:cNvSpPr>
+            <a:spLocks noGrp="1"/>
+          </p:cNvSpPr>
+          <p:nvPr>
+            <p:ph type="ftr" sz="quarter" idx="4"/>
+          </p:nvPr>
+        </p:nvSpPr>
+        <p:spPr>
+          <a:xfrm>
+            <a:off x="0" y="8685213"/>
+            <a:ext cx="2971800" cy="458787"/>
+          </a:xfrm>
+          <a:prstGeom prst="rect">
+            <a:avLst/>
+          </a:prstGeom>
+        </p:spPr>
+        <p:txBody>
+          <a:bodyPr vert="horz" lIns="91440" tIns="45720" rIns="91440" bIns="45720" rtlCol="0" anchor="b"/>
+          <a:lstStyle>
+            <a:lvl1pPr algn="l">
+              <a:defRPr sz="1200"/>
+            </a:lvl1pPr>
+          </a:lstStyle>
+          <a:p>
+            <a:endParaRPr kumimoji="1" lang="ja-JP" altLang="en-US"/>
+          </a:p>
+        </p:txBody>
+      </p:sp>
+      <p:sp>
+        <p:nvSpPr>
+          <p:cNvPr id="7" name="スライド番号プレースホルダー 6"/>
+          <p:cNvSpPr>
+            <a:spLocks noGrp="1"/>
+          </p:cNvSpPr>
+          <p:nvPr>
+            <p:ph type="sldNum" sz="quarter" idx="5"/>
+          </p:nvPr>
+        </p:nvSpPr>
+        <p:spPr>
+          <a:xfrm>
+            <a:off x="3884613" y="8685213"/>
+            <a:ext cx="2971800" cy="458787"/>
+          </a:xfrm>
+          <a:prstGeom prst="rect">
+            <a:avLst/>
+          </a:prstGeom>
+        </p:spPr>
+        <p:txBody>
+          <a:bodyPr vert="horz" lIns="91440" tIns="45720" rIns="91440" bIns="45720" rtlCol="0" anchor="b"/>
+          <a:lstStyle>
+            <a:lvl1pPr algn="r">
+              <a:defRPr sz="1200"/>
+            </a:lvl1pPr>
+          </a:lstStyle>
+          <a:p>
+            <a:fld id="{F069C953-97BB-D34F-A925-DB809641415F}" type="slidenum">
+              <a:rPr kumimoji="1" lang="ja-JP" altLang="en-US" smtClean="0"/>
+              <a:t>‹#›</a:t>
+            </a:fld>
+            <a:endParaRPr kumimoji="1" lang="ja-JP" altLang="en-US"/>
+          </a:p>
+        </p:txBody>
+      </p:sp>
+    </p:spTree>
+    <p:extLst>
+      <p:ext uri="{BB962C8B-B14F-4D97-AF65-F5344CB8AC3E}">
+        <p14:creationId xmlns:p14="http://schemas.microsoft.com/office/powerpoint/2010/main" val="2516951108"/>
+      </p:ext>
+    </p:extLst>
+  </p:cSld>
+  <p:clrMap bg1="lt1" tx1="dk1" bg2="lt2" tx2="dk2" accent1="accent1" accent2="accent2" accent3="accent3" accent4="accent4" accent5="accent5" accent6="accent6" hlink="hlink" folHlink="folHlink"/>
+  <p:notesStyle>
+    <a:lvl1pPr marL="0" algn="l" defTabSz="914400" rtl="0" eaLnBrk="1" latinLnBrk="0" hangingPunct="1">
+      <a:defRPr kumimoji="1" sz="1200" kern="1200">
+        <a:solidFill>
+          <a:schemeClr val="tx1"/>
+        </a:solidFill>
+        <a:latin typeface="+mn-lt"/>
+        <a:ea typeface="+mn-ea"/>
+        <a:cs typeface="+mn-cs"/>
+      </a:defRPr>
+    </a:lvl1pPr>
+    <a:lvl2pPr marL="457200" algn="l" defTabSz="914400" rtl="0" eaLnBrk="1" latinLnBrk="0" hangingPunct="1">
+      <a:defRPr kumimoji="1" sz="1200" kern="1200">
+        <a:solidFill>
+          <a:schemeClr val="tx1"/>
+        </a:solidFill>
+        <a:latin typeface="+mn-lt"/>
+        <a:ea typeface="+mn-ea"/>
+        <a:cs typeface="+mn-cs"/>
+      </a:defRPr>
+    </a:lvl2pPr>
+    <a:lvl3pPr marL="914400" algn="l" defTabSz="914400" rtl="0" eaLnBrk="1" latinLnBrk="0" hangingPunct="1">
+      <a:defRPr kumimoji="1" sz="1200" kern="1200">
+        <a:solidFill>
+          <a:schemeClr val="tx1"/>
+        </a:solidFill>
+        <a:latin typeface="+mn-lt"/>
+        <a:ea typeface="+mn-ea"/>
+        <a:cs typeface="+mn-cs"/>
+      </a:defRPr>
+    </a:lvl3pPr>
+    <a:lvl4pPr marL="1371600" algn="l" defTabSz="914400" rtl="0" eaLnBrk="1" latinLnBrk="0" hangingPunct="1">
+      <a:defRPr kumimoji="1" sz="1200" kern="1200">
+        <a:solidFill>
+          <a:schemeClr val="tx1"/>
+        </a:solidFill>
+        <a:latin typeface="+mn-lt"/>
+        <a:ea typeface="+mn-ea"/>
+        <a:cs typeface="+mn-cs"/>
+      </a:defRPr>
+    </a:lvl4pPr>
+    <a:lvl5pPr marL="1828800" algn="l" defTabSz="914400" rtl="0" eaLnBrk="1" latinLnBrk="0" hangingPunct="1">
+      <a:defRPr kumimoji="1" sz="1200" kern="1200">
+        <a:solidFill>
+          <a:schemeClr val="tx1"/>
+        </a:solidFill>
+        <a:latin typeface="+mn-lt"/>
+        <a:ea typeface="+mn-ea"/>
+        <a:cs typeface="+mn-cs"/>
+      </a:defRPr>
+    </a:lvl5pPr>
+    <a:lvl6pPr marL="2286000" algn="l" defTabSz="914400" rtl="0" eaLnBrk="1" latinLnBrk="0" hangingPunct="1">
+      <a:defRPr kumimoji="1" sz="1200" kern="1200">
+        <a:solidFill>
+          <a:schemeClr val="tx1"/>
+        </a:solidFill>
+        <a:latin typeface="+mn-lt"/>
+        <a:ea typeface="+mn-ea"/>
+        <a:cs typeface="+mn-cs"/>
+      </a:defRPr>
+    </a:lvl6pPr>
+    <a:lvl7pPr marL="2743200" algn="l" defTabSz="914400" rtl="0" eaLnBrk="1" latinLnBrk="0" hangingPunct="1">
+      <a:defRPr kumimoji="1" sz="1200" kern="1200">
+        <a:solidFill>
+          <a:schemeClr val="tx1"/>
+        </a:solidFill>
+        <a:latin typeface="+mn-lt"/>
+        <a:ea typeface="+mn-ea"/>
+        <a:cs typeface="+mn-cs"/>
+      </a:defRPr>
+    </a:lvl7pPr>
+    <a:lvl8pPr marL="3200400" algn="l" defTabSz="914400" rtl="0" eaLnBrk="1" latinLnBrk="0" hangingPunct="1">
+      <a:defRPr kumimoji="1" sz="1200" kern="1200">
+        <a:solidFill>
+          <a:schemeClr val="tx1"/>
+        </a:solidFill>
+        <a:latin typeface="+mn-lt"/>
+        <a:ea typeface="+mn-ea"/>
+        <a:cs typeface="+mn-cs"/>
+      </a:defRPr>
+    </a:lvl8pPr>
+    <a:lvl9pPr marL="3657600" algn="l" defTabSz="914400" rtl="0" eaLnBrk="1" latinLnBrk="0" hangingPunct="1">
+      <a:defRPr kumimoji="1" sz="1200" kern="1200">
+        <a:solidFill>
+          <a:schemeClr val="tx1"/>
+        </a:solidFill>
+        <a:latin typeface="+mn-lt"/>
+        <a:ea typeface="+mn-ea"/>
+        <a:cs typeface="+mn-cs"/>
+      </a:defRPr>
+    </a:lvl9pPr>
+  </p:notesStyle>
+</p:notesMaster>
+</file>
+
+<file path=ppt/notesSlides/notesSlide1.xml><?xml version="1.0" encoding="utf-8"?>
+<p:notes xmlns:a="http://schemas.openxmlformats.org/drawingml/2006/main" xmlns:r="http://schemas.openxmlformats.org/officeDocument/2006/relationships" xmlns:p="http://schemas.openxmlformats.org/presentationml/2006/main">
+  <p:cSld>
+    <p:spTree>
+      <p:nvGrpSpPr>
+        <p:cNvPr id="1" name=""/>
+        <p:cNvGrpSpPr/>
+        <p:nvPr/>
+      </p:nvGrpSpPr>
+      <p:grpSpPr>
+        <a:xfrm>
+          <a:off x="0" y="0"/>
+          <a:ext cx="0" cy="0"/>
+          <a:chOff x="0" y="0"/>
+          <a:chExt cx="0" cy="0"/>
+        </a:xfrm>
+      </p:grpSpPr>
+      <p:sp>
+        <p:nvSpPr>
+          <p:cNvPr id="2" name="スライド イメージ プレースホルダー 1"/>
+          <p:cNvSpPr>
+            <a:spLocks noGrp="1" noRot="1" noChangeAspect="1"/>
+          </p:cNvSpPr>
+          <p:nvPr>
+            <p:ph type="sldImg"/>
+          </p:nvPr>
+        </p:nvSpPr>
+        <p:spPr/>
+      </p:sp>
+      <p:sp>
+        <p:nvSpPr>
+          <p:cNvPr id="3" name="ノート プレースホルダー 2"/>
+          <p:cNvSpPr>
+            <a:spLocks noGrp="1"/>
+          </p:cNvSpPr>
+          <p:nvPr>
+            <p:ph type="body" idx="1"/>
+          </p:nvPr>
+        </p:nvSpPr>
+        <p:spPr/>
+        <p:txBody>
+          <a:bodyPr/>
+          <a:lstStyle/>
+          <a:p>
+            <a:r>
+              <a:rPr kumimoji="1" lang="ja-JP" altLang="en-US" sz="1200" kern="1200">
+                <a:solidFill>
+                  <a:schemeClr val="tx1"/>
+                </a:solidFill>
+                <a:effectLst/>
+                <a:latin typeface="+mn-lt"/>
+                <a:ea typeface="+mn-ea"/>
+                <a:cs typeface="+mn-cs"/>
+              </a:rPr>
+              <a:t>本研究は，課題・評価者・時間の特性を考慮した高精度な能力推定を行うことを目的とする．この</a:t>
+            </a:r>
+          </a:p>
+          <a:p>
+            <a:r>
+              <a:rPr kumimoji="1" lang="ja-JP" altLang="en-US" sz="1200" kern="1200">
+                <a:solidFill>
+                  <a:schemeClr val="tx1"/>
+                </a:solidFill>
+                <a:effectLst/>
+                <a:latin typeface="+mn-lt"/>
+                <a:ea typeface="+mn-ea"/>
+                <a:cs typeface="+mn-cs"/>
+              </a:rPr>
+              <a:t>ような能力推定を実現するために，本研究では</a:t>
+            </a:r>
+            <a:r>
+              <a:rPr kumimoji="1" lang="en" altLang="ja-JP" sz="1200" kern="1200" dirty="0">
+                <a:solidFill>
+                  <a:schemeClr val="tx1"/>
+                </a:solidFill>
+                <a:effectLst/>
+                <a:latin typeface="+mn-lt"/>
+                <a:ea typeface="+mn-ea"/>
+                <a:cs typeface="+mn-cs"/>
+              </a:rPr>
+              <a:t>IRT</a:t>
+            </a:r>
+            <a:r>
+              <a:rPr kumimoji="1" lang="ja-JP" altLang="en-US" sz="1200" kern="1200">
+                <a:solidFill>
+                  <a:schemeClr val="tx1"/>
+                </a:solidFill>
+                <a:effectLst/>
+                <a:latin typeface="+mn-lt"/>
+                <a:ea typeface="+mn-ea"/>
+                <a:cs typeface="+mn-cs"/>
+              </a:rPr>
+              <a:t>を利用する．</a:t>
+            </a:r>
+          </a:p>
+          <a:p>
+            <a:r>
+              <a:rPr kumimoji="1" lang="en" altLang="ja-JP" sz="1200" kern="1200" dirty="0">
+                <a:solidFill>
+                  <a:schemeClr val="tx1"/>
+                </a:solidFill>
+                <a:effectLst/>
+                <a:latin typeface="+mn-lt"/>
+                <a:ea typeface="+mn-ea"/>
+                <a:cs typeface="+mn-cs"/>
+              </a:rPr>
+              <a:t>IRT</a:t>
+            </a:r>
+            <a:r>
+              <a:rPr kumimoji="1" lang="ja-JP" altLang="en-US" sz="1200" kern="1200">
+                <a:solidFill>
+                  <a:schemeClr val="tx1"/>
+                </a:solidFill>
+                <a:effectLst/>
+                <a:latin typeface="+mn-lt"/>
+                <a:ea typeface="+mn-ea"/>
+                <a:cs typeface="+mn-cs"/>
+              </a:rPr>
+              <a:t>は，コンピュータ・テスティングの普及とともに，近年様々な分野で実用化が進められている</a:t>
+            </a:r>
+          </a:p>
+          <a:p>
+            <a:r>
+              <a:rPr kumimoji="1" lang="ja-JP" altLang="en-US" sz="1200" kern="1200">
+                <a:solidFill>
+                  <a:schemeClr val="tx1"/>
+                </a:solidFill>
+                <a:effectLst/>
+                <a:latin typeface="+mn-lt"/>
+                <a:ea typeface="+mn-ea"/>
+                <a:cs typeface="+mn-cs"/>
+              </a:rPr>
+              <a:t>数理モデルを用いたテスト理論の一つで，テストを作成・実施・評価・運用するための実践的な数理</a:t>
+            </a:r>
+          </a:p>
+          <a:p>
+            <a:r>
+              <a:rPr kumimoji="1" lang="ja-JP" altLang="en-US" sz="1200" kern="1200">
+                <a:solidFill>
+                  <a:schemeClr val="tx1"/>
+                </a:solidFill>
+                <a:effectLst/>
+                <a:latin typeface="+mn-lt"/>
+                <a:ea typeface="+mn-ea"/>
+                <a:cs typeface="+mn-cs"/>
+              </a:rPr>
+              <a:t>モデルである</a:t>
+            </a:r>
+          </a:p>
+          <a:p>
+            <a:endParaRPr kumimoji="1" lang="en-US" altLang="ja-JP" dirty="0"/>
+          </a:p>
+          <a:p>
+            <a:r>
+              <a:rPr kumimoji="1" lang="ja-JP" altLang="en-US" sz="1200" kern="1200">
+                <a:solidFill>
+                  <a:schemeClr val="tx1"/>
+                </a:solidFill>
+                <a:effectLst/>
+                <a:latin typeface="+mn-lt"/>
+                <a:ea typeface="+mn-ea"/>
+                <a:cs typeface="+mn-cs"/>
+              </a:rPr>
+              <a:t>最も基礎的な項目反応モデルとして，ラッシュモデル</a:t>
+            </a:r>
+            <a:r>
+              <a:rPr kumimoji="1" lang="en-US" altLang="ja-JP" sz="1200" kern="1200" dirty="0">
+                <a:solidFill>
+                  <a:schemeClr val="tx1"/>
+                </a:solidFill>
+                <a:effectLst/>
+                <a:latin typeface="+mn-lt"/>
+                <a:ea typeface="+mn-ea"/>
+                <a:cs typeface="+mn-cs"/>
+              </a:rPr>
+              <a:t>[3]</a:t>
+            </a:r>
+            <a:r>
+              <a:rPr kumimoji="1" lang="ja-JP" altLang="en-US" sz="1200" kern="1200">
+                <a:solidFill>
+                  <a:schemeClr val="tx1"/>
+                </a:solidFill>
+                <a:effectLst/>
+                <a:latin typeface="+mn-lt"/>
+                <a:ea typeface="+mn-ea"/>
+                <a:cs typeface="+mn-cs"/>
+              </a:rPr>
+              <a:t>がある．ラッシュモデルでは，受検者</a:t>
+            </a:r>
+            <a:r>
+              <a:rPr kumimoji="1" lang="en" altLang="ja-JP" sz="1200" kern="1200" dirty="0">
+                <a:solidFill>
+                  <a:schemeClr val="tx1"/>
+                </a:solidFill>
+                <a:effectLst/>
+                <a:latin typeface="+mn-lt"/>
+                <a:ea typeface="+mn-ea"/>
+                <a:cs typeface="+mn-cs"/>
+              </a:rPr>
+              <a:t>j</a:t>
+            </a:r>
+            <a:r>
+              <a:rPr kumimoji="1" lang="ja-JP" altLang="en-US" sz="1200" kern="1200">
+                <a:solidFill>
+                  <a:schemeClr val="tx1"/>
+                </a:solidFill>
+                <a:effectLst/>
+                <a:latin typeface="+mn-lt"/>
+                <a:ea typeface="+mn-ea"/>
+                <a:cs typeface="+mn-cs"/>
+              </a:rPr>
+              <a:t>が</a:t>
+            </a:r>
+          </a:p>
+          <a:p>
+            <a:r>
+              <a:rPr kumimoji="1" lang="ja-JP" altLang="en-US" sz="1200" kern="1200">
+                <a:solidFill>
+                  <a:schemeClr val="tx1"/>
+                </a:solidFill>
+                <a:effectLst/>
+                <a:latin typeface="+mn-lt"/>
+                <a:ea typeface="+mn-ea"/>
+                <a:cs typeface="+mn-cs"/>
+              </a:rPr>
+              <a:t>項目</a:t>
+            </a:r>
+            <a:r>
+              <a:rPr kumimoji="1" lang="en" altLang="ja-JP" sz="1200" kern="1200" dirty="0" err="1">
+                <a:solidFill>
+                  <a:schemeClr val="tx1"/>
+                </a:solidFill>
+                <a:effectLst/>
+                <a:latin typeface="+mn-lt"/>
+                <a:ea typeface="+mn-ea"/>
+                <a:cs typeface="+mn-cs"/>
+              </a:rPr>
+              <a:t>i</a:t>
+            </a:r>
+            <a:r>
+              <a:rPr kumimoji="1" lang="ja-JP" altLang="en-US" sz="1200" kern="1200">
+                <a:solidFill>
+                  <a:schemeClr val="tx1"/>
+                </a:solidFill>
+                <a:effectLst/>
+                <a:latin typeface="+mn-lt"/>
+                <a:ea typeface="+mn-ea"/>
+                <a:cs typeface="+mn-cs"/>
+              </a:rPr>
+              <a:t>に正答する確率を次の式で表す．</a:t>
+            </a:r>
+          </a:p>
+          <a:p>
+            <a:r>
+              <a:rPr kumimoji="1" lang="ja-JP" altLang="en-US" sz="1200" kern="1200">
+                <a:solidFill>
+                  <a:schemeClr val="tx1"/>
+                </a:solidFill>
+                <a:effectLst/>
+                <a:latin typeface="+mn-lt"/>
+                <a:ea typeface="+mn-ea"/>
+                <a:cs typeface="+mn-cs"/>
+              </a:rPr>
+              <a:t>ここで，</a:t>
+            </a:r>
+            <a:r>
+              <a:rPr kumimoji="1" lang="el-GR" altLang="ja-JP" sz="1200" kern="1200" dirty="0">
+                <a:solidFill>
+                  <a:schemeClr val="tx1"/>
+                </a:solidFill>
+                <a:effectLst/>
+                <a:latin typeface="+mn-lt"/>
+                <a:ea typeface="+mn-ea"/>
+                <a:cs typeface="+mn-cs"/>
+              </a:rPr>
+              <a:t>θ</a:t>
+            </a:r>
+            <a:r>
+              <a:rPr kumimoji="1" lang="en" altLang="ja-JP" sz="1200" kern="1200" dirty="0">
+                <a:solidFill>
+                  <a:schemeClr val="tx1"/>
+                </a:solidFill>
+                <a:effectLst/>
+                <a:latin typeface="+mn-lt"/>
+                <a:ea typeface="+mn-ea"/>
+                <a:cs typeface="+mn-cs"/>
+              </a:rPr>
+              <a:t>j</a:t>
+            </a:r>
+            <a:r>
+              <a:rPr kumimoji="1" lang="ja-JP" altLang="en-US" sz="1200" kern="1200">
+                <a:solidFill>
+                  <a:schemeClr val="tx1"/>
+                </a:solidFill>
+                <a:effectLst/>
+                <a:latin typeface="+mn-lt"/>
+                <a:ea typeface="+mn-ea"/>
+                <a:cs typeface="+mn-cs"/>
+              </a:rPr>
+              <a:t>は受検者</a:t>
+            </a:r>
+            <a:r>
+              <a:rPr kumimoji="1" lang="en" altLang="ja-JP" sz="1200" kern="1200" dirty="0">
+                <a:solidFill>
+                  <a:schemeClr val="tx1"/>
+                </a:solidFill>
+                <a:effectLst/>
+                <a:latin typeface="+mn-lt"/>
+                <a:ea typeface="+mn-ea"/>
+                <a:cs typeface="+mn-cs"/>
+              </a:rPr>
+              <a:t>j</a:t>
+            </a:r>
+            <a:r>
+              <a:rPr kumimoji="1" lang="ja-JP" altLang="en-US" sz="1200" kern="1200">
+                <a:solidFill>
+                  <a:schemeClr val="tx1"/>
+                </a:solidFill>
+                <a:effectLst/>
+                <a:latin typeface="+mn-lt"/>
+                <a:ea typeface="+mn-ea"/>
+                <a:cs typeface="+mn-cs"/>
+              </a:rPr>
+              <a:t>の能力，</a:t>
+            </a:r>
+            <a:r>
+              <a:rPr kumimoji="1" lang="en" altLang="ja-JP" sz="1200" kern="1200" dirty="0">
+                <a:solidFill>
+                  <a:schemeClr val="tx1"/>
+                </a:solidFill>
+                <a:effectLst/>
+                <a:latin typeface="+mn-lt"/>
+                <a:ea typeface="+mn-ea"/>
+                <a:cs typeface="+mn-cs"/>
+              </a:rPr>
+              <a:t>bi</a:t>
+            </a:r>
+            <a:r>
+              <a:rPr kumimoji="1" lang="ja-JP" altLang="en-US" sz="1200" kern="1200">
+                <a:solidFill>
+                  <a:schemeClr val="tx1"/>
+                </a:solidFill>
+                <a:effectLst/>
+                <a:latin typeface="+mn-lt"/>
+                <a:ea typeface="+mn-ea"/>
+                <a:cs typeface="+mn-cs"/>
+              </a:rPr>
+              <a:t>は項目</a:t>
+            </a:r>
+            <a:r>
+              <a:rPr kumimoji="1" lang="en" altLang="ja-JP" sz="1200" kern="1200" dirty="0" err="1">
+                <a:solidFill>
+                  <a:schemeClr val="tx1"/>
+                </a:solidFill>
+                <a:effectLst/>
+                <a:latin typeface="+mn-lt"/>
+                <a:ea typeface="+mn-ea"/>
+                <a:cs typeface="+mn-cs"/>
+              </a:rPr>
+              <a:t>i</a:t>
+            </a:r>
+            <a:r>
+              <a:rPr kumimoji="1" lang="ja-JP" altLang="en-US" sz="1200" kern="1200">
+                <a:solidFill>
+                  <a:schemeClr val="tx1"/>
+                </a:solidFill>
+                <a:effectLst/>
+                <a:latin typeface="+mn-lt"/>
+                <a:ea typeface="+mn-ea"/>
+                <a:cs typeface="+mn-cs"/>
+              </a:rPr>
+              <a:t>の困難度を表す．</a:t>
+            </a:r>
+          </a:p>
+          <a:p>
+            <a:r>
+              <a:rPr kumimoji="1" lang="ja-JP" altLang="en-US" sz="1200" kern="1200">
+                <a:solidFill>
+                  <a:schemeClr val="tx1"/>
+                </a:solidFill>
+                <a:effectLst/>
+                <a:latin typeface="+mn-lt"/>
+                <a:ea typeface="+mn-ea"/>
+                <a:cs typeface="+mn-cs"/>
+              </a:rPr>
+              <a:t>ラッシュモデルは，少数のパラメータで表現されているため，少数データからでも高精度にパラ</a:t>
+            </a:r>
+          </a:p>
+          <a:p>
+            <a:r>
+              <a:rPr kumimoji="1" lang="ja-JP" altLang="en-US" sz="1200" kern="1200">
+                <a:solidFill>
+                  <a:schemeClr val="tx1"/>
+                </a:solidFill>
+                <a:effectLst/>
+                <a:latin typeface="+mn-lt"/>
+                <a:ea typeface="+mn-ea"/>
+                <a:cs typeface="+mn-cs"/>
+              </a:rPr>
+              <a:t>メータを推定できる</a:t>
+            </a:r>
+            <a:r>
+              <a:rPr kumimoji="1" lang="en-US" altLang="ja-JP" sz="1200" kern="1200" dirty="0">
+                <a:solidFill>
+                  <a:schemeClr val="tx1"/>
+                </a:solidFill>
+                <a:effectLst/>
+                <a:latin typeface="+mn-lt"/>
+                <a:ea typeface="+mn-ea"/>
+                <a:cs typeface="+mn-cs"/>
+              </a:rPr>
+              <a:t>[12]</a:t>
+            </a:r>
+            <a:r>
+              <a:rPr kumimoji="1" lang="ja-JP" altLang="en-US" sz="1200" kern="1200">
+                <a:solidFill>
+                  <a:schemeClr val="tx1"/>
+                </a:solidFill>
+                <a:effectLst/>
+                <a:latin typeface="+mn-lt"/>
+                <a:ea typeface="+mn-ea"/>
+                <a:cs typeface="+mn-cs"/>
+              </a:rPr>
+              <a:t>．しかし，そのモデルの単純さにより，複雑な特性を表現できず，データへ</a:t>
+            </a:r>
+          </a:p>
+          <a:p>
+            <a:r>
+              <a:rPr kumimoji="1" lang="ja-JP" altLang="en-US" sz="1200" kern="1200">
+                <a:solidFill>
+                  <a:schemeClr val="tx1"/>
+                </a:solidFill>
+                <a:effectLst/>
+                <a:latin typeface="+mn-lt"/>
+                <a:ea typeface="+mn-ea"/>
+                <a:cs typeface="+mn-cs"/>
+              </a:rPr>
+              <a:t>の当てはまりが悪い場合が多い</a:t>
+            </a:r>
+            <a:r>
+              <a:rPr kumimoji="1" lang="en-US" altLang="ja-JP" sz="1200" kern="1200" dirty="0">
+                <a:solidFill>
+                  <a:schemeClr val="tx1"/>
+                </a:solidFill>
+                <a:effectLst/>
+                <a:latin typeface="+mn-lt"/>
+                <a:ea typeface="+mn-ea"/>
+                <a:cs typeface="+mn-cs"/>
+              </a:rPr>
+              <a:t>[13]</a:t>
+            </a:r>
+            <a:r>
+              <a:rPr kumimoji="1" lang="ja-JP" altLang="en-US" sz="1200" kern="1200">
+                <a:solidFill>
+                  <a:schemeClr val="tx1"/>
+                </a:solidFill>
+                <a:effectLst/>
+                <a:latin typeface="+mn-lt"/>
+                <a:ea typeface="+mn-ea"/>
+                <a:cs typeface="+mn-cs"/>
+              </a:rPr>
+              <a:t>．</a:t>
+            </a:r>
+          </a:p>
+          <a:p>
+            <a:endParaRPr kumimoji="1" lang="ja-JP" altLang="en-US"/>
+          </a:p>
+        </p:txBody>
+      </p:sp>
+      <p:sp>
+        <p:nvSpPr>
+          <p:cNvPr id="4" name="スライド番号プレースホルダー 3"/>
+          <p:cNvSpPr>
+            <a:spLocks noGrp="1"/>
+          </p:cNvSpPr>
+          <p:nvPr>
+            <p:ph type="sldNum" sz="quarter" idx="5"/>
+          </p:nvPr>
+        </p:nvSpPr>
+        <p:spPr/>
+        <p:txBody>
+          <a:bodyPr/>
+          <a:lstStyle/>
+          <a:p>
+            <a:fld id="{F069C953-97BB-D34F-A925-DB809641415F}" type="slidenum">
+              <a:rPr kumimoji="1" lang="ja-JP" altLang="en-US" smtClean="0"/>
+              <a:t>3</a:t>
+            </a:fld>
+            <a:endParaRPr kumimoji="1" lang="ja-JP" altLang="en-US"/>
+          </a:p>
+        </p:txBody>
+      </p:sp>
+    </p:spTree>
+    <p:extLst>
+      <p:ext uri="{BB962C8B-B14F-4D97-AF65-F5344CB8AC3E}">
+        <p14:creationId xmlns:p14="http://schemas.microsoft.com/office/powerpoint/2010/main" val="1750737571"/>
+      </p:ext>
+    </p:extLst>
+  </p:cSld>
+  <p:clrMapOvr>
+    <a:masterClrMapping/>
+  </p:clrMapOvr>
+</p:notes>
+</file>
+
+<file path=ppt/notesSlides/notesSlide2.xml><?xml version="1.0" encoding="utf-8"?>
+<p:notes xmlns:a="http://schemas.openxmlformats.org/drawingml/2006/main" xmlns:r="http://schemas.openxmlformats.org/officeDocument/2006/relationships" xmlns:p="http://schemas.openxmlformats.org/presentationml/2006/main">
+  <p:cSld>
+    <p:spTree>
+      <p:nvGrpSpPr>
+        <p:cNvPr id="1" name=""/>
+        <p:cNvGrpSpPr/>
+        <p:nvPr/>
+      </p:nvGrpSpPr>
+      <p:grpSpPr>
+        <a:xfrm>
+          <a:off x="0" y="0"/>
+          <a:ext cx="0" cy="0"/>
+          <a:chOff x="0" y="0"/>
+          <a:chExt cx="0" cy="0"/>
+        </a:xfrm>
+      </p:grpSpPr>
+      <p:sp>
+        <p:nvSpPr>
+          <p:cNvPr id="2" name="スライド イメージ プレースホルダー 1"/>
+          <p:cNvSpPr>
+            <a:spLocks noGrp="1" noRot="1" noChangeAspect="1"/>
+          </p:cNvSpPr>
+          <p:nvPr>
+            <p:ph type="sldImg"/>
+          </p:nvPr>
+        </p:nvSpPr>
+        <p:spPr/>
+      </p:sp>
+      <p:sp>
+        <p:nvSpPr>
+          <p:cNvPr id="3" name="ノート プレースホルダー 2"/>
+          <p:cNvSpPr>
+            <a:spLocks noGrp="1"/>
+          </p:cNvSpPr>
+          <p:nvPr>
+            <p:ph type="body" idx="1"/>
+          </p:nvPr>
+        </p:nvSpPr>
+        <p:spPr/>
+        <p:txBody>
+          <a:bodyPr/>
+          <a:lstStyle/>
+          <a:p>
+            <a:r>
+              <a:rPr kumimoji="1" lang="ja-JP" altLang="en-US"/>
+              <a:t>今回は評価者と課題の特性を柔軟に表現できる最先端モデルの１つである一般化多相ラッシュモデルから紹介する．</a:t>
+            </a:r>
+          </a:p>
+        </p:txBody>
+      </p:sp>
+      <p:sp>
+        <p:nvSpPr>
+          <p:cNvPr id="4" name="スライド番号プレースホルダー 3"/>
+          <p:cNvSpPr>
+            <a:spLocks noGrp="1"/>
+          </p:cNvSpPr>
+          <p:nvPr>
+            <p:ph type="sldNum" sz="quarter" idx="5"/>
+          </p:nvPr>
+        </p:nvSpPr>
+        <p:spPr/>
+        <p:txBody>
+          <a:bodyPr/>
+          <a:lstStyle/>
+          <a:p>
+            <a:fld id="{F069C953-97BB-D34F-A925-DB809641415F}" type="slidenum">
+              <a:rPr kumimoji="1" lang="ja-JP" altLang="en-US" smtClean="0"/>
+              <a:t>4</a:t>
+            </a:fld>
+            <a:endParaRPr kumimoji="1" lang="ja-JP" altLang="en-US"/>
+          </a:p>
+        </p:txBody>
+      </p:sp>
+    </p:spTree>
+    <p:extLst>
+      <p:ext uri="{BB962C8B-B14F-4D97-AF65-F5344CB8AC3E}">
+        <p14:creationId xmlns:p14="http://schemas.microsoft.com/office/powerpoint/2010/main" val="2910473030"/>
+      </p:ext>
+    </p:extLst>
+  </p:cSld>
+  <p:clrMapOvr>
+    <a:masterClrMapping/>
+  </p:clrMapOvr>
+</p:notes>
+</file>
+
+<file path=ppt/notesSlides/notesSlide3.xml><?xml version="1.0" encoding="utf-8"?>
+<p:notes xmlns:a="http://schemas.openxmlformats.org/drawingml/2006/main" xmlns:r="http://schemas.openxmlformats.org/officeDocument/2006/relationships" xmlns:p="http://schemas.openxmlformats.org/presentationml/2006/main">
+  <p:cSld>
+    <p:spTree>
+      <p:nvGrpSpPr>
+        <p:cNvPr id="1" name=""/>
+        <p:cNvGrpSpPr/>
+        <p:nvPr/>
+      </p:nvGrpSpPr>
+      <p:grpSpPr>
+        <a:xfrm>
+          <a:off x="0" y="0"/>
+          <a:ext cx="0" cy="0"/>
+          <a:chOff x="0" y="0"/>
+          <a:chExt cx="0" cy="0"/>
+        </a:xfrm>
+      </p:grpSpPr>
+      <p:sp>
+        <p:nvSpPr>
+          <p:cNvPr id="2" name="スライド イメージ プレースホルダー 1"/>
+          <p:cNvSpPr>
+            <a:spLocks noGrp="1" noRot="1" noChangeAspect="1"/>
+          </p:cNvSpPr>
+          <p:nvPr>
+            <p:ph type="sldImg"/>
+          </p:nvPr>
+        </p:nvSpPr>
+        <p:spPr/>
+      </p:sp>
+      <p:sp>
+        <p:nvSpPr>
+          <p:cNvPr id="3" name="ノート プレースホルダー 2"/>
+          <p:cNvSpPr>
+            <a:spLocks noGrp="1"/>
+          </p:cNvSpPr>
+          <p:nvPr>
+            <p:ph type="body" idx="1"/>
+          </p:nvPr>
+        </p:nvSpPr>
+        <p:spPr/>
+        <p:txBody>
+          <a:bodyPr/>
+          <a:lstStyle/>
+          <a:p>
+            <a:r>
+              <a:rPr kumimoji="1" lang="ja-JP" altLang="en-US" sz="1200" kern="1200">
+                <a:solidFill>
+                  <a:schemeClr val="tx1"/>
+                </a:solidFill>
+                <a:effectLst/>
+                <a:latin typeface="+mn-lt"/>
+                <a:ea typeface="+mn-ea"/>
+                <a:cs typeface="+mn-cs"/>
+              </a:rPr>
+              <a:t>このモデルでは，評価者</a:t>
+            </a:r>
+            <a:r>
+              <a:rPr kumimoji="1" lang="en" altLang="ja-JP" sz="1200" kern="1200" dirty="0">
+                <a:solidFill>
+                  <a:schemeClr val="tx1"/>
+                </a:solidFill>
+                <a:effectLst/>
+                <a:latin typeface="+mn-lt"/>
+                <a:ea typeface="+mn-ea"/>
+                <a:cs typeface="+mn-cs"/>
+              </a:rPr>
+              <a:t>r</a:t>
+            </a:r>
+            <a:r>
+              <a:rPr kumimoji="1" lang="ja-JP" altLang="en-US" sz="1200" kern="1200">
+                <a:solidFill>
+                  <a:schemeClr val="tx1"/>
+                </a:solidFill>
+                <a:effectLst/>
+                <a:latin typeface="+mn-lt"/>
+                <a:ea typeface="+mn-ea"/>
+                <a:cs typeface="+mn-cs"/>
+              </a:rPr>
+              <a:t>が課題</a:t>
+            </a:r>
+            <a:r>
+              <a:rPr kumimoji="1" lang="en" altLang="ja-JP" sz="1200" kern="1200" dirty="0" err="1">
+                <a:solidFill>
+                  <a:schemeClr val="tx1"/>
+                </a:solidFill>
+                <a:effectLst/>
+                <a:latin typeface="+mn-lt"/>
+                <a:ea typeface="+mn-ea"/>
+                <a:cs typeface="+mn-cs"/>
+              </a:rPr>
+              <a:t>i</a:t>
+            </a:r>
+            <a:r>
+              <a:rPr kumimoji="1" lang="ja-JP" altLang="en-US" sz="1200" kern="1200">
+                <a:solidFill>
+                  <a:schemeClr val="tx1"/>
+                </a:solidFill>
+                <a:effectLst/>
+                <a:latin typeface="+mn-lt"/>
+                <a:ea typeface="+mn-ea"/>
+                <a:cs typeface="+mn-cs"/>
+              </a:rPr>
+              <a:t>における受検者</a:t>
+            </a:r>
+            <a:r>
+              <a:rPr kumimoji="1" lang="en" altLang="ja-JP" sz="1200" kern="1200" dirty="0">
+                <a:solidFill>
+                  <a:schemeClr val="tx1"/>
+                </a:solidFill>
+                <a:effectLst/>
+                <a:latin typeface="+mn-lt"/>
+                <a:ea typeface="+mn-ea"/>
+                <a:cs typeface="+mn-cs"/>
+              </a:rPr>
+              <a:t>j</a:t>
+            </a:r>
+            <a:r>
+              <a:rPr kumimoji="1" lang="ja-JP" altLang="en-US" sz="1200" kern="1200">
+                <a:solidFill>
+                  <a:schemeClr val="tx1"/>
+                </a:solidFill>
+                <a:effectLst/>
+                <a:latin typeface="+mn-lt"/>
+                <a:ea typeface="+mn-ea"/>
+                <a:cs typeface="+mn-cs"/>
+              </a:rPr>
+              <a:t>のパフォーマンスに評</a:t>
+            </a:r>
+          </a:p>
+          <a:p>
+            <a:r>
+              <a:rPr kumimoji="1" lang="ja-JP" altLang="en-US" sz="1200" kern="1200">
+                <a:solidFill>
+                  <a:schemeClr val="tx1"/>
+                </a:solidFill>
+                <a:effectLst/>
+                <a:latin typeface="+mn-lt"/>
+                <a:ea typeface="+mn-ea"/>
+                <a:cs typeface="+mn-cs"/>
+              </a:rPr>
+              <a:t>点</a:t>
+            </a:r>
+            <a:r>
+              <a:rPr kumimoji="1" lang="en" altLang="ja-JP" sz="1200" kern="1200" dirty="0">
+                <a:solidFill>
+                  <a:schemeClr val="tx1"/>
+                </a:solidFill>
+                <a:effectLst/>
+                <a:latin typeface="+mn-lt"/>
+                <a:ea typeface="+mn-ea"/>
+                <a:cs typeface="+mn-cs"/>
+              </a:rPr>
+              <a:t>k</a:t>
+            </a:r>
+            <a:r>
+              <a:rPr kumimoji="1" lang="ja-JP" altLang="en-US" sz="1200" kern="1200">
+                <a:solidFill>
+                  <a:schemeClr val="tx1"/>
+                </a:solidFill>
+                <a:effectLst/>
+                <a:latin typeface="+mn-lt"/>
+                <a:ea typeface="+mn-ea"/>
+                <a:cs typeface="+mn-cs"/>
+              </a:rPr>
+              <a:t>を与える確率を次式で定義する．</a:t>
+            </a:r>
+          </a:p>
+          <a:p>
+            <a:r>
+              <a:rPr kumimoji="1" lang="ja-JP" altLang="en-US" sz="1200" kern="1200">
+                <a:solidFill>
+                  <a:schemeClr val="tx1"/>
+                </a:solidFill>
+                <a:effectLst/>
+                <a:latin typeface="+mn-lt"/>
+                <a:ea typeface="+mn-ea"/>
+                <a:cs typeface="+mn-cs"/>
+              </a:rPr>
+              <a:t>ここで，</a:t>
+            </a:r>
+            <a:r>
+              <a:rPr kumimoji="1" lang="en" altLang="ja-JP" sz="1200" kern="1200" dirty="0" err="1">
+                <a:solidFill>
+                  <a:schemeClr val="tx1"/>
+                </a:solidFill>
+                <a:effectLst/>
+                <a:latin typeface="+mn-lt"/>
+                <a:ea typeface="+mn-ea"/>
+                <a:cs typeface="+mn-cs"/>
+              </a:rPr>
+              <a:t>drm</a:t>
+            </a:r>
+            <a:r>
+              <a:rPr kumimoji="1" lang="ja-JP" altLang="en-US" sz="1200" kern="1200">
+                <a:solidFill>
+                  <a:schemeClr val="tx1"/>
+                </a:solidFill>
+                <a:effectLst/>
+                <a:latin typeface="+mn-lt"/>
+                <a:ea typeface="+mn-ea"/>
+                <a:cs typeface="+mn-cs"/>
+              </a:rPr>
+              <a:t>は評価者</a:t>
+            </a:r>
+            <a:r>
+              <a:rPr kumimoji="1" lang="en" altLang="ja-JP" sz="1200" kern="1200" dirty="0">
+                <a:solidFill>
+                  <a:schemeClr val="tx1"/>
+                </a:solidFill>
+                <a:effectLst/>
+                <a:latin typeface="+mn-lt"/>
+                <a:ea typeface="+mn-ea"/>
+                <a:cs typeface="+mn-cs"/>
+              </a:rPr>
+              <a:t>r</a:t>
+            </a:r>
+            <a:r>
+              <a:rPr kumimoji="1" lang="ja-JP" altLang="en-US" sz="1200" kern="1200">
+                <a:solidFill>
+                  <a:schemeClr val="tx1"/>
+                </a:solidFill>
+                <a:effectLst/>
+                <a:latin typeface="+mn-lt"/>
+                <a:ea typeface="+mn-ea"/>
+                <a:cs typeface="+mn-cs"/>
+              </a:rPr>
+              <a:t>のスコア</a:t>
+            </a:r>
+            <a:r>
+              <a:rPr kumimoji="1" lang="en" altLang="ja-JP" sz="1200" kern="1200" dirty="0">
+                <a:solidFill>
+                  <a:schemeClr val="tx1"/>
+                </a:solidFill>
+                <a:effectLst/>
+                <a:latin typeface="+mn-lt"/>
+                <a:ea typeface="+mn-ea"/>
+                <a:cs typeface="+mn-cs"/>
+              </a:rPr>
+              <a:t>k</a:t>
+            </a:r>
+            <a:r>
+              <a:rPr kumimoji="1" lang="ja-JP" altLang="en-US" sz="1200" kern="1200">
+                <a:solidFill>
+                  <a:schemeClr val="tx1"/>
+                </a:solidFill>
+                <a:effectLst/>
+                <a:latin typeface="+mn-lt"/>
+                <a:ea typeface="+mn-ea"/>
+                <a:cs typeface="+mn-cs"/>
+              </a:rPr>
+              <a:t>に対する厳しさを表すステップパラメータである．このモデルは，現在</a:t>
+            </a:r>
+          </a:p>
+          <a:p>
+            <a:r>
+              <a:rPr kumimoji="1" lang="ja-JP" altLang="en-US" sz="1200" kern="1200">
+                <a:solidFill>
+                  <a:schemeClr val="tx1"/>
+                </a:solidFill>
+                <a:effectLst/>
+                <a:latin typeface="+mn-lt"/>
+                <a:ea typeface="+mn-ea"/>
+                <a:cs typeface="+mn-cs"/>
+              </a:rPr>
+              <a:t>最も評価者特性を柔軟に表現できるモデルである．そのため本研究では，このモデルを拡張する形で</a:t>
+            </a:r>
+          </a:p>
+          <a:p>
+            <a:r>
+              <a:rPr kumimoji="1" lang="ja-JP" altLang="en-US" sz="1200" kern="1200">
+                <a:solidFill>
+                  <a:schemeClr val="tx1"/>
+                </a:solidFill>
+                <a:effectLst/>
+                <a:latin typeface="+mn-lt"/>
+                <a:ea typeface="+mn-ea"/>
+                <a:cs typeface="+mn-cs"/>
+              </a:rPr>
+              <a:t>モデルを提案する．</a:t>
+            </a:r>
+            <a:endParaRPr kumimoji="1" lang="en-US" altLang="ja-JP" sz="1200" kern="1200" dirty="0">
+              <a:solidFill>
+                <a:schemeClr val="tx1"/>
+              </a:solidFill>
+              <a:effectLst/>
+              <a:latin typeface="+mn-lt"/>
+              <a:ea typeface="+mn-ea"/>
+              <a:cs typeface="+mn-cs"/>
+            </a:endParaRPr>
+          </a:p>
+          <a:p>
+            <a:r>
+              <a:rPr kumimoji="1" lang="ja-JP" altLang="en-US" sz="1200" b="0" kern="1200">
+                <a:solidFill>
+                  <a:schemeClr val="tx1"/>
+                </a:solidFill>
+                <a:effectLst/>
+                <a:latin typeface="+mn-lt"/>
+                <a:ea typeface="+mn-ea"/>
+                <a:cs typeface="+mn-cs"/>
+              </a:rPr>
+              <a:t>上記のモデルは評価者の特性が評価中に変化しないことを仮定しているが，この仮定は現実には成り立たないことがある．</a:t>
+            </a:r>
+          </a:p>
+          <a:p>
+            <a:r>
+              <a:rPr kumimoji="1" lang="ja-JP" altLang="en-US" sz="1200" b="0" kern="1200">
+                <a:solidFill>
+                  <a:schemeClr val="tx1"/>
+                </a:solidFill>
+                <a:effectLst/>
+                <a:latin typeface="+mn-lt"/>
+                <a:ea typeface="+mn-ea"/>
+                <a:cs typeface="+mn-cs"/>
+              </a:rPr>
+              <a:t>このような評価者ドリフトを考慮できるモデルとして，時間区分</a:t>
+            </a:r>
+            <a:r>
+              <a:rPr kumimoji="1" lang="en-US" altLang="ja-JP" sz="1200" b="1" kern="1200" dirty="0">
+                <a:solidFill>
+                  <a:schemeClr val="tx1"/>
+                </a:solidFill>
+                <a:effectLst/>
+                <a:latin typeface="+mn-lt"/>
+                <a:ea typeface="+mn-ea"/>
+                <a:cs typeface="+mn-cs"/>
+              </a:rPr>
+              <a:t>$</a:t>
+            </a:r>
+            <a:r>
+              <a:rPr kumimoji="1" lang="en" altLang="ja-JP" sz="1200" b="1" kern="1200" dirty="0">
+                <a:solidFill>
+                  <a:schemeClr val="tx1"/>
+                </a:solidFill>
+                <a:effectLst/>
+                <a:latin typeface="+mn-lt"/>
+                <a:ea typeface="+mn-ea"/>
+                <a:cs typeface="+mn-cs"/>
+              </a:rPr>
+              <a:t>t$</a:t>
+            </a:r>
+            <a:r>
+              <a:rPr kumimoji="1" lang="ja-JP" altLang="en-US" sz="1200" b="0" kern="1200">
+                <a:solidFill>
+                  <a:schemeClr val="tx1"/>
+                </a:solidFill>
+                <a:effectLst/>
+                <a:latin typeface="+mn-lt"/>
+                <a:ea typeface="+mn-ea"/>
+                <a:cs typeface="+mn-cs"/>
+              </a:rPr>
+              <a:t>における評価者</a:t>
+            </a:r>
+            <a:r>
+              <a:rPr kumimoji="1" lang="en-US" altLang="ja-JP" sz="1200" b="1" kern="1200" dirty="0">
+                <a:solidFill>
+                  <a:schemeClr val="tx1"/>
+                </a:solidFill>
+                <a:effectLst/>
+                <a:latin typeface="+mn-lt"/>
+                <a:ea typeface="+mn-ea"/>
+                <a:cs typeface="+mn-cs"/>
+              </a:rPr>
+              <a:t>$</a:t>
+            </a:r>
+            <a:r>
+              <a:rPr kumimoji="1" lang="en" altLang="ja-JP" sz="1200" b="1" kern="1200" dirty="0">
+                <a:solidFill>
+                  <a:schemeClr val="tx1"/>
+                </a:solidFill>
+                <a:effectLst/>
+                <a:latin typeface="+mn-lt"/>
+                <a:ea typeface="+mn-ea"/>
+                <a:cs typeface="+mn-cs"/>
+              </a:rPr>
+              <a:t>r$</a:t>
+            </a:r>
+            <a:r>
+              <a:rPr kumimoji="1" lang="ja-JP" altLang="en-US" sz="1200" b="0" kern="1200">
+                <a:solidFill>
+                  <a:schemeClr val="tx1"/>
+                </a:solidFill>
+                <a:effectLst/>
+                <a:latin typeface="+mn-lt"/>
+                <a:ea typeface="+mn-ea"/>
+                <a:cs typeface="+mn-cs"/>
+              </a:rPr>
+              <a:t>の厳しさの変化を反映させるモデルが提案されている</a:t>
+            </a:r>
+          </a:p>
+          <a:p>
+            <a:endParaRPr kumimoji="1" lang="ja-JP" altLang="en-US"/>
+          </a:p>
+        </p:txBody>
+      </p:sp>
+      <p:sp>
+        <p:nvSpPr>
+          <p:cNvPr id="4" name="スライド番号プレースホルダー 3"/>
+          <p:cNvSpPr>
+            <a:spLocks noGrp="1"/>
+          </p:cNvSpPr>
+          <p:nvPr>
+            <p:ph type="sldNum" sz="quarter" idx="5"/>
+          </p:nvPr>
+        </p:nvSpPr>
+        <p:spPr/>
+        <p:txBody>
+          <a:bodyPr/>
+          <a:lstStyle/>
+          <a:p>
+            <a:fld id="{F069C953-97BB-D34F-A925-DB809641415F}" type="slidenum">
+              <a:rPr kumimoji="1" lang="ja-JP" altLang="en-US" smtClean="0"/>
+              <a:t>5</a:t>
+            </a:fld>
+            <a:endParaRPr kumimoji="1" lang="ja-JP" altLang="en-US"/>
+          </a:p>
+        </p:txBody>
+      </p:sp>
+    </p:spTree>
+    <p:extLst>
+      <p:ext uri="{BB962C8B-B14F-4D97-AF65-F5344CB8AC3E}">
+        <p14:creationId xmlns:p14="http://schemas.microsoft.com/office/powerpoint/2010/main" val="4033461016"/>
+      </p:ext>
+    </p:extLst>
+  </p:cSld>
+  <p:clrMapOvr>
+    <a:masterClrMapping/>
+  </p:clrMapOvr>
+</p:notes>
+</file>
+
+<file path=ppt/notesSlides/notesSlide4.xml><?xml version="1.0" encoding="utf-8"?>
+<p:notes xmlns:a="http://schemas.openxmlformats.org/drawingml/2006/main" xmlns:r="http://schemas.openxmlformats.org/officeDocument/2006/relationships" xmlns:p="http://schemas.openxmlformats.org/presentationml/2006/main">
+  <p:cSld>
+    <p:spTree>
+      <p:nvGrpSpPr>
+        <p:cNvPr id="1" name=""/>
+        <p:cNvGrpSpPr/>
+        <p:nvPr/>
+      </p:nvGrpSpPr>
+      <p:grpSpPr>
+        <a:xfrm>
+          <a:off x="0" y="0"/>
+          <a:ext cx="0" cy="0"/>
+          <a:chOff x="0" y="0"/>
+          <a:chExt cx="0" cy="0"/>
+        </a:xfrm>
+      </p:grpSpPr>
+      <p:sp>
+        <p:nvSpPr>
+          <p:cNvPr id="2" name="スライド イメージ プレースホルダー 1"/>
+          <p:cNvSpPr>
+            <a:spLocks noGrp="1" noRot="1" noChangeAspect="1"/>
+          </p:cNvSpPr>
+          <p:nvPr>
+            <p:ph type="sldImg"/>
+          </p:nvPr>
+        </p:nvSpPr>
+        <p:spPr/>
+      </p:sp>
+      <p:sp>
+        <p:nvSpPr>
+          <p:cNvPr id="3" name="ノート プレースホルダー 2"/>
+          <p:cNvSpPr>
+            <a:spLocks noGrp="1"/>
+          </p:cNvSpPr>
+          <p:nvPr>
+            <p:ph type="body" idx="1"/>
+          </p:nvPr>
+        </p:nvSpPr>
+        <p:spPr/>
+        <p:txBody>
+          <a:bodyPr/>
+          <a:lstStyle/>
+          <a:p>
+            <a:endParaRPr kumimoji="1" lang="ja-JP" altLang="en-US"/>
+          </a:p>
+        </p:txBody>
+      </p:sp>
+      <p:sp>
+        <p:nvSpPr>
+          <p:cNvPr id="4" name="スライド番号プレースホルダー 3"/>
+          <p:cNvSpPr>
+            <a:spLocks noGrp="1"/>
+          </p:cNvSpPr>
+          <p:nvPr>
+            <p:ph type="sldNum" sz="quarter" idx="5"/>
+          </p:nvPr>
+        </p:nvSpPr>
+        <p:spPr/>
+        <p:txBody>
+          <a:bodyPr/>
+          <a:lstStyle/>
+          <a:p>
+            <a:fld id="{F069C953-97BB-D34F-A925-DB809641415F}" type="slidenum">
+              <a:rPr kumimoji="1" lang="ja-JP" altLang="en-US" smtClean="0"/>
+              <a:t>6</a:t>
+            </a:fld>
+            <a:endParaRPr kumimoji="1" lang="ja-JP" altLang="en-US"/>
+          </a:p>
+        </p:txBody>
+      </p:sp>
+    </p:spTree>
+    <p:extLst>
+      <p:ext uri="{BB962C8B-B14F-4D97-AF65-F5344CB8AC3E}">
+        <p14:creationId xmlns:p14="http://schemas.microsoft.com/office/powerpoint/2010/main" val="1261749050"/>
+      </p:ext>
+    </p:extLst>
+  </p:cSld>
+  <p:clrMapOvr>
+    <a:masterClrMapping/>
+  </p:clrMapOvr>
+</p:notes>
+</file>
+
+<file path=ppt/notesSlides/notesSlide5.xml><?xml version="1.0" encoding="utf-8"?>
+<p:notes xmlns:a="http://schemas.openxmlformats.org/drawingml/2006/main" xmlns:r="http://schemas.openxmlformats.org/officeDocument/2006/relationships" xmlns:p="http://schemas.openxmlformats.org/presentationml/2006/main">
+  <p:cSld>
+    <p:spTree>
+      <p:nvGrpSpPr>
+        <p:cNvPr id="1" name=""/>
+        <p:cNvGrpSpPr/>
+        <p:nvPr/>
+      </p:nvGrpSpPr>
+      <p:grpSpPr>
+        <a:xfrm>
+          <a:off x="0" y="0"/>
+          <a:ext cx="0" cy="0"/>
+          <a:chOff x="0" y="0"/>
+          <a:chExt cx="0" cy="0"/>
+        </a:xfrm>
+      </p:grpSpPr>
+      <p:sp>
+        <p:nvSpPr>
+          <p:cNvPr id="2" name="スライド イメージ プレースホルダー 1"/>
+          <p:cNvSpPr>
+            <a:spLocks noGrp="1" noRot="1" noChangeAspect="1"/>
+          </p:cNvSpPr>
+          <p:nvPr>
+            <p:ph type="sldImg"/>
+          </p:nvPr>
+        </p:nvSpPr>
+        <p:spPr/>
+      </p:sp>
+      <p:sp>
+        <p:nvSpPr>
+          <p:cNvPr id="3" name="ノート プレースホルダー 2"/>
+          <p:cNvSpPr>
+            <a:spLocks noGrp="1"/>
+          </p:cNvSpPr>
+          <p:nvPr>
+            <p:ph type="body" idx="1"/>
+          </p:nvPr>
+        </p:nvSpPr>
+        <p:spPr/>
+        <p:txBody>
+          <a:bodyPr/>
+          <a:lstStyle/>
+          <a:p>
+            <a:r>
+              <a:rPr kumimoji="1" lang="ja-JP" altLang="en-US"/>
+              <a:t>手順</a:t>
+            </a:r>
+            <a:endParaRPr kumimoji="1" lang="en-US" altLang="ja-JP" dirty="0"/>
+          </a:p>
+          <a:p>
+            <a:pPr marL="514350" indent="-514350">
+              <a:buFont typeface="+mj-lt"/>
+              <a:buAutoNum type="arabicPeriod"/>
+            </a:pPr>
+            <a:r>
+              <a:rPr lang="ja-JP" altLang="en-US"/>
+              <a:t>パラメータの真値を，モデルの分布に従って生成する．</a:t>
+            </a:r>
+          </a:p>
+          <a:p>
+            <a:pPr marL="514350" indent="-514350">
+              <a:buFont typeface="+mj-lt"/>
+              <a:buAutoNum type="arabicPeriod"/>
+            </a:pPr>
+            <a:r>
+              <a:rPr lang="ja-JP" altLang="en-US"/>
+              <a:t>手順</a:t>
+            </a:r>
+            <a:r>
+              <a:rPr lang="en-US" altLang="ja-JP" dirty="0"/>
+              <a:t>1</a:t>
+            </a:r>
+            <a:r>
+              <a:rPr lang="ja-JP" altLang="en-US"/>
+              <a:t>で生成したパラメータを用いて，データを生成する．</a:t>
+            </a:r>
+          </a:p>
+          <a:p>
+            <a:pPr marL="514350" indent="-514350">
+              <a:buFont typeface="+mj-lt"/>
+              <a:buAutoNum type="arabicPeriod"/>
+            </a:pPr>
+            <a:r>
+              <a:rPr lang="ja-JP" altLang="en-US"/>
+              <a:t>手順</a:t>
+            </a:r>
+            <a:r>
+              <a:rPr lang="en-US" altLang="ja-JP" dirty="0"/>
+              <a:t>2</a:t>
+            </a:r>
+            <a:r>
+              <a:rPr lang="ja-JP" altLang="en-US"/>
+              <a:t>で生成したデータから</a:t>
+            </a:r>
+            <a:r>
+              <a:rPr lang="en-US" altLang="ja-JP" dirty="0"/>
+              <a:t>MCMC</a:t>
+            </a:r>
+            <a:r>
+              <a:rPr lang="ja-JP" altLang="en-US"/>
+              <a:t>を用いてパラメータ推定を行う．</a:t>
+            </a:r>
+          </a:p>
+          <a:p>
+            <a:pPr marL="514350" indent="-514350">
+              <a:buFont typeface="+mj-lt"/>
+              <a:buAutoNum type="arabicPeriod"/>
+            </a:pPr>
+            <a:r>
+              <a:rPr lang="ja-JP" altLang="en-US"/>
+              <a:t>手順</a:t>
+            </a:r>
+            <a:r>
+              <a:rPr lang="en-US" altLang="ja-JP" dirty="0"/>
+              <a:t>3</a:t>
+            </a:r>
+            <a:r>
+              <a:rPr lang="ja-JP" altLang="en-US"/>
+              <a:t>で得られたパラメータ推定値と手順</a:t>
+            </a:r>
+            <a:r>
+              <a:rPr lang="en-US" altLang="ja-JP" dirty="0"/>
+              <a:t>1</a:t>
+            </a:r>
+            <a:r>
+              <a:rPr lang="ja-JP" altLang="en-US"/>
+              <a:t>で生成したパラメータ真値において，平均平方二乗誤差</a:t>
+            </a:r>
+            <a:r>
+              <a:rPr lang="en-US" altLang="ja-JP" dirty="0"/>
+              <a:t>(</a:t>
+            </a:r>
+            <a:r>
+              <a:rPr lang="en" altLang="ja-JP" dirty="0"/>
+              <a:t>RMSE)</a:t>
+            </a:r>
+            <a:r>
+              <a:rPr lang="ja-JP" altLang="en-US"/>
+              <a:t>とバイアスを求める．</a:t>
+            </a:r>
+          </a:p>
+          <a:p>
+            <a:pPr marL="514350" indent="-514350">
+              <a:buFont typeface="+mj-lt"/>
+              <a:buAutoNum type="arabicPeriod"/>
+            </a:pPr>
+            <a:r>
+              <a:rPr lang="ja-JP" altLang="en-US"/>
+              <a:t>以上を</a:t>
+            </a:r>
+            <a:r>
+              <a:rPr lang="en-US" altLang="ja-JP" dirty="0"/>
+              <a:t>5</a:t>
+            </a:r>
+            <a:r>
+              <a:rPr lang="ja-JP" altLang="en-US"/>
+              <a:t>回繰り返し実行し，</a:t>
+            </a:r>
+            <a:r>
+              <a:rPr lang="en" altLang="ja-JP" dirty="0"/>
+              <a:t>RMSE</a:t>
+            </a:r>
+            <a:r>
+              <a:rPr lang="ja-JP" altLang="en-US"/>
+              <a:t>とバイアスの平均値を求める．</a:t>
+            </a:r>
+          </a:p>
+          <a:p>
+            <a:endParaRPr kumimoji="1" lang="ja-JP" altLang="en-US"/>
+          </a:p>
+        </p:txBody>
+      </p:sp>
+      <p:sp>
+        <p:nvSpPr>
+          <p:cNvPr id="4" name="スライド番号プレースホルダー 3"/>
+          <p:cNvSpPr>
+            <a:spLocks noGrp="1"/>
+          </p:cNvSpPr>
+          <p:nvPr>
+            <p:ph type="sldNum" sz="quarter" idx="5"/>
+          </p:nvPr>
+        </p:nvSpPr>
+        <p:spPr/>
+        <p:txBody>
+          <a:bodyPr/>
+          <a:lstStyle/>
+          <a:p>
+            <a:fld id="{F069C953-97BB-D34F-A925-DB809641415F}" type="slidenum">
+              <a:rPr kumimoji="1" lang="ja-JP" altLang="en-US" smtClean="0"/>
+              <a:t>8</a:t>
+            </a:fld>
+            <a:endParaRPr kumimoji="1" lang="ja-JP" altLang="en-US"/>
+          </a:p>
+        </p:txBody>
+      </p:sp>
+    </p:spTree>
+    <p:extLst>
+      <p:ext uri="{BB962C8B-B14F-4D97-AF65-F5344CB8AC3E}">
+        <p14:creationId xmlns:p14="http://schemas.microsoft.com/office/powerpoint/2010/main" val="2452455439"/>
+      </p:ext>
+    </p:extLst>
+  </p:cSld>
+  <p:clrMapOvr>
+    <a:masterClrMapping/>
+  </p:clrMapOvr>
+</p:notes>
+</file>
+
+<file path=ppt/notesSlides/notesSlide6.xml><?xml version="1.0" encoding="utf-8"?>
+<p:notes xmlns:a="http://schemas.openxmlformats.org/drawingml/2006/main" xmlns:r="http://schemas.openxmlformats.org/officeDocument/2006/relationships" xmlns:p="http://schemas.openxmlformats.org/presentationml/2006/main">
+  <p:cSld>
+    <p:spTree>
+      <p:nvGrpSpPr>
+        <p:cNvPr id="1" name=""/>
+        <p:cNvGrpSpPr/>
+        <p:nvPr/>
+      </p:nvGrpSpPr>
+      <p:grpSpPr>
+        <a:xfrm>
+          <a:off x="0" y="0"/>
+          <a:ext cx="0" cy="0"/>
+          <a:chOff x="0" y="0"/>
+          <a:chExt cx="0" cy="0"/>
+        </a:xfrm>
+      </p:grpSpPr>
+      <p:sp>
+        <p:nvSpPr>
+          <p:cNvPr id="2" name="スライド イメージ プレースホルダー 1"/>
+          <p:cNvSpPr>
+            <a:spLocks noGrp="1" noRot="1" noChangeAspect="1"/>
+          </p:cNvSpPr>
+          <p:nvPr>
+            <p:ph type="sldImg"/>
+          </p:nvPr>
+        </p:nvSpPr>
+        <p:spPr/>
+      </p:sp>
+      <p:sp>
+        <p:nvSpPr>
+          <p:cNvPr id="3" name="ノート プレースホルダー 2"/>
+          <p:cNvSpPr>
+            <a:spLocks noGrp="1"/>
+          </p:cNvSpPr>
+          <p:nvPr>
+            <p:ph type="body" idx="1"/>
+          </p:nvPr>
+        </p:nvSpPr>
+        <p:spPr/>
+        <p:txBody>
+          <a:bodyPr/>
+          <a:lstStyle/>
+          <a:p>
+            <a:r>
+              <a:rPr kumimoji="1" lang="en-US" altLang="ja-JP" sz="1200" kern="1200" dirty="0">
+                <a:solidFill>
+                  <a:schemeClr val="tx1"/>
+                </a:solidFill>
+                <a:effectLst/>
+                <a:latin typeface="+mn-lt"/>
+                <a:ea typeface="+mn-ea"/>
+                <a:cs typeface="+mn-cs"/>
+              </a:rPr>
+              <a:t>0.2</a:t>
+            </a:r>
+            <a:r>
+              <a:rPr kumimoji="1" lang="ja-JP" altLang="en-US" sz="1200" kern="1200">
+                <a:solidFill>
+                  <a:schemeClr val="tx1"/>
+                </a:solidFill>
+                <a:effectLst/>
+                <a:latin typeface="+mn-lt"/>
+                <a:ea typeface="+mn-ea"/>
+                <a:cs typeface="+mn-cs"/>
+              </a:rPr>
+              <a:t>や</a:t>
+            </a:r>
+            <a:r>
+              <a:rPr kumimoji="1" lang="en-US" altLang="ja-JP" sz="1200" kern="1200" dirty="0">
+                <a:solidFill>
+                  <a:schemeClr val="tx1"/>
+                </a:solidFill>
+                <a:effectLst/>
+                <a:latin typeface="+mn-lt"/>
+                <a:ea typeface="+mn-ea"/>
+                <a:cs typeface="+mn-cs"/>
+              </a:rPr>
+              <a:t>0.41</a:t>
+            </a:r>
+            <a:r>
+              <a:rPr kumimoji="1" lang="ja-JP" altLang="en-US" sz="1200" kern="1200">
+                <a:solidFill>
+                  <a:schemeClr val="tx1"/>
+                </a:solidFill>
+                <a:effectLst/>
+                <a:latin typeface="+mn-lt"/>
+                <a:ea typeface="+mn-ea"/>
+                <a:cs typeface="+mn-cs"/>
+              </a:rPr>
+              <a:t>という値は，標準正規分布に従うサンプルの</a:t>
+            </a:r>
+            <a:r>
+              <a:rPr kumimoji="1" lang="en-US" altLang="ja-JP" sz="1200" kern="1200" dirty="0">
+                <a:solidFill>
+                  <a:schemeClr val="tx1"/>
+                </a:solidFill>
+                <a:effectLst/>
+                <a:latin typeface="+mn-lt"/>
+                <a:ea typeface="+mn-ea"/>
+                <a:cs typeface="+mn-cs"/>
+              </a:rPr>
+              <a:t>99.73%</a:t>
+            </a:r>
+            <a:r>
+              <a:rPr kumimoji="1" lang="ja-JP" altLang="en-US" sz="1200" kern="1200">
+                <a:solidFill>
+                  <a:schemeClr val="tx1"/>
+                </a:solidFill>
+                <a:effectLst/>
+                <a:latin typeface="+mn-lt"/>
+                <a:ea typeface="+mn-ea"/>
+                <a:cs typeface="+mn-cs"/>
+              </a:rPr>
+              <a:t>が含まれる範囲</a:t>
+            </a:r>
+            <a:r>
+              <a:rPr kumimoji="1" lang="en-US" altLang="ja-JP" sz="1200" kern="1200" dirty="0">
+                <a:solidFill>
+                  <a:schemeClr val="tx1"/>
+                </a:solidFill>
+                <a:effectLst/>
+                <a:latin typeface="+mn-lt"/>
+                <a:ea typeface="+mn-ea"/>
+                <a:cs typeface="+mn-cs"/>
+              </a:rPr>
+              <a:t>(-3∼3)</a:t>
+            </a:r>
+            <a:r>
+              <a:rPr kumimoji="1" lang="ja-JP" altLang="en-US" sz="1200" kern="1200">
+                <a:solidFill>
+                  <a:schemeClr val="tx1"/>
+                </a:solidFill>
+                <a:effectLst/>
+                <a:latin typeface="+mn-lt"/>
+                <a:ea typeface="+mn-ea"/>
+                <a:cs typeface="+mn-cs"/>
+              </a:rPr>
+              <a:t>の</a:t>
+            </a:r>
+            <a:r>
+              <a:rPr kumimoji="1" lang="en-US" altLang="ja-JP" sz="1200" kern="1200" dirty="0">
+                <a:solidFill>
+                  <a:schemeClr val="tx1"/>
+                </a:solidFill>
+                <a:effectLst/>
+                <a:latin typeface="+mn-lt"/>
+                <a:ea typeface="+mn-ea"/>
+                <a:cs typeface="+mn-cs"/>
+              </a:rPr>
+              <a:t>3.3%</a:t>
+            </a:r>
+            <a:r>
+              <a:rPr kumimoji="1" lang="ja-JP" altLang="en-US" sz="1200" kern="1200">
+                <a:solidFill>
+                  <a:schemeClr val="tx1"/>
+                </a:solidFill>
+                <a:effectLst/>
+                <a:latin typeface="+mn-lt"/>
+                <a:ea typeface="+mn-ea"/>
+                <a:cs typeface="+mn-cs"/>
+              </a:rPr>
+              <a:t>と</a:t>
+            </a:r>
+            <a:r>
+              <a:rPr kumimoji="1" lang="en-US" altLang="ja-JP" sz="1200" kern="1200" dirty="0">
+                <a:solidFill>
+                  <a:schemeClr val="tx1"/>
+                </a:solidFill>
+                <a:effectLst/>
+                <a:latin typeface="+mn-lt"/>
+                <a:ea typeface="+mn-ea"/>
+                <a:cs typeface="+mn-cs"/>
+              </a:rPr>
+              <a:t>6.8%</a:t>
+            </a:r>
+            <a:r>
+              <a:rPr kumimoji="1" lang="ja-JP" altLang="en-US" sz="1200" kern="1200">
+                <a:solidFill>
+                  <a:schemeClr val="tx1"/>
+                </a:solidFill>
+                <a:effectLst/>
+                <a:latin typeface="+mn-lt"/>
+                <a:ea typeface="+mn-ea"/>
+                <a:cs typeface="+mn-cs"/>
+              </a:rPr>
+              <a:t>に相当し，十分に小さい値と解釈できる</a:t>
+            </a:r>
+          </a:p>
+          <a:p>
+            <a:r>
+              <a:rPr kumimoji="1" lang="ja-JP" altLang="en-US" sz="1200" kern="1200">
+                <a:solidFill>
+                  <a:schemeClr val="tx1"/>
+                </a:solidFill>
+                <a:effectLst/>
+                <a:latin typeface="+mn-lt"/>
+                <a:ea typeface="+mn-ea"/>
+                <a:cs typeface="+mn-cs"/>
+              </a:rPr>
+              <a:t>バイアスの平均については，いずれのパラメータも</a:t>
+            </a:r>
+            <a:r>
+              <a:rPr kumimoji="1" lang="en-US" altLang="ja-JP" sz="1200" kern="1200" dirty="0">
+                <a:solidFill>
+                  <a:schemeClr val="tx1"/>
+                </a:solidFill>
+                <a:effectLst/>
+                <a:latin typeface="+mn-lt"/>
+                <a:ea typeface="+mn-ea"/>
+                <a:cs typeface="+mn-cs"/>
+              </a:rPr>
+              <a:t>0</a:t>
+            </a:r>
+            <a:r>
+              <a:rPr kumimoji="1" lang="ja-JP" altLang="en-US" sz="1200" kern="1200">
+                <a:solidFill>
+                  <a:schemeClr val="tx1"/>
+                </a:solidFill>
+                <a:effectLst/>
+                <a:latin typeface="+mn-lt"/>
+                <a:ea typeface="+mn-ea"/>
+                <a:cs typeface="+mn-cs"/>
+              </a:rPr>
+              <a:t>に非常に近い値を示しており，系統的な過大</a:t>
+            </a:r>
+            <a:r>
+              <a:rPr kumimoji="1" lang="en-US" altLang="ja-JP" sz="1200" kern="1200" dirty="0">
+                <a:solidFill>
+                  <a:schemeClr val="tx1"/>
+                </a:solidFill>
+                <a:effectLst/>
+                <a:latin typeface="+mn-lt"/>
+                <a:ea typeface="+mn-ea"/>
+                <a:cs typeface="+mn-cs"/>
+              </a:rPr>
+              <a:t>(</a:t>
+            </a:r>
+            <a:r>
+              <a:rPr kumimoji="1" lang="ja-JP" altLang="en-US" sz="1200" kern="1200">
+                <a:solidFill>
+                  <a:schemeClr val="tx1"/>
+                </a:solidFill>
+                <a:effectLst/>
+                <a:latin typeface="+mn-lt"/>
+                <a:ea typeface="+mn-ea"/>
+                <a:cs typeface="+mn-cs"/>
+              </a:rPr>
+              <a:t>または過少</a:t>
+            </a:r>
+            <a:r>
+              <a:rPr kumimoji="1" lang="en-US" altLang="ja-JP" sz="1200" kern="1200" dirty="0">
+                <a:solidFill>
+                  <a:schemeClr val="tx1"/>
+                </a:solidFill>
+                <a:effectLst/>
+                <a:latin typeface="+mn-lt"/>
+                <a:ea typeface="+mn-ea"/>
+                <a:cs typeface="+mn-cs"/>
+              </a:rPr>
+              <a:t>)</a:t>
+            </a:r>
+            <a:r>
+              <a:rPr kumimoji="1" lang="ja-JP" altLang="en-US" sz="1200" kern="1200">
+                <a:solidFill>
+                  <a:schemeClr val="tx1"/>
+                </a:solidFill>
+                <a:effectLst/>
+                <a:latin typeface="+mn-lt"/>
+                <a:ea typeface="+mn-ea"/>
+                <a:cs typeface="+mn-cs"/>
+              </a:rPr>
+              <a:t>推定の傾向もないこと</a:t>
+            </a:r>
+          </a:p>
+          <a:p>
+            <a:r>
+              <a:rPr kumimoji="1" lang="ja-JP" altLang="en-US" sz="1200" kern="1200">
+                <a:solidFill>
+                  <a:schemeClr val="tx1"/>
+                </a:solidFill>
+                <a:effectLst/>
+                <a:latin typeface="+mn-lt"/>
+                <a:ea typeface="+mn-ea"/>
+                <a:cs typeface="+mn-cs"/>
+              </a:rPr>
+              <a:t>が確認できる．</a:t>
+            </a:r>
+            <a:endParaRPr kumimoji="1" lang="en-US" altLang="ja-JP" sz="1200" kern="1200" dirty="0">
+              <a:solidFill>
+                <a:schemeClr val="tx1"/>
+              </a:solidFill>
+              <a:effectLst/>
+              <a:latin typeface="+mn-lt"/>
+              <a:ea typeface="+mn-ea"/>
+              <a:cs typeface="+mn-cs"/>
+            </a:endParaRPr>
+          </a:p>
+          <a:p>
+            <a:r>
+              <a:rPr kumimoji="1" lang="ja-JP" altLang="en-US" sz="1200" kern="1200">
+                <a:solidFill>
+                  <a:schemeClr val="tx1"/>
+                </a:solidFill>
+                <a:effectLst/>
+                <a:latin typeface="+mn-lt"/>
+                <a:ea typeface="+mn-ea"/>
+                <a:cs typeface="+mn-cs"/>
+              </a:rPr>
+              <a:t>また，</a:t>
+            </a:r>
+            <a:r>
+              <a:rPr kumimoji="1" lang="en" altLang="ja-JP" sz="1200" kern="1200" dirty="0">
+                <a:solidFill>
+                  <a:schemeClr val="tx1"/>
+                </a:solidFill>
+                <a:effectLst/>
+                <a:latin typeface="+mn-lt"/>
+                <a:ea typeface="+mn-ea"/>
+                <a:cs typeface="+mn-cs"/>
+              </a:rPr>
+              <a:t>MCMC</a:t>
+            </a:r>
+            <a:r>
+              <a:rPr kumimoji="1" lang="ja-JP" altLang="en-US" sz="1200" kern="1200">
+                <a:solidFill>
+                  <a:schemeClr val="tx1"/>
+                </a:solidFill>
+                <a:effectLst/>
+                <a:latin typeface="+mn-lt"/>
+                <a:ea typeface="+mn-ea"/>
+                <a:cs typeface="+mn-cs"/>
+              </a:rPr>
+              <a:t>の収束を示す</a:t>
+            </a:r>
+            <a:r>
+              <a:rPr kumimoji="1" lang="en" altLang="ja-JP" sz="1200" kern="1200" dirty="0">
+                <a:solidFill>
+                  <a:schemeClr val="tx1"/>
+                </a:solidFill>
+                <a:effectLst/>
+                <a:latin typeface="+mn-lt"/>
+                <a:ea typeface="+mn-ea"/>
+                <a:cs typeface="+mn-cs"/>
+              </a:rPr>
+              <a:t>Gelman-Rubin </a:t>
+            </a:r>
+            <a:r>
+              <a:rPr kumimoji="1" lang="ja-JP" altLang="en-US" sz="1200" kern="1200">
+                <a:solidFill>
+                  <a:schemeClr val="tx1"/>
+                </a:solidFill>
+                <a:effectLst/>
+                <a:latin typeface="+mn-lt"/>
+                <a:ea typeface="+mn-ea"/>
+                <a:cs typeface="+mn-cs"/>
+              </a:rPr>
+              <a:t>の収束判定指標ˆ</a:t>
+            </a:r>
+            <a:r>
+              <a:rPr kumimoji="1" lang="en" altLang="ja-JP" sz="1200" kern="1200" dirty="0">
+                <a:solidFill>
+                  <a:schemeClr val="tx1"/>
+                </a:solidFill>
+                <a:effectLst/>
+                <a:latin typeface="+mn-lt"/>
+                <a:ea typeface="+mn-ea"/>
+                <a:cs typeface="+mn-cs"/>
+              </a:rPr>
+              <a:t>R [33, 34]</a:t>
+            </a:r>
+            <a:r>
+              <a:rPr kumimoji="1" lang="ja-JP" altLang="en-US" sz="1200" kern="1200">
+                <a:solidFill>
+                  <a:schemeClr val="tx1"/>
+                </a:solidFill>
+                <a:effectLst/>
+                <a:latin typeface="+mn-lt"/>
+                <a:ea typeface="+mn-ea"/>
+                <a:cs typeface="+mn-cs"/>
+              </a:rPr>
+              <a:t>を確認したとこ</a:t>
+            </a:r>
+          </a:p>
+          <a:p>
+            <a:r>
+              <a:rPr kumimoji="1" lang="ja-JP" altLang="en-US" sz="1200" kern="1200">
+                <a:solidFill>
+                  <a:schemeClr val="tx1"/>
+                </a:solidFill>
+                <a:effectLst/>
+                <a:latin typeface="+mn-lt"/>
+                <a:ea typeface="+mn-ea"/>
+                <a:cs typeface="+mn-cs"/>
+              </a:rPr>
+              <a:t>ろ，すべての場合で一般的な収束判定基準値である</a:t>
+            </a:r>
+            <a:r>
+              <a:rPr kumimoji="1" lang="en-US" altLang="ja-JP" sz="1200" kern="1200" dirty="0">
+                <a:solidFill>
+                  <a:schemeClr val="tx1"/>
+                </a:solidFill>
+                <a:effectLst/>
+                <a:latin typeface="+mn-lt"/>
+                <a:ea typeface="+mn-ea"/>
+                <a:cs typeface="+mn-cs"/>
+              </a:rPr>
+              <a:t>1.1</a:t>
+            </a:r>
+            <a:r>
+              <a:rPr kumimoji="1" lang="ja-JP" altLang="en-US" sz="1200" kern="1200">
+                <a:solidFill>
+                  <a:schemeClr val="tx1"/>
+                </a:solidFill>
+                <a:effectLst/>
+                <a:latin typeface="+mn-lt"/>
+                <a:ea typeface="+mn-ea"/>
+                <a:cs typeface="+mn-cs"/>
+              </a:rPr>
+              <a:t>を下回っていた．</a:t>
+            </a:r>
+          </a:p>
+          <a:p>
+            <a:r>
+              <a:rPr kumimoji="1" lang="ja-JP" altLang="en-US" sz="1200" kern="1200">
+                <a:solidFill>
+                  <a:schemeClr val="tx1"/>
+                </a:solidFill>
+                <a:effectLst/>
+                <a:latin typeface="+mn-lt"/>
+                <a:ea typeface="+mn-ea"/>
+                <a:cs typeface="+mn-cs"/>
+              </a:rPr>
+              <a:t>また，</a:t>
+            </a:r>
+            <a:r>
+              <a:rPr kumimoji="1" lang="el-GR" altLang="ja-JP" sz="1200" kern="1200" dirty="0">
+                <a:solidFill>
+                  <a:schemeClr val="tx1"/>
+                </a:solidFill>
+                <a:effectLst/>
+                <a:latin typeface="+mn-lt"/>
+                <a:ea typeface="+mn-ea"/>
+                <a:cs typeface="+mn-cs"/>
+              </a:rPr>
+              <a:t>β</a:t>
+            </a:r>
+            <a:r>
+              <a:rPr kumimoji="1" lang="en" altLang="ja-JP" sz="1200" kern="1200" dirty="0">
+                <a:solidFill>
+                  <a:schemeClr val="tx1"/>
+                </a:solidFill>
+                <a:effectLst/>
+                <a:latin typeface="+mn-lt"/>
+                <a:ea typeface="+mn-ea"/>
+                <a:cs typeface="+mn-cs"/>
+              </a:rPr>
+              <a:t>rt</a:t>
+            </a:r>
+            <a:r>
+              <a:rPr kumimoji="1" lang="ja-JP" altLang="en-US" sz="1200" kern="1200">
+                <a:solidFill>
+                  <a:schemeClr val="tx1"/>
+                </a:solidFill>
+                <a:effectLst/>
+                <a:latin typeface="+mn-lt"/>
+                <a:ea typeface="+mn-ea"/>
+                <a:cs typeface="+mn-cs"/>
+              </a:rPr>
+              <a:t>のパターンごとの推定結果の例を図</a:t>
+            </a:r>
+            <a:r>
+              <a:rPr kumimoji="1" lang="en-US" altLang="ja-JP" sz="1200" kern="1200" dirty="0">
+                <a:solidFill>
+                  <a:schemeClr val="tx1"/>
+                </a:solidFill>
+                <a:effectLst/>
+                <a:latin typeface="+mn-lt"/>
+                <a:ea typeface="+mn-ea"/>
+                <a:cs typeface="+mn-cs"/>
+              </a:rPr>
+              <a:t>6.1</a:t>
+            </a:r>
+            <a:r>
+              <a:rPr kumimoji="1" lang="ja-JP" altLang="en-US" sz="1200" kern="1200">
+                <a:solidFill>
+                  <a:schemeClr val="tx1"/>
+                </a:solidFill>
+                <a:effectLst/>
+                <a:latin typeface="+mn-lt"/>
+                <a:ea typeface="+mn-ea"/>
+                <a:cs typeface="+mn-cs"/>
+              </a:rPr>
+              <a:t>に示す．実線が作成したパラメータ真値，波線が</a:t>
+            </a:r>
+          </a:p>
+          <a:p>
+            <a:r>
+              <a:rPr kumimoji="1" lang="ja-JP" altLang="en-US" sz="1200" kern="1200">
+                <a:solidFill>
+                  <a:schemeClr val="tx1"/>
+                </a:solidFill>
+                <a:effectLst/>
+                <a:latin typeface="+mn-lt"/>
+                <a:ea typeface="+mn-ea"/>
+                <a:cs typeface="+mn-cs"/>
+              </a:rPr>
+              <a:t>推定したパラメータである．このグラフより，作成した真値にある程度従って，パラメータが推定さ</a:t>
+            </a:r>
+          </a:p>
+          <a:p>
+            <a:r>
+              <a:rPr kumimoji="1" lang="ja-JP" altLang="en-US" sz="1200" kern="1200">
+                <a:solidFill>
+                  <a:schemeClr val="tx1"/>
+                </a:solidFill>
+                <a:effectLst/>
+                <a:latin typeface="+mn-lt"/>
+                <a:ea typeface="+mn-ea"/>
+                <a:cs typeface="+mn-cs"/>
+              </a:rPr>
+              <a:t>れていることがわかる．</a:t>
+            </a:r>
+          </a:p>
+        </p:txBody>
+      </p:sp>
+      <p:sp>
+        <p:nvSpPr>
+          <p:cNvPr id="4" name="スライド番号プレースホルダー 3"/>
+          <p:cNvSpPr>
+            <a:spLocks noGrp="1"/>
+          </p:cNvSpPr>
+          <p:nvPr>
+            <p:ph type="sldNum" sz="quarter" idx="5"/>
+          </p:nvPr>
+        </p:nvSpPr>
+        <p:spPr/>
+        <p:txBody>
+          <a:bodyPr/>
+          <a:lstStyle/>
+          <a:p>
+            <a:fld id="{F069C953-97BB-D34F-A925-DB809641415F}" type="slidenum">
+              <a:rPr kumimoji="1" lang="ja-JP" altLang="en-US" smtClean="0"/>
+              <a:t>9</a:t>
+            </a:fld>
+            <a:endParaRPr kumimoji="1" lang="ja-JP" altLang="en-US"/>
+          </a:p>
+        </p:txBody>
+      </p:sp>
+    </p:spTree>
+    <p:extLst>
+      <p:ext uri="{BB962C8B-B14F-4D97-AF65-F5344CB8AC3E}">
+        <p14:creationId xmlns:p14="http://schemas.microsoft.com/office/powerpoint/2010/main" val="3887713054"/>
+      </p:ext>
+    </p:extLst>
+  </p:cSld>
+  <p:clrMapOvr>
+    <a:masterClrMapping/>
+  </p:clrMapOvr>
+</p:notes>
 </file>
 
 <file path=ppt/slideLayouts/slideLayout1.xml><?xml version="1.0" encoding="utf-8"?>
@@ -3742,6 +6007,603 @@
 </p:sld>
 </file>
 
+<file path=ppt/slides/slide10.xml><?xml version="1.0" encoding="utf-8"?>
+<p:sld xmlns:a="http://schemas.openxmlformats.org/drawingml/2006/main" xmlns:r="http://schemas.openxmlformats.org/officeDocument/2006/relationships" xmlns:p="http://schemas.openxmlformats.org/presentationml/2006/main">
+  <p:cSld>
+    <p:spTree>
+      <p:nvGrpSpPr>
+        <p:cNvPr id="1" name=""/>
+        <p:cNvGrpSpPr/>
+        <p:nvPr/>
+      </p:nvGrpSpPr>
+      <p:grpSpPr>
+        <a:xfrm>
+          <a:off x="0" y="0"/>
+          <a:ext cx="0" cy="0"/>
+          <a:chOff x="0" y="0"/>
+          <a:chExt cx="0" cy="0"/>
+        </a:xfrm>
+      </p:grpSpPr>
+      <p:sp>
+        <p:nvSpPr>
+          <p:cNvPr id="2" name="タイトル 1">
+            <a:extLst>
+              <a:ext uri="{FF2B5EF4-FFF2-40B4-BE49-F238E27FC236}">
+                <a16:creationId xmlns:a16="http://schemas.microsoft.com/office/drawing/2014/main" id="{EF10B6F5-02D2-4D47-847E-E3161AEF9A03}"/>
+              </a:ext>
+            </a:extLst>
+          </p:cNvPr>
+          <p:cNvSpPr>
+            <a:spLocks noGrp="1"/>
+          </p:cNvSpPr>
+          <p:nvPr>
+            <p:ph type="title"/>
+          </p:nvPr>
+        </p:nvSpPr>
+        <p:spPr/>
+        <p:txBody>
+          <a:bodyPr/>
+          <a:lstStyle/>
+          <a:p>
+            <a:r>
+              <a:rPr kumimoji="1" lang="ja-JP" altLang="en-US"/>
+              <a:t>実データ実験</a:t>
+            </a:r>
+          </a:p>
+        </p:txBody>
+      </p:sp>
+      <p:sp>
+        <p:nvSpPr>
+          <p:cNvPr id="3" name="コンテンツ プレースホルダー 2">
+            <a:extLst>
+              <a:ext uri="{FF2B5EF4-FFF2-40B4-BE49-F238E27FC236}">
+                <a16:creationId xmlns:a16="http://schemas.microsoft.com/office/drawing/2014/main" id="{FFF86F95-CBE5-3942-9C52-57B6A123909D}"/>
+              </a:ext>
+            </a:extLst>
+          </p:cNvPr>
+          <p:cNvSpPr>
+            <a:spLocks noGrp="1"/>
+          </p:cNvSpPr>
+          <p:nvPr>
+            <p:ph idx="1"/>
+          </p:nvPr>
+        </p:nvSpPr>
+        <p:spPr/>
+        <p:txBody>
+          <a:bodyPr/>
+          <a:lstStyle/>
+          <a:p>
+            <a:r>
+              <a:rPr lang="ja-JP" altLang="en-US"/>
+              <a:t>本研究では，</a:t>
+            </a:r>
+            <a:r>
+              <a:rPr lang="en-US" altLang="ja-JP" dirty="0"/>
+              <a:t>34</a:t>
+            </a:r>
+            <a:r>
+              <a:rPr lang="ja-JP" altLang="en-US"/>
+              <a:t>名の被験者にエッセイ課題を与え，そのエッセイを</a:t>
+            </a:r>
+            <a:r>
+              <a:rPr lang="en-US" altLang="ja-JP" dirty="0"/>
+              <a:t>34</a:t>
+            </a:r>
+            <a:r>
+              <a:rPr lang="ja-JP" altLang="en-US"/>
+              <a:t>名の評価者が</a:t>
+            </a:r>
+            <a:r>
+              <a:rPr lang="en-US" altLang="ja-JP" dirty="0"/>
+              <a:t>5</a:t>
+            </a:r>
+            <a:r>
+              <a:rPr lang="ja-JP" altLang="en-US"/>
+              <a:t>段階得点で採点したデータを使用する．</a:t>
+            </a:r>
+          </a:p>
+          <a:p>
+            <a:endParaRPr kumimoji="1" lang="ja-JP" altLang="en-US"/>
+          </a:p>
+        </p:txBody>
+      </p:sp>
+    </p:spTree>
+    <p:extLst>
+      <p:ext uri="{BB962C8B-B14F-4D97-AF65-F5344CB8AC3E}">
+        <p14:creationId xmlns:p14="http://schemas.microsoft.com/office/powerpoint/2010/main" val="4121096944"/>
+      </p:ext>
+    </p:extLst>
+  </p:cSld>
+  <p:clrMapOvr>
+    <a:masterClrMapping/>
+  </p:clrMapOvr>
+</p:sld>
+</file>
+
+<file path=ppt/slides/slide11.xml><?xml version="1.0" encoding="utf-8"?>
+<p:sld xmlns:a="http://schemas.openxmlformats.org/drawingml/2006/main" xmlns:r="http://schemas.openxmlformats.org/officeDocument/2006/relationships" xmlns:p="http://schemas.openxmlformats.org/presentationml/2006/main">
+  <p:cSld>
+    <p:spTree>
+      <p:nvGrpSpPr>
+        <p:cNvPr id="1" name=""/>
+        <p:cNvGrpSpPr/>
+        <p:nvPr/>
+      </p:nvGrpSpPr>
+      <p:grpSpPr>
+        <a:xfrm>
+          <a:off x="0" y="0"/>
+          <a:ext cx="0" cy="0"/>
+          <a:chOff x="0" y="0"/>
+          <a:chExt cx="0" cy="0"/>
+        </a:xfrm>
+      </p:grpSpPr>
+      <p:sp>
+        <p:nvSpPr>
+          <p:cNvPr id="2" name="タイトル 1">
+            <a:extLst>
+              <a:ext uri="{FF2B5EF4-FFF2-40B4-BE49-F238E27FC236}">
+                <a16:creationId xmlns:a16="http://schemas.microsoft.com/office/drawing/2014/main" id="{5E4C2176-D4C2-624B-A248-6D0D8C5BD0B2}"/>
+              </a:ext>
+            </a:extLst>
+          </p:cNvPr>
+          <p:cNvSpPr>
+            <a:spLocks noGrp="1"/>
+          </p:cNvSpPr>
+          <p:nvPr>
+            <p:ph type="title"/>
+          </p:nvPr>
+        </p:nvSpPr>
+        <p:spPr/>
+        <p:txBody>
+          <a:bodyPr/>
+          <a:lstStyle/>
+          <a:p>
+            <a:r>
+              <a:rPr kumimoji="1" lang="ja-JP" altLang="en-US"/>
+              <a:t>実データ実験</a:t>
+            </a:r>
+          </a:p>
+        </p:txBody>
+      </p:sp>
+      <mc:AlternateContent xmlns:mc="http://schemas.openxmlformats.org/markup-compatibility/2006">
+        <mc:Choice xmlns:a14="http://schemas.microsoft.com/office/drawing/2010/main" Requires="a14">
+          <p:sp>
+            <p:nvSpPr>
+              <p:cNvPr id="3" name="コンテンツ プレースホルダー 2">
+                <a:extLst>
+                  <a:ext uri="{FF2B5EF4-FFF2-40B4-BE49-F238E27FC236}">
+                    <a16:creationId xmlns:a16="http://schemas.microsoft.com/office/drawing/2014/main" id="{95A7997B-00C7-C642-863D-E4A14D13D08D}"/>
+                  </a:ext>
+                </a:extLst>
+              </p:cNvPr>
+              <p:cNvSpPr>
+                <a:spLocks noGrp="1"/>
+              </p:cNvSpPr>
+              <p:nvPr>
+                <p:ph idx="1"/>
+              </p:nvPr>
+            </p:nvSpPr>
+            <p:spPr/>
+            <p:txBody>
+              <a:bodyPr/>
+              <a:lstStyle/>
+              <a:p>
+                <a:r>
+                  <a:rPr kumimoji="1" lang="ja-JP" altLang="en-US"/>
+                  <a:t>結果</a:t>
+                </a:r>
+                <a:endParaRPr kumimoji="1" lang="en-US" altLang="ja-JP" dirty="0"/>
+              </a:p>
+              <a:p>
+                <a:pPr lvl="1"/>
+                <a14:m>
+                  <m:oMath xmlns:m="http://schemas.openxmlformats.org/officeDocument/2006/math">
+                    <m:r>
+                      <a:rPr lang="en-US" altLang="ja-JP" b="0" i="1" smtClean="0">
+                        <a:latin typeface="Cambria Math" panose="02040503050406030204" pitchFamily="18" charset="0"/>
+                      </a:rPr>
+                      <m:t>𝑇</m:t>
+                    </m:r>
+                    <m:r>
+                      <a:rPr lang="en-US" altLang="ja-JP" b="0" i="1" smtClean="0">
+                        <a:latin typeface="Cambria Math" panose="02040503050406030204" pitchFamily="18" charset="0"/>
+                      </a:rPr>
+                      <m:t>=3</m:t>
+                    </m:r>
+                  </m:oMath>
+                </a14:m>
+                <a:r>
+                  <a:rPr lang="ja-JP" altLang="en-US"/>
+                  <a:t>における</a:t>
+                </a:r>
+                <a14:m>
+                  <m:oMath xmlns:m="http://schemas.openxmlformats.org/officeDocument/2006/math">
+                    <m:sSub>
+                      <m:sSubPr>
+                        <m:ctrlPr>
+                          <a:rPr kumimoji="1" lang="en-US" altLang="ja-JP" b="0" i="1" smtClean="0">
+                            <a:latin typeface="Cambria Math" panose="02040503050406030204" pitchFamily="18" charset="0"/>
+                          </a:rPr>
+                        </m:ctrlPr>
+                      </m:sSubPr>
+                      <m:e>
+                        <m:r>
+                          <a:rPr kumimoji="1" lang="ja-JP" altLang="en-US" i="1" smtClean="0">
+                            <a:latin typeface="Cambria Math" panose="02040503050406030204" pitchFamily="18" charset="0"/>
+                          </a:rPr>
+                          <m:t>𝛽</m:t>
+                        </m:r>
+                      </m:e>
+                      <m:sub>
+                        <m:r>
+                          <a:rPr kumimoji="1" lang="en-US" altLang="ja-JP" b="0" i="1" smtClean="0">
+                            <a:latin typeface="Cambria Math" panose="02040503050406030204" pitchFamily="18" charset="0"/>
+                          </a:rPr>
+                          <m:t>𝑟𝑡</m:t>
+                        </m:r>
+                      </m:sub>
+                    </m:sSub>
+                  </m:oMath>
+                </a14:m>
+                <a:r>
+                  <a:rPr kumimoji="1" lang="ja-JP" altLang="en-US"/>
+                  <a:t>の推定結果</a:t>
+                </a:r>
+              </a:p>
+            </p:txBody>
+          </p:sp>
+        </mc:Choice>
+        <mc:Fallback>
+          <p:sp>
+            <p:nvSpPr>
+              <p:cNvPr id="3" name="コンテンツ プレースホルダー 2">
+                <a:extLst>
+                  <a:ext uri="{FF2B5EF4-FFF2-40B4-BE49-F238E27FC236}">
+                    <a16:creationId xmlns:a16="http://schemas.microsoft.com/office/drawing/2014/main" id="{95A7997B-00C7-C642-863D-E4A14D13D08D}"/>
+                  </a:ext>
+                </a:extLst>
+              </p:cNvPr>
+              <p:cNvSpPr>
+                <a:spLocks noGrp="1" noRot="1" noChangeAspect="1" noMove="1" noResize="1" noEditPoints="1" noAdjustHandles="1" noChangeArrowheads="1" noChangeShapeType="1" noTextEdit="1"/>
+              </p:cNvSpPr>
+              <p:nvPr>
+                <p:ph idx="1"/>
+              </p:nvPr>
+            </p:nvSpPr>
+            <p:spPr>
+              <a:blipFill>
+                <a:blip r:embed="rId2"/>
+                <a:stretch>
+                  <a:fillRect l="-1086" t="-2326"/>
+                </a:stretch>
+              </a:blipFill>
+            </p:spPr>
+            <p:txBody>
+              <a:bodyPr/>
+              <a:lstStyle/>
+              <a:p>
+                <a:r>
+                  <a:rPr lang="ja-JP" altLang="en-US">
+                    <a:noFill/>
+                  </a:rPr>
+                  <a:t> </a:t>
+                </a:r>
+              </a:p>
+            </p:txBody>
+          </p:sp>
+        </mc:Fallback>
+      </mc:AlternateContent>
+      <p:pic>
+        <p:nvPicPr>
+          <p:cNvPr id="5" name="図 4">
+            <a:extLst>
+              <a:ext uri="{FF2B5EF4-FFF2-40B4-BE49-F238E27FC236}">
+                <a16:creationId xmlns:a16="http://schemas.microsoft.com/office/drawing/2014/main" id="{E2228101-1629-C948-8444-EABA6CC83384}"/>
+              </a:ext>
+            </a:extLst>
+          </p:cNvPr>
+          <p:cNvPicPr>
+            <a:picLocks noChangeAspect="1"/>
+          </p:cNvPicPr>
+          <p:nvPr/>
+        </p:nvPicPr>
+        <p:blipFill>
+          <a:blip r:embed="rId3"/>
+          <a:stretch>
+            <a:fillRect/>
+          </a:stretch>
+        </p:blipFill>
+        <p:spPr>
+          <a:xfrm>
+            <a:off x="1570716" y="2842034"/>
+            <a:ext cx="3840869" cy="3334929"/>
+          </a:xfrm>
+          <a:prstGeom prst="rect">
+            <a:avLst/>
+          </a:prstGeom>
+        </p:spPr>
+      </p:pic>
+      <p:sp>
+        <p:nvSpPr>
+          <p:cNvPr id="6" name="テキスト ボックス 5">
+            <a:extLst>
+              <a:ext uri="{FF2B5EF4-FFF2-40B4-BE49-F238E27FC236}">
+                <a16:creationId xmlns:a16="http://schemas.microsoft.com/office/drawing/2014/main" id="{4A4FD9A5-1015-244A-A170-03ABE92B609A}"/>
+              </a:ext>
+            </a:extLst>
+          </p:cNvPr>
+          <p:cNvSpPr txBox="1"/>
+          <p:nvPr/>
+        </p:nvSpPr>
+        <p:spPr>
+          <a:xfrm>
+            <a:off x="6473233" y="3358342"/>
+            <a:ext cx="4148051" cy="923330"/>
+          </a:xfrm>
+          <a:prstGeom prst="rect">
+            <a:avLst/>
+          </a:prstGeom>
+          <a:noFill/>
+        </p:spPr>
+        <p:txBody>
+          <a:bodyPr wrap="square" rtlCol="0">
+            <a:spAutoFit/>
+          </a:bodyPr>
+          <a:lstStyle/>
+          <a:p>
+            <a:r>
+              <a:rPr kumimoji="1" lang="ja-JP" altLang="en-US"/>
+              <a:t>赤→厳しさが減少</a:t>
+            </a:r>
+            <a:endParaRPr kumimoji="1" lang="en-US" altLang="ja-JP" dirty="0"/>
+          </a:p>
+          <a:p>
+            <a:r>
+              <a:rPr lang="ja-JP" altLang="en-US"/>
+              <a:t>緑→厳しさが増加</a:t>
+            </a:r>
+            <a:endParaRPr lang="en-US" altLang="ja-JP" dirty="0"/>
+          </a:p>
+          <a:p>
+            <a:r>
+              <a:rPr kumimoji="1" lang="ja-JP" altLang="en-US"/>
+              <a:t>青→厳しさは変わらない</a:t>
+            </a:r>
+            <a:endParaRPr kumimoji="1" lang="en-US" altLang="ja-JP" dirty="0"/>
+          </a:p>
+        </p:txBody>
+      </p:sp>
+    </p:spTree>
+    <p:extLst>
+      <p:ext uri="{BB962C8B-B14F-4D97-AF65-F5344CB8AC3E}">
+        <p14:creationId xmlns:p14="http://schemas.microsoft.com/office/powerpoint/2010/main" val="3130999091"/>
+      </p:ext>
+    </p:extLst>
+  </p:cSld>
+  <p:clrMapOvr>
+    <a:masterClrMapping/>
+  </p:clrMapOvr>
+</p:sld>
+</file>
+
+<file path=ppt/slides/slide12.xml><?xml version="1.0" encoding="utf-8"?>
+<p:sld xmlns:a="http://schemas.openxmlformats.org/drawingml/2006/main" xmlns:r="http://schemas.openxmlformats.org/officeDocument/2006/relationships" xmlns:p="http://schemas.openxmlformats.org/presentationml/2006/main">
+  <p:cSld>
+    <p:spTree>
+      <p:nvGrpSpPr>
+        <p:cNvPr id="1" name=""/>
+        <p:cNvGrpSpPr/>
+        <p:nvPr/>
+      </p:nvGrpSpPr>
+      <p:grpSpPr>
+        <a:xfrm>
+          <a:off x="0" y="0"/>
+          <a:ext cx="0" cy="0"/>
+          <a:chOff x="0" y="0"/>
+          <a:chExt cx="0" cy="0"/>
+        </a:xfrm>
+      </p:grpSpPr>
+      <p:sp>
+        <p:nvSpPr>
+          <p:cNvPr id="2" name="タイトル 1">
+            <a:extLst>
+              <a:ext uri="{FF2B5EF4-FFF2-40B4-BE49-F238E27FC236}">
+                <a16:creationId xmlns:a16="http://schemas.microsoft.com/office/drawing/2014/main" id="{E55A92BE-0BCA-794F-A404-D694D0A19309}"/>
+              </a:ext>
+            </a:extLst>
+          </p:cNvPr>
+          <p:cNvSpPr>
+            <a:spLocks noGrp="1"/>
+          </p:cNvSpPr>
+          <p:nvPr>
+            <p:ph type="title"/>
+          </p:nvPr>
+        </p:nvSpPr>
+        <p:spPr/>
+        <p:txBody>
+          <a:bodyPr/>
+          <a:lstStyle/>
+          <a:p>
+            <a:r>
+              <a:rPr kumimoji="1" lang="ja-JP" altLang="en-US"/>
+              <a:t>今後の課題</a:t>
+            </a:r>
+          </a:p>
+        </p:txBody>
+      </p:sp>
+      <mc:AlternateContent xmlns:mc="http://schemas.openxmlformats.org/markup-compatibility/2006">
+        <mc:Choice xmlns:a14="http://schemas.microsoft.com/office/drawing/2010/main" Requires="a14">
+          <p:sp>
+            <p:nvSpPr>
+              <p:cNvPr id="3" name="コンテンツ プレースホルダー 2">
+                <a:extLst>
+                  <a:ext uri="{FF2B5EF4-FFF2-40B4-BE49-F238E27FC236}">
+                    <a16:creationId xmlns:a16="http://schemas.microsoft.com/office/drawing/2014/main" id="{26B88719-E8DE-204A-ADF6-300352A4D861}"/>
+                  </a:ext>
+                </a:extLst>
+              </p:cNvPr>
+              <p:cNvSpPr>
+                <a:spLocks noGrp="1"/>
+              </p:cNvSpPr>
+              <p:nvPr>
+                <p:ph idx="1"/>
+              </p:nvPr>
+            </p:nvSpPr>
+            <p:spPr/>
+            <p:txBody>
+              <a:bodyPr>
+                <a:normAutofit/>
+              </a:bodyPr>
+              <a:lstStyle/>
+              <a:p>
+                <a:r>
+                  <a:rPr lang="ja-JP" altLang="en-US"/>
+                  <a:t>より大規模なデータを収集して，提案モデルの性能を評価する．</a:t>
+                </a:r>
+              </a:p>
+              <a:p>
+                <a:endParaRPr lang="en-US" altLang="ja-JP" dirty="0"/>
+              </a:p>
+              <a:p>
+                <a:r>
+                  <a:rPr lang="ja-JP" altLang="en-US"/>
+                  <a:t>既存モデルと比べて提案モデルで採用した</a:t>
+                </a:r>
+                <a14:m>
+                  <m:oMath xmlns:m="http://schemas.openxmlformats.org/officeDocument/2006/math">
+                    <m:sSub>
+                      <m:sSubPr>
+                        <m:ctrlPr>
+                          <a:rPr lang="en-US" altLang="ja-JP" b="0" i="1" smtClean="0">
+                            <a:latin typeface="Cambria Math" panose="02040503050406030204" pitchFamily="18" charset="0"/>
+                          </a:rPr>
+                        </m:ctrlPr>
+                      </m:sSubPr>
+                      <m:e>
+                        <m:r>
+                          <a:rPr lang="ja-JP" altLang="en-US" i="1" smtClean="0">
+                            <a:latin typeface="Cambria Math" panose="02040503050406030204" pitchFamily="18" charset="0"/>
+                          </a:rPr>
+                          <m:t>𝛼</m:t>
+                        </m:r>
+                      </m:e>
+                      <m:sub>
+                        <m:r>
+                          <a:rPr lang="en-US" altLang="ja-JP" b="0" i="1" smtClean="0">
+                            <a:latin typeface="Cambria Math" panose="02040503050406030204" pitchFamily="18" charset="0"/>
+                          </a:rPr>
+                          <m:t>𝑟</m:t>
+                        </m:r>
+                      </m:sub>
+                    </m:sSub>
+                  </m:oMath>
+                </a14:m>
+                <a:r>
+                  <a:rPr lang="ja-JP" altLang="en-US"/>
+                  <a:t>や</a:t>
+                </a:r>
+                <a14:m>
+                  <m:oMath xmlns:m="http://schemas.openxmlformats.org/officeDocument/2006/math">
+                    <m:sSub>
+                      <m:sSubPr>
+                        <m:ctrlPr>
+                          <a:rPr lang="en-US" altLang="ja-JP" b="0" i="1" smtClean="0">
+                            <a:latin typeface="Cambria Math" panose="02040503050406030204" pitchFamily="18" charset="0"/>
+                          </a:rPr>
+                        </m:ctrlPr>
+                      </m:sSubPr>
+                      <m:e>
+                        <m:r>
+                          <a:rPr lang="en-US" altLang="ja-JP" b="0" i="1" smtClean="0">
+                            <a:latin typeface="Cambria Math" panose="02040503050406030204" pitchFamily="18" charset="0"/>
+                          </a:rPr>
+                          <m:t>𝑑</m:t>
+                        </m:r>
+                      </m:e>
+                      <m:sub>
+                        <m:r>
+                          <a:rPr lang="en-US" altLang="ja-JP" b="0" i="1" smtClean="0">
+                            <a:latin typeface="Cambria Math" panose="02040503050406030204" pitchFamily="18" charset="0"/>
+                          </a:rPr>
+                          <m:t>𝑟𝑘</m:t>
+                        </m:r>
+                      </m:sub>
+                    </m:sSub>
+                  </m:oMath>
+                </a14:m>
+                <a:r>
+                  <a:rPr lang="ja-JP" altLang="en-US"/>
+                  <a:t>の影響について分析を行う．</a:t>
+                </a:r>
+              </a:p>
+              <a:p>
+                <a:endParaRPr lang="en-US" altLang="ja-JP" dirty="0"/>
+              </a:p>
+              <a:p>
+                <a:r>
+                  <a:rPr lang="ja-JP" altLang="en-US"/>
+                  <a:t>一般化多相ラッシュモデルのように，課題の特性も考慮できるように拡張を行う．</a:t>
+                </a:r>
+              </a:p>
+              <a:p>
+                <a:endParaRPr lang="ja-JP" altLang="en-US"/>
+              </a:p>
+            </p:txBody>
+          </p:sp>
+        </mc:Choice>
+        <mc:Fallback>
+          <p:sp>
+            <p:nvSpPr>
+              <p:cNvPr id="3" name="コンテンツ プレースホルダー 2">
+                <a:extLst>
+                  <a:ext uri="{FF2B5EF4-FFF2-40B4-BE49-F238E27FC236}">
+                    <a16:creationId xmlns:a16="http://schemas.microsoft.com/office/drawing/2014/main" id="{26B88719-E8DE-204A-ADF6-300352A4D861}"/>
+                  </a:ext>
+                </a:extLst>
+              </p:cNvPr>
+              <p:cNvSpPr>
+                <a:spLocks noGrp="1" noRot="1" noChangeAspect="1" noMove="1" noResize="1" noEditPoints="1" noAdjustHandles="1" noChangeArrowheads="1" noChangeShapeType="1" noTextEdit="1"/>
+              </p:cNvSpPr>
+              <p:nvPr>
+                <p:ph idx="1"/>
+              </p:nvPr>
+            </p:nvSpPr>
+            <p:spPr>
+              <a:blipFill>
+                <a:blip r:embed="rId2"/>
+                <a:stretch>
+                  <a:fillRect l="-1086" t="-2326" r="-3136"/>
+                </a:stretch>
+              </a:blipFill>
+            </p:spPr>
+            <p:txBody>
+              <a:bodyPr/>
+              <a:lstStyle/>
+              <a:p>
+                <a:r>
+                  <a:rPr lang="ja-JP" altLang="en-US">
+                    <a:noFill/>
+                  </a:rPr>
+                  <a:t> </a:t>
+                </a:r>
+              </a:p>
+            </p:txBody>
+          </p:sp>
+        </mc:Fallback>
+      </mc:AlternateContent>
+    </p:spTree>
+    <p:extLst>
+      <p:ext uri="{BB962C8B-B14F-4D97-AF65-F5344CB8AC3E}">
+        <p14:creationId xmlns:p14="http://schemas.microsoft.com/office/powerpoint/2010/main" val="1544305555"/>
+      </p:ext>
+    </p:extLst>
+  </p:cSld>
+  <p:clrMapOvr>
+    <a:masterClrMapping/>
+  </p:clrMapOvr>
+</p:sld>
+</file>
+
 <file path=ppt/slides/slide2.xml><?xml version="1.0" encoding="utf-8"?>
 <p:sld xmlns:a="http://schemas.openxmlformats.org/drawingml/2006/main" xmlns:r="http://schemas.openxmlformats.org/officeDocument/2006/relationships" xmlns:p="http://schemas.openxmlformats.org/presentationml/2006/main">
   <p:cSld>
@@ -3806,18 +6668,27 @@
         <p:spPr/>
         <p:txBody>
           <a:bodyPr>
-            <a:normAutofit fontScale="77500" lnSpcReduction="20000"/>
+            <a:normAutofit fontScale="70000" lnSpcReduction="20000"/>
           </a:bodyPr>
           <a:lstStyle/>
           <a:p>
-            <a:pPr>
+            <a:pPr marL="0" indent="0">
               <a:lnSpc>
                 <a:spcPct val="120000"/>
               </a:lnSpc>
+              <a:buNone/>
             </a:pPr>
             <a:r>
               <a:rPr lang="ja-JP" altLang="en-US"/>
-              <a:t>近年，大学入試や資格試験，教育評価などの場において，パフォーマンス評価は重要な役割を果たしている．</a:t>
+              <a:t>近年，大学入試や資格試験，教育評価などの場において，</a:t>
+            </a:r>
+            <a:r>
+              <a:rPr lang="ja-JP" altLang="en-US" b="1"/>
+              <a:t>パフォーマンス評価</a:t>
+            </a:r>
+            <a:r>
+              <a:rPr lang="ja-JP" altLang="en-US"/>
+              <a:t>は重要な役割を果たしている．</a:t>
             </a:r>
             <a:endParaRPr lang="en-US" altLang="ja-JP" dirty="0"/>
           </a:p>
@@ -3825,9 +6696,20 @@
             <a:endParaRPr lang="en-US" altLang="ja-JP" dirty="0"/>
           </a:p>
           <a:p>
+            <a:pPr marL="0" indent="0">
+              <a:buNone/>
+            </a:pPr>
             <a:r>
               <a:rPr lang="ja-JP" altLang="en-US"/>
-              <a:t>パフォーマンス評価の採点に偏りが生じる原因</a:t>
+              <a:t>パフォーマンス評価の採点に</a:t>
+            </a:r>
+            <a:r>
+              <a:rPr lang="ja-JP" altLang="en-US" b="1"/>
+              <a:t>偏り</a:t>
+            </a:r>
+            <a:r>
+              <a:rPr lang="ja-JP" altLang="en-US"/>
+              <a:t>が生じる原因</a:t>
             </a:r>
             <a:endParaRPr lang="en-US" altLang="ja-JP" dirty="0"/>
           </a:p>
@@ -3852,7 +6734,7 @@
             </a:pPr>
             <a:r>
               <a:rPr lang="ja-JP" altLang="en-US"/>
-              <a:t>評価者の厳しさ</a:t>
+              <a:t>評価者の厳しさの違い</a:t>
             </a:r>
             <a:endParaRPr lang="en-US" altLang="ja-JP" dirty="0"/>
           </a:p>
@@ -3863,9 +6745,22 @@
             </a:pPr>
             <a:r>
               <a:rPr lang="ja-JP" altLang="en-US"/>
-              <a:t>評価者の各得点の使用傾向の差</a:t>
+              <a:t>評価者の各得点の使用傾向の違い</a:t>
             </a:r>
             <a:endParaRPr lang="en-US" altLang="ja-JP" dirty="0"/>
+          </a:p>
+          <a:p>
+            <a:pPr marL="0" indent="0">
+              <a:buNone/>
+            </a:pPr>
+            <a:r>
+              <a:rPr lang="ja-JP" altLang="en-US"/>
+              <a:t>　　　　　　　　　　　　　　　　　など</a:t>
+            </a:r>
+            <a:r>
+              <a:rPr lang="en-US" altLang="ja-JP" dirty="0"/>
+              <a:t>...</a:t>
+            </a:r>
           </a:p>
           <a:p>
             <a:pPr marL="0" indent="0">
@@ -3877,10 +6772,11 @@
             <a:endParaRPr lang="en-US" altLang="ja-JP" dirty="0"/>
           </a:p>
           <a:p>
-            <a:pPr>
+            <a:pPr marL="0" indent="0">
               <a:lnSpc>
                 <a:spcPct val="120000"/>
               </a:lnSpc>
+              <a:buNone/>
             </a:pPr>
             <a:r>
               <a:rPr lang="ja-JP" altLang="en-US"/>
@@ -3996,7 +6892,7 @@
         </p:nvSpPr>
         <p:spPr>
           <a:xfrm>
-            <a:off x="7233008" y="3906143"/>
+            <a:off x="7212886" y="3746893"/>
             <a:ext cx="3914454" cy="830997"/>
           </a:xfrm>
           <a:prstGeom prst="rect">
@@ -4012,14 +6908,14 @@
           <a:p>
             <a:r>
               <a:rPr lang="ja-JP" altLang="en-US" sz="2400"/>
-              <a:t>受検者の能力を正確に測る</a:t>
+              <a:t>受検者の能力測定の</a:t>
             </a:r>
             <a:endParaRPr lang="en-US" altLang="ja-JP" sz="2400" dirty="0"/>
           </a:p>
           <a:p>
             <a:r>
               <a:rPr lang="ja-JP" altLang="en-US" sz="2400"/>
-              <a:t>ことができない</a:t>
+              <a:t>信頼性が低下</a:t>
             </a:r>
           </a:p>
         </p:txBody>
@@ -4059,6 +6955,325 @@
           <p:cNvPr id="2" name="タイトル 1">
             <a:extLst>
               <a:ext uri="{FF2B5EF4-FFF2-40B4-BE49-F238E27FC236}">
+                <a16:creationId xmlns:a16="http://schemas.microsoft.com/office/drawing/2014/main" id="{6E60EA54-BCD9-334B-B019-7FE8384BF0D4}"/>
+              </a:ext>
+            </a:extLst>
+          </p:cNvPr>
+          <p:cNvSpPr>
+            <a:spLocks noGrp="1"/>
+          </p:cNvSpPr>
+          <p:nvPr>
+            <p:ph type="title"/>
+          </p:nvPr>
+        </p:nvSpPr>
+        <p:spPr/>
+        <p:txBody>
+          <a:bodyPr/>
+          <a:lstStyle/>
+          <a:p>
+            <a:r>
+              <a:rPr kumimoji="1" lang="ja-JP" altLang="en-US"/>
+              <a:t>項目反応理論</a:t>
+            </a:r>
+          </a:p>
+        </p:txBody>
+      </p:sp>
+      <p:sp>
+        <p:nvSpPr>
+          <p:cNvPr id="3" name="コンテンツ プレースホルダー 2">
+            <a:extLst>
+              <a:ext uri="{FF2B5EF4-FFF2-40B4-BE49-F238E27FC236}">
+                <a16:creationId xmlns:a16="http://schemas.microsoft.com/office/drawing/2014/main" id="{45FD09CC-4945-AE4F-9665-D3D1BD0883EE}"/>
+              </a:ext>
+            </a:extLst>
+          </p:cNvPr>
+          <p:cNvSpPr>
+            <a:spLocks noGrp="1"/>
+          </p:cNvSpPr>
+          <p:nvPr>
+            <p:ph idx="1"/>
+          </p:nvPr>
+        </p:nvSpPr>
+        <p:spPr/>
+        <p:txBody>
+          <a:bodyPr/>
+          <a:lstStyle/>
+          <a:p>
+            <a:r>
+              <a:rPr lang="en" altLang="ja-JP" sz="3200" dirty="0"/>
+              <a:t>IRT</a:t>
+            </a:r>
+            <a:r>
+              <a:rPr lang="en-US" altLang="ja-JP" sz="3200" dirty="0"/>
+              <a:t>...</a:t>
+            </a:r>
+            <a:r>
+              <a:rPr lang="ja-JP" altLang="en-US"/>
+              <a:t>コンピュータ・テスティングの普及とともに，近年様々な分野で実用化が進められている，数理モデルを用いたテスト理論</a:t>
+            </a:r>
+            <a:endParaRPr lang="en-US" altLang="ja-JP" dirty="0"/>
+          </a:p>
+          <a:p>
+            <a:endParaRPr lang="en-US" altLang="ja-JP" dirty="0"/>
+          </a:p>
+        </p:txBody>
+      </p:sp>
+    </p:spTree>
+    <p:extLst>
+      <p:ext uri="{BB962C8B-B14F-4D97-AF65-F5344CB8AC3E}">
+        <p14:creationId xmlns:p14="http://schemas.microsoft.com/office/powerpoint/2010/main" val="3892698510"/>
+      </p:ext>
+    </p:extLst>
+  </p:cSld>
+  <p:clrMapOvr>
+    <a:masterClrMapping/>
+  </p:clrMapOvr>
+</p:sld>
+</file>
+
+<file path=ppt/slides/slide4.xml><?xml version="1.0" encoding="utf-8"?>
+<p:sld xmlns:a="http://schemas.openxmlformats.org/drawingml/2006/main" xmlns:r="http://schemas.openxmlformats.org/officeDocument/2006/relationships" xmlns:p="http://schemas.openxmlformats.org/presentationml/2006/main">
+  <p:cSld>
+    <p:spTree>
+      <p:nvGrpSpPr>
+        <p:cNvPr id="1" name=""/>
+        <p:cNvGrpSpPr/>
+        <p:nvPr/>
+      </p:nvGrpSpPr>
+      <p:grpSpPr>
+        <a:xfrm>
+          <a:off x="0" y="0"/>
+          <a:ext cx="0" cy="0"/>
+          <a:chOff x="0" y="0"/>
+          <a:chExt cx="0" cy="0"/>
+        </a:xfrm>
+      </p:grpSpPr>
+      <p:sp>
+        <p:nvSpPr>
+          <p:cNvPr id="2" name="タイトル 1">
+            <a:extLst>
+              <a:ext uri="{FF2B5EF4-FFF2-40B4-BE49-F238E27FC236}">
+                <a16:creationId xmlns:a16="http://schemas.microsoft.com/office/drawing/2014/main" id="{965BA623-002E-3C4A-BD1E-E68B555A1AC8}"/>
+              </a:ext>
+            </a:extLst>
+          </p:cNvPr>
+          <p:cNvSpPr>
+            <a:spLocks noGrp="1"/>
+          </p:cNvSpPr>
+          <p:nvPr>
+            <p:ph type="title"/>
+          </p:nvPr>
+        </p:nvSpPr>
+        <p:spPr/>
+        <p:txBody>
+          <a:bodyPr/>
+          <a:lstStyle/>
+          <a:p>
+            <a:r>
+              <a:rPr kumimoji="1" lang="ja-JP" altLang="en-US"/>
+              <a:t>項目反応理論</a:t>
+            </a:r>
+          </a:p>
+        </p:txBody>
+      </p:sp>
+      <p:sp>
+        <p:nvSpPr>
+          <p:cNvPr id="3" name="コンテンツ プレースホルダー 2">
+            <a:extLst>
+              <a:ext uri="{FF2B5EF4-FFF2-40B4-BE49-F238E27FC236}">
+                <a16:creationId xmlns:a16="http://schemas.microsoft.com/office/drawing/2014/main" id="{BA46C7B2-7641-3C45-BADB-16F457C84258}"/>
+              </a:ext>
+            </a:extLst>
+          </p:cNvPr>
+          <p:cNvSpPr>
+            <a:spLocks noGrp="1"/>
+          </p:cNvSpPr>
+          <p:nvPr>
+            <p:ph idx="1"/>
+          </p:nvPr>
+        </p:nvSpPr>
+        <p:spPr/>
+        <p:txBody>
+          <a:bodyPr>
+            <a:normAutofit/>
+          </a:bodyPr>
+          <a:lstStyle/>
+          <a:p>
+            <a:r>
+              <a:rPr lang="en-US" altLang="ja-JP" sz="2400" dirty="0"/>
+              <a:t>G. Rasch(1993) “Probabilistic models for some intelligence and attainment tests” ERIC</a:t>
+            </a:r>
+          </a:p>
+          <a:p>
+            <a:r>
+              <a:rPr lang="en-US" altLang="ja-JP" sz="2400" dirty="0"/>
+              <a:t>G.N. Masters(1982) “A </a:t>
+            </a:r>
+            <a:r>
+              <a:rPr lang="en-US" altLang="ja-JP" sz="2400" dirty="0" err="1"/>
+              <a:t>rasch</a:t>
+            </a:r>
+            <a:r>
+              <a:rPr lang="en-US" altLang="ja-JP" sz="2400" dirty="0"/>
+              <a:t> model for partial credit scoring”  Psychometrika</a:t>
+            </a:r>
+          </a:p>
+          <a:p>
+            <a:r>
+              <a:rPr lang="en-US" altLang="ja-JP" sz="2400" dirty="0"/>
+              <a:t>E. </a:t>
+            </a:r>
+            <a:r>
+              <a:rPr lang="en-US" altLang="ja-JP" sz="2400" dirty="0" err="1"/>
+              <a:t>Muraki</a:t>
+            </a:r>
+            <a:r>
+              <a:rPr lang="en-US" altLang="ja-JP" sz="2400" dirty="0"/>
+              <a:t>(1997) “A generalized partial credit model” Handbook of modern item response theory</a:t>
+            </a:r>
+          </a:p>
+          <a:p>
+            <a:r>
+              <a:rPr lang="en" altLang="ja-JP" sz="2400" dirty="0"/>
+              <a:t>J.M. Linacre(1990) “Many-faceted </a:t>
+            </a:r>
+            <a:r>
+              <a:rPr lang="en" altLang="ja-JP" sz="2400" dirty="0" err="1"/>
+              <a:t>rasch</a:t>
+            </a:r>
+            <a:r>
+              <a:rPr lang="en" altLang="ja-JP" sz="2400" dirty="0"/>
+              <a:t> measurement”</a:t>
+            </a:r>
+          </a:p>
+          <a:p>
+            <a:r>
+              <a:rPr lang="en-US" altLang="ja-JP" sz="2400" dirty="0"/>
+              <a:t>R.J. Patz and B.W. </a:t>
+            </a:r>
+            <a:r>
+              <a:rPr lang="en-US" altLang="ja-JP" sz="2400"/>
+              <a:t>Junker “Applications </a:t>
+            </a:r>
+            <a:r>
+              <a:rPr lang="en-US" altLang="ja-JP" sz="2400" dirty="0"/>
+              <a:t>and extensions </a:t>
+            </a:r>
+            <a:r>
+              <a:rPr lang="en-US" altLang="ja-JP" sz="2400"/>
+              <a:t>of MCMC in IRT: </a:t>
+            </a:r>
+            <a:r>
+              <a:rPr lang="en-US" altLang="ja-JP" sz="2400" dirty="0"/>
+              <a:t>Multiple item types, missing data, and rated responses”</a:t>
+            </a:r>
+          </a:p>
+          <a:p>
+            <a:r>
+              <a:rPr kumimoji="1" lang="ja-JP" altLang="en-US" sz="2400">
+                <a:solidFill>
+                  <a:srgbClr val="FF0000"/>
+                </a:solidFill>
+              </a:rPr>
+              <a:t>一般化多相ラッシュモデル</a:t>
+            </a:r>
+            <a:endParaRPr kumimoji="1" lang="en-US" altLang="ja-JP" sz="2400" dirty="0">
+              <a:solidFill>
+                <a:srgbClr val="FF0000"/>
+              </a:solidFill>
+            </a:endParaRPr>
+          </a:p>
+        </p:txBody>
+      </p:sp>
+      <p:sp>
+        <p:nvSpPr>
+          <p:cNvPr id="4" name="下矢印吹き出し 3">
+            <a:extLst>
+              <a:ext uri="{FF2B5EF4-FFF2-40B4-BE49-F238E27FC236}">
+                <a16:creationId xmlns:a16="http://schemas.microsoft.com/office/drawing/2014/main" id="{21E5CE85-8A98-614A-B40C-28A7561FC798}"/>
+              </a:ext>
+            </a:extLst>
+          </p:cNvPr>
+          <p:cNvSpPr/>
+          <p:nvPr/>
+        </p:nvSpPr>
+        <p:spPr>
+          <a:xfrm>
+            <a:off x="6791499" y="3962603"/>
+            <a:ext cx="4414058" cy="2003367"/>
+          </a:xfrm>
+          <a:prstGeom prst="downArrowCallout">
+            <a:avLst>
+              <a:gd name="adj1" fmla="val 9232"/>
+              <a:gd name="adj2" fmla="val 10062"/>
+              <a:gd name="adj3" fmla="val 14212"/>
+              <a:gd name="adj4" fmla="val 15353"/>
+            </a:avLst>
+          </a:prstGeom>
+        </p:spPr>
+        <p:style>
+          <a:lnRef idx="2">
+            <a:schemeClr val="accent1">
+              <a:shade val="50000"/>
+            </a:schemeClr>
+          </a:lnRef>
+          <a:fillRef idx="1">
+            <a:schemeClr val="accent1"/>
+          </a:fillRef>
+          <a:effectRef idx="0">
+            <a:schemeClr val="accent1"/>
+          </a:effectRef>
+          <a:fontRef idx="minor">
+            <a:schemeClr val="lt1"/>
+          </a:fontRef>
+        </p:style>
+        <p:txBody>
+          <a:bodyPr rtlCol="0" anchor="ctr"/>
+          <a:lstStyle/>
+          <a:p>
+            <a:pPr algn="ctr"/>
+            <a:r>
+              <a:rPr kumimoji="1" lang="ja-JP" altLang="en-US"/>
+              <a:t>評価者特性を考慮</a:t>
+            </a:r>
+          </a:p>
+        </p:txBody>
+      </p:sp>
+    </p:spTree>
+    <p:extLst>
+      <p:ext uri="{BB962C8B-B14F-4D97-AF65-F5344CB8AC3E}">
+        <p14:creationId xmlns:p14="http://schemas.microsoft.com/office/powerpoint/2010/main" val="3063881080"/>
+      </p:ext>
+    </p:extLst>
+  </p:cSld>
+  <p:clrMapOvr>
+    <a:masterClrMapping/>
+  </p:clrMapOvr>
+</p:sld>
+</file>
+
+<file path=ppt/slides/slide5.xml><?xml version="1.0" encoding="utf-8"?>
+<p:sld xmlns:a="http://schemas.openxmlformats.org/drawingml/2006/main" xmlns:r="http://schemas.openxmlformats.org/officeDocument/2006/relationships" xmlns:p="http://schemas.openxmlformats.org/presentationml/2006/main">
+  <p:cSld>
+    <p:spTree>
+      <p:nvGrpSpPr>
+        <p:cNvPr id="1" name=""/>
+        <p:cNvGrpSpPr/>
+        <p:nvPr/>
+      </p:nvGrpSpPr>
+      <p:grpSpPr>
+        <a:xfrm>
+          <a:off x="0" y="0"/>
+          <a:ext cx="0" cy="0"/>
+          <a:chOff x="0" y="0"/>
+          <a:chExt cx="0" cy="0"/>
+        </a:xfrm>
+      </p:grpSpPr>
+      <p:sp>
+        <p:nvSpPr>
+          <p:cNvPr id="2" name="タイトル 1">
+            <a:extLst>
+              <a:ext uri="{FF2B5EF4-FFF2-40B4-BE49-F238E27FC236}">
                 <a16:creationId xmlns:a16="http://schemas.microsoft.com/office/drawing/2014/main" id="{76655A06-C3E7-4E45-A4D8-403747342F55}"/>
               </a:ext>
             </a:extLst>
@@ -4105,9 +7320,6 @@
               <a:bodyPr/>
               <a:lstStyle/>
               <a:p>
-                <a:pPr marL="0" indent="0">
-                  <a:buNone/>
-                </a:pPr>
                 <a:r>
                   <a:rPr lang="ja-JP" altLang="en-US">
                     <a:latin typeface="Cambria Math" panose="02040503050406030204" pitchFamily="18" charset="0"/>
@@ -4115,6 +7327,22 @@
                   <a:t>一般化多相ラッシュモデル</a:t>
                 </a:r>
                 <a:endParaRPr lang="en-US" altLang="ja-JP" dirty="0">
+                  <a:latin typeface="Cambria Math" panose="02040503050406030204" pitchFamily="18" charset="0"/>
+                </a:endParaRPr>
+              </a:p>
+              <a:p>
+                <a:pPr marL="0" indent="0">
+                  <a:buNone/>
+                </a:pPr>
+                <a:endParaRPr lang="en-US" altLang="ja-JP" i="1" dirty="0">
+                  <a:latin typeface="Cambria Math" panose="02040503050406030204" pitchFamily="18" charset="0"/>
+                </a:endParaRPr>
+              </a:p>
+              <a:p>
+                <a:pPr marL="0" indent="0">
+                  <a:buNone/>
+                </a:pPr>
+                <a:endParaRPr lang="en-US" altLang="ja-JP" i="1" dirty="0">
                   <a:latin typeface="Cambria Math" panose="02040503050406030204" pitchFamily="18" charset="0"/>
                 </a:endParaRPr>
               </a:p>
@@ -4196,28 +7424,43 @@
                           <m:nary>
                             <m:naryPr>
                               <m:chr m:val="∑"/>
-                              <m:subHide m:val="on"/>
-                              <m:supHide m:val="on"/>
+                              <m:limLoc m:val="subSup"/>
                               <m:ctrlPr>
-                                <a:rPr lang="en-US" altLang="ja-JP" i="1">
+                                <a:rPr lang="en-US" altLang="ja-JP" i="1" smtClean="0">
                                   <a:latin typeface="Cambria Math" panose="02040503050406030204" pitchFamily="18" charset="0"/>
                                 </a:rPr>
                               </m:ctrlPr>
                             </m:naryPr>
-                            <m:sub/>
-                            <m:sup/>
+                            <m:sub>
+                              <m:r>
+                                <m:rPr>
+                                  <m:brk m:alnAt="25"/>
+                                </m:rPr>
+                                <a:rPr lang="en-US" altLang="ja-JP" b="0" i="1" smtClean="0">
+                                  <a:latin typeface="Cambria Math" panose="02040503050406030204" pitchFamily="18" charset="0"/>
+                                </a:rPr>
+                                <m:t>𝑚</m:t>
+                              </m:r>
+                              <m:r>
+                                <a:rPr lang="en-US" altLang="ja-JP" b="0" i="1" smtClean="0">
+                                  <a:latin typeface="Cambria Math" panose="02040503050406030204" pitchFamily="18" charset="0"/>
+                                </a:rPr>
+                                <m:t>=1</m:t>
+                              </m:r>
+                            </m:sub>
+                            <m:sup>
+                              <m:r>
+                                <a:rPr lang="en-US" altLang="ja-JP" b="0" i="1" smtClean="0">
+                                  <a:latin typeface="Cambria Math" panose="02040503050406030204" pitchFamily="18" charset="0"/>
+                                </a:rPr>
+                                <m:t>𝐾</m:t>
+                              </m:r>
+                            </m:sup>
                             <m:e>
-                              <m:r>
-                                <a:rPr lang="en-US" altLang="ja-JP" i="1" smtClean="0">
-                                  <a:latin typeface="Cambria Math" panose="02040503050406030204" pitchFamily="18" charset="0"/>
-                                  <a:ea typeface="Cambria Math" panose="02040503050406030204" pitchFamily="18" charset="0"/>
-                                </a:rPr>
-                                <m:t> </m:t>
-                              </m:r>
                               <m:sSub>
                                 <m:sSubPr>
                                   <m:ctrlPr>
-                                    <a:rPr lang="en-US" altLang="ja-JP" b="0" i="1" smtClean="0">
+                                    <a:rPr lang="en-US" altLang="ja-JP" i="1">
                                       <a:latin typeface="Cambria Math" panose="02040503050406030204" pitchFamily="18" charset="0"/>
                                       <a:ea typeface="Cambria Math" panose="02040503050406030204" pitchFamily="18" charset="0"/>
                                     </a:rPr>
@@ -4225,7 +7468,7 @@
                                 </m:sSubPr>
                                 <m:e>
                                   <m:r>
-                                    <a:rPr lang="en-US" altLang="ja-JP" i="1" smtClean="0">
+                                    <a:rPr lang="en-US" altLang="ja-JP" i="1">
                                       <a:latin typeface="Cambria Math" panose="02040503050406030204" pitchFamily="18" charset="0"/>
                                       <a:ea typeface="Cambria Math" panose="02040503050406030204" pitchFamily="18" charset="0"/>
                                     </a:rPr>
@@ -4234,7 +7477,7 @@
                                 </m:e>
                                 <m:sub>
                                   <m:r>
-                                    <a:rPr lang="en-US" altLang="ja-JP" b="0" i="1" smtClean="0">
+                                    <a:rPr lang="en-US" altLang="ja-JP" i="1">
                                       <a:latin typeface="Cambria Math" panose="02040503050406030204" pitchFamily="18" charset="0"/>
                                       <a:ea typeface="Cambria Math" panose="02040503050406030204" pitchFamily="18" charset="0"/>
                                     </a:rPr>
@@ -4245,7 +7488,7 @@
                               <m:sSub>
                                 <m:sSubPr>
                                   <m:ctrlPr>
-                                    <a:rPr lang="en-US" altLang="ja-JP" b="0" i="1" smtClean="0">
+                                    <a:rPr lang="en-US" altLang="ja-JP" i="1">
                                       <a:latin typeface="Cambria Math" panose="02040503050406030204" pitchFamily="18" charset="0"/>
                                       <a:ea typeface="Cambria Math" panose="02040503050406030204" pitchFamily="18" charset="0"/>
                                     </a:rPr>
@@ -4253,7 +7496,7 @@
                                 </m:sSubPr>
                                 <m:e>
                                   <m:r>
-                                    <a:rPr lang="en-US" altLang="ja-JP" b="0" i="1" smtClean="0">
+                                    <a:rPr lang="en-US" altLang="ja-JP" i="1">
                                       <a:latin typeface="Cambria Math" panose="02040503050406030204" pitchFamily="18" charset="0"/>
                                       <a:ea typeface="Cambria Math" panose="02040503050406030204" pitchFamily="18" charset="0"/>
                                     </a:rPr>
@@ -4262,7 +7505,7 @@
                                 </m:e>
                                 <m:sub>
                                   <m:r>
-                                    <a:rPr lang="en-US" altLang="ja-JP" b="0" i="1" smtClean="0">
+                                    <a:rPr lang="en-US" altLang="ja-JP" i="1">
                                       <a:latin typeface="Cambria Math" panose="02040503050406030204" pitchFamily="18" charset="0"/>
                                       <a:ea typeface="Cambria Math" panose="02040503050406030204" pitchFamily="18" charset="0"/>
                                     </a:rPr>
@@ -4332,42 +7575,7 @@
                                 </m:e>
                                 <m:sub>
                                   <m:r>
-                                    <a:rPr lang="en-US" altLang="ja-JP" b="0" i="1" smtClean="0">
-                                      <a:latin typeface="Cambria Math" panose="02040503050406030204" pitchFamily="18" charset="0"/>
-                                      <a:ea typeface="Cambria Math" panose="02040503050406030204" pitchFamily="18" charset="0"/>
-                                    </a:rPr>
-                                    <m:t>𝑖</m:t>
-                                  </m:r>
-                                </m:sub>
-                              </m:sSub>
-                              <m:r>
-                                <a:rPr lang="en-US" altLang="ja-JP" b="0" i="1" smtClean="0">
-                                  <a:latin typeface="Cambria Math" panose="02040503050406030204" pitchFamily="18" charset="0"/>
-                                  <a:ea typeface="Cambria Math" panose="02040503050406030204" pitchFamily="18" charset="0"/>
-                                </a:rPr>
-                                <m:t>−</m:t>
-                              </m:r>
-                              <m:sSub>
-                                <m:sSubPr>
-                                  <m:ctrlPr>
-                                    <a:rPr lang="en-US" altLang="ja-JP" b="0" i="1" smtClean="0">
-                                      <a:latin typeface="Cambria Math" panose="02040503050406030204" pitchFamily="18" charset="0"/>
-                                      <a:ea typeface="Cambria Math" panose="02040503050406030204" pitchFamily="18" charset="0"/>
-                                    </a:rPr>
-                                  </m:ctrlPr>
-                                </m:sSubPr>
-                                <m:e>
-                                  <m:r>
-                                    <a:rPr lang="en-US" altLang="ja-JP" b="0" i="1" smtClean="0">
-                                      <a:latin typeface="Cambria Math" panose="02040503050406030204" pitchFamily="18" charset="0"/>
-                                      <a:ea typeface="Cambria Math" panose="02040503050406030204" pitchFamily="18" charset="0"/>
-                                    </a:rPr>
-                                    <m:t>𝛽</m:t>
-                                  </m:r>
-                                </m:e>
-                                <m:sub>
-                                  <m:r>
-                                    <a:rPr lang="en-US" altLang="ja-JP" b="0" i="1" smtClean="0">
+                                    <a:rPr lang="en-US" altLang="ja-JP" i="1">
                                       <a:latin typeface="Cambria Math" panose="02040503050406030204" pitchFamily="18" charset="0"/>
                                       <a:ea typeface="Cambria Math" panose="02040503050406030204" pitchFamily="18" charset="0"/>
                                     </a:rPr>
@@ -4376,7 +7584,7 @@
                                 </m:sub>
                               </m:sSub>
                               <m:r>
-                                <a:rPr lang="en-US" altLang="ja-JP" b="0" i="1" smtClean="0">
+                                <a:rPr lang="en-US" altLang="ja-JP" i="1">
                                   <a:latin typeface="Cambria Math" panose="02040503050406030204" pitchFamily="18" charset="0"/>
                                   <a:ea typeface="Cambria Math" panose="02040503050406030204" pitchFamily="18" charset="0"/>
                                 </a:rPr>
@@ -4402,11 +7610,18 @@
                                 </m:e>
                                 <m:sub>
                                   <m:r>
+                                    <a:rPr lang="en-US" altLang="ja-JP" i="1">
+                                      <a:latin typeface="Cambria Math" panose="02040503050406030204" pitchFamily="18" charset="0"/>
+                                      <a:ea typeface="Cambria Math" panose="02040503050406030204" pitchFamily="18" charset="0"/>
+                                    </a:rPr>
+                                    <m:t>𝑟</m:t>
+                                  </m:r>
+                                  <m:r>
                                     <a:rPr lang="en-US" altLang="ja-JP" b="0" i="1" smtClean="0">
                                       <a:latin typeface="Cambria Math" panose="02040503050406030204" pitchFamily="18" charset="0"/>
                                       <a:ea typeface="Cambria Math" panose="02040503050406030204" pitchFamily="18" charset="0"/>
                                     </a:rPr>
-                                    <m:t>𝑟𝑘</m:t>
+                                    <m:t>𝑚</m:t>
                                   </m:r>
                                 </m:sub>
                               </m:sSub>
@@ -4424,16 +7639,41 @@
                           <m:nary>
                             <m:naryPr>
                               <m:chr m:val="∑"/>
-                              <m:subHide m:val="on"/>
-                              <m:supHide m:val="on"/>
                               <m:ctrlPr>
-                                <a:rPr lang="en-US" altLang="ja-JP" i="1">
+                                <a:rPr lang="en-US" altLang="ja-JP" i="1" smtClean="0">
                                   <a:latin typeface="Cambria Math" panose="02040503050406030204" pitchFamily="18" charset="0"/>
+                                  <a:ea typeface="Cambria Math" panose="02040503050406030204" pitchFamily="18" charset="0"/>
                                 </a:rPr>
                               </m:ctrlPr>
                             </m:naryPr>
-                            <m:sub/>
-                            <m:sup/>
+                            <m:sub>
+                              <m:r>
+                                <m:rPr>
+                                  <m:brk m:alnAt="23"/>
+                                </m:rPr>
+                                <a:rPr lang="en-US" altLang="ja-JP" b="0" i="1" smtClean="0">
+                                  <a:latin typeface="Cambria Math" panose="02040503050406030204" pitchFamily="18" charset="0"/>
+                                  <a:ea typeface="Cambria Math" panose="02040503050406030204" pitchFamily="18" charset="0"/>
+                                </a:rPr>
+                                <m:t>𝑙</m:t>
+                              </m:r>
+                              <m:r>
+                                <a:rPr lang="en-US" altLang="ja-JP" b="0" i="1" smtClean="0">
+                                  <a:latin typeface="Cambria Math" panose="02040503050406030204" pitchFamily="18" charset="0"/>
+                                  <a:ea typeface="Cambria Math" panose="02040503050406030204" pitchFamily="18" charset="0"/>
+                                </a:rPr>
+                                <m:t>=1</m:t>
+                              </m:r>
+                            </m:sub>
+                            <m:sup>
+                              <m:r>
+                                <a:rPr lang="en-US" altLang="ja-JP" b="0" i="1" smtClean="0">
+                                  <a:latin typeface="Cambria Math" panose="02040503050406030204" pitchFamily="18" charset="0"/>
+                                  <a:ea typeface="Cambria Math" panose="02040503050406030204" pitchFamily="18" charset="0"/>
+                                </a:rPr>
+                                <m:t>𝐾</m:t>
+                              </m:r>
+                            </m:sup>
                             <m:e>
                               <m:r>
                                 <m:rPr>
@@ -4447,28 +7687,43 @@
                               <m:nary>
                                 <m:naryPr>
                                   <m:chr m:val="∑"/>
-                                  <m:subHide m:val="on"/>
-                                  <m:supHide m:val="on"/>
+                                  <m:limLoc m:val="subSup"/>
                                   <m:ctrlPr>
                                     <a:rPr lang="en-US" altLang="ja-JP" i="1">
                                       <a:latin typeface="Cambria Math" panose="02040503050406030204" pitchFamily="18" charset="0"/>
                                     </a:rPr>
                                   </m:ctrlPr>
                                 </m:naryPr>
-                                <m:sub/>
-                                <m:sup/>
+                                <m:sub>
+                                  <m:r>
+                                    <m:rPr>
+                                      <m:brk m:alnAt="25"/>
+                                    </m:rPr>
+                                    <a:rPr lang="en-US" altLang="ja-JP" i="1">
+                                      <a:latin typeface="Cambria Math" panose="02040503050406030204" pitchFamily="18" charset="0"/>
+                                    </a:rPr>
+                                    <m:t>𝑚</m:t>
+                                  </m:r>
+                                  <m:r>
+                                    <a:rPr lang="en-US" altLang="ja-JP" i="1">
+                                      <a:latin typeface="Cambria Math" panose="02040503050406030204" pitchFamily="18" charset="0"/>
+                                    </a:rPr>
+                                    <m:t>=1</m:t>
+                                  </m:r>
+                                </m:sub>
+                                <m:sup>
+                                  <m:r>
+                                    <a:rPr lang="en-US" altLang="ja-JP" b="0" i="1" smtClean="0">
+                                      <a:latin typeface="Cambria Math" panose="02040503050406030204" pitchFamily="18" charset="0"/>
+                                    </a:rPr>
+                                    <m:t>𝑙</m:t>
+                                  </m:r>
+                                </m:sup>
                                 <m:e>
-                                  <m:r>
-                                    <a:rPr lang="en-US" altLang="ja-JP" i="1" smtClean="0">
-                                      <a:latin typeface="Cambria Math" panose="02040503050406030204" pitchFamily="18" charset="0"/>
-                                      <a:ea typeface="Cambria Math" panose="02040503050406030204" pitchFamily="18" charset="0"/>
-                                    </a:rPr>
-                                    <m:t> </m:t>
-                                  </m:r>
                                   <m:sSub>
                                     <m:sSubPr>
                                       <m:ctrlPr>
-                                        <a:rPr lang="en-US" altLang="ja-JP" b="0" i="1" smtClean="0">
+                                        <a:rPr lang="en-US" altLang="ja-JP" i="1">
                                           <a:latin typeface="Cambria Math" panose="02040503050406030204" pitchFamily="18" charset="0"/>
                                           <a:ea typeface="Cambria Math" panose="02040503050406030204" pitchFamily="18" charset="0"/>
                                         </a:rPr>
@@ -4476,7 +7731,7 @@
                                     </m:sSubPr>
                                     <m:e>
                                       <m:r>
-                                        <a:rPr lang="en-US" altLang="ja-JP" i="1" smtClean="0">
+                                        <a:rPr lang="en-US" altLang="ja-JP" i="1">
                                           <a:latin typeface="Cambria Math" panose="02040503050406030204" pitchFamily="18" charset="0"/>
                                           <a:ea typeface="Cambria Math" panose="02040503050406030204" pitchFamily="18" charset="0"/>
                                         </a:rPr>
@@ -4485,7 +7740,7 @@
                                     </m:e>
                                     <m:sub>
                                       <m:r>
-                                        <a:rPr lang="en-US" altLang="ja-JP" b="0" i="1" smtClean="0">
+                                        <a:rPr lang="en-US" altLang="ja-JP" i="1">
                                           <a:latin typeface="Cambria Math" panose="02040503050406030204" pitchFamily="18" charset="0"/>
                                           <a:ea typeface="Cambria Math" panose="02040503050406030204" pitchFamily="18" charset="0"/>
                                         </a:rPr>
@@ -4496,7 +7751,7 @@
                                   <m:sSub>
                                     <m:sSubPr>
                                       <m:ctrlPr>
-                                        <a:rPr lang="en-US" altLang="ja-JP" b="0" i="1" smtClean="0">
+                                        <a:rPr lang="en-US" altLang="ja-JP" i="1">
                                           <a:latin typeface="Cambria Math" panose="02040503050406030204" pitchFamily="18" charset="0"/>
                                           <a:ea typeface="Cambria Math" panose="02040503050406030204" pitchFamily="18" charset="0"/>
                                         </a:rPr>
@@ -4504,7 +7759,7 @@
                                     </m:sSubPr>
                                     <m:e>
                                       <m:r>
-                                        <a:rPr lang="en-US" altLang="ja-JP" b="0" i="1" smtClean="0">
+                                        <a:rPr lang="en-US" altLang="ja-JP" i="1">
                                           <a:latin typeface="Cambria Math" panose="02040503050406030204" pitchFamily="18" charset="0"/>
                                           <a:ea typeface="Cambria Math" panose="02040503050406030204" pitchFamily="18" charset="0"/>
                                         </a:rPr>
@@ -4513,7 +7768,7 @@
                                     </m:e>
                                     <m:sub>
                                       <m:r>
-                                        <a:rPr lang="en-US" altLang="ja-JP" b="0" i="1" smtClean="0">
+                                        <a:rPr lang="en-US" altLang="ja-JP" i="1">
                                           <a:latin typeface="Cambria Math" panose="02040503050406030204" pitchFamily="18" charset="0"/>
                                           <a:ea typeface="Cambria Math" panose="02040503050406030204" pitchFamily="18" charset="0"/>
                                         </a:rPr>
@@ -4531,7 +7786,7 @@
                                   <m:sSub>
                                     <m:sSubPr>
                                       <m:ctrlPr>
-                                        <a:rPr lang="en-US" altLang="ja-JP" i="1" smtClean="0">
+                                        <a:rPr lang="en-US" altLang="ja-JP" i="1">
                                           <a:latin typeface="Cambria Math" panose="02040503050406030204" pitchFamily="18" charset="0"/>
                                           <a:ea typeface="Cambria Math" panose="02040503050406030204" pitchFamily="18" charset="0"/>
                                         </a:rPr>
@@ -4583,42 +7838,7 @@
                                     </m:e>
                                     <m:sub>
                                       <m:r>
-                                        <a:rPr lang="en-US" altLang="ja-JP" b="0" i="1" smtClean="0">
-                                          <a:latin typeface="Cambria Math" panose="02040503050406030204" pitchFamily="18" charset="0"/>
-                                          <a:ea typeface="Cambria Math" panose="02040503050406030204" pitchFamily="18" charset="0"/>
-                                        </a:rPr>
-                                        <m:t>𝑖</m:t>
-                                      </m:r>
-                                    </m:sub>
-                                  </m:sSub>
-                                  <m:r>
-                                    <a:rPr lang="en-US" altLang="ja-JP" b="0" i="1" smtClean="0">
-                                      <a:latin typeface="Cambria Math" panose="02040503050406030204" pitchFamily="18" charset="0"/>
-                                      <a:ea typeface="Cambria Math" panose="02040503050406030204" pitchFamily="18" charset="0"/>
-                                    </a:rPr>
-                                    <m:t>−</m:t>
-                                  </m:r>
-                                  <m:sSub>
-                                    <m:sSubPr>
-                                      <m:ctrlPr>
-                                        <a:rPr lang="en-US" altLang="ja-JP" b="0" i="1" smtClean="0">
-                                          <a:latin typeface="Cambria Math" panose="02040503050406030204" pitchFamily="18" charset="0"/>
-                                          <a:ea typeface="Cambria Math" panose="02040503050406030204" pitchFamily="18" charset="0"/>
-                                        </a:rPr>
-                                      </m:ctrlPr>
-                                    </m:sSubPr>
-                                    <m:e>
-                                      <m:r>
-                                        <a:rPr lang="en-US" altLang="ja-JP" b="0" i="1" smtClean="0">
-                                          <a:latin typeface="Cambria Math" panose="02040503050406030204" pitchFamily="18" charset="0"/>
-                                          <a:ea typeface="Cambria Math" panose="02040503050406030204" pitchFamily="18" charset="0"/>
-                                        </a:rPr>
-                                        <m:t>𝛽</m:t>
-                                      </m:r>
-                                    </m:e>
-                                    <m:sub>
-                                      <m:r>
-                                        <a:rPr lang="en-US" altLang="ja-JP" b="0" i="1" smtClean="0">
+                                        <a:rPr lang="en-US" altLang="ja-JP" i="1">
                                           <a:latin typeface="Cambria Math" panose="02040503050406030204" pitchFamily="18" charset="0"/>
                                           <a:ea typeface="Cambria Math" panose="02040503050406030204" pitchFamily="18" charset="0"/>
                                         </a:rPr>
@@ -4653,7 +7873,7 @@
                                     </m:e>
                                     <m:sub>
                                       <m:r>
-                                        <a:rPr lang="en-US" altLang="ja-JP" b="0" i="1" smtClean="0">
+                                        <a:rPr lang="en-US" altLang="ja-JP" i="1">
                                           <a:latin typeface="Cambria Math" panose="02040503050406030204" pitchFamily="18" charset="0"/>
                                           <a:ea typeface="Cambria Math" panose="02040503050406030204" pitchFamily="18" charset="0"/>
                                         </a:rPr>
@@ -4664,7 +7884,7 @@
                                           <a:latin typeface="Cambria Math" panose="02040503050406030204" pitchFamily="18" charset="0"/>
                                           <a:ea typeface="Cambria Math" panose="02040503050406030204" pitchFamily="18" charset="0"/>
                                         </a:rPr>
-                                        <m:t>𝑘</m:t>
+                                        <m:t>𝑚</m:t>
                                       </m:r>
                                     </m:sub>
                                   </m:sSub>
@@ -4710,9 +7930,9 @@
             </p:nvSpPr>
             <p:spPr>
               <a:blipFill>
-                <a:blip r:embed="rId2"/>
+                <a:blip r:embed="rId3"/>
                 <a:stretch>
-                  <a:fillRect l="-1206" t="-2326"/>
+                  <a:fillRect l="-1086" t="-2326" b="-2616"/>
                 </a:stretch>
               </a:blipFill>
             </p:spPr>
@@ -4731,6 +7951,251 @@
           </p:sp>
         </mc:Fallback>
       </mc:AlternateContent>
+      <p:sp>
+        <p:nvSpPr>
+          <p:cNvPr id="5" name="四角形吹き出し 4">
+            <a:extLst>
+              <a:ext uri="{FF2B5EF4-FFF2-40B4-BE49-F238E27FC236}">
+                <a16:creationId xmlns:a16="http://schemas.microsoft.com/office/drawing/2014/main" id="{596FF78F-BE74-5045-8CD3-22359C540784}"/>
+              </a:ext>
+            </a:extLst>
+          </p:cNvPr>
+          <p:cNvSpPr/>
+          <p:nvPr/>
+        </p:nvSpPr>
+        <p:spPr>
+          <a:xfrm>
+            <a:off x="5673883" y="2983220"/>
+            <a:ext cx="2063857" cy="402956"/>
+          </a:xfrm>
+          <a:prstGeom prst="wedgeRectCallout">
+            <a:avLst>
+              <a:gd name="adj1" fmla="val -35165"/>
+              <a:gd name="adj2" fmla="val 277885"/>
+            </a:avLst>
+          </a:prstGeom>
+        </p:spPr>
+        <p:style>
+          <a:lnRef idx="2">
+            <a:schemeClr val="accent1"/>
+          </a:lnRef>
+          <a:fillRef idx="1">
+            <a:schemeClr val="lt1"/>
+          </a:fillRef>
+          <a:effectRef idx="0">
+            <a:schemeClr val="accent1"/>
+          </a:effectRef>
+          <a:fontRef idx="minor">
+            <a:schemeClr val="dk1"/>
+          </a:fontRef>
+        </p:style>
+        <p:txBody>
+          <a:bodyPr rtlCol="0" anchor="ctr"/>
+          <a:lstStyle/>
+          <a:p>
+            <a:pPr algn="ctr"/>
+            <a:r>
+              <a:rPr kumimoji="1" lang="ja-JP" altLang="en-US"/>
+              <a:t>評価者</a:t>
+            </a:r>
+            <a:r>
+              <a:rPr kumimoji="1" lang="en-US" altLang="ja-JP" dirty="0"/>
+              <a:t>r</a:t>
+            </a:r>
+            <a:r>
+              <a:rPr kumimoji="1" lang="ja-JP" altLang="en-US"/>
+              <a:t>の一貫性</a:t>
+            </a:r>
+          </a:p>
+        </p:txBody>
+      </p:sp>
+      <p:sp>
+        <p:nvSpPr>
+          <p:cNvPr id="4" name="四角形吹き出し 3">
+            <a:extLst>
+              <a:ext uri="{FF2B5EF4-FFF2-40B4-BE49-F238E27FC236}">
+                <a16:creationId xmlns:a16="http://schemas.microsoft.com/office/drawing/2014/main" id="{31F8DFF1-0BFE-6045-9C71-918C2E525C48}"/>
+              </a:ext>
+            </a:extLst>
+          </p:cNvPr>
+          <p:cNvSpPr/>
+          <p:nvPr/>
+        </p:nvSpPr>
+        <p:spPr>
+          <a:xfrm>
+            <a:off x="5255429" y="3521113"/>
+            <a:ext cx="1658318" cy="402956"/>
+          </a:xfrm>
+          <a:prstGeom prst="wedgeRectCallout">
+            <a:avLst>
+              <a:gd name="adj1" fmla="val -29158"/>
+              <a:gd name="adj2" fmla="val 127885"/>
+            </a:avLst>
+          </a:prstGeom>
+        </p:spPr>
+        <p:style>
+          <a:lnRef idx="2">
+            <a:schemeClr val="accent1"/>
+          </a:lnRef>
+          <a:fillRef idx="1">
+            <a:schemeClr val="lt1"/>
+          </a:fillRef>
+          <a:effectRef idx="0">
+            <a:schemeClr val="accent1"/>
+          </a:effectRef>
+          <a:fontRef idx="minor">
+            <a:schemeClr val="dk1"/>
+          </a:fontRef>
+        </p:style>
+        <p:txBody>
+          <a:bodyPr rtlCol="0" anchor="ctr"/>
+          <a:lstStyle/>
+          <a:p>
+            <a:pPr algn="ctr"/>
+            <a:r>
+              <a:rPr lang="ja-JP" altLang="en-US"/>
+              <a:t>項目</a:t>
+            </a:r>
+            <a:r>
+              <a:rPr lang="en-US" altLang="ja-JP" dirty="0" err="1"/>
+              <a:t>i</a:t>
+            </a:r>
+            <a:r>
+              <a:rPr lang="ja-JP" altLang="en-US"/>
+              <a:t>の識別力</a:t>
+            </a:r>
+            <a:endParaRPr kumimoji="1" lang="ja-JP" altLang="en-US"/>
+          </a:p>
+        </p:txBody>
+      </p:sp>
+      <p:sp>
+        <p:nvSpPr>
+          <p:cNvPr id="6" name="四角形吹き出し 5">
+            <a:extLst>
+              <a:ext uri="{FF2B5EF4-FFF2-40B4-BE49-F238E27FC236}">
+                <a16:creationId xmlns:a16="http://schemas.microsoft.com/office/drawing/2014/main" id="{76DF2790-561C-E24F-9B4E-050E9E002FD8}"/>
+              </a:ext>
+            </a:extLst>
+          </p:cNvPr>
+          <p:cNvSpPr/>
+          <p:nvPr/>
+        </p:nvSpPr>
+        <p:spPr>
+          <a:xfrm>
+            <a:off x="8601125" y="2524674"/>
+            <a:ext cx="2063857" cy="734341"/>
+          </a:xfrm>
+          <a:prstGeom prst="wedgeRectCallout">
+            <a:avLst>
+              <a:gd name="adj1" fmla="val -38920"/>
+              <a:gd name="adj2" fmla="val 187133"/>
+            </a:avLst>
+          </a:prstGeom>
+        </p:spPr>
+        <p:style>
+          <a:lnRef idx="2">
+            <a:schemeClr val="accent1"/>
+          </a:lnRef>
+          <a:fillRef idx="1">
+            <a:schemeClr val="lt1"/>
+          </a:fillRef>
+          <a:effectRef idx="0">
+            <a:schemeClr val="accent1"/>
+          </a:effectRef>
+          <a:fontRef idx="minor">
+            <a:schemeClr val="dk1"/>
+          </a:fontRef>
+        </p:style>
+        <p:txBody>
+          <a:bodyPr rtlCol="0" anchor="ctr"/>
+          <a:lstStyle/>
+          <a:p>
+            <a:pPr algn="ctr"/>
+            <a:r>
+              <a:rPr kumimoji="1" lang="ja-JP" altLang="en-US"/>
+              <a:t>評価者</a:t>
+            </a:r>
+            <a:r>
+              <a:rPr kumimoji="1" lang="en-US" altLang="ja-JP" dirty="0"/>
+              <a:t>r</a:t>
+            </a:r>
+            <a:r>
+              <a:rPr lang="ja-JP" altLang="en-US"/>
+              <a:t>の</a:t>
+            </a:r>
+            <a:r>
+              <a:rPr kumimoji="1" lang="ja-JP" altLang="en-US"/>
+              <a:t>スコア</a:t>
+            </a:r>
+            <a:r>
+              <a:rPr kumimoji="1" lang="en-US" altLang="ja-JP" dirty="0"/>
+              <a:t>k</a:t>
+            </a:r>
+            <a:r>
+              <a:rPr kumimoji="1" lang="ja-JP" altLang="en-US"/>
+              <a:t>に対する厳しさ</a:t>
+            </a:r>
+          </a:p>
+        </p:txBody>
+      </p:sp>
+      <p:sp>
+        <p:nvSpPr>
+          <p:cNvPr id="8" name="四角形吹き出し 7">
+            <a:extLst>
+              <a:ext uri="{FF2B5EF4-FFF2-40B4-BE49-F238E27FC236}">
+                <a16:creationId xmlns:a16="http://schemas.microsoft.com/office/drawing/2014/main" id="{0490B814-D95E-0143-873A-CC4FB270D2E1}"/>
+              </a:ext>
+            </a:extLst>
+          </p:cNvPr>
+          <p:cNvSpPr/>
+          <p:nvPr/>
+        </p:nvSpPr>
+        <p:spPr>
+          <a:xfrm>
+            <a:off x="7737740" y="3521113"/>
+            <a:ext cx="2063857" cy="402956"/>
+          </a:xfrm>
+          <a:prstGeom prst="wedgeRectCallout">
+            <a:avLst>
+              <a:gd name="adj1" fmla="val -36394"/>
+              <a:gd name="adj2" fmla="val 134913"/>
+            </a:avLst>
+          </a:prstGeom>
+        </p:spPr>
+        <p:style>
+          <a:lnRef idx="2">
+            <a:schemeClr val="accent1"/>
+          </a:lnRef>
+          <a:fillRef idx="1">
+            <a:schemeClr val="lt1"/>
+          </a:fillRef>
+          <a:effectRef idx="0">
+            <a:schemeClr val="accent1"/>
+          </a:effectRef>
+          <a:fontRef idx="minor">
+            <a:schemeClr val="dk1"/>
+          </a:fontRef>
+        </p:style>
+        <p:txBody>
+          <a:bodyPr rtlCol="0" anchor="ctr"/>
+          <a:lstStyle/>
+          <a:p>
+            <a:pPr algn="ctr"/>
+            <a:r>
+              <a:rPr kumimoji="1" lang="ja-JP" altLang="en-US"/>
+              <a:t>評価者</a:t>
+            </a:r>
+            <a:r>
+              <a:rPr kumimoji="1" lang="en-US" altLang="ja-JP" dirty="0"/>
+              <a:t>r</a:t>
+            </a:r>
+            <a:r>
+              <a:rPr kumimoji="1" lang="ja-JP" altLang="en-US"/>
+              <a:t>の厳しさ</a:t>
+            </a:r>
+          </a:p>
+        </p:txBody>
+      </p:sp>
     </p:spTree>
     <p:extLst>
       <p:ext uri="{BB962C8B-B14F-4D97-AF65-F5344CB8AC3E}">
@@ -4744,7 +8209,7 @@
 </p:sld>
 </file>
 
-<file path=ppt/slides/slide4.xml><?xml version="1.0" encoding="utf-8"?>
+<file path=ppt/slides/slide6.xml><?xml version="1.0" encoding="utf-8"?>
 <p:sld xmlns:a="http://schemas.openxmlformats.org/drawingml/2006/main" xmlns:r="http://schemas.openxmlformats.org/officeDocument/2006/relationships" xmlns:p="http://schemas.openxmlformats.org/presentationml/2006/main">
   <p:cSld>
     <p:spTree>
@@ -4766,7 +8231,7 @@
           <p:cNvPr id="2" name="タイトル 1">
             <a:extLst>
               <a:ext uri="{FF2B5EF4-FFF2-40B4-BE49-F238E27FC236}">
-                <a16:creationId xmlns:a16="http://schemas.microsoft.com/office/drawing/2014/main" id="{5F2B9539-0BEB-2646-8C67-AAADA7E8A508}"/>
+                <a16:creationId xmlns:a16="http://schemas.microsoft.com/office/drawing/2014/main" id="{4BBB86CA-CBB4-5B4B-B859-D5F8D220B93C}"/>
               </a:ext>
             </a:extLst>
           </p:cNvPr>
@@ -4796,7 +8261,7 @@
               <p:cNvPr id="3" name="コンテンツ プレースホルダー 2">
                 <a:extLst>
                   <a:ext uri="{FF2B5EF4-FFF2-40B4-BE49-F238E27FC236}">
-                    <a16:creationId xmlns:a16="http://schemas.microsoft.com/office/drawing/2014/main" id="{938E151A-72D2-4248-9014-7F619D3898DD}"/>
+                    <a16:creationId xmlns:a16="http://schemas.microsoft.com/office/drawing/2014/main" id="{E7724FD9-0B05-6F49-BB42-AE4C88C29624}"/>
                   </a:ext>
                 </a:extLst>
               </p:cNvPr>
@@ -4812,16 +8277,29 @@
               <a:bodyPr/>
               <a:lstStyle/>
               <a:p>
-                <a:pPr marL="0" indent="0">
-                  <a:buNone/>
-                </a:pPr>
                 <a:r>
                   <a:rPr lang="ja-JP" altLang="en-US">
                     <a:latin typeface="Cambria Math" panose="02040503050406030204" pitchFamily="18" charset="0"/>
                   </a:rPr>
-                  <a:t>時間による特性変化を考慮</a:t>
+                  <a:t>評価者ドリフトを考慮したモデル</a:t>
                 </a:r>
                 <a:endParaRPr lang="en-US" altLang="ja-JP" dirty="0">
+                  <a:latin typeface="Cambria Math" panose="02040503050406030204" pitchFamily="18" charset="0"/>
+                </a:endParaRPr>
+              </a:p>
+              <a:p>
+                <a:pPr marL="0" indent="0">
+                  <a:buNone/>
+                </a:pPr>
+                <a:endParaRPr lang="en-US" altLang="ja-JP" i="1" dirty="0">
+                  <a:latin typeface="Cambria Math" panose="02040503050406030204" pitchFamily="18" charset="0"/>
+                </a:endParaRPr>
+              </a:p>
+              <a:p>
+                <a:pPr marL="0" indent="0">
+                  <a:buNone/>
+                </a:pPr>
+                <a:endParaRPr lang="en-US" altLang="ja-JP" i="1" dirty="0">
                   <a:latin typeface="Cambria Math" panose="02040503050406030204" pitchFamily="18" charset="0"/>
                 </a:endParaRPr>
               </a:p>
@@ -4903,24 +8381,38 @@
                           <m:nary>
                             <m:naryPr>
                               <m:chr m:val="∑"/>
-                              <m:subHide m:val="on"/>
-                              <m:supHide m:val="on"/>
                               <m:ctrlPr>
-                                <a:rPr lang="en-US" altLang="ja-JP" i="1">
+                                <a:rPr lang="en-US" altLang="ja-JP" i="1" smtClean="0">
                                   <a:latin typeface="Cambria Math" panose="02040503050406030204" pitchFamily="18" charset="0"/>
                                 </a:rPr>
                               </m:ctrlPr>
                             </m:naryPr>
-                            <m:sub/>
-                            <m:sup/>
+                            <m:sub>
+                              <m:r>
+                                <m:rPr>
+                                  <m:brk m:alnAt="23"/>
+                                </m:rPr>
+                                <a:rPr lang="en-US" altLang="ja-JP" b="0" i="1" smtClean="0">
+                                  <a:latin typeface="Cambria Math" panose="02040503050406030204" pitchFamily="18" charset="0"/>
+                                </a:rPr>
+                                <m:t>𝑚</m:t>
+                              </m:r>
+                              <m:r>
+                                <a:rPr lang="en-US" altLang="ja-JP" b="0" i="1" smtClean="0">
+                                  <a:latin typeface="Cambria Math" panose="02040503050406030204" pitchFamily="18" charset="0"/>
+                                </a:rPr>
+                                <m:t>=1</m:t>
+                              </m:r>
+                            </m:sub>
+                            <m:sup>
+                              <m:r>
+                                <a:rPr lang="en-US" altLang="ja-JP" b="0" i="1" smtClean="0">
+                                  <a:latin typeface="Cambria Math" panose="02040503050406030204" pitchFamily="18" charset="0"/>
+                                </a:rPr>
+                                <m:t>𝐾</m:t>
+                              </m:r>
+                            </m:sup>
                             <m:e>
-                              <m:r>
-                                <a:rPr lang="en-US" altLang="ja-JP" i="1" smtClean="0">
-                                  <a:latin typeface="Cambria Math" panose="02040503050406030204" pitchFamily="18" charset="0"/>
-                                  <a:ea typeface="Cambria Math" panose="02040503050406030204" pitchFamily="18" charset="0"/>
-                                </a:rPr>
-                                <m:t> </m:t>
-                              </m:r>
                               <m:r>
                                 <a:rPr lang="en-US" altLang="ja-JP" i="1">
                                   <a:latin typeface="Cambria Math" panose="02040503050406030204" pitchFamily="18" charset="0"/>
@@ -4983,7 +8475,7 @@
                                 </m:e>
                                 <m:sub>
                                   <m:r>
-                                    <a:rPr lang="en-US" altLang="ja-JP" b="0" i="1" smtClean="0">
+                                    <a:rPr lang="en-US" altLang="ja-JP" i="1">
                                       <a:latin typeface="Cambria Math" panose="02040503050406030204" pitchFamily="18" charset="0"/>
                                       <a:ea typeface="Cambria Math" panose="02040503050406030204" pitchFamily="18" charset="0"/>
                                     </a:rPr>
@@ -4992,7 +8484,7 @@
                                 </m:sub>
                               </m:sSub>
                               <m:r>
-                                <a:rPr lang="en-US" altLang="ja-JP" b="0" i="1" smtClean="0">
+                                <a:rPr lang="en-US" altLang="ja-JP" i="1">
                                   <a:latin typeface="Cambria Math" panose="02040503050406030204" pitchFamily="18" charset="0"/>
                                   <a:ea typeface="Cambria Math" panose="02040503050406030204" pitchFamily="18" charset="0"/>
                                 </a:rPr>
@@ -5001,7 +8493,7 @@
                               <m:sSub>
                                 <m:sSubPr>
                                   <m:ctrlPr>
-                                    <a:rPr lang="en-US" altLang="ja-JP" b="0" i="1" smtClean="0">
+                                    <a:rPr lang="en-US" altLang="ja-JP" i="1">
                                       <a:latin typeface="Cambria Math" panose="02040503050406030204" pitchFamily="18" charset="0"/>
                                       <a:ea typeface="Cambria Math" panose="02040503050406030204" pitchFamily="18" charset="0"/>
                                     </a:rPr>
@@ -5009,7 +8501,7 @@
                                 </m:sSubPr>
                                 <m:e>
                                   <m:r>
-                                    <a:rPr lang="en-US" altLang="ja-JP" b="0" i="1" smtClean="0">
+                                    <a:rPr lang="en-US" altLang="ja-JP" i="1">
                                       <a:latin typeface="Cambria Math" panose="02040503050406030204" pitchFamily="18" charset="0"/>
                                       <a:ea typeface="Cambria Math" panose="02040503050406030204" pitchFamily="18" charset="0"/>
                                     </a:rPr>
@@ -5018,7 +8510,7 @@
                                 </m:e>
                                 <m:sub>
                                   <m:r>
-                                    <a:rPr lang="en-US" altLang="ja-JP" b="0" i="1" smtClean="0">
+                                    <a:rPr lang="en-US" altLang="ja-JP" i="1">
                                       <a:latin typeface="Cambria Math" panose="02040503050406030204" pitchFamily="18" charset="0"/>
                                       <a:ea typeface="Cambria Math" panose="02040503050406030204" pitchFamily="18" charset="0"/>
                                     </a:rPr>
@@ -5027,7 +8519,7 @@
                                 </m:sub>
                               </m:sSub>
                               <m:r>
-                                <a:rPr lang="en-US" altLang="ja-JP" b="0" i="1" smtClean="0">
+                                <a:rPr lang="en-US" altLang="ja-JP" i="1">
                                   <a:latin typeface="Cambria Math" panose="02040503050406030204" pitchFamily="18" charset="0"/>
                                   <a:ea typeface="Cambria Math" panose="02040503050406030204" pitchFamily="18" charset="0"/>
                                 </a:rPr>
@@ -5036,7 +8528,7 @@
                               <m:sSub>
                                 <m:sSubPr>
                                   <m:ctrlPr>
-                                    <a:rPr lang="en-US" altLang="ja-JP" b="0" i="1" smtClean="0">
+                                    <a:rPr lang="en-US" altLang="ja-JP" i="1">
                                       <a:latin typeface="Cambria Math" panose="02040503050406030204" pitchFamily="18" charset="0"/>
                                       <a:ea typeface="Cambria Math" panose="02040503050406030204" pitchFamily="18" charset="0"/>
                                     </a:rPr>
@@ -5044,7 +8536,35 @@
                                 </m:sSubPr>
                                 <m:e>
                                   <m:r>
-                                    <a:rPr lang="en-US" altLang="ja-JP" b="0" i="1" smtClean="0">
+                                    <a:rPr lang="en-US" altLang="ja-JP" i="1">
+                                      <a:latin typeface="Cambria Math" panose="02040503050406030204" pitchFamily="18" charset="0"/>
+                                      <a:ea typeface="Cambria Math" panose="02040503050406030204" pitchFamily="18" charset="0"/>
+                                    </a:rPr>
+                                    <m:t>𝜋</m:t>
+                                  </m:r>
+                                </m:e>
+                                <m:sub>
+                                  <m:r>
+                                    <a:rPr lang="en-US" altLang="ja-JP" i="1">
+                                      <a:latin typeface="Cambria Math" panose="02040503050406030204" pitchFamily="18" charset="0"/>
+                                      <a:ea typeface="Cambria Math" panose="02040503050406030204" pitchFamily="18" charset="0"/>
+                                    </a:rPr>
+                                    <m:t>𝑟</m:t>
+                                  </m:r>
+                                </m:sub>
+                              </m:sSub>
+                              <m:sSub>
+                                <m:sSubPr>
+                                  <m:ctrlPr>
+                                    <a:rPr lang="en-US" altLang="ja-JP" i="1">
+                                      <a:latin typeface="Cambria Math" panose="02040503050406030204" pitchFamily="18" charset="0"/>
+                                      <a:ea typeface="Cambria Math" panose="02040503050406030204" pitchFamily="18" charset="0"/>
+                                    </a:rPr>
+                                  </m:ctrlPr>
+                                </m:sSubPr>
+                                <m:e>
+                                  <m:r>
+                                    <a:rPr lang="en-US" altLang="ja-JP" i="1">
                                       <a:latin typeface="Cambria Math" panose="02040503050406030204" pitchFamily="18" charset="0"/>
                                       <a:ea typeface="Cambria Math" panose="02040503050406030204" pitchFamily="18" charset="0"/>
                                     </a:rPr>
@@ -5053,11 +8573,11 @@
                                 </m:e>
                                 <m:sub>
                                   <m:r>
-                                    <a:rPr lang="en-US" altLang="ja-JP" b="0" i="1" smtClean="0">
+                                    <a:rPr lang="en-US" altLang="ja-JP" i="1">
                                       <a:latin typeface="Cambria Math" panose="02040503050406030204" pitchFamily="18" charset="0"/>
                                       <a:ea typeface="Cambria Math" panose="02040503050406030204" pitchFamily="18" charset="0"/>
                                     </a:rPr>
-                                    <m:t>𝑡</m:t>
+                                    <m:t>𝑟𝑡</m:t>
                                   </m:r>
                                 </m:sub>
                               </m:sSub>
@@ -5088,11 +8608,11 @@
                                 </m:e>
                                 <m:sub>
                                   <m:r>
-                                    <a:rPr lang="en-US" altLang="ja-JP" i="1">
+                                    <a:rPr lang="en-US" altLang="ja-JP" b="0" i="1" smtClean="0">
                                       <a:latin typeface="Cambria Math" panose="02040503050406030204" pitchFamily="18" charset="0"/>
                                       <a:ea typeface="Cambria Math" panose="02040503050406030204" pitchFamily="18" charset="0"/>
                                     </a:rPr>
-                                    <m:t>𝑘</m:t>
+                                    <m:t>𝑚</m:t>
                                   </m:r>
                                 </m:sub>
                               </m:sSub>
@@ -5110,16 +8630,41 @@
                           <m:nary>
                             <m:naryPr>
                               <m:chr m:val="∑"/>
-                              <m:subHide m:val="on"/>
-                              <m:supHide m:val="on"/>
                               <m:ctrlPr>
-                                <a:rPr lang="en-US" altLang="ja-JP" i="1">
+                                <a:rPr lang="en-US" altLang="ja-JP" i="1" smtClean="0">
                                   <a:latin typeface="Cambria Math" panose="02040503050406030204" pitchFamily="18" charset="0"/>
+                                  <a:ea typeface="Cambria Math" panose="02040503050406030204" pitchFamily="18" charset="0"/>
                                 </a:rPr>
                               </m:ctrlPr>
                             </m:naryPr>
-                            <m:sub/>
-                            <m:sup/>
+                            <m:sub>
+                              <m:r>
+                                <m:rPr>
+                                  <m:brk m:alnAt="23"/>
+                                </m:rPr>
+                                <a:rPr lang="en-US" altLang="ja-JP" b="0" i="1" smtClean="0">
+                                  <a:latin typeface="Cambria Math" panose="02040503050406030204" pitchFamily="18" charset="0"/>
+                                  <a:ea typeface="Cambria Math" panose="02040503050406030204" pitchFamily="18" charset="0"/>
+                                </a:rPr>
+                                <m:t>𝑙</m:t>
+                              </m:r>
+                              <m:r>
+                                <a:rPr lang="en-US" altLang="ja-JP" b="0" i="1" smtClean="0">
+                                  <a:latin typeface="Cambria Math" panose="02040503050406030204" pitchFamily="18" charset="0"/>
+                                  <a:ea typeface="Cambria Math" panose="02040503050406030204" pitchFamily="18" charset="0"/>
+                                </a:rPr>
+                                <m:t>=1</m:t>
+                              </m:r>
+                            </m:sub>
+                            <m:sup>
+                              <m:r>
+                                <a:rPr lang="en-US" altLang="ja-JP" b="0" i="1" smtClean="0">
+                                  <a:latin typeface="Cambria Math" panose="02040503050406030204" pitchFamily="18" charset="0"/>
+                                  <a:ea typeface="Cambria Math" panose="02040503050406030204" pitchFamily="18" charset="0"/>
+                                </a:rPr>
+                                <m:t>𝐾</m:t>
+                              </m:r>
+                            </m:sup>
                             <m:e>
                               <m:r>
                                 <m:rPr>
@@ -5133,24 +8678,38 @@
                               <m:nary>
                                 <m:naryPr>
                                   <m:chr m:val="∑"/>
-                                  <m:subHide m:val="on"/>
-                                  <m:supHide m:val="on"/>
                                   <m:ctrlPr>
                                     <a:rPr lang="en-US" altLang="ja-JP" i="1">
                                       <a:latin typeface="Cambria Math" panose="02040503050406030204" pitchFamily="18" charset="0"/>
                                     </a:rPr>
                                   </m:ctrlPr>
                                 </m:naryPr>
-                                <m:sub/>
-                                <m:sup/>
+                                <m:sub>
+                                  <m:r>
+                                    <m:rPr>
+                                      <m:brk m:alnAt="23"/>
+                                    </m:rPr>
+                                    <a:rPr lang="en-US" altLang="ja-JP" i="1">
+                                      <a:latin typeface="Cambria Math" panose="02040503050406030204" pitchFamily="18" charset="0"/>
+                                    </a:rPr>
+                                    <m:t>𝑚</m:t>
+                                  </m:r>
+                                  <m:r>
+                                    <a:rPr lang="en-US" altLang="ja-JP" i="1">
+                                      <a:latin typeface="Cambria Math" panose="02040503050406030204" pitchFamily="18" charset="0"/>
+                                    </a:rPr>
+                                    <m:t>=1</m:t>
+                                  </m:r>
+                                </m:sub>
+                                <m:sup>
+                                  <m:r>
+                                    <a:rPr lang="en-US" altLang="ja-JP" b="0" i="1" smtClean="0">
+                                      <a:latin typeface="Cambria Math" panose="02040503050406030204" pitchFamily="18" charset="0"/>
+                                    </a:rPr>
+                                    <m:t>𝑙</m:t>
+                                  </m:r>
+                                </m:sup>
                                 <m:e>
-                                  <m:r>
-                                    <a:rPr lang="en-US" altLang="ja-JP" i="1" smtClean="0">
-                                      <a:latin typeface="Cambria Math" panose="02040503050406030204" pitchFamily="18" charset="0"/>
-                                      <a:ea typeface="Cambria Math" panose="02040503050406030204" pitchFamily="18" charset="0"/>
-                                    </a:rPr>
-                                    <m:t> </m:t>
-                                  </m:r>
                                   <m:r>
                                     <a:rPr lang="en-US" altLang="ja-JP" i="1">
                                       <a:latin typeface="Cambria Math" panose="02040503050406030204" pitchFamily="18" charset="0"/>
@@ -5161,7 +8720,7 @@
                                   <m:sSub>
                                     <m:sSubPr>
                                       <m:ctrlPr>
-                                        <a:rPr lang="en-US" altLang="ja-JP" i="1" smtClean="0">
+                                        <a:rPr lang="en-US" altLang="ja-JP" i="1">
                                           <a:latin typeface="Cambria Math" panose="02040503050406030204" pitchFamily="18" charset="0"/>
                                           <a:ea typeface="Cambria Math" panose="02040503050406030204" pitchFamily="18" charset="0"/>
                                         </a:rPr>
@@ -5213,660 +8772,11 @@
                                     </m:e>
                                     <m:sub>
                                       <m:r>
-                                        <a:rPr lang="en-US" altLang="ja-JP" b="0" i="1" smtClean="0">
+                                        <a:rPr lang="en-US" altLang="ja-JP" i="1">
                                           <a:latin typeface="Cambria Math" panose="02040503050406030204" pitchFamily="18" charset="0"/>
                                           <a:ea typeface="Cambria Math" panose="02040503050406030204" pitchFamily="18" charset="0"/>
                                         </a:rPr>
                                         <m:t>𝑖</m:t>
-                                      </m:r>
-                                    </m:sub>
-                                  </m:sSub>
-                                  <m:r>
-                                    <a:rPr lang="en-US" altLang="ja-JP" b="0" i="1" smtClean="0">
-                                      <a:latin typeface="Cambria Math" panose="02040503050406030204" pitchFamily="18" charset="0"/>
-                                      <a:ea typeface="Cambria Math" panose="02040503050406030204" pitchFamily="18" charset="0"/>
-                                    </a:rPr>
-                                    <m:t>−</m:t>
-                                  </m:r>
-                                  <m:sSub>
-                                    <m:sSubPr>
-                                      <m:ctrlPr>
-                                        <a:rPr lang="en-US" altLang="ja-JP" b="0" i="1" smtClean="0">
-                                          <a:latin typeface="Cambria Math" panose="02040503050406030204" pitchFamily="18" charset="0"/>
-                                          <a:ea typeface="Cambria Math" panose="02040503050406030204" pitchFamily="18" charset="0"/>
-                                        </a:rPr>
-                                      </m:ctrlPr>
-                                    </m:sSubPr>
-                                    <m:e>
-                                      <m:r>
-                                        <a:rPr lang="en-US" altLang="ja-JP" b="0" i="1" smtClean="0">
-                                          <a:latin typeface="Cambria Math" panose="02040503050406030204" pitchFamily="18" charset="0"/>
-                                          <a:ea typeface="Cambria Math" panose="02040503050406030204" pitchFamily="18" charset="0"/>
-                                        </a:rPr>
-                                        <m:t>𝛽</m:t>
-                                      </m:r>
-                                    </m:e>
-                                    <m:sub>
-                                      <m:r>
-                                        <a:rPr lang="en-US" altLang="ja-JP" b="0" i="1" smtClean="0">
-                                          <a:latin typeface="Cambria Math" panose="02040503050406030204" pitchFamily="18" charset="0"/>
-                                          <a:ea typeface="Cambria Math" panose="02040503050406030204" pitchFamily="18" charset="0"/>
-                                        </a:rPr>
-                                        <m:t>𝑟</m:t>
-                                      </m:r>
-                                    </m:sub>
-                                  </m:sSub>
-                                  <m:r>
-                                    <a:rPr lang="en-US" altLang="ja-JP" b="0" i="1" smtClean="0">
-                                      <a:latin typeface="Cambria Math" panose="02040503050406030204" pitchFamily="18" charset="0"/>
-                                      <a:ea typeface="Cambria Math" panose="02040503050406030204" pitchFamily="18" charset="0"/>
-                                    </a:rPr>
-                                    <m:t>−</m:t>
-                                  </m:r>
-                                  <m:sSub>
-                                    <m:sSubPr>
-                                      <m:ctrlPr>
-                                        <a:rPr lang="en-US" altLang="ja-JP" b="0" i="1" smtClean="0">
-                                          <a:latin typeface="Cambria Math" panose="02040503050406030204" pitchFamily="18" charset="0"/>
-                                          <a:ea typeface="Cambria Math" panose="02040503050406030204" pitchFamily="18" charset="0"/>
-                                        </a:rPr>
-                                      </m:ctrlPr>
-                                    </m:sSubPr>
-                                    <m:e>
-                                      <m:r>
-                                        <a:rPr lang="en-US" altLang="ja-JP" b="0" i="1" smtClean="0">
-                                          <a:latin typeface="Cambria Math" panose="02040503050406030204" pitchFamily="18" charset="0"/>
-                                          <a:ea typeface="Cambria Math" panose="02040503050406030204" pitchFamily="18" charset="0"/>
-                                        </a:rPr>
-                                        <m:t>𝛽</m:t>
-                                      </m:r>
-                                    </m:e>
-                                    <m:sub>
-                                      <m:r>
-                                        <a:rPr lang="en-US" altLang="ja-JP" b="0" i="1" smtClean="0">
-                                          <a:latin typeface="Cambria Math" panose="02040503050406030204" pitchFamily="18" charset="0"/>
-                                          <a:ea typeface="Cambria Math" panose="02040503050406030204" pitchFamily="18" charset="0"/>
-                                        </a:rPr>
-                                        <m:t>𝑡</m:t>
-                                      </m:r>
-                                    </m:sub>
-                                  </m:sSub>
-                                  <m:r>
-                                    <a:rPr lang="en-US" altLang="ja-JP" i="1">
-                                      <a:latin typeface="Cambria Math" panose="02040503050406030204" pitchFamily="18" charset="0"/>
-                                      <a:ea typeface="Cambria Math" panose="02040503050406030204" pitchFamily="18" charset="0"/>
-                                    </a:rPr>
-                                    <m:t>−</m:t>
-                                  </m:r>
-                                  <m:sSub>
-                                    <m:sSubPr>
-                                      <m:ctrlPr>
-                                        <a:rPr lang="en-US" altLang="ja-JP" i="1">
-                                          <a:latin typeface="Cambria Math" panose="02040503050406030204" pitchFamily="18" charset="0"/>
-                                          <a:ea typeface="Cambria Math" panose="02040503050406030204" pitchFamily="18" charset="0"/>
-                                        </a:rPr>
-                                      </m:ctrlPr>
-                                    </m:sSubPr>
-                                    <m:e>
-                                      <m:r>
-                                        <a:rPr lang="en-US" altLang="ja-JP" i="1">
-                                          <a:latin typeface="Cambria Math" panose="02040503050406030204" pitchFamily="18" charset="0"/>
-                                          <a:ea typeface="Cambria Math" panose="02040503050406030204" pitchFamily="18" charset="0"/>
-                                        </a:rPr>
-                                        <m:t>𝑑</m:t>
-                                      </m:r>
-                                    </m:e>
-                                    <m:sub>
-                                      <m:r>
-                                        <a:rPr lang="en-US" altLang="ja-JP" i="1">
-                                          <a:latin typeface="Cambria Math" panose="02040503050406030204" pitchFamily="18" charset="0"/>
-                                          <a:ea typeface="Cambria Math" panose="02040503050406030204" pitchFamily="18" charset="0"/>
-                                        </a:rPr>
-                                        <m:t>𝑘</m:t>
-                                      </m:r>
-                                    </m:sub>
-                                  </m:sSub>
-                                  <m:r>
-                                    <a:rPr lang="en-US" altLang="ja-JP" i="1">
-                                      <a:latin typeface="Cambria Math" panose="02040503050406030204" pitchFamily="18" charset="0"/>
-                                      <a:ea typeface="Cambria Math" panose="02040503050406030204" pitchFamily="18" charset="0"/>
-                                    </a:rPr>
-                                    <m:t>)</m:t>
-                                  </m:r>
-                                </m:e>
-                              </m:nary>
-                            </m:e>
-                          </m:nary>
-                        </m:den>
-                      </m:f>
-                    </m:oMath>
-                  </m:oMathPara>
-                </a14:m>
-                <a:endParaRPr kumimoji="1" lang="ja-JP" altLang="en-US"/>
-              </a:p>
-            </p:txBody>
-          </p:sp>
-        </mc:Choice>
-        <mc:Fallback>
-          <p:sp>
-            <p:nvSpPr>
-              <p:cNvPr id="3" name="コンテンツ プレースホルダー 2">
-                <a:extLst>
-                  <a:ext uri="{FF2B5EF4-FFF2-40B4-BE49-F238E27FC236}">
-                    <a16:creationId xmlns:a16="http://schemas.microsoft.com/office/drawing/2014/main" id="{938E151A-72D2-4248-9014-7F619D3898DD}"/>
-                  </a:ext>
-                </a:extLst>
-              </p:cNvPr>
-              <p:cNvSpPr>
-                <a:spLocks noGrp="1" noRot="1" noChangeAspect="1" noMove="1" noResize="1" noEditPoints="1" noAdjustHandles="1" noChangeArrowheads="1" noChangeShapeType="1" noTextEdit="1"/>
-              </p:cNvSpPr>
-              <p:nvPr>
-                <p:ph idx="1"/>
-              </p:nvPr>
-            </p:nvSpPr>
-            <p:spPr>
-              <a:blipFill>
-                <a:blip r:embed="rId2"/>
-                <a:stretch>
-                  <a:fillRect l="-1206" t="-2326"/>
-                </a:stretch>
-              </a:blipFill>
-            </p:spPr>
-            <p:txBody>
-              <a:bodyPr/>
-              <a:lstStyle/>
-              <a:p>
-                <a:r>
-                  <a:rPr lang="ja-JP" altLang="en-US">
-                    <a:noFill/>
-                  </a:rPr>
-                  <a:t> </a:t>
-                </a:r>
-              </a:p>
-            </p:txBody>
-          </p:sp>
-        </mc:Fallback>
-      </mc:AlternateContent>
-    </p:spTree>
-    <p:extLst>
-      <p:ext uri="{BB962C8B-B14F-4D97-AF65-F5344CB8AC3E}">
-        <p14:creationId xmlns:p14="http://schemas.microsoft.com/office/powerpoint/2010/main" val="2994741032"/>
-      </p:ext>
-    </p:extLst>
-  </p:cSld>
-  <p:clrMapOvr>
-    <a:masterClrMapping/>
-  </p:clrMapOvr>
-</p:sld>
-</file>
-
-<file path=ppt/slides/slide5.xml><?xml version="1.0" encoding="utf-8"?>
-<p:sld xmlns:a="http://schemas.openxmlformats.org/drawingml/2006/main" xmlns:r="http://schemas.openxmlformats.org/officeDocument/2006/relationships" xmlns:p="http://schemas.openxmlformats.org/presentationml/2006/main">
-  <p:cSld>
-    <p:spTree>
-      <p:nvGrpSpPr>
-        <p:cNvPr id="1" name=""/>
-        <p:cNvGrpSpPr/>
-        <p:nvPr/>
-      </p:nvGrpSpPr>
-      <p:grpSpPr>
-        <a:xfrm>
-          <a:off x="0" y="0"/>
-          <a:ext cx="0" cy="0"/>
-          <a:chOff x="0" y="0"/>
-          <a:chExt cx="0" cy="0"/>
-        </a:xfrm>
-      </p:grpSpPr>
-      <p:sp>
-        <p:nvSpPr>
-          <p:cNvPr id="2" name="タイトル 1">
-            <a:extLst>
-              <a:ext uri="{FF2B5EF4-FFF2-40B4-BE49-F238E27FC236}">
-                <a16:creationId xmlns:a16="http://schemas.microsoft.com/office/drawing/2014/main" id="{4BBB86CA-CBB4-5B4B-B859-D5F8D220B93C}"/>
-              </a:ext>
-            </a:extLst>
-          </p:cNvPr>
-          <p:cNvSpPr>
-            <a:spLocks noGrp="1"/>
-          </p:cNvSpPr>
-          <p:nvPr>
-            <p:ph type="title"/>
-          </p:nvPr>
-        </p:nvSpPr>
-        <p:spPr/>
-        <p:txBody>
-          <a:bodyPr/>
-          <a:lstStyle/>
-          <a:p>
-            <a:r>
-              <a:rPr kumimoji="1" lang="ja-JP" altLang="en-US"/>
-              <a:t>項目反応理論</a:t>
-            </a:r>
-          </a:p>
-        </p:txBody>
-      </p:sp>
-      <mc:AlternateContent xmlns:mc="http://schemas.openxmlformats.org/markup-compatibility/2006">
-        <mc:Choice xmlns:a14="http://schemas.microsoft.com/office/drawing/2010/main" Requires="a14">
-          <p:sp>
-            <p:nvSpPr>
-              <p:cNvPr id="3" name="コンテンツ プレースホルダー 2">
-                <a:extLst>
-                  <a:ext uri="{FF2B5EF4-FFF2-40B4-BE49-F238E27FC236}">
-                    <a16:creationId xmlns:a16="http://schemas.microsoft.com/office/drawing/2014/main" id="{E7724FD9-0B05-6F49-BB42-AE4C88C29624}"/>
-                  </a:ext>
-                </a:extLst>
-              </p:cNvPr>
-              <p:cNvSpPr>
-                <a:spLocks noGrp="1"/>
-              </p:cNvSpPr>
-              <p:nvPr>
-                <p:ph idx="1"/>
-              </p:nvPr>
-            </p:nvSpPr>
-            <p:spPr/>
-            <p:txBody>
-              <a:bodyPr/>
-              <a:lstStyle/>
-              <a:p>
-                <a:pPr marL="0" indent="0">
-                  <a:buNone/>
-                </a:pPr>
-                <a:r>
-                  <a:rPr lang="ja-JP" altLang="en-US">
-                    <a:latin typeface="Cambria Math" panose="02040503050406030204" pitchFamily="18" charset="0"/>
-                  </a:rPr>
-                  <a:t>評価者ドリフトを考慮</a:t>
-                </a:r>
-                <a:endParaRPr lang="en-US" altLang="ja-JP" dirty="0">
-                  <a:latin typeface="Cambria Math" panose="02040503050406030204" pitchFamily="18" charset="0"/>
-                </a:endParaRPr>
-              </a:p>
-              <a:p>
-                <a:pPr marL="0" indent="0">
-                  <a:buNone/>
-                </a:pPr>
-                <a:endParaRPr lang="en-US" altLang="ja-JP" i="1" dirty="0">
-                  <a:latin typeface="Cambria Math" panose="02040503050406030204" pitchFamily="18" charset="0"/>
-                </a:endParaRPr>
-              </a:p>
-              <a:p>
-                <a:pPr marL="0" indent="0">
-                  <a:buNone/>
-                </a:pPr>
-                <a:endParaRPr lang="en-US" altLang="ja-JP" i="1" dirty="0">
-                  <a:latin typeface="Cambria Math" panose="02040503050406030204" pitchFamily="18" charset="0"/>
-                </a:endParaRPr>
-              </a:p>
-              <a:p>
-                <a:pPr marL="0" indent="0">
-                  <a:buNone/>
-                </a:pPr>
-                <a14:m>
-                  <m:oMathPara xmlns:m="http://schemas.openxmlformats.org/officeDocument/2006/math">
-                    <m:oMathParaPr>
-                      <m:jc m:val="centerGroup"/>
-                    </m:oMathParaPr>
-                    <m:oMath xmlns:m="http://schemas.openxmlformats.org/officeDocument/2006/math">
-                      <m:sSub>
-                        <m:sSubPr>
-                          <m:ctrlPr>
-                            <a:rPr lang="en-US" altLang="ja-JP" i="1" smtClean="0">
-                              <a:latin typeface="Cambria Math" panose="02040503050406030204" pitchFamily="18" charset="0"/>
-                            </a:rPr>
-                          </m:ctrlPr>
-                        </m:sSubPr>
-                        <m:e>
-                          <m:r>
-                            <a:rPr lang="en-US" altLang="ja-JP" i="1">
-                              <a:latin typeface="Cambria Math" panose="02040503050406030204" pitchFamily="18" charset="0"/>
-                            </a:rPr>
-                            <m:t>𝑃</m:t>
-                          </m:r>
-                        </m:e>
-                        <m:sub>
-                          <m:r>
-                            <a:rPr lang="en-US" altLang="ja-JP" i="1">
-                              <a:latin typeface="Cambria Math" panose="02040503050406030204" pitchFamily="18" charset="0"/>
-                            </a:rPr>
-                            <m:t>𝑗𝑟𝑡𝑘</m:t>
-                          </m:r>
-                        </m:sub>
-                      </m:sSub>
-                      <m:r>
-                        <a:rPr lang="en-US" altLang="ja-JP" i="1">
-                          <a:latin typeface="Cambria Math" panose="02040503050406030204" pitchFamily="18" charset="0"/>
-                        </a:rPr>
-                        <m:t>=</m:t>
-                      </m:r>
-                      <m:f>
-                        <m:fPr>
-                          <m:ctrlPr>
-                            <a:rPr lang="en-US" altLang="ja-JP" i="1">
-                              <a:latin typeface="Cambria Math" panose="02040503050406030204" pitchFamily="18" charset="0"/>
-                            </a:rPr>
-                          </m:ctrlPr>
-                        </m:fPr>
-                        <m:num>
-                          <m:r>
-                            <m:rPr>
-                              <m:nor/>
-                            </m:rPr>
-                            <a:rPr lang="en-US" altLang="ja-JP">
-                              <a:latin typeface="Cambria Math" panose="02040503050406030204" pitchFamily="18" charset="0"/>
-                            </a:rPr>
-                            <m:t>exp</m:t>
-                          </m:r>
-                          <m:nary>
-                            <m:naryPr>
-                              <m:chr m:val="∑"/>
-                              <m:subHide m:val="on"/>
-                              <m:supHide m:val="on"/>
-                              <m:ctrlPr>
-                                <a:rPr lang="en-US" altLang="ja-JP" i="1">
-                                  <a:latin typeface="Cambria Math" panose="02040503050406030204" pitchFamily="18" charset="0"/>
-                                </a:rPr>
-                              </m:ctrlPr>
-                            </m:naryPr>
-                            <m:sub/>
-                            <m:sup/>
-                            <m:e>
-                              <m:r>
-                                <a:rPr lang="en-US" altLang="ja-JP" i="1" smtClean="0">
-                                  <a:latin typeface="Cambria Math" panose="02040503050406030204" pitchFamily="18" charset="0"/>
-                                  <a:ea typeface="Cambria Math" panose="02040503050406030204" pitchFamily="18" charset="0"/>
-                                </a:rPr>
-                                <m:t> </m:t>
-                              </m:r>
-                              <m:r>
-                                <a:rPr lang="en-US" altLang="ja-JP" i="1">
-                                  <a:latin typeface="Cambria Math" panose="02040503050406030204" pitchFamily="18" charset="0"/>
-                                  <a:ea typeface="Cambria Math" panose="02040503050406030204" pitchFamily="18" charset="0"/>
-                                </a:rPr>
-                                <m:t>(</m:t>
-                              </m:r>
-                              <m:sSub>
-                                <m:sSubPr>
-                                  <m:ctrlPr>
-                                    <a:rPr lang="en-US" altLang="ja-JP" i="1">
-                                      <a:latin typeface="Cambria Math" panose="02040503050406030204" pitchFamily="18" charset="0"/>
-                                      <a:ea typeface="Cambria Math" panose="02040503050406030204" pitchFamily="18" charset="0"/>
-                                    </a:rPr>
-                                  </m:ctrlPr>
-                                </m:sSubPr>
-                                <m:e>
-                                  <m:r>
-                                    <a:rPr lang="en-US" altLang="ja-JP" i="1">
-                                      <a:latin typeface="Cambria Math" panose="02040503050406030204" pitchFamily="18" charset="0"/>
-                                      <a:ea typeface="Cambria Math" panose="02040503050406030204" pitchFamily="18" charset="0"/>
-                                    </a:rPr>
-                                    <m:t>𝜃</m:t>
-                                  </m:r>
-                                </m:e>
-                                <m:sub>
-                                  <m:r>
-                                    <a:rPr lang="en-US" altLang="ja-JP" i="1">
-                                      <a:latin typeface="Cambria Math" panose="02040503050406030204" pitchFamily="18" charset="0"/>
-                                      <a:ea typeface="Cambria Math" panose="02040503050406030204" pitchFamily="18" charset="0"/>
-                                    </a:rPr>
-                                    <m:t>𝑗</m:t>
-                                  </m:r>
-                                </m:sub>
-                              </m:sSub>
-                              <m:r>
-                                <a:rPr lang="en-US" altLang="ja-JP" i="1">
-                                  <a:latin typeface="Cambria Math" panose="02040503050406030204" pitchFamily="18" charset="0"/>
-                                  <a:ea typeface="Cambria Math" panose="02040503050406030204" pitchFamily="18" charset="0"/>
-                                </a:rPr>
-                                <m:t>−</m:t>
-                              </m:r>
-                              <m:sSub>
-                                <m:sSubPr>
-                                  <m:ctrlPr>
-                                    <a:rPr lang="en-US" altLang="ja-JP" i="1">
-                                      <a:latin typeface="Cambria Math" panose="02040503050406030204" pitchFamily="18" charset="0"/>
-                                      <a:ea typeface="Cambria Math" panose="02040503050406030204" pitchFamily="18" charset="0"/>
-                                    </a:rPr>
-                                  </m:ctrlPr>
-                                </m:sSubPr>
-                                <m:e>
-                                  <m:r>
-                                    <a:rPr lang="en-US" altLang="ja-JP" i="1">
-                                      <a:latin typeface="Cambria Math" panose="02040503050406030204" pitchFamily="18" charset="0"/>
-                                      <a:ea typeface="Cambria Math" panose="02040503050406030204" pitchFamily="18" charset="0"/>
-                                    </a:rPr>
-                                    <m:t>𝛽</m:t>
-                                  </m:r>
-                                </m:e>
-                                <m:sub>
-                                  <m:r>
-                                    <a:rPr lang="en-US" altLang="ja-JP" b="0" i="1" smtClean="0">
-                                      <a:latin typeface="Cambria Math" panose="02040503050406030204" pitchFamily="18" charset="0"/>
-                                      <a:ea typeface="Cambria Math" panose="02040503050406030204" pitchFamily="18" charset="0"/>
-                                    </a:rPr>
-                                    <m:t>𝑖</m:t>
-                                  </m:r>
-                                </m:sub>
-                              </m:sSub>
-                              <m:r>
-                                <a:rPr lang="en-US" altLang="ja-JP" b="0" i="1" smtClean="0">
-                                  <a:latin typeface="Cambria Math" panose="02040503050406030204" pitchFamily="18" charset="0"/>
-                                  <a:ea typeface="Cambria Math" panose="02040503050406030204" pitchFamily="18" charset="0"/>
-                                </a:rPr>
-                                <m:t>−</m:t>
-                              </m:r>
-                              <m:sSub>
-                                <m:sSubPr>
-                                  <m:ctrlPr>
-                                    <a:rPr lang="en-US" altLang="ja-JP" b="0" i="1" smtClean="0">
-                                      <a:latin typeface="Cambria Math" panose="02040503050406030204" pitchFamily="18" charset="0"/>
-                                      <a:ea typeface="Cambria Math" panose="02040503050406030204" pitchFamily="18" charset="0"/>
-                                    </a:rPr>
-                                  </m:ctrlPr>
-                                </m:sSubPr>
-                                <m:e>
-                                  <m:r>
-                                    <a:rPr lang="en-US" altLang="ja-JP" b="0" i="1" smtClean="0">
-                                      <a:latin typeface="Cambria Math" panose="02040503050406030204" pitchFamily="18" charset="0"/>
-                                      <a:ea typeface="Cambria Math" panose="02040503050406030204" pitchFamily="18" charset="0"/>
-                                    </a:rPr>
-                                    <m:t>𝛽</m:t>
-                                  </m:r>
-                                </m:e>
-                                <m:sub>
-                                  <m:r>
-                                    <a:rPr lang="en-US" altLang="ja-JP" b="0" i="1" smtClean="0">
-                                      <a:latin typeface="Cambria Math" panose="02040503050406030204" pitchFamily="18" charset="0"/>
-                                      <a:ea typeface="Cambria Math" panose="02040503050406030204" pitchFamily="18" charset="0"/>
-                                    </a:rPr>
-                                    <m:t>𝑟</m:t>
-                                  </m:r>
-                                </m:sub>
-                              </m:sSub>
-                              <m:r>
-                                <a:rPr lang="en-US" altLang="ja-JP" b="0" i="1" smtClean="0">
-                                  <a:latin typeface="Cambria Math" panose="02040503050406030204" pitchFamily="18" charset="0"/>
-                                  <a:ea typeface="Cambria Math" panose="02040503050406030204" pitchFamily="18" charset="0"/>
-                                </a:rPr>
-                                <m:t>−</m:t>
-                              </m:r>
-                              <m:sSub>
-                                <m:sSubPr>
-                                  <m:ctrlPr>
-                                    <a:rPr lang="en-US" altLang="ja-JP" b="0" i="1" smtClean="0">
-                                      <a:latin typeface="Cambria Math" panose="02040503050406030204" pitchFamily="18" charset="0"/>
-                                      <a:ea typeface="Cambria Math" panose="02040503050406030204" pitchFamily="18" charset="0"/>
-                                    </a:rPr>
-                                  </m:ctrlPr>
-                                </m:sSubPr>
-                                <m:e>
-                                  <m:r>
-                                    <a:rPr lang="en-US" altLang="ja-JP" b="0" i="1" smtClean="0">
-                                      <a:latin typeface="Cambria Math" panose="02040503050406030204" pitchFamily="18" charset="0"/>
-                                      <a:ea typeface="Cambria Math" panose="02040503050406030204" pitchFamily="18" charset="0"/>
-                                    </a:rPr>
-                                    <m:t>𝜋</m:t>
-                                  </m:r>
-                                </m:e>
-                                <m:sub>
-                                  <m:r>
-                                    <a:rPr lang="en-US" altLang="ja-JP" b="0" i="1" smtClean="0">
-                                      <a:latin typeface="Cambria Math" panose="02040503050406030204" pitchFamily="18" charset="0"/>
-                                      <a:ea typeface="Cambria Math" panose="02040503050406030204" pitchFamily="18" charset="0"/>
-                                    </a:rPr>
-                                    <m:t>𝑟</m:t>
-                                  </m:r>
-                                </m:sub>
-                              </m:sSub>
-                              <m:sSub>
-                                <m:sSubPr>
-                                  <m:ctrlPr>
-                                    <a:rPr lang="en-US" altLang="ja-JP" b="0" i="1" smtClean="0">
-                                      <a:latin typeface="Cambria Math" panose="02040503050406030204" pitchFamily="18" charset="0"/>
-                                      <a:ea typeface="Cambria Math" panose="02040503050406030204" pitchFamily="18" charset="0"/>
-                                    </a:rPr>
-                                  </m:ctrlPr>
-                                </m:sSubPr>
-                                <m:e>
-                                  <m:r>
-                                    <a:rPr lang="en-US" altLang="ja-JP" b="0" i="1" smtClean="0">
-                                      <a:latin typeface="Cambria Math" panose="02040503050406030204" pitchFamily="18" charset="0"/>
-                                      <a:ea typeface="Cambria Math" panose="02040503050406030204" pitchFamily="18" charset="0"/>
-                                    </a:rPr>
-                                    <m:t>𝛽</m:t>
-                                  </m:r>
-                                </m:e>
-                                <m:sub>
-                                  <m:r>
-                                    <a:rPr lang="en-US" altLang="ja-JP" b="0" i="1" smtClean="0">
-                                      <a:latin typeface="Cambria Math" panose="02040503050406030204" pitchFamily="18" charset="0"/>
-                                      <a:ea typeface="Cambria Math" panose="02040503050406030204" pitchFamily="18" charset="0"/>
-                                    </a:rPr>
-                                    <m:t>𝑟𝑡</m:t>
-                                  </m:r>
-                                </m:sub>
-                              </m:sSub>
-                              <m:r>
-                                <a:rPr lang="en-US" altLang="ja-JP" i="1">
-                                  <a:latin typeface="Cambria Math" panose="02040503050406030204" pitchFamily="18" charset="0"/>
-                                  <a:ea typeface="Cambria Math" panose="02040503050406030204" pitchFamily="18" charset="0"/>
-                                </a:rPr>
-                                <m:t>−</m:t>
-                              </m:r>
-                              <m:sSub>
-                                <m:sSubPr>
-                                  <m:ctrlPr>
-                                    <a:rPr lang="en-US" altLang="ja-JP" i="1">
-                                      <a:latin typeface="Cambria Math" panose="02040503050406030204" pitchFamily="18" charset="0"/>
-                                      <a:ea typeface="Cambria Math" panose="02040503050406030204" pitchFamily="18" charset="0"/>
-                                    </a:rPr>
-                                  </m:ctrlPr>
-                                </m:sSubPr>
-                                <m:e>
-                                  <m:r>
-                                    <a:rPr lang="en-US" altLang="ja-JP" i="1">
-                                      <a:latin typeface="Cambria Math" panose="02040503050406030204" pitchFamily="18" charset="0"/>
-                                      <a:ea typeface="Cambria Math" panose="02040503050406030204" pitchFamily="18" charset="0"/>
-                                    </a:rPr>
-                                    <m:t>𝑑</m:t>
-                                  </m:r>
-                                </m:e>
-                                <m:sub>
-                                  <m:r>
-                                    <a:rPr lang="en-US" altLang="ja-JP" i="1">
-                                      <a:latin typeface="Cambria Math" panose="02040503050406030204" pitchFamily="18" charset="0"/>
-                                      <a:ea typeface="Cambria Math" panose="02040503050406030204" pitchFamily="18" charset="0"/>
-                                    </a:rPr>
-                                    <m:t>𝑘</m:t>
-                                  </m:r>
-                                </m:sub>
-                              </m:sSub>
-                              <m:r>
-                                <a:rPr lang="en-US" altLang="ja-JP" i="1">
-                                  <a:latin typeface="Cambria Math" panose="02040503050406030204" pitchFamily="18" charset="0"/>
-                                  <a:ea typeface="Cambria Math" panose="02040503050406030204" pitchFamily="18" charset="0"/>
-                                </a:rPr>
-                                <m:t>)</m:t>
-                              </m:r>
-                            </m:e>
-                          </m:nary>
-                        </m:num>
-                        <m:den>
-                          <m:nary>
-                            <m:naryPr>
-                              <m:chr m:val="∑"/>
-                              <m:subHide m:val="on"/>
-                              <m:supHide m:val="on"/>
-                              <m:ctrlPr>
-                                <a:rPr lang="en-US" altLang="ja-JP" i="1">
-                                  <a:latin typeface="Cambria Math" panose="02040503050406030204" pitchFamily="18" charset="0"/>
-                                </a:rPr>
-                              </m:ctrlPr>
-                            </m:naryPr>
-                            <m:sub/>
-                            <m:sup/>
-                            <m:e>
-                              <m:r>
-                                <m:rPr>
-                                  <m:nor/>
-                                </m:rPr>
-                                <a:rPr lang="en-US" altLang="ja-JP">
-                                  <a:latin typeface="Cambria Math" panose="02040503050406030204" pitchFamily="18" charset="0"/>
-                                </a:rPr>
-                                <m:t>exp</m:t>
-                              </m:r>
-                              <m:nary>
-                                <m:naryPr>
-                                  <m:chr m:val="∑"/>
-                                  <m:subHide m:val="on"/>
-                                  <m:supHide m:val="on"/>
-                                  <m:ctrlPr>
-                                    <a:rPr lang="en-US" altLang="ja-JP" i="1">
-                                      <a:latin typeface="Cambria Math" panose="02040503050406030204" pitchFamily="18" charset="0"/>
-                                    </a:rPr>
-                                  </m:ctrlPr>
-                                </m:naryPr>
-                                <m:sub/>
-                                <m:sup/>
-                                <m:e>
-                                  <m:r>
-                                    <a:rPr lang="en-US" altLang="ja-JP" i="1" smtClean="0">
-                                      <a:latin typeface="Cambria Math" panose="02040503050406030204" pitchFamily="18" charset="0"/>
-                                      <a:ea typeface="Cambria Math" panose="02040503050406030204" pitchFamily="18" charset="0"/>
-                                    </a:rPr>
-                                    <m:t> </m:t>
-                                  </m:r>
-                                  <m:r>
-                                    <a:rPr lang="en-US" altLang="ja-JP" i="1">
-                                      <a:latin typeface="Cambria Math" panose="02040503050406030204" pitchFamily="18" charset="0"/>
-                                      <a:ea typeface="Cambria Math" panose="02040503050406030204" pitchFamily="18" charset="0"/>
-                                    </a:rPr>
-                                    <m:t>(</m:t>
-                                  </m:r>
-                                  <m:sSub>
-                                    <m:sSubPr>
-                                      <m:ctrlPr>
-                                        <a:rPr lang="en-US" altLang="ja-JP" i="1" smtClean="0">
-                                          <a:latin typeface="Cambria Math" panose="02040503050406030204" pitchFamily="18" charset="0"/>
-                                          <a:ea typeface="Cambria Math" panose="02040503050406030204" pitchFamily="18" charset="0"/>
-                                        </a:rPr>
-                                      </m:ctrlPr>
-                                    </m:sSubPr>
-                                    <m:e>
-                                      <m:r>
-                                        <a:rPr lang="en-US" altLang="ja-JP" i="1">
-                                          <a:latin typeface="Cambria Math" panose="02040503050406030204" pitchFamily="18" charset="0"/>
-                                          <a:ea typeface="Cambria Math" panose="02040503050406030204" pitchFamily="18" charset="0"/>
-                                        </a:rPr>
-                                        <m:t>𝜃</m:t>
-                                      </m:r>
-                                    </m:e>
-                                    <m:sub>
-                                      <m:r>
-                                        <a:rPr lang="en-US" altLang="ja-JP" i="1">
-                                          <a:latin typeface="Cambria Math" panose="02040503050406030204" pitchFamily="18" charset="0"/>
-                                          <a:ea typeface="Cambria Math" panose="02040503050406030204" pitchFamily="18" charset="0"/>
-                                        </a:rPr>
-                                        <m:t>𝑗</m:t>
                                       </m:r>
                                     </m:sub>
                                   </m:sSub>
@@ -5897,16 +8807,16 @@
                                     </m:e>
                                     <m:sub>
                                       <m:r>
-                                        <a:rPr lang="en-US" altLang="ja-JP" b="0" i="1" smtClean="0">
+                                        <a:rPr lang="en-US" altLang="ja-JP" i="1">
                                           <a:latin typeface="Cambria Math" panose="02040503050406030204" pitchFamily="18" charset="0"/>
                                           <a:ea typeface="Cambria Math" panose="02040503050406030204" pitchFamily="18" charset="0"/>
                                         </a:rPr>
-                                        <m:t>𝑖</m:t>
+                                        <m:t>𝑟</m:t>
                                       </m:r>
                                     </m:sub>
                                   </m:sSub>
                                   <m:r>
-                                    <a:rPr lang="en-US" altLang="ja-JP" b="0" i="1" smtClean="0">
+                                    <a:rPr lang="en-US" altLang="ja-JP" i="1">
                                       <a:latin typeface="Cambria Math" panose="02040503050406030204" pitchFamily="18" charset="0"/>
                                       <a:ea typeface="Cambria Math" panose="02040503050406030204" pitchFamily="18" charset="0"/>
                                     </a:rPr>
@@ -5915,7 +8825,7 @@
                                   <m:sSub>
                                     <m:sSubPr>
                                       <m:ctrlPr>
-                                        <a:rPr lang="en-US" altLang="ja-JP" b="0" i="1" smtClean="0">
+                                        <a:rPr lang="en-US" altLang="ja-JP" i="1">
                                           <a:latin typeface="Cambria Math" panose="02040503050406030204" pitchFamily="18" charset="0"/>
                                           <a:ea typeface="Cambria Math" panose="02040503050406030204" pitchFamily="18" charset="0"/>
                                         </a:rPr>
@@ -5923,42 +8833,7 @@
                                     </m:sSubPr>
                                     <m:e>
                                       <m:r>
-                                        <a:rPr lang="en-US" altLang="ja-JP" b="0" i="1" smtClean="0">
-                                          <a:latin typeface="Cambria Math" panose="02040503050406030204" pitchFamily="18" charset="0"/>
-                                          <a:ea typeface="Cambria Math" panose="02040503050406030204" pitchFamily="18" charset="0"/>
-                                        </a:rPr>
-                                        <m:t>𝛽</m:t>
-                                      </m:r>
-                                    </m:e>
-                                    <m:sub>
-                                      <m:r>
-                                        <a:rPr lang="en-US" altLang="ja-JP" b="0" i="1" smtClean="0">
-                                          <a:latin typeface="Cambria Math" panose="02040503050406030204" pitchFamily="18" charset="0"/>
-                                          <a:ea typeface="Cambria Math" panose="02040503050406030204" pitchFamily="18" charset="0"/>
-                                        </a:rPr>
-                                        <m:t>𝑟</m:t>
-                                      </m:r>
-                                    </m:sub>
-                                  </m:sSub>
-                                  <m:r>
-                                    <a:rPr lang="en-US" altLang="ja-JP" b="0" i="1" smtClean="0">
-                                      <a:latin typeface="Cambria Math" panose="02040503050406030204" pitchFamily="18" charset="0"/>
-                                      <a:ea typeface="Cambria Math" panose="02040503050406030204" pitchFamily="18" charset="0"/>
-                                    </a:rPr>
-                                    <m:t>−</m:t>
-                                  </m:r>
-                                  <m:sSub>
-                                    <m:sSubPr>
-                                      <m:ctrlPr>
-                                        <a:rPr lang="en-US" altLang="ja-JP" b="0" i="1" smtClean="0">
-                                          <a:latin typeface="Cambria Math" panose="02040503050406030204" pitchFamily="18" charset="0"/>
-                                          <a:ea typeface="Cambria Math" panose="02040503050406030204" pitchFamily="18" charset="0"/>
-                                        </a:rPr>
-                                      </m:ctrlPr>
-                                    </m:sSubPr>
-                                    <m:e>
-                                      <m:r>
-                                        <a:rPr lang="en-US" altLang="ja-JP" b="0" i="1" smtClean="0">
+                                        <a:rPr lang="en-US" altLang="ja-JP" i="1">
                                           <a:latin typeface="Cambria Math" panose="02040503050406030204" pitchFamily="18" charset="0"/>
                                           <a:ea typeface="Cambria Math" panose="02040503050406030204" pitchFamily="18" charset="0"/>
                                         </a:rPr>
@@ -5967,7 +8842,7 @@
                                     </m:e>
                                     <m:sub>
                                       <m:r>
-                                        <a:rPr lang="en-US" altLang="ja-JP" b="0" i="1" smtClean="0">
+                                        <a:rPr lang="en-US" altLang="ja-JP" i="1">
                                           <a:latin typeface="Cambria Math" panose="02040503050406030204" pitchFamily="18" charset="0"/>
                                           <a:ea typeface="Cambria Math" panose="02040503050406030204" pitchFamily="18" charset="0"/>
                                         </a:rPr>
@@ -5978,7 +8853,7 @@
                                   <m:sSub>
                                     <m:sSubPr>
                                       <m:ctrlPr>
-                                        <a:rPr lang="en-US" altLang="ja-JP" b="0" i="1" smtClean="0">
+                                        <a:rPr lang="en-US" altLang="ja-JP" i="1">
                                           <a:latin typeface="Cambria Math" panose="02040503050406030204" pitchFamily="18" charset="0"/>
                                           <a:ea typeface="Cambria Math" panose="02040503050406030204" pitchFamily="18" charset="0"/>
                                         </a:rPr>
@@ -5986,7 +8861,7 @@
                                     </m:sSubPr>
                                     <m:e>
                                       <m:r>
-                                        <a:rPr lang="en-US" altLang="ja-JP" b="0" i="1" smtClean="0">
+                                        <a:rPr lang="en-US" altLang="ja-JP" i="1">
                                           <a:latin typeface="Cambria Math" panose="02040503050406030204" pitchFamily="18" charset="0"/>
                                           <a:ea typeface="Cambria Math" panose="02040503050406030204" pitchFamily="18" charset="0"/>
                                         </a:rPr>
@@ -5995,7 +8870,7 @@
                                     </m:e>
                                     <m:sub>
                                       <m:r>
-                                        <a:rPr lang="en-US" altLang="ja-JP" b="0" i="1" smtClean="0">
+                                        <a:rPr lang="en-US" altLang="ja-JP" i="1">
                                           <a:latin typeface="Cambria Math" panose="02040503050406030204" pitchFamily="18" charset="0"/>
                                           <a:ea typeface="Cambria Math" panose="02040503050406030204" pitchFamily="18" charset="0"/>
                                         </a:rPr>
@@ -6034,7 +8909,7 @@
                                           <a:latin typeface="Cambria Math" panose="02040503050406030204" pitchFamily="18" charset="0"/>
                                           <a:ea typeface="Cambria Math" panose="02040503050406030204" pitchFamily="18" charset="0"/>
                                         </a:rPr>
-                                        <m:t>𝑘</m:t>
+                                        <m:t>𝑚</m:t>
                                       </m:r>
                                     </m:sub>
                                   </m:sSub>
@@ -6078,9 +8953,9 @@
             </p:nvSpPr>
             <p:spPr>
               <a:blipFill>
-                <a:blip r:embed="rId2"/>
+                <a:blip r:embed="rId3"/>
                 <a:stretch>
-                  <a:fillRect l="-1206" t="-2326"/>
+                  <a:fillRect l="-1086" t="-2326" b="-2616"/>
                 </a:stretch>
               </a:blipFill>
             </p:spPr>
@@ -6099,6 +8974,256 @@
           </p:sp>
         </mc:Fallback>
       </mc:AlternateContent>
+      <p:sp>
+        <p:nvSpPr>
+          <p:cNvPr id="5" name="四角形吹き出し 4">
+            <a:extLst>
+              <a:ext uri="{FF2B5EF4-FFF2-40B4-BE49-F238E27FC236}">
+                <a16:creationId xmlns:a16="http://schemas.microsoft.com/office/drawing/2014/main" id="{0CE376FE-26C8-9E4A-9FAD-CBF85012963E}"/>
+              </a:ext>
+            </a:extLst>
+          </p:cNvPr>
+          <p:cNvSpPr/>
+          <p:nvPr/>
+        </p:nvSpPr>
+        <p:spPr>
+          <a:xfrm>
+            <a:off x="6491888" y="2344263"/>
+            <a:ext cx="2063857" cy="815936"/>
+          </a:xfrm>
+          <a:prstGeom prst="wedgeRectCallout">
+            <a:avLst>
+              <a:gd name="adj1" fmla="val 12649"/>
+              <a:gd name="adj2" fmla="val 180861"/>
+            </a:avLst>
+          </a:prstGeom>
+        </p:spPr>
+        <p:style>
+          <a:lnRef idx="2">
+            <a:schemeClr val="accent1"/>
+          </a:lnRef>
+          <a:fillRef idx="1">
+            <a:schemeClr val="lt1"/>
+          </a:fillRef>
+          <a:effectRef idx="0">
+            <a:schemeClr val="accent1"/>
+          </a:effectRef>
+          <a:fontRef idx="minor">
+            <a:schemeClr val="dk1"/>
+          </a:fontRef>
+        </p:style>
+        <p:txBody>
+          <a:bodyPr rtlCol="0" anchor="ctr"/>
+          <a:lstStyle/>
+          <a:p>
+            <a:pPr algn="ctr"/>
+            <a:r>
+              <a:rPr kumimoji="1" lang="ja-JP" altLang="en-US"/>
+              <a:t>評価者</a:t>
+            </a:r>
+            <a:r>
+              <a:rPr kumimoji="1" lang="en-US" altLang="ja-JP" dirty="0"/>
+              <a:t>r</a:t>
+            </a:r>
+            <a:r>
+              <a:rPr kumimoji="1" lang="ja-JP" altLang="en-US"/>
+              <a:t>の厳しさの傾き</a:t>
+            </a:r>
+          </a:p>
+        </p:txBody>
+      </p:sp>
+      <p:sp>
+        <p:nvSpPr>
+          <p:cNvPr id="4" name="四角形吹き出し 3">
+            <a:extLst>
+              <a:ext uri="{FF2B5EF4-FFF2-40B4-BE49-F238E27FC236}">
+                <a16:creationId xmlns:a16="http://schemas.microsoft.com/office/drawing/2014/main" id="{8E87FE8E-F4C4-104B-A3C5-14AB89BF93C5}"/>
+              </a:ext>
+            </a:extLst>
+          </p:cNvPr>
+          <p:cNvSpPr/>
+          <p:nvPr/>
+        </p:nvSpPr>
+        <p:spPr>
+          <a:xfrm>
+            <a:off x="5278262" y="3194834"/>
+            <a:ext cx="1937984" cy="666428"/>
+          </a:xfrm>
+          <a:prstGeom prst="wedgeRectCallout">
+            <a:avLst>
+              <a:gd name="adj1" fmla="val 35833"/>
+              <a:gd name="adj2" fmla="val 106159"/>
+            </a:avLst>
+          </a:prstGeom>
+        </p:spPr>
+        <p:style>
+          <a:lnRef idx="2">
+            <a:schemeClr val="accent1"/>
+          </a:lnRef>
+          <a:fillRef idx="1">
+            <a:schemeClr val="lt1"/>
+          </a:fillRef>
+          <a:effectRef idx="0">
+            <a:schemeClr val="accent1"/>
+          </a:effectRef>
+          <a:fontRef idx="minor">
+            <a:schemeClr val="dk1"/>
+          </a:fontRef>
+        </p:style>
+        <p:txBody>
+          <a:bodyPr rtlCol="0" anchor="ctr"/>
+          <a:lstStyle/>
+          <a:p>
+            <a:pPr algn="ctr"/>
+            <a:r>
+              <a:rPr kumimoji="1" lang="ja-JP" altLang="en-US"/>
+              <a:t>評価者</a:t>
+            </a:r>
+            <a:r>
+              <a:rPr kumimoji="1" lang="en-US" altLang="ja-JP" dirty="0"/>
+              <a:t>r</a:t>
+            </a:r>
+            <a:r>
+              <a:rPr lang="ja-JP" altLang="en-US"/>
+              <a:t>の初期の厳しさ</a:t>
+            </a:r>
+            <a:endParaRPr kumimoji="1" lang="ja-JP" altLang="en-US"/>
+          </a:p>
+        </p:txBody>
+      </p:sp>
+      <p:sp>
+        <p:nvSpPr>
+          <p:cNvPr id="7" name="四角形吹き出し 6">
+            <a:extLst>
+              <a:ext uri="{FF2B5EF4-FFF2-40B4-BE49-F238E27FC236}">
+                <a16:creationId xmlns:a16="http://schemas.microsoft.com/office/drawing/2014/main" id="{4E6D9ED9-F84C-D648-AD60-45B2DEE054E0}"/>
+              </a:ext>
+            </a:extLst>
+          </p:cNvPr>
+          <p:cNvSpPr/>
+          <p:nvPr/>
+        </p:nvSpPr>
+        <p:spPr>
+          <a:xfrm>
+            <a:off x="8710342" y="2169200"/>
+            <a:ext cx="1820057" cy="666428"/>
+          </a:xfrm>
+          <a:prstGeom prst="wedgeRectCallout">
+            <a:avLst>
+              <a:gd name="adj1" fmla="val -28014"/>
+              <a:gd name="adj2" fmla="val 260303"/>
+            </a:avLst>
+          </a:prstGeom>
+        </p:spPr>
+        <p:style>
+          <a:lnRef idx="2">
+            <a:schemeClr val="accent1"/>
+          </a:lnRef>
+          <a:fillRef idx="1">
+            <a:schemeClr val="lt1"/>
+          </a:fillRef>
+          <a:effectRef idx="0">
+            <a:schemeClr val="accent1"/>
+          </a:effectRef>
+          <a:fontRef idx="minor">
+            <a:schemeClr val="dk1"/>
+          </a:fontRef>
+        </p:style>
+        <p:txBody>
+          <a:bodyPr rtlCol="0" anchor="ctr"/>
+          <a:lstStyle/>
+          <a:p>
+            <a:pPr algn="ctr"/>
+            <a:r>
+              <a:rPr kumimoji="1" lang="ja-JP" altLang="en-US"/>
+              <a:t>スコア</a:t>
+            </a:r>
+            <a:r>
+              <a:rPr kumimoji="1" lang="en-US" altLang="ja-JP" dirty="0"/>
+              <a:t>k</a:t>
+            </a:r>
+            <a:r>
+              <a:rPr kumimoji="1" lang="ja-JP" altLang="en-US"/>
+              <a:t>を得る</a:t>
+            </a:r>
+            <a:endParaRPr kumimoji="1" lang="en-US" altLang="ja-JP" dirty="0"/>
+          </a:p>
+          <a:p>
+            <a:pPr algn="ctr"/>
+            <a:r>
+              <a:rPr kumimoji="1" lang="ja-JP" altLang="en-US"/>
+              <a:t>難易度</a:t>
+            </a:r>
+          </a:p>
+        </p:txBody>
+      </p:sp>
+      <p:sp>
+        <p:nvSpPr>
+          <p:cNvPr id="6" name="四角形吹き出し 5">
+            <a:extLst>
+              <a:ext uri="{FF2B5EF4-FFF2-40B4-BE49-F238E27FC236}">
+                <a16:creationId xmlns:a16="http://schemas.microsoft.com/office/drawing/2014/main" id="{28D52BBF-0910-C04E-A3E1-D81113CCE708}"/>
+              </a:ext>
+            </a:extLst>
+          </p:cNvPr>
+          <p:cNvSpPr/>
+          <p:nvPr/>
+        </p:nvSpPr>
+        <p:spPr>
+          <a:xfrm>
+            <a:off x="7697489" y="2970565"/>
+            <a:ext cx="2063857" cy="666428"/>
+          </a:xfrm>
+          <a:prstGeom prst="wedgeRectCallout">
+            <a:avLst>
+              <a:gd name="adj1" fmla="val -25848"/>
+              <a:gd name="adj2" fmla="val 142667"/>
+            </a:avLst>
+          </a:prstGeom>
+        </p:spPr>
+        <p:style>
+          <a:lnRef idx="2">
+            <a:schemeClr val="accent1"/>
+          </a:lnRef>
+          <a:fillRef idx="1">
+            <a:schemeClr val="lt1"/>
+          </a:fillRef>
+          <a:effectRef idx="0">
+            <a:schemeClr val="accent1"/>
+          </a:effectRef>
+          <a:fontRef idx="minor">
+            <a:schemeClr val="dk1"/>
+          </a:fontRef>
+        </p:style>
+        <p:txBody>
+          <a:bodyPr rtlCol="0" anchor="ctr"/>
+          <a:lstStyle/>
+          <a:p>
+            <a:pPr algn="ctr"/>
+            <a:r>
+              <a:rPr kumimoji="1" lang="ja-JP" altLang="en-US"/>
+              <a:t>評価者</a:t>
+            </a:r>
+            <a:r>
+              <a:rPr kumimoji="1" lang="en-US" altLang="ja-JP" dirty="0"/>
+              <a:t>r</a:t>
+            </a:r>
+            <a:r>
+              <a:rPr lang="ja-JP" altLang="en-US"/>
+              <a:t>の時刻</a:t>
+            </a:r>
+            <a:r>
+              <a:rPr lang="en-US" altLang="ja-JP" dirty="0"/>
+              <a:t>t</a:t>
+            </a:r>
+            <a:r>
+              <a:rPr lang="ja-JP" altLang="en-US"/>
+              <a:t>における厳しさ</a:t>
+            </a:r>
+            <a:endParaRPr kumimoji="1" lang="ja-JP" altLang="en-US"/>
+          </a:p>
+        </p:txBody>
+      </p:sp>
     </p:spTree>
     <p:extLst>
       <p:ext uri="{BB962C8B-B14F-4D97-AF65-F5344CB8AC3E}">
@@ -6112,7 +9237,7 @@
 </p:sld>
 </file>
 
-<file path=ppt/slides/slide6.xml><?xml version="1.0" encoding="utf-8"?>
+<file path=ppt/slides/slide7.xml><?xml version="1.0" encoding="utf-8"?>
 <p:sld xmlns:a="http://schemas.openxmlformats.org/drawingml/2006/main" xmlns:r="http://schemas.openxmlformats.org/officeDocument/2006/relationships" xmlns:p="http://schemas.openxmlformats.org/presentationml/2006/main">
   <p:cSld>
     <p:spTree>
@@ -6257,21 +9382,42 @@
                           <m:nary>
                             <m:naryPr>
                               <m:chr m:val="∑"/>
-                              <m:subHide m:val="on"/>
-                              <m:supHide m:val="on"/>
                               <m:ctrlPr>
                                 <a:rPr kumimoji="1" lang="en-US" altLang="ja-JP" b="0" i="1" smtClean="0">
                                   <a:latin typeface="Cambria Math" panose="02040503050406030204" pitchFamily="18" charset="0"/>
                                 </a:rPr>
                               </m:ctrlPr>
                             </m:naryPr>
-                            <m:sub/>
-                            <m:sup/>
+                            <m:sub>
+                              <m:r>
+                                <m:rPr>
+                                  <m:brk m:alnAt="23"/>
+                                </m:rPr>
+                                <a:rPr kumimoji="1" lang="en-US" altLang="ja-JP" b="0" i="1" smtClean="0">
+                                  <a:latin typeface="Cambria Math" panose="02040503050406030204" pitchFamily="18" charset="0"/>
+                                </a:rPr>
+                                <m:t>𝑚</m:t>
+                              </m:r>
+                              <m:r>
+                                <a:rPr kumimoji="1" lang="en-US" altLang="ja-JP" b="0" i="1" smtClean="0">
+                                  <a:latin typeface="Cambria Math" panose="02040503050406030204" pitchFamily="18" charset="0"/>
+                                </a:rPr>
+                                <m:t>=1</m:t>
+                              </m:r>
+                            </m:sub>
+                            <m:sup>
+                              <m:r>
+                                <a:rPr kumimoji="1" lang="en-US" altLang="ja-JP" b="0" i="1" smtClean="0">
+                                  <a:latin typeface="Cambria Math" panose="02040503050406030204" pitchFamily="18" charset="0"/>
+                                </a:rPr>
+                                <m:t>𝐾</m:t>
+                              </m:r>
+                            </m:sup>
                             <m:e>
                               <m:sSub>
                                 <m:sSubPr>
                                   <m:ctrlPr>
-                                    <a:rPr kumimoji="1" lang="en-US" altLang="ja-JP" b="0" i="1" smtClean="0">
+                                    <a:rPr lang="en-US" altLang="ja-JP" i="1">
                                       <a:latin typeface="Cambria Math" panose="02040503050406030204" pitchFamily="18" charset="0"/>
                                       <a:ea typeface="Cambria Math" panose="02040503050406030204" pitchFamily="18" charset="0"/>
                                     </a:rPr>
@@ -6279,7 +9425,7 @@
                                 </m:sSubPr>
                                 <m:e>
                                   <m:r>
-                                    <a:rPr kumimoji="1" lang="en-US" altLang="ja-JP" b="0" i="1" smtClean="0">
+                                    <a:rPr lang="en-US" altLang="ja-JP" i="1">
                                       <a:latin typeface="Cambria Math" panose="02040503050406030204" pitchFamily="18" charset="0"/>
                                       <a:ea typeface="Cambria Math" panose="02040503050406030204" pitchFamily="18" charset="0"/>
                                     </a:rPr>
@@ -6288,7 +9434,7 @@
                                 </m:e>
                                 <m:sub>
                                   <m:r>
-                                    <a:rPr kumimoji="1" lang="en-US" altLang="ja-JP" b="0" i="1" smtClean="0">
+                                    <a:rPr lang="en-US" altLang="ja-JP" i="1">
                                       <a:latin typeface="Cambria Math" panose="02040503050406030204" pitchFamily="18" charset="0"/>
                                       <a:ea typeface="Cambria Math" panose="02040503050406030204" pitchFamily="18" charset="0"/>
                                     </a:rPr>
@@ -6297,7 +9443,7 @@
                                 </m:sub>
                               </m:sSub>
                               <m:r>
-                                <a:rPr kumimoji="1" lang="en-US" altLang="ja-JP" b="0" i="1" smtClean="0">
+                                <a:rPr lang="en-US" altLang="ja-JP" i="1">
                                   <a:latin typeface="Cambria Math" panose="02040503050406030204" pitchFamily="18" charset="0"/>
                                   <a:ea typeface="Cambria Math" panose="02040503050406030204" pitchFamily="18" charset="0"/>
                                 </a:rPr>
@@ -6306,7 +9452,7 @@
                               <m:sSub>
                                 <m:sSubPr>
                                   <m:ctrlPr>
-                                    <a:rPr kumimoji="1" lang="en-US" altLang="ja-JP" b="0" i="1" smtClean="0">
+                                    <a:rPr lang="en-US" altLang="ja-JP" i="1">
                                       <a:latin typeface="Cambria Math" panose="02040503050406030204" pitchFamily="18" charset="0"/>
                                       <a:ea typeface="Cambria Math" panose="02040503050406030204" pitchFamily="18" charset="0"/>
                                     </a:rPr>
@@ -6314,7 +9460,7 @@
                                 </m:sSubPr>
                                 <m:e>
                                   <m:r>
-                                    <a:rPr kumimoji="1" lang="en-US" altLang="ja-JP" b="0" i="1" smtClean="0">
+                                    <a:rPr lang="en-US" altLang="ja-JP" i="1">
                                       <a:latin typeface="Cambria Math" panose="02040503050406030204" pitchFamily="18" charset="0"/>
                                       <a:ea typeface="Cambria Math" panose="02040503050406030204" pitchFamily="18" charset="0"/>
                                     </a:rPr>
@@ -6323,7 +9469,7 @@
                                 </m:e>
                                 <m:sub>
                                   <m:r>
-                                    <a:rPr kumimoji="1" lang="en-US" altLang="ja-JP" b="0" i="1" smtClean="0">
+                                    <a:rPr lang="en-US" altLang="ja-JP" i="1">
                                       <a:latin typeface="Cambria Math" panose="02040503050406030204" pitchFamily="18" charset="0"/>
                                       <a:ea typeface="Cambria Math" panose="02040503050406030204" pitchFamily="18" charset="0"/>
                                     </a:rPr>
@@ -6332,7 +9478,7 @@
                                 </m:sub>
                               </m:sSub>
                               <m:r>
-                                <a:rPr kumimoji="1" lang="en-US" altLang="ja-JP" b="0" i="1" smtClean="0">
+                                <a:rPr lang="en-US" altLang="ja-JP" i="1">
                                   <a:latin typeface="Cambria Math" panose="02040503050406030204" pitchFamily="18" charset="0"/>
                                   <a:ea typeface="Cambria Math" panose="02040503050406030204" pitchFamily="18" charset="0"/>
                                 </a:rPr>
@@ -6341,7 +9487,7 @@
                               <m:sSub>
                                 <m:sSubPr>
                                   <m:ctrlPr>
-                                    <a:rPr kumimoji="1" lang="en-US" altLang="ja-JP" b="0" i="1" smtClean="0">
+                                    <a:rPr lang="en-US" altLang="ja-JP" i="1">
                                       <a:latin typeface="Cambria Math" panose="02040503050406030204" pitchFamily="18" charset="0"/>
                                       <a:ea typeface="Cambria Math" panose="02040503050406030204" pitchFamily="18" charset="0"/>
                                     </a:rPr>
@@ -6349,7 +9495,7 @@
                                 </m:sSubPr>
                                 <m:e>
                                   <m:r>
-                                    <a:rPr kumimoji="1" lang="en-US" altLang="ja-JP" b="0" i="1" smtClean="0">
+                                    <a:rPr lang="en-US" altLang="ja-JP" i="1">
                                       <a:latin typeface="Cambria Math" panose="02040503050406030204" pitchFamily="18" charset="0"/>
                                       <a:ea typeface="Cambria Math" panose="02040503050406030204" pitchFamily="18" charset="0"/>
                                     </a:rPr>
@@ -6358,7 +9504,7 @@
                                 </m:e>
                                 <m:sub>
                                   <m:r>
-                                    <a:rPr kumimoji="1" lang="en-US" altLang="ja-JP" b="0" i="1" smtClean="0">
+                                    <a:rPr lang="en-US" altLang="ja-JP" i="1">
                                       <a:latin typeface="Cambria Math" panose="02040503050406030204" pitchFamily="18" charset="0"/>
                                       <a:ea typeface="Cambria Math" panose="02040503050406030204" pitchFamily="18" charset="0"/>
                                     </a:rPr>
@@ -6367,7 +9513,7 @@
                                 </m:sub>
                               </m:sSub>
                               <m:r>
-                                <a:rPr kumimoji="1" lang="en-US" altLang="ja-JP" b="0" i="1" smtClean="0">
+                                <a:rPr lang="en-US" altLang="ja-JP" i="1">
                                   <a:latin typeface="Cambria Math" panose="02040503050406030204" pitchFamily="18" charset="0"/>
                                   <a:ea typeface="Cambria Math" panose="02040503050406030204" pitchFamily="18" charset="0"/>
                                 </a:rPr>
@@ -6376,7 +9522,7 @@
                               <m:sSub>
                                 <m:sSubPr>
                                   <m:ctrlPr>
-                                    <a:rPr kumimoji="1" lang="en-US" altLang="ja-JP" b="0" i="1" smtClean="0">
+                                    <a:rPr lang="en-US" altLang="ja-JP" i="1">
                                       <a:latin typeface="Cambria Math" panose="02040503050406030204" pitchFamily="18" charset="0"/>
                                       <a:ea typeface="Cambria Math" panose="02040503050406030204" pitchFamily="18" charset="0"/>
                                     </a:rPr>
@@ -6384,7 +9530,7 @@
                                 </m:sSubPr>
                                 <m:e>
                                   <m:r>
-                                    <a:rPr kumimoji="1" lang="en-US" altLang="ja-JP" b="0" i="1" smtClean="0">
+                                    <a:rPr lang="en-US" altLang="ja-JP" i="1">
                                       <a:latin typeface="Cambria Math" panose="02040503050406030204" pitchFamily="18" charset="0"/>
                                       <a:ea typeface="Cambria Math" panose="02040503050406030204" pitchFamily="18" charset="0"/>
                                     </a:rPr>
@@ -6393,16 +9539,23 @@
                                 </m:e>
                                 <m:sub>
                                   <m:r>
-                                    <a:rPr kumimoji="1" lang="en-US" altLang="ja-JP" b="0" i="1" smtClean="0">
+                                    <a:rPr lang="en-US" altLang="ja-JP" i="1">
                                       <a:latin typeface="Cambria Math" panose="02040503050406030204" pitchFamily="18" charset="0"/>
                                       <a:ea typeface="Cambria Math" panose="02040503050406030204" pitchFamily="18" charset="0"/>
                                     </a:rPr>
-                                    <m:t>𝑟𝑘</m:t>
+                                    <m:t>𝑟</m:t>
+                                  </m:r>
+                                  <m:r>
+                                    <a:rPr lang="en-US" altLang="ja-JP" b="0" i="1" smtClean="0">
+                                      <a:latin typeface="Cambria Math" panose="02040503050406030204" pitchFamily="18" charset="0"/>
+                                      <a:ea typeface="Cambria Math" panose="02040503050406030204" pitchFamily="18" charset="0"/>
+                                    </a:rPr>
+                                    <m:t>𝑚</m:t>
                                   </m:r>
                                 </m:sub>
                               </m:sSub>
                               <m:r>
-                                <a:rPr kumimoji="1" lang="en-US" altLang="ja-JP" b="0" i="1" smtClean="0">
+                                <a:rPr lang="en-US" altLang="ja-JP" i="1">
                                   <a:latin typeface="Cambria Math" panose="02040503050406030204" pitchFamily="18" charset="0"/>
                                   <a:ea typeface="Cambria Math" panose="02040503050406030204" pitchFamily="18" charset="0"/>
                                 </a:rPr>
@@ -6415,22 +9568,47 @@
                           <m:nary>
                             <m:naryPr>
                               <m:chr m:val="∑"/>
-                              <m:subHide m:val="on"/>
-                              <m:supHide m:val="on"/>
                               <m:ctrlPr>
                                 <a:rPr kumimoji="1" lang="en-US" altLang="ja-JP" b="0" i="1" smtClean="0">
                                   <a:latin typeface="Cambria Math" panose="02040503050406030204" pitchFamily="18" charset="0"/>
+                                  <a:ea typeface="Cambria Math" panose="02040503050406030204" pitchFamily="18" charset="0"/>
                                 </a:rPr>
                               </m:ctrlPr>
                             </m:naryPr>
-                            <m:sub/>
-                            <m:sup/>
+                            <m:sub>
+                              <m:r>
+                                <m:rPr>
+                                  <m:brk m:alnAt="23"/>
+                                </m:rPr>
+                                <a:rPr kumimoji="1" lang="en-US" altLang="ja-JP" b="0" i="1" smtClean="0">
+                                  <a:latin typeface="Cambria Math" panose="02040503050406030204" pitchFamily="18" charset="0"/>
+                                  <a:ea typeface="Cambria Math" panose="02040503050406030204" pitchFamily="18" charset="0"/>
+                                </a:rPr>
+                                <m:t>𝑙</m:t>
+                              </m:r>
+                              <m:r>
+                                <a:rPr kumimoji="1" lang="en-US" altLang="ja-JP" b="0" i="1" smtClean="0">
+                                  <a:latin typeface="Cambria Math" panose="02040503050406030204" pitchFamily="18" charset="0"/>
+                                  <a:ea typeface="Cambria Math" panose="02040503050406030204" pitchFamily="18" charset="0"/>
+                                </a:rPr>
+                                <m:t>=1</m:t>
+                              </m:r>
+                            </m:sub>
+                            <m:sup>
+                              <m:r>
+                                <a:rPr kumimoji="1" lang="en-US" altLang="ja-JP" b="0" i="1" smtClean="0">
+                                  <a:latin typeface="Cambria Math" panose="02040503050406030204" pitchFamily="18" charset="0"/>
+                                  <a:ea typeface="Cambria Math" panose="02040503050406030204" pitchFamily="18" charset="0"/>
+                                </a:rPr>
+                                <m:t>𝐾</m:t>
+                              </m:r>
+                            </m:sup>
                             <m:e>
                               <m:r>
                                 <m:rPr>
                                   <m:nor/>
                                 </m:rPr>
-                                <a:rPr kumimoji="1" lang="en-US" altLang="ja-JP" b="0" i="0" smtClean="0">
+                                <a:rPr lang="en-US" altLang="ja-JP">
                                   <a:latin typeface="Cambria Math" panose="02040503050406030204" pitchFamily="18" charset="0"/>
                                 </a:rPr>
                                 <m:t>exp</m:t>
@@ -6438,21 +9616,42 @@
                               <m:nary>
                                 <m:naryPr>
                                   <m:chr m:val="∑"/>
-                                  <m:subHide m:val="on"/>
-                                  <m:supHide m:val="on"/>
                                   <m:ctrlPr>
-                                    <a:rPr kumimoji="1" lang="en-US" altLang="ja-JP" b="0" i="1" smtClean="0">
+                                    <a:rPr lang="en-US" altLang="ja-JP" i="1">
                                       <a:latin typeface="Cambria Math" panose="02040503050406030204" pitchFamily="18" charset="0"/>
                                     </a:rPr>
                                   </m:ctrlPr>
                                 </m:naryPr>
-                                <m:sub/>
-                                <m:sup/>
+                                <m:sub>
+                                  <m:r>
+                                    <m:rPr>
+                                      <m:brk m:alnAt="23"/>
+                                    </m:rPr>
+                                    <a:rPr lang="en-US" altLang="ja-JP" i="1">
+                                      <a:latin typeface="Cambria Math" panose="02040503050406030204" pitchFamily="18" charset="0"/>
+                                    </a:rPr>
+                                    <m:t>𝑚</m:t>
+                                  </m:r>
+                                  <m:r>
+                                    <a:rPr lang="en-US" altLang="ja-JP" i="1">
+                                      <a:latin typeface="Cambria Math" panose="02040503050406030204" pitchFamily="18" charset="0"/>
+                                    </a:rPr>
+                                    <m:t>=1</m:t>
+                                  </m:r>
+                                </m:sub>
+                                <m:sup>
+                                  <m:r>
+                                    <a:rPr lang="en-US" altLang="ja-JP" b="0" i="1" smtClean="0">
+                                      <a:latin typeface="Cambria Math" panose="02040503050406030204" pitchFamily="18" charset="0"/>
+                                    </a:rPr>
+                                    <m:t>𝑙</m:t>
+                                  </m:r>
+                                </m:sup>
                                 <m:e>
                                   <m:sSub>
                                     <m:sSubPr>
                                       <m:ctrlPr>
-                                        <a:rPr kumimoji="1" lang="en-US" altLang="ja-JP" b="0" i="1" smtClean="0">
+                                        <a:rPr lang="en-US" altLang="ja-JP" i="1">
                                           <a:latin typeface="Cambria Math" panose="02040503050406030204" pitchFamily="18" charset="0"/>
                                           <a:ea typeface="Cambria Math" panose="02040503050406030204" pitchFamily="18" charset="0"/>
                                         </a:rPr>
@@ -6460,7 +9659,7 @@
                                     </m:sSubPr>
                                     <m:e>
                                       <m:r>
-                                        <a:rPr kumimoji="1" lang="en-US" altLang="ja-JP" b="0" i="1" smtClean="0">
+                                        <a:rPr lang="en-US" altLang="ja-JP" i="1">
                                           <a:latin typeface="Cambria Math" panose="02040503050406030204" pitchFamily="18" charset="0"/>
                                           <a:ea typeface="Cambria Math" panose="02040503050406030204" pitchFamily="18" charset="0"/>
                                         </a:rPr>
@@ -6469,7 +9668,7 @@
                                     </m:e>
                                     <m:sub>
                                       <m:r>
-                                        <a:rPr kumimoji="1" lang="en-US" altLang="ja-JP" b="0" i="1" smtClean="0">
+                                        <a:rPr lang="en-US" altLang="ja-JP" i="1">
                                           <a:latin typeface="Cambria Math" panose="02040503050406030204" pitchFamily="18" charset="0"/>
                                           <a:ea typeface="Cambria Math" panose="02040503050406030204" pitchFamily="18" charset="0"/>
                                         </a:rPr>
@@ -6478,7 +9677,7 @@
                                     </m:sub>
                                   </m:sSub>
                                   <m:r>
-                                    <a:rPr kumimoji="1" lang="en-US" altLang="ja-JP" b="0" i="1" smtClean="0">
+                                    <a:rPr lang="en-US" altLang="ja-JP" i="1">
                                       <a:latin typeface="Cambria Math" panose="02040503050406030204" pitchFamily="18" charset="0"/>
                                       <a:ea typeface="Cambria Math" panose="02040503050406030204" pitchFamily="18" charset="0"/>
                                     </a:rPr>
@@ -6487,7 +9686,7 @@
                                   <m:sSub>
                                     <m:sSubPr>
                                       <m:ctrlPr>
-                                        <a:rPr kumimoji="1" lang="en-US" altLang="ja-JP" b="0" i="1" smtClean="0">
+                                        <a:rPr lang="en-US" altLang="ja-JP" i="1">
                                           <a:latin typeface="Cambria Math" panose="02040503050406030204" pitchFamily="18" charset="0"/>
                                           <a:ea typeface="Cambria Math" panose="02040503050406030204" pitchFamily="18" charset="0"/>
                                         </a:rPr>
@@ -6495,7 +9694,7 @@
                                     </m:sSubPr>
                                     <m:e>
                                       <m:r>
-                                        <a:rPr kumimoji="1" lang="en-US" altLang="ja-JP" b="0" i="1" smtClean="0">
+                                        <a:rPr lang="en-US" altLang="ja-JP" i="1">
                                           <a:latin typeface="Cambria Math" panose="02040503050406030204" pitchFamily="18" charset="0"/>
                                           <a:ea typeface="Cambria Math" panose="02040503050406030204" pitchFamily="18" charset="0"/>
                                         </a:rPr>
@@ -6504,7 +9703,7 @@
                                     </m:e>
                                     <m:sub>
                                       <m:r>
-                                        <a:rPr kumimoji="1" lang="en-US" altLang="ja-JP" b="0" i="1" smtClean="0">
+                                        <a:rPr lang="en-US" altLang="ja-JP" i="1">
                                           <a:latin typeface="Cambria Math" panose="02040503050406030204" pitchFamily="18" charset="0"/>
                                           <a:ea typeface="Cambria Math" panose="02040503050406030204" pitchFamily="18" charset="0"/>
                                         </a:rPr>
@@ -6513,7 +9712,7 @@
                                     </m:sub>
                                   </m:sSub>
                                   <m:r>
-                                    <a:rPr kumimoji="1" lang="en-US" altLang="ja-JP" b="0" i="1" smtClean="0">
+                                    <a:rPr lang="en-US" altLang="ja-JP" i="1">
                                       <a:latin typeface="Cambria Math" panose="02040503050406030204" pitchFamily="18" charset="0"/>
                                       <a:ea typeface="Cambria Math" panose="02040503050406030204" pitchFamily="18" charset="0"/>
                                     </a:rPr>
@@ -6522,7 +9721,7 @@
                                   <m:sSub>
                                     <m:sSubPr>
                                       <m:ctrlPr>
-                                        <a:rPr kumimoji="1" lang="en-US" altLang="ja-JP" b="0" i="1" smtClean="0">
+                                        <a:rPr lang="en-US" altLang="ja-JP" i="1">
                                           <a:latin typeface="Cambria Math" panose="02040503050406030204" pitchFamily="18" charset="0"/>
                                           <a:ea typeface="Cambria Math" panose="02040503050406030204" pitchFamily="18" charset="0"/>
                                         </a:rPr>
@@ -6530,7 +9729,7 @@
                                     </m:sSubPr>
                                     <m:e>
                                       <m:r>
-                                        <a:rPr kumimoji="1" lang="en-US" altLang="ja-JP" b="0" i="1" smtClean="0">
+                                        <a:rPr lang="en-US" altLang="ja-JP" i="1">
                                           <a:latin typeface="Cambria Math" panose="02040503050406030204" pitchFamily="18" charset="0"/>
                                           <a:ea typeface="Cambria Math" panose="02040503050406030204" pitchFamily="18" charset="0"/>
                                         </a:rPr>
@@ -6539,7 +9738,7 @@
                                     </m:e>
                                     <m:sub>
                                       <m:r>
-                                        <a:rPr kumimoji="1" lang="en-US" altLang="ja-JP" b="0" i="1" smtClean="0">
+                                        <a:rPr lang="en-US" altLang="ja-JP" i="1">
                                           <a:latin typeface="Cambria Math" panose="02040503050406030204" pitchFamily="18" charset="0"/>
                                           <a:ea typeface="Cambria Math" panose="02040503050406030204" pitchFamily="18" charset="0"/>
                                         </a:rPr>
@@ -6548,7 +9747,7 @@
                                     </m:sub>
                                   </m:sSub>
                                   <m:r>
-                                    <a:rPr kumimoji="1" lang="en-US" altLang="ja-JP" b="0" i="1" smtClean="0">
+                                    <a:rPr lang="en-US" altLang="ja-JP" i="1">
                                       <a:latin typeface="Cambria Math" panose="02040503050406030204" pitchFamily="18" charset="0"/>
                                       <a:ea typeface="Cambria Math" panose="02040503050406030204" pitchFamily="18" charset="0"/>
                                     </a:rPr>
@@ -6557,7 +9756,7 @@
                                   <m:sSub>
                                     <m:sSubPr>
                                       <m:ctrlPr>
-                                        <a:rPr kumimoji="1" lang="en-US" altLang="ja-JP" b="0" i="1" smtClean="0">
+                                        <a:rPr lang="en-US" altLang="ja-JP" i="1">
                                           <a:latin typeface="Cambria Math" panose="02040503050406030204" pitchFamily="18" charset="0"/>
                                           <a:ea typeface="Cambria Math" panose="02040503050406030204" pitchFamily="18" charset="0"/>
                                         </a:rPr>
@@ -6565,7 +9764,7 @@
                                     </m:sSubPr>
                                     <m:e>
                                       <m:r>
-                                        <a:rPr kumimoji="1" lang="en-US" altLang="ja-JP" b="0" i="1" smtClean="0">
+                                        <a:rPr lang="en-US" altLang="ja-JP" i="1">
                                           <a:latin typeface="Cambria Math" panose="02040503050406030204" pitchFamily="18" charset="0"/>
                                           <a:ea typeface="Cambria Math" panose="02040503050406030204" pitchFamily="18" charset="0"/>
                                         </a:rPr>
@@ -6574,16 +9773,23 @@
                                     </m:e>
                                     <m:sub>
                                       <m:r>
-                                        <a:rPr kumimoji="1" lang="en-US" altLang="ja-JP" b="0" i="1" smtClean="0">
+                                        <a:rPr lang="en-US" altLang="ja-JP" i="1">
                                           <a:latin typeface="Cambria Math" panose="02040503050406030204" pitchFamily="18" charset="0"/>
                                           <a:ea typeface="Cambria Math" panose="02040503050406030204" pitchFamily="18" charset="0"/>
                                         </a:rPr>
-                                        <m:t>𝑟𝑘</m:t>
+                                        <m:t>𝑟</m:t>
+                                      </m:r>
+                                      <m:r>
+                                        <a:rPr lang="en-US" altLang="ja-JP" i="1">
+                                          <a:latin typeface="Cambria Math" panose="02040503050406030204" pitchFamily="18" charset="0"/>
+                                          <a:ea typeface="Cambria Math" panose="02040503050406030204" pitchFamily="18" charset="0"/>
+                                        </a:rPr>
+                                        <m:t>𝑚</m:t>
                                       </m:r>
                                     </m:sub>
                                   </m:sSub>
                                   <m:r>
-                                    <a:rPr kumimoji="1" lang="en-US" altLang="ja-JP" b="0" i="1" smtClean="0">
+                                    <a:rPr lang="en-US" altLang="ja-JP" i="1">
                                       <a:latin typeface="Cambria Math" panose="02040503050406030204" pitchFamily="18" charset="0"/>
                                       <a:ea typeface="Cambria Math" panose="02040503050406030204" pitchFamily="18" charset="0"/>
                                     </a:rPr>
@@ -6656,210 +9862,6 @@
 </p:sld>
 </file>
 
-<file path=ppt/slides/slide7.xml><?xml version="1.0" encoding="utf-8"?>
-<p:sld xmlns:a="http://schemas.openxmlformats.org/drawingml/2006/main" xmlns:r="http://schemas.openxmlformats.org/officeDocument/2006/relationships" xmlns:p="http://schemas.openxmlformats.org/presentationml/2006/main">
-  <p:cSld>
-    <p:spTree>
-      <p:nvGrpSpPr>
-        <p:cNvPr id="1" name=""/>
-        <p:cNvGrpSpPr/>
-        <p:nvPr/>
-      </p:nvGrpSpPr>
-      <p:grpSpPr>
-        <a:xfrm>
-          <a:off x="0" y="0"/>
-          <a:ext cx="0" cy="0"/>
-          <a:chOff x="0" y="0"/>
-          <a:chExt cx="0" cy="0"/>
-        </a:xfrm>
-      </p:grpSpPr>
-      <p:sp>
-        <p:nvSpPr>
-          <p:cNvPr id="2" name="タイトル 1">
-            <a:extLst>
-              <a:ext uri="{FF2B5EF4-FFF2-40B4-BE49-F238E27FC236}">
-                <a16:creationId xmlns:a16="http://schemas.microsoft.com/office/drawing/2014/main" id="{6239C2B8-18BC-8845-91F0-D6B0B6822F3A}"/>
-              </a:ext>
-            </a:extLst>
-          </p:cNvPr>
-          <p:cNvSpPr>
-            <a:spLocks noGrp="1"/>
-          </p:cNvSpPr>
-          <p:nvPr>
-            <p:ph type="title"/>
-          </p:nvPr>
-        </p:nvSpPr>
-        <p:spPr/>
-        <p:txBody>
-          <a:bodyPr/>
-          <a:lstStyle/>
-          <a:p>
-            <a:r>
-              <a:rPr kumimoji="1" lang="ja-JP" altLang="en-US"/>
-              <a:t>シミュレーション実験</a:t>
-            </a:r>
-          </a:p>
-        </p:txBody>
-      </p:sp>
-      <p:sp>
-        <p:nvSpPr>
-          <p:cNvPr id="3" name="コンテンツ プレースホルダー 2">
-            <a:extLst>
-              <a:ext uri="{FF2B5EF4-FFF2-40B4-BE49-F238E27FC236}">
-                <a16:creationId xmlns:a16="http://schemas.microsoft.com/office/drawing/2014/main" id="{58CCE9B5-DDBC-BD41-85C3-B4E77867B226}"/>
-              </a:ext>
-            </a:extLst>
-          </p:cNvPr>
-          <p:cNvSpPr>
-            <a:spLocks noGrp="1"/>
-          </p:cNvSpPr>
-          <p:nvPr>
-            <p:ph idx="1"/>
-          </p:nvPr>
-        </p:nvSpPr>
-        <p:spPr/>
-        <p:txBody>
-          <a:bodyPr/>
-          <a:lstStyle/>
-          <a:p>
-            <a:r>
-              <a:rPr kumimoji="1" lang="ja-JP" altLang="en-US"/>
-              <a:t>手順</a:t>
-            </a:r>
-            <a:endParaRPr kumimoji="1" lang="en-US" altLang="ja-JP" dirty="0"/>
-          </a:p>
-          <a:p>
-            <a:pPr marL="514350" indent="-514350">
-              <a:buFont typeface="+mj-lt"/>
-              <a:buAutoNum type="arabicPeriod"/>
-            </a:pPr>
-            <a:r>
-              <a:rPr lang="ja-JP" altLang="en-US"/>
-              <a:t>パラメータの真値を，モデルの分布に従って生成する．</a:t>
-            </a:r>
-          </a:p>
-          <a:p>
-            <a:pPr marL="514350" indent="-514350">
-              <a:buFont typeface="+mj-lt"/>
-              <a:buAutoNum type="arabicPeriod"/>
-            </a:pPr>
-            <a:r>
-              <a:rPr lang="ja-JP" altLang="en-US"/>
-              <a:t>手順</a:t>
-            </a:r>
-            <a:r>
-              <a:rPr lang="en-US" altLang="ja-JP" dirty="0"/>
-              <a:t>1</a:t>
-            </a:r>
-            <a:r>
-              <a:rPr lang="ja-JP" altLang="en-US"/>
-              <a:t>で生成したパラメータを用いて，データを生成する．</a:t>
-            </a:r>
-          </a:p>
-          <a:p>
-            <a:pPr marL="514350" indent="-514350">
-              <a:buFont typeface="+mj-lt"/>
-              <a:buAutoNum type="arabicPeriod"/>
-            </a:pPr>
-            <a:r>
-              <a:rPr lang="ja-JP" altLang="en-US"/>
-              <a:t>手順</a:t>
-            </a:r>
-            <a:r>
-              <a:rPr lang="en-US" altLang="ja-JP" dirty="0"/>
-              <a:t>2</a:t>
-            </a:r>
-            <a:r>
-              <a:rPr lang="ja-JP" altLang="en-US"/>
-              <a:t>で生成したデータからパラメータ推定を行う．</a:t>
-            </a:r>
-          </a:p>
-          <a:p>
-            <a:pPr marL="514350" indent="-514350">
-              <a:buFont typeface="+mj-lt"/>
-              <a:buAutoNum type="arabicPeriod"/>
-            </a:pPr>
-            <a:r>
-              <a:rPr lang="ja-JP" altLang="en-US"/>
-              <a:t>手順</a:t>
-            </a:r>
-            <a:r>
-              <a:rPr lang="en-US" altLang="ja-JP" dirty="0"/>
-              <a:t>3</a:t>
-            </a:r>
-            <a:r>
-              <a:rPr lang="ja-JP" altLang="en-US"/>
-              <a:t>で得られたパラメータ推定値と手順</a:t>
-            </a:r>
-            <a:r>
-              <a:rPr lang="en-US" altLang="ja-JP" dirty="0"/>
-              <a:t>1</a:t>
-            </a:r>
-            <a:r>
-              <a:rPr lang="ja-JP" altLang="en-US"/>
-              <a:t>で生成したパラメータ真値において，平均平方二乗誤差</a:t>
-            </a:r>
-            <a:r>
-              <a:rPr lang="en-US" altLang="ja-JP" dirty="0"/>
-              <a:t>(</a:t>
-            </a:r>
-            <a:r>
-              <a:rPr lang="en" altLang="ja-JP" dirty="0"/>
-              <a:t>RMSE)</a:t>
-            </a:r>
-            <a:r>
-              <a:rPr lang="ja-JP" altLang="en-US"/>
-              <a:t>とバイアスを求める．</a:t>
-            </a:r>
-          </a:p>
-          <a:p>
-            <a:pPr marL="514350" indent="-514350">
-              <a:buFont typeface="+mj-lt"/>
-              <a:buAutoNum type="arabicPeriod"/>
-            </a:pPr>
-            <a:r>
-              <a:rPr lang="ja-JP" altLang="en-US"/>
-              <a:t>以上を</a:t>
-            </a:r>
-            <a:r>
-              <a:rPr lang="en-US" altLang="ja-JP" dirty="0"/>
-              <a:t>5</a:t>
-            </a:r>
-            <a:r>
-              <a:rPr lang="ja-JP" altLang="en-US"/>
-              <a:t>回繰り返し実行し，</a:t>
-            </a:r>
-            <a:r>
-              <a:rPr lang="en" altLang="ja-JP" dirty="0"/>
-              <a:t>RMSE</a:t>
-            </a:r>
-            <a:r>
-              <a:rPr lang="ja-JP" altLang="en-US"/>
-              <a:t>とバイアスの平均値を求める．</a:t>
-            </a:r>
-          </a:p>
-          <a:p>
-            <a:pPr marL="514350" indent="-514350">
-              <a:buFont typeface="+mj-lt"/>
-              <a:buAutoNum type="arabicPeriod"/>
-            </a:pPr>
-            <a:endParaRPr lang="en-US" altLang="ja-JP" dirty="0"/>
-          </a:p>
-        </p:txBody>
-      </p:sp>
-    </p:spTree>
-    <p:extLst>
-      <p:ext uri="{BB962C8B-B14F-4D97-AF65-F5344CB8AC3E}">
-        <p14:creationId xmlns:p14="http://schemas.microsoft.com/office/powerpoint/2010/main" val="724024560"/>
-      </p:ext>
-    </p:extLst>
-  </p:cSld>
-  <p:clrMapOvr>
-    <a:masterClrMapping/>
-  </p:clrMapOvr>
-</p:sld>
-</file>
-
 <file path=ppt/slides/slide8.xml><?xml version="1.0" encoding="utf-8"?>
 <p:sld xmlns:a="http://schemas.openxmlformats.org/drawingml/2006/main" xmlns:r="http://schemas.openxmlformats.org/officeDocument/2006/relationships" xmlns:p="http://schemas.openxmlformats.org/presentationml/2006/main">
   <p:cSld>
@@ -6882,7 +9884,7 @@
           <p:cNvPr id="2" name="タイトル 1">
             <a:extLst>
               <a:ext uri="{FF2B5EF4-FFF2-40B4-BE49-F238E27FC236}">
-                <a16:creationId xmlns:a16="http://schemas.microsoft.com/office/drawing/2014/main" id="{EF10B6F5-02D2-4D47-847E-E3161AEF9A03}"/>
+                <a16:creationId xmlns:a16="http://schemas.microsoft.com/office/drawing/2014/main" id="{6239C2B8-18BC-8845-91F0-D6B0B6822F3A}"/>
               </a:ext>
             </a:extLst>
           </p:cNvPr>
@@ -6900,7 +9902,7 @@
           <a:p>
             <a:r>
               <a:rPr kumimoji="1" lang="ja-JP" altLang="en-US"/>
-              <a:t>実データ実験</a:t>
+              <a:t>シミュレーション実験</a:t>
             </a:r>
           </a:p>
         </p:txBody>
@@ -6910,7 +9912,7 @@
           <p:cNvPr id="3" name="コンテンツ プレースホルダー 2">
             <a:extLst>
               <a:ext uri="{FF2B5EF4-FFF2-40B4-BE49-F238E27FC236}">
-                <a16:creationId xmlns:a16="http://schemas.microsoft.com/office/drawing/2014/main" id="{FFF86F95-CBE5-3942-9C52-57B6A123909D}"/>
+                <a16:creationId xmlns:a16="http://schemas.microsoft.com/office/drawing/2014/main" id="{58CCE9B5-DDBC-BD41-85C3-B4E77867B226}"/>
               </a:ext>
             </a:extLst>
           </p:cNvPr>
@@ -6927,43 +9929,408 @@
           <a:lstStyle/>
           <a:p>
             <a:r>
+              <a:rPr kumimoji="1" lang="ja-JP" altLang="en-US"/>
+              <a:t>手順</a:t>
+            </a:r>
+            <a:endParaRPr kumimoji="1" lang="en-US" altLang="ja-JP" dirty="0"/>
+          </a:p>
+          <a:p>
+            <a:pPr marL="514350" indent="-514350">
+              <a:buFont typeface="+mj-lt"/>
+              <a:buAutoNum type="arabicPeriod"/>
+            </a:pPr>
+            <a:endParaRPr lang="en-US" altLang="ja-JP" dirty="0"/>
+          </a:p>
+        </p:txBody>
+      </p:sp>
+      <p:sp>
+        <p:nvSpPr>
+          <p:cNvPr id="4" name="正方形/長方形 3">
+            <a:extLst>
+              <a:ext uri="{FF2B5EF4-FFF2-40B4-BE49-F238E27FC236}">
+                <a16:creationId xmlns:a16="http://schemas.microsoft.com/office/drawing/2014/main" id="{7D73AF81-F163-624F-A09A-5BACDF8678B3}"/>
+              </a:ext>
+            </a:extLst>
+          </p:cNvPr>
+          <p:cNvSpPr/>
+          <p:nvPr/>
+        </p:nvSpPr>
+        <p:spPr>
+          <a:xfrm>
+            <a:off x="1596325" y="4169044"/>
+            <a:ext cx="1782305" cy="1115878"/>
+          </a:xfrm>
+          <a:prstGeom prst="rect">
+            <a:avLst/>
+          </a:prstGeom>
+        </p:spPr>
+        <p:style>
+          <a:lnRef idx="2">
+            <a:schemeClr val="accent2"/>
+          </a:lnRef>
+          <a:fillRef idx="1">
+            <a:schemeClr val="lt1"/>
+          </a:fillRef>
+          <a:effectRef idx="0">
+            <a:schemeClr val="accent2"/>
+          </a:effectRef>
+          <a:fontRef idx="minor">
+            <a:schemeClr val="dk1"/>
+          </a:fontRef>
+        </p:style>
+        <p:txBody>
+          <a:bodyPr rtlCol="0" anchor="ctr"/>
+          <a:lstStyle/>
+          <a:p>
+            <a:pPr algn="ctr"/>
+            <a:r>
+              <a:rPr kumimoji="1" lang="ja-JP" altLang="en-US"/>
+              <a:t>パラメータ</a:t>
+            </a:r>
+            <a:endParaRPr kumimoji="1" lang="en-US" altLang="ja-JP" dirty="0"/>
+          </a:p>
+        </p:txBody>
+      </p:sp>
+      <p:sp>
+        <p:nvSpPr>
+          <p:cNvPr id="5" name="右矢印 4">
+            <a:extLst>
+              <a:ext uri="{FF2B5EF4-FFF2-40B4-BE49-F238E27FC236}">
+                <a16:creationId xmlns:a16="http://schemas.microsoft.com/office/drawing/2014/main" id="{522BF21F-569C-A34A-85C6-DD0BD96A75AB}"/>
+              </a:ext>
+            </a:extLst>
+          </p:cNvPr>
+          <p:cNvSpPr/>
+          <p:nvPr/>
+        </p:nvSpPr>
+        <p:spPr>
+          <a:xfrm rot="20228602">
+            <a:off x="3834545" y="3510366"/>
+            <a:ext cx="1100379" cy="759417"/>
+          </a:xfrm>
+          <a:prstGeom prst="rightArrow">
+            <a:avLst/>
+          </a:prstGeom>
+        </p:spPr>
+        <p:style>
+          <a:lnRef idx="2">
+            <a:schemeClr val="accent1">
+              <a:shade val="50000"/>
+            </a:schemeClr>
+          </a:lnRef>
+          <a:fillRef idx="1">
+            <a:schemeClr val="accent1"/>
+          </a:fillRef>
+          <a:effectRef idx="0">
+            <a:schemeClr val="accent1"/>
+          </a:effectRef>
+          <a:fontRef idx="minor">
+            <a:schemeClr val="lt1"/>
+          </a:fontRef>
+        </p:style>
+        <p:txBody>
+          <a:bodyPr rtlCol="0" anchor="ctr"/>
+          <a:lstStyle/>
+          <a:p>
+            <a:pPr algn="ctr"/>
+            <a:r>
               <a:rPr lang="ja-JP" altLang="en-US"/>
-              <a:t>本研究では，</a:t>
-            </a:r>
-            <a:r>
-              <a:rPr lang="en-US" altLang="ja-JP" dirty="0"/>
-              <a:t>34</a:t>
-            </a:r>
-            <a:r>
-              <a:rPr lang="ja-JP" altLang="en-US"/>
-              <a:t>名の被験者にエッセイ課題を与え，そのエッセイを</a:t>
-            </a:r>
-            <a:r>
-              <a:rPr lang="en-US" altLang="ja-JP" dirty="0"/>
-              <a:t>34</a:t>
-            </a:r>
-            <a:r>
-              <a:rPr lang="ja-JP" altLang="en-US"/>
-              <a:t>名の評価者が</a:t>
-            </a:r>
-            <a:r>
-              <a:rPr lang="en-US" altLang="ja-JP" dirty="0"/>
-              <a:t>5</a:t>
-            </a:r>
-            <a:r>
-              <a:rPr lang="ja-JP" altLang="en-US"/>
-              <a:t>段階得点で採点したデータを使用する．</a:t>
-            </a:r>
-          </a:p>
-          <a:p>
+              <a:t>生成</a:t>
+            </a:r>
             <a:endParaRPr kumimoji="1" lang="ja-JP" altLang="en-US"/>
+          </a:p>
+        </p:txBody>
+      </p:sp>
+      <p:sp>
+        <p:nvSpPr>
+          <p:cNvPr id="6" name="正方形/長方形 5">
+            <a:extLst>
+              <a:ext uri="{FF2B5EF4-FFF2-40B4-BE49-F238E27FC236}">
+                <a16:creationId xmlns:a16="http://schemas.microsoft.com/office/drawing/2014/main" id="{02E0CAC5-D3A9-7E47-BEB5-36E71E3FAF58}"/>
+              </a:ext>
+            </a:extLst>
+          </p:cNvPr>
+          <p:cNvSpPr/>
+          <p:nvPr/>
+        </p:nvSpPr>
+        <p:spPr>
+          <a:xfrm>
+            <a:off x="5396762" y="2801238"/>
+            <a:ext cx="1484608" cy="1115878"/>
+          </a:xfrm>
+          <a:prstGeom prst="rect">
+            <a:avLst/>
+          </a:prstGeom>
+        </p:spPr>
+        <p:style>
+          <a:lnRef idx="2">
+            <a:schemeClr val="accent1"/>
+          </a:lnRef>
+          <a:fillRef idx="1">
+            <a:schemeClr val="lt1"/>
+          </a:fillRef>
+          <a:effectRef idx="0">
+            <a:schemeClr val="accent1"/>
+          </a:effectRef>
+          <a:fontRef idx="minor">
+            <a:schemeClr val="dk1"/>
+          </a:fontRef>
+        </p:style>
+        <p:txBody>
+          <a:bodyPr rtlCol="0" anchor="ctr"/>
+          <a:lstStyle/>
+          <a:p>
+            <a:pPr algn="ctr"/>
+            <a:r>
+              <a:rPr kumimoji="1" lang="ja-JP" altLang="en-US"/>
+              <a:t>データ</a:t>
+            </a:r>
+          </a:p>
+        </p:txBody>
+      </p:sp>
+      <p:sp>
+        <p:nvSpPr>
+          <p:cNvPr id="7" name="右矢印 6">
+            <a:extLst>
+              <a:ext uri="{FF2B5EF4-FFF2-40B4-BE49-F238E27FC236}">
+                <a16:creationId xmlns:a16="http://schemas.microsoft.com/office/drawing/2014/main" id="{54AF5B1E-2E1C-674B-88DE-091DDF7FB0CF}"/>
+              </a:ext>
+            </a:extLst>
+          </p:cNvPr>
+          <p:cNvSpPr/>
+          <p:nvPr/>
+        </p:nvSpPr>
+        <p:spPr>
+          <a:xfrm rot="1541347">
+            <a:off x="7318107" y="3538773"/>
+            <a:ext cx="1152038" cy="756686"/>
+          </a:xfrm>
+          <a:prstGeom prst="rightArrow">
+            <a:avLst/>
+          </a:prstGeom>
+        </p:spPr>
+        <p:style>
+          <a:lnRef idx="2">
+            <a:schemeClr val="accent1">
+              <a:shade val="50000"/>
+            </a:schemeClr>
+          </a:lnRef>
+          <a:fillRef idx="1">
+            <a:schemeClr val="accent1"/>
+          </a:fillRef>
+          <a:effectRef idx="0">
+            <a:schemeClr val="accent1"/>
+          </a:effectRef>
+          <a:fontRef idx="minor">
+            <a:schemeClr val="lt1"/>
+          </a:fontRef>
+        </p:style>
+        <p:txBody>
+          <a:bodyPr rtlCol="0" anchor="ctr"/>
+          <a:lstStyle/>
+          <a:p>
+            <a:pPr algn="ctr"/>
+            <a:r>
+              <a:rPr kumimoji="1" lang="ja-JP" altLang="en-US"/>
+              <a:t>推定</a:t>
+            </a:r>
+          </a:p>
+        </p:txBody>
+      </p:sp>
+      <p:sp>
+        <p:nvSpPr>
+          <p:cNvPr id="8" name="正方形/長方形 7">
+            <a:extLst>
+              <a:ext uri="{FF2B5EF4-FFF2-40B4-BE49-F238E27FC236}">
+                <a16:creationId xmlns:a16="http://schemas.microsoft.com/office/drawing/2014/main" id="{1B5369BA-BC22-EA44-932A-B32A7D50DB67}"/>
+              </a:ext>
+            </a:extLst>
+          </p:cNvPr>
+          <p:cNvSpPr/>
+          <p:nvPr/>
+        </p:nvSpPr>
+        <p:spPr>
+          <a:xfrm>
+            <a:off x="8813370" y="4169044"/>
+            <a:ext cx="1782305" cy="1115878"/>
+          </a:xfrm>
+          <a:prstGeom prst="rect">
+            <a:avLst/>
+          </a:prstGeom>
+        </p:spPr>
+        <p:style>
+          <a:lnRef idx="2">
+            <a:schemeClr val="accent1"/>
+          </a:lnRef>
+          <a:fillRef idx="1">
+            <a:schemeClr val="lt1"/>
+          </a:fillRef>
+          <a:effectRef idx="0">
+            <a:schemeClr val="accent1"/>
+          </a:effectRef>
+          <a:fontRef idx="minor">
+            <a:schemeClr val="dk1"/>
+          </a:fontRef>
+        </p:style>
+        <p:txBody>
+          <a:bodyPr rtlCol="0" anchor="ctr"/>
+          <a:lstStyle/>
+          <a:p>
+            <a:pPr algn="ctr"/>
+            <a:r>
+              <a:rPr kumimoji="1" lang="ja-JP" altLang="en-US"/>
+              <a:t>パラメータ</a:t>
+            </a:r>
+          </a:p>
+        </p:txBody>
+      </p:sp>
+      <p:sp>
+        <p:nvSpPr>
+          <p:cNvPr id="17" name="左右矢印 16">
+            <a:extLst>
+              <a:ext uri="{FF2B5EF4-FFF2-40B4-BE49-F238E27FC236}">
+                <a16:creationId xmlns:a16="http://schemas.microsoft.com/office/drawing/2014/main" id="{6278A0E7-89E1-754B-986F-4668FFB4A211}"/>
+              </a:ext>
+            </a:extLst>
+          </p:cNvPr>
+          <p:cNvSpPr/>
+          <p:nvPr/>
+        </p:nvSpPr>
+        <p:spPr>
+          <a:xfrm>
+            <a:off x="3861957" y="4757380"/>
+            <a:ext cx="4554218" cy="557939"/>
+          </a:xfrm>
+          <a:prstGeom prst="leftRightArrow">
+            <a:avLst/>
+          </a:prstGeom>
+        </p:spPr>
+        <p:style>
+          <a:lnRef idx="2">
+            <a:schemeClr val="accent2">
+              <a:shade val="50000"/>
+            </a:schemeClr>
+          </a:lnRef>
+          <a:fillRef idx="1">
+            <a:schemeClr val="accent2"/>
+          </a:fillRef>
+          <a:effectRef idx="0">
+            <a:schemeClr val="accent2"/>
+          </a:effectRef>
+          <a:fontRef idx="minor">
+            <a:schemeClr val="lt1"/>
+          </a:fontRef>
+        </p:style>
+        <p:txBody>
+          <a:bodyPr rtlCol="0" anchor="ctr"/>
+          <a:lstStyle/>
+          <a:p>
+            <a:pPr algn="ctr"/>
+            <a:r>
+              <a:rPr kumimoji="1" lang="ja-JP" altLang="en-US"/>
+              <a:t>比較</a:t>
+            </a:r>
+          </a:p>
+        </p:txBody>
+      </p:sp>
+      <p:sp>
+        <p:nvSpPr>
+          <p:cNvPr id="18" name="スマイル 17">
+            <a:extLst>
+              <a:ext uri="{FF2B5EF4-FFF2-40B4-BE49-F238E27FC236}">
+                <a16:creationId xmlns:a16="http://schemas.microsoft.com/office/drawing/2014/main" id="{CEC9F31A-7F27-F14F-AEE7-9BE8EB66F046}"/>
+              </a:ext>
+            </a:extLst>
+          </p:cNvPr>
+          <p:cNvSpPr/>
+          <p:nvPr/>
+        </p:nvSpPr>
+        <p:spPr>
+          <a:xfrm>
+            <a:off x="2030278" y="2132123"/>
+            <a:ext cx="790414" cy="774916"/>
+          </a:xfrm>
+          <a:prstGeom prst="smileyFace">
+            <a:avLst/>
+          </a:prstGeom>
+          <a:ln/>
+        </p:spPr>
+        <p:style>
+          <a:lnRef idx="2">
+            <a:schemeClr val="accent2"/>
+          </a:lnRef>
+          <a:fillRef idx="1">
+            <a:schemeClr val="lt1"/>
+          </a:fillRef>
+          <a:effectRef idx="0">
+            <a:schemeClr val="accent2"/>
+          </a:effectRef>
+          <a:fontRef idx="minor">
+            <a:schemeClr val="dk1"/>
+          </a:fontRef>
+        </p:style>
+        <p:txBody>
+          <a:bodyPr rtlCol="0" anchor="ctr"/>
+          <a:lstStyle/>
+          <a:p>
+            <a:pPr algn="ctr"/>
+            <a:endParaRPr kumimoji="1" lang="ja-JP" altLang="en-US"/>
+          </a:p>
+        </p:txBody>
+      </p:sp>
+      <p:sp>
+        <p:nvSpPr>
+          <p:cNvPr id="20" name="下矢印 19">
+            <a:extLst>
+              <a:ext uri="{FF2B5EF4-FFF2-40B4-BE49-F238E27FC236}">
+                <a16:creationId xmlns:a16="http://schemas.microsoft.com/office/drawing/2014/main" id="{CBF7488D-7F78-D84E-AF83-7F7BC90FD965}"/>
+              </a:ext>
+            </a:extLst>
+          </p:cNvPr>
+          <p:cNvSpPr/>
+          <p:nvPr/>
+        </p:nvSpPr>
+        <p:spPr>
+          <a:xfrm>
+            <a:off x="2030278" y="3123906"/>
+            <a:ext cx="836908" cy="877388"/>
+          </a:xfrm>
+          <a:prstGeom prst="downArrow">
+            <a:avLst/>
+          </a:prstGeom>
+        </p:spPr>
+        <p:style>
+          <a:lnRef idx="2">
+            <a:schemeClr val="accent2">
+              <a:shade val="50000"/>
+            </a:schemeClr>
+          </a:lnRef>
+          <a:fillRef idx="1">
+            <a:schemeClr val="accent2"/>
+          </a:fillRef>
+          <a:effectRef idx="0">
+            <a:schemeClr val="accent2"/>
+          </a:effectRef>
+          <a:fontRef idx="minor">
+            <a:schemeClr val="lt1"/>
+          </a:fontRef>
+        </p:style>
+        <p:txBody>
+          <a:bodyPr rtlCol="0" anchor="ctr"/>
+          <a:lstStyle/>
+          <a:p>
+            <a:pPr algn="ctr"/>
+            <a:r>
+              <a:rPr kumimoji="1" lang="ja-JP" altLang="en-US"/>
+              <a:t>作成</a:t>
+            </a:r>
           </a:p>
         </p:txBody>
       </p:sp>
     </p:spTree>
     <p:extLst>
       <p:ext uri="{BB962C8B-B14F-4D97-AF65-F5344CB8AC3E}">
-        <p14:creationId xmlns:p14="http://schemas.microsoft.com/office/powerpoint/2010/main" val="4121096944"/>
+        <p14:creationId xmlns:p14="http://schemas.microsoft.com/office/powerpoint/2010/main" val="724024560"/>
       </p:ext>
     </p:extLst>
   </p:cSld>
@@ -6995,7 +10362,7 @@
           <p:cNvPr id="2" name="タイトル 1">
             <a:extLst>
               <a:ext uri="{FF2B5EF4-FFF2-40B4-BE49-F238E27FC236}">
-                <a16:creationId xmlns:a16="http://schemas.microsoft.com/office/drawing/2014/main" id="{E55A92BE-0BCA-794F-A404-D694D0A19309}"/>
+                <a16:creationId xmlns:a16="http://schemas.microsoft.com/office/drawing/2014/main" id="{FA48368E-680E-C742-B206-D84BAA851504}"/>
               </a:ext>
             </a:extLst>
           </p:cNvPr>
@@ -7013,58 +10380,257 @@
           <a:p>
             <a:r>
               <a:rPr kumimoji="1" lang="ja-JP" altLang="en-US"/>
-              <a:t>今後の課題</a:t>
-            </a:r>
-          </a:p>
-        </p:txBody>
-      </p:sp>
-      <p:sp>
-        <p:nvSpPr>
-          <p:cNvPr id="3" name="コンテンツ プレースホルダー 2">
+              <a:t>シミュレーション実験</a:t>
+            </a:r>
+          </a:p>
+        </p:txBody>
+      </p:sp>
+      <mc:AlternateContent xmlns:mc="http://schemas.openxmlformats.org/markup-compatibility/2006">
+        <mc:Choice xmlns:a14="http://schemas.microsoft.com/office/drawing/2010/main" Requires="a14">
+          <p:sp>
+            <p:nvSpPr>
+              <p:cNvPr id="3" name="コンテンツ プレースホルダー 2">
+                <a:extLst>
+                  <a:ext uri="{FF2B5EF4-FFF2-40B4-BE49-F238E27FC236}">
+                    <a16:creationId xmlns:a16="http://schemas.microsoft.com/office/drawing/2014/main" id="{A4883734-68A7-DA46-BF1C-0A0954CF921F}"/>
+                  </a:ext>
+                </a:extLst>
+              </p:cNvPr>
+              <p:cNvSpPr>
+                <a:spLocks noGrp="1"/>
+              </p:cNvSpPr>
+              <p:nvPr>
+                <p:ph idx="1"/>
+              </p:nvPr>
+            </p:nvSpPr>
+            <p:spPr/>
+            <p:txBody>
+              <a:bodyPr>
+                <a:normAutofit lnSpcReduction="10000"/>
+              </a:bodyPr>
+              <a:lstStyle/>
+              <a:p>
+                <a:r>
+                  <a:rPr kumimoji="1" lang="ja-JP" altLang="en-US" sz="3500"/>
+                  <a:t>結果</a:t>
+                </a:r>
+                <a:endParaRPr kumimoji="1" lang="en-US" altLang="ja-JP" sz="3500" dirty="0"/>
+              </a:p>
+              <a:p>
+                <a:pPr lvl="1">
+                  <a:buFont typeface="Wingdings" pitchFamily="2" charset="2"/>
+                  <a:buChar char="Ø"/>
+                </a:pPr>
+                <a:r>
+                  <a:rPr lang="en-US" altLang="ja-JP" sz="3000" dirty="0"/>
+                  <a:t>  RMSE : 0.2~0.41</a:t>
+                </a:r>
+              </a:p>
+              <a:p>
+                <a:pPr lvl="1">
+                  <a:buFont typeface="Wingdings" pitchFamily="2" charset="2"/>
+                  <a:buChar char="Ø"/>
+                </a:pPr>
+                <a:r>
+                  <a:rPr kumimoji="1" lang="en-US" altLang="ja-JP" sz="3000" dirty="0"/>
+                  <a:t>  BIAS   : </a:t>
+                </a:r>
+                <a:r>
+                  <a:rPr kumimoji="1" lang="ja-JP" altLang="en-US" sz="3000"/>
+                  <a:t>ほぼ</a:t>
+                </a:r>
+                <a:r>
+                  <a:rPr kumimoji="1" lang="en-US" altLang="ja-JP" sz="3000" dirty="0"/>
+                  <a:t>0</a:t>
+                </a:r>
+              </a:p>
+              <a:p>
+                <a:pPr lvl="1">
+                  <a:buFont typeface="Wingdings" pitchFamily="2" charset="2"/>
+                  <a:buChar char="Ø"/>
+                </a:pPr>
+                <a:endParaRPr kumimoji="1" lang="en-US" altLang="ja-JP" dirty="0"/>
+              </a:p>
+              <a:p>
+                <a:pPr lvl="1">
+                  <a:buFont typeface="Wingdings" pitchFamily="2" charset="2"/>
+                  <a:buChar char="Ø"/>
+                </a:pPr>
+                <a:r>
+                  <a:rPr lang="en-US" altLang="ja-JP" sz="3000" dirty="0"/>
+                  <a:t> </a:t>
+                </a:r>
+                <a14:m>
+                  <m:oMath xmlns:m="http://schemas.openxmlformats.org/officeDocument/2006/math">
+                    <m:sSub>
+                      <m:sSubPr>
+                        <m:ctrlPr>
+                          <a:rPr lang="en-US" altLang="ja-JP" sz="3000" b="0" i="1" smtClean="0">
+                            <a:latin typeface="Cambria Math" panose="02040503050406030204" pitchFamily="18" charset="0"/>
+                          </a:rPr>
+                        </m:ctrlPr>
+                      </m:sSubPr>
+                      <m:e>
+                        <m:r>
+                          <a:rPr lang="en-US" altLang="ja-JP" sz="3000" b="0" i="1" smtClean="0">
+                            <a:latin typeface="Cambria Math" panose="02040503050406030204" pitchFamily="18" charset="0"/>
+                          </a:rPr>
+                          <m:t>  </m:t>
+                        </m:r>
+                        <m:r>
+                          <a:rPr lang="ja-JP" altLang="en-US" sz="3000" i="1" smtClean="0">
+                            <a:latin typeface="Cambria Math" panose="02040503050406030204" pitchFamily="18" charset="0"/>
+                          </a:rPr>
+                          <m:t>𝛽</m:t>
+                        </m:r>
+                      </m:e>
+                      <m:sub>
+                        <m:r>
+                          <a:rPr lang="en-US" altLang="ja-JP" sz="3000" b="0" i="1" smtClean="0">
+                            <a:latin typeface="Cambria Math" panose="02040503050406030204" pitchFamily="18" charset="0"/>
+                          </a:rPr>
+                          <m:t>𝑟𝑡</m:t>
+                        </m:r>
+                      </m:sub>
+                    </m:sSub>
+                  </m:oMath>
+                </a14:m>
+                <a:r>
+                  <a:rPr lang="ja-JP" altLang="en-US" sz="3000"/>
+                  <a:t>の推定例</a:t>
+                </a:r>
+                <a:r>
+                  <a:rPr lang="en-US" altLang="ja-JP" sz="3000" dirty="0"/>
+                  <a:t> </a:t>
+                </a:r>
+                <a:r>
+                  <a:rPr lang="ja-JP" altLang="en-US" sz="3000"/>
+                  <a:t>→</a:t>
+                </a:r>
+                <a:endParaRPr lang="en-US" altLang="ja-JP" sz="3000" dirty="0"/>
+              </a:p>
+              <a:p>
+                <a:endParaRPr lang="en-US" altLang="ja-JP" dirty="0"/>
+              </a:p>
+              <a:p>
+                <a:pPr marL="0" indent="0">
+                  <a:buNone/>
+                </a:pPr>
+                <a:r>
+                  <a:rPr kumimoji="1" lang="ja-JP" altLang="en-US"/>
+                  <a:t>→</a:t>
+                </a:r>
+                <a:r>
+                  <a:rPr kumimoji="1" lang="en-US" altLang="ja-JP" dirty="0"/>
+                  <a:t>MCMC</a:t>
+                </a:r>
+                <a:r>
+                  <a:rPr kumimoji="1" lang="ja-JP" altLang="en-US"/>
+                  <a:t>により提案モデルの</a:t>
+                </a:r>
+                <a:endParaRPr kumimoji="1" lang="en-US" altLang="ja-JP" dirty="0"/>
+              </a:p>
+              <a:p>
+                <a:pPr marL="0" indent="0">
+                  <a:buNone/>
+                </a:pPr>
+                <a:r>
+                  <a:rPr kumimoji="1" lang="ja-JP" altLang="en-US"/>
+                  <a:t>　パラメータを適切に推定できる</a:t>
+                </a:r>
+                <a:endParaRPr kumimoji="1" lang="en-US" altLang="ja-JP" dirty="0"/>
+              </a:p>
+              <a:p>
+                <a:pPr marL="0" indent="0">
+                  <a:buNone/>
+                </a:pPr>
+                <a:r>
+                  <a:rPr kumimoji="1" lang="ja-JP" altLang="en-US"/>
+                  <a:t>　ことがわかった</a:t>
+                </a:r>
+                <a:r>
+                  <a:rPr kumimoji="1" lang="en-US" altLang="ja-JP" dirty="0"/>
+                  <a:t> </a:t>
+                </a:r>
+                <a:endParaRPr kumimoji="1" lang="ja-JP" altLang="en-US"/>
+              </a:p>
+            </p:txBody>
+          </p:sp>
+        </mc:Choice>
+        <mc:Fallback>
+          <p:sp>
+            <p:nvSpPr>
+              <p:cNvPr id="3" name="コンテンツ プレースホルダー 2">
+                <a:extLst>
+                  <a:ext uri="{FF2B5EF4-FFF2-40B4-BE49-F238E27FC236}">
+                    <a16:creationId xmlns:a16="http://schemas.microsoft.com/office/drawing/2014/main" id="{A4883734-68A7-DA46-BF1C-0A0954CF921F}"/>
+                  </a:ext>
+                </a:extLst>
+              </p:cNvPr>
+              <p:cNvSpPr>
+                <a:spLocks noGrp="1" noRot="1" noChangeAspect="1" noMove="1" noResize="1" noEditPoints="1" noAdjustHandles="1" noChangeArrowheads="1" noChangeShapeType="1" noTextEdit="1"/>
+              </p:cNvSpPr>
+              <p:nvPr>
+                <p:ph idx="1"/>
+              </p:nvPr>
+            </p:nvSpPr>
+            <p:spPr>
+              <a:blipFill>
+                <a:blip r:embed="rId3"/>
+                <a:stretch>
+                  <a:fillRect l="-1568" t="-4070"/>
+                </a:stretch>
+              </a:blipFill>
+            </p:spPr>
+            <p:txBody>
+              <a:bodyPr/>
+              <a:lstStyle/>
+              <a:p>
+                <a:r>
+                  <a:rPr lang="ja-JP" altLang="en-US">
+                    <a:noFill/>
+                  </a:rPr>
+                  <a:t> </a:t>
+                </a:r>
+              </a:p>
+            </p:txBody>
+          </p:sp>
+        </mc:Fallback>
+      </mc:AlternateContent>
+      <p:pic>
+        <p:nvPicPr>
+          <p:cNvPr id="5" name="図 4">
             <a:extLst>
               <a:ext uri="{FF2B5EF4-FFF2-40B4-BE49-F238E27FC236}">
-                <a16:creationId xmlns:a16="http://schemas.microsoft.com/office/drawing/2014/main" id="{26B88719-E8DE-204A-ADF6-300352A4D861}"/>
+                <a16:creationId xmlns:a16="http://schemas.microsoft.com/office/drawing/2014/main" id="{BCBCC297-1971-794A-BCC3-E27633BF68B7}"/>
               </a:ext>
             </a:extLst>
           </p:cNvPr>
-          <p:cNvSpPr>
-            <a:spLocks noGrp="1"/>
-          </p:cNvSpPr>
-          <p:nvPr>
-            <p:ph idx="1"/>
-          </p:nvPr>
-        </p:nvSpPr>
-        <p:spPr/>
-        <p:txBody>
-          <a:bodyPr/>
-          <a:lstStyle/>
-          <a:p>
-            <a:r>
-              <a:rPr lang="ja-JP" altLang="en-US"/>
-              <a:t>さらに多くの評価者データを集めて推定を行う．</a:t>
-            </a:r>
-          </a:p>
-          <a:p>
-            <a:r>
-              <a:rPr lang="ja-JP" altLang="en-US"/>
-              <a:t>課題特性も考慮して推定を行う．</a:t>
-            </a:r>
-          </a:p>
-          <a:p>
-            <a:r>
-              <a:rPr lang="ja-JP" altLang="en-US"/>
-              <a:t>既存モデルとの比較をさらに細かく行う．</a:t>
-            </a:r>
-          </a:p>
-          <a:p>
-            <a:endParaRPr kumimoji="1" lang="ja-JP" altLang="en-US"/>
-          </a:p>
-        </p:txBody>
-      </p:sp>
+          <p:cNvPicPr>
+            <a:picLocks noChangeAspect="1"/>
+          </p:cNvPicPr>
+          <p:nvPr/>
+        </p:nvPicPr>
+        <p:blipFill>
+          <a:blip r:embed="rId4"/>
+          <a:stretch>
+            <a:fillRect/>
+          </a:stretch>
+        </p:blipFill>
+        <p:spPr>
+          <a:xfrm>
+            <a:off x="6524785" y="1314180"/>
+            <a:ext cx="4756689" cy="4575175"/>
+          </a:xfrm>
+          <a:prstGeom prst="rect">
+            <a:avLst/>
+          </a:prstGeom>
+        </p:spPr>
+      </p:pic>
     </p:spTree>
     <p:extLst>
       <p:ext uri="{BB962C8B-B14F-4D97-AF65-F5344CB8AC3E}">
-        <p14:creationId xmlns:p14="http://schemas.microsoft.com/office/powerpoint/2010/main" val="1544305555"/>
+        <p14:creationId xmlns:p14="http://schemas.microsoft.com/office/powerpoint/2010/main" val="4069772633"/>
       </p:ext>
     </p:extLst>
   </p:cSld>
@@ -7367,4 +10933,299 @@
     </a:ext>
   </a:extLst>
 </a:theme>
+</file>
+
+<file path=ppt/theme/theme2.xml><?xml version="1.0" encoding="utf-8"?>
+<a:theme xmlns:a="http://schemas.openxmlformats.org/drawingml/2006/main" name="Office テーマ">
+  <a:themeElements>
+    <a:clrScheme name="Office">
+      <a:dk1>
+        <a:sysClr val="windowText" lastClr="000000"/>
+      </a:dk1>
+      <a:lt1>
+        <a:sysClr val="window" lastClr="FFFFFF"/>
+      </a:lt1>
+      <a:dk2>
+        <a:srgbClr val="44546A"/>
+      </a:dk2>
+      <a:lt2>
+        <a:srgbClr val="E7E6E6"/>
+      </a:lt2>
+      <a:accent1>
+        <a:srgbClr val="4472C4"/>
+      </a:accent1>
+      <a:accent2>
+        <a:srgbClr val="ED7D31"/>
+      </a:accent2>
+      <a:accent3>
+        <a:srgbClr val="A5A5A5"/>
+      </a:accent3>
+      <a:accent4>
+        <a:srgbClr val="FFC000"/>
+      </a:accent4>
+      <a:accent5>
+        <a:srgbClr val="5B9BD5"/>
+      </a:accent5>
+      <a:accent6>
+        <a:srgbClr val="70AD47"/>
+      </a:accent6>
+      <a:hlink>
+        <a:srgbClr val="0563C1"/>
+      </a:hlink>
+      <a:folHlink>
+        <a:srgbClr val="954F72"/>
+      </a:folHlink>
+    </a:clrScheme>
+    <a:fontScheme name="Office">
+      <a:majorFont>
+        <a:latin typeface="游ゴシック Light" panose="020F0302020204030204"/>
+        <a:ea typeface=""/>
+        <a:cs typeface=""/>
+        <a:font script="Jpan" typeface="游ゴシック Light"/>
+        <a:font script="Hang" typeface="맑은 고딕"/>
+        <a:font script="Hans" typeface="等线 Light"/>
+        <a:font script="Hant" typeface="新細明體"/>
+        <a:font script="Arab" typeface="Times New Roman"/>
+        <a:font script="Hebr" typeface="Times New Roman"/>
+        <a:font script="Thai" typeface="Angsana New"/>
+        <a:font script="Ethi" typeface="Nyala"/>
+        <a:font script="Beng" typeface="Vrinda"/>
+        <a:font script="Gujr" typeface="Shruti"/>
+        <a:font script="Khmr" typeface="MoolBoran"/>
+        <a:font script="Knda" typeface="Tunga"/>
+        <a:font script="Guru" typeface="Raavi"/>
+        <a:font script="Cans" typeface="Euphemia"/>
+        <a:font script="Cher" typeface="Plantagenet Cherokee"/>
+        <a:font script="Yiii" typeface="Microsoft Yi Baiti"/>
+        <a:font script="Tibt" typeface="Microsoft Himalaya"/>
+        <a:font script="Thaa" typeface="MV Boli"/>
+        <a:font script="Deva" typeface="Mangal"/>
+        <a:font script="Telu" typeface="Gautami"/>
+        <a:font script="Taml" typeface="Latha"/>
+        <a:font script="Syrc" typeface="Estrangelo Edessa"/>
+        <a:font script="Orya" typeface="Kalinga"/>
+        <a:font script="Mlym" typeface="Kartika"/>
+        <a:font script="Laoo" typeface="DokChampa"/>
+        <a:font script="Sinh" typeface="Iskoola Pota"/>
+        <a:font script="Mong" typeface="Mongolian Baiti"/>
+        <a:font script="Viet" typeface="Times New Roman"/>
+        <a:font script="Uigh" typeface="Microsoft Uighur"/>
+        <a:font script="Geor" typeface="Sylfaen"/>
+        <a:font script="Armn" typeface="Arial"/>
+        <a:font script="Bugi" typeface="Leelawadee UI"/>
+        <a:font script="Bopo" typeface="Microsoft JhengHei"/>
+        <a:font script="Java" typeface="Javanese Text"/>
+        <a:font script="Lisu" typeface="Segoe UI"/>
+        <a:font script="Mymr" typeface="Myanmar Text"/>
+        <a:font script="Nkoo" typeface="Ebrima"/>
+        <a:font script="Olck" typeface="Nirmala UI"/>
+        <a:font script="Osma" typeface="Ebrima"/>
+        <a:font script="Phag" typeface="Phagspa"/>
+        <a:font script="Syrn" typeface="Estrangelo Edessa"/>
+        <a:font script="Syrj" typeface="Estrangelo Edessa"/>
+        <a:font script="Syre" typeface="Estrangelo Edessa"/>
+        <a:font script="Sora" typeface="Nirmala UI"/>
+        <a:font script="Tale" typeface="Microsoft Tai Le"/>
+        <a:font script="Talu" typeface="Microsoft New Tai Lue"/>
+        <a:font script="Tfng" typeface="Ebrima"/>
+      </a:majorFont>
+      <a:minorFont>
+        <a:latin typeface="游ゴシック" panose="020F0502020204030204"/>
+        <a:ea typeface=""/>
+        <a:cs typeface=""/>
+        <a:font script="Jpan" typeface="游ゴシック"/>
+        <a:font script="Hang" typeface="맑은 고딕"/>
+        <a:font script="Hans" typeface="等线"/>
+        <a:font script="Hant" typeface="新細明體"/>
+        <a:font script="Arab" typeface="Arial"/>
+        <a:font script="Hebr" typeface="Arial"/>
+        <a:font script="Thai" typeface="Cordia New"/>
+        <a:font script="Ethi" typeface="Nyala"/>
+        <a:font script="Beng" typeface="Vrinda"/>
+        <a:font script="Gujr" typeface="Shruti"/>
+        <a:font script="Khmr" typeface="DaunPenh"/>
+        <a:font script="Knda" typeface="Tunga"/>
+        <a:font script="Guru" typeface="Raavi"/>
+        <a:font script="Cans" typeface="Euphemia"/>
+        <a:font script="Cher" typeface="Plantagenet Cherokee"/>
+        <a:font script="Yiii" typeface="Microsoft Yi Baiti"/>
+        <a:font script="Tibt" typeface="Microsoft Himalaya"/>
+        <a:font script="Thaa" typeface="MV Boli"/>
+        <a:font script="Deva" typeface="Mangal"/>
+        <a:font script="Telu" typeface="Gautami"/>
+        <a:font script="Taml" typeface="Latha"/>
+        <a:font script="Syrc" typeface="Estrangelo Edessa"/>
+        <a:font script="Orya" typeface="Kalinga"/>
+        <a:font script="Mlym" typeface="Kartika"/>
+        <a:font script="Laoo" typeface="DokChampa"/>
+        <a:font script="Sinh" typeface="Iskoola Pota"/>
+        <a:font script="Mong" typeface="Mongolian Baiti"/>
+        <a:font script="Viet" typeface="Arial"/>
+        <a:font script="Uigh" typeface="Microsoft Uighur"/>
+        <a:font script="Geor" typeface="Sylfaen"/>
+        <a:font script="Armn" typeface="Arial"/>
+        <a:font script="Bugi" typeface="Leelawadee UI"/>
+        <a:font script="Bopo" typeface="Microsoft JhengHei"/>
+        <a:font script="Java" typeface="Javanese Text"/>
+        <a:font script="Lisu" typeface="Segoe UI"/>
+        <a:font script="Mymr" typeface="Myanmar Text"/>
+        <a:font script="Nkoo" typeface="Ebrima"/>
+        <a:font script="Olck" typeface="Nirmala UI"/>
+        <a:font script="Osma" typeface="Ebrima"/>
+        <a:font script="Phag" typeface="Phagspa"/>
+        <a:font script="Syrn" typeface="Estrangelo Edessa"/>
+        <a:font script="Syrj" typeface="Estrangelo Edessa"/>
+        <a:font script="Syre" typeface="Estrangelo Edessa"/>
+        <a:font script="Sora" typeface="Nirmala UI"/>
+        <a:font script="Tale" typeface="Microsoft Tai Le"/>
+        <a:font script="Talu" typeface="Microsoft New Tai Lue"/>
+        <a:font script="Tfng" typeface="Ebrima"/>
+      </a:minorFont>
+    </a:fontScheme>
+    <a:fmtScheme name="Office">
+      <a:fillStyleLst>
+        <a:solidFill>
+          <a:schemeClr val="phClr"/>
+        </a:solidFill>
+        <a:gradFill rotWithShape="1">
+          <a:gsLst>
+            <a:gs pos="0">
+              <a:schemeClr val="phClr">
+                <a:lumMod val="110000"/>
+                <a:satMod val="105000"/>
+                <a:tint val="67000"/>
+              </a:schemeClr>
+            </a:gs>
+            <a:gs pos="50000">
+              <a:schemeClr val="phClr">
+                <a:lumMod val="105000"/>
+                <a:satMod val="103000"/>
+                <a:tint val="73000"/>
+              </a:schemeClr>
+            </a:gs>
+            <a:gs pos="100000">
+              <a:schemeClr val="phClr">
+                <a:lumMod val="105000"/>
+                <a:satMod val="109000"/>
+                <a:tint val="81000"/>
+              </a:schemeClr>
+            </a:gs>
+          </a:gsLst>
+          <a:lin ang="5400000" scaled="0"/>
+        </a:gradFill>
+        <a:gradFill rotWithShape="1">
+          <a:gsLst>
+            <a:gs pos="0">
+              <a:schemeClr val="phClr">
+                <a:satMod val="103000"/>
+                <a:lumMod val="102000"/>
+                <a:tint val="94000"/>
+              </a:schemeClr>
+            </a:gs>
+            <a:gs pos="50000">
+              <a:schemeClr val="phClr">
+                <a:satMod val="110000"/>
+                <a:lumMod val="100000"/>
+                <a:shade val="100000"/>
+              </a:schemeClr>
+            </a:gs>
+            <a:gs pos="100000">
+              <a:schemeClr val="phClr">
+                <a:lumMod val="99000"/>
+                <a:satMod val="120000"/>
+                <a:shade val="78000"/>
+              </a:schemeClr>
+            </a:gs>
+          </a:gsLst>
+          <a:lin ang="5400000" scaled="0"/>
+        </a:gradFill>
+      </a:fillStyleLst>
+      <a:lnStyleLst>
+        <a:ln w="6350" cap="flat" cmpd="sng" algn="ctr">
+          <a:solidFill>
+            <a:schemeClr val="phClr"/>
+          </a:solidFill>
+          <a:prstDash val="solid"/>
+          <a:miter lim="800000"/>
+        </a:ln>
+        <a:ln w="12700" cap="flat" cmpd="sng" algn="ctr">
+          <a:solidFill>
+            <a:schemeClr val="phClr"/>
+          </a:solidFill>
+          <a:prstDash val="solid"/>
+          <a:miter lim="800000"/>
+        </a:ln>
+        <a:ln w="19050" cap="flat" cmpd="sng" algn="ctr">
+          <a:solidFill>
+            <a:schemeClr val="phClr"/>
+          </a:solidFill>
+          <a:prstDash val="solid"/>
+          <a:miter lim="800000"/>
+        </a:ln>
+      </a:lnStyleLst>
+      <a:effectStyleLst>
+        <a:effectStyle>
+          <a:effectLst/>
+        </a:effectStyle>
+        <a:effectStyle>
+          <a:effectLst/>
+        </a:effectStyle>
+        <a:effectStyle>
+          <a:effectLst>
+            <a:outerShdw blurRad="57150" dist="19050" dir="5400000" algn="ctr" rotWithShape="0">
+              <a:srgbClr val="000000">
+                <a:alpha val="63000"/>
+              </a:srgbClr>
+            </a:outerShdw>
+          </a:effectLst>
+        </a:effectStyle>
+      </a:effectStyleLst>
+      <a:bgFillStyleLst>
+        <a:solidFill>
+          <a:schemeClr val="phClr"/>
+        </a:solidFill>
+        <a:solidFill>
+          <a:schemeClr val="phClr">
+            <a:tint val="95000"/>
+            <a:satMod val="170000"/>
+          </a:schemeClr>
+        </a:solidFill>
+        <a:gradFill rotWithShape="1">
+          <a:gsLst>
+            <a:gs pos="0">
+              <a:schemeClr val="phClr">
+                <a:tint val="93000"/>
+                <a:satMod val="150000"/>
+                <a:shade val="98000"/>
+                <a:lumMod val="102000"/>
+              </a:schemeClr>
+            </a:gs>
+            <a:gs pos="50000">
+              <a:schemeClr val="phClr">
+                <a:tint val="98000"/>
+                <a:satMod val="130000"/>
+                <a:shade val="90000"/>
+                <a:lumMod val="103000"/>
+              </a:schemeClr>
+            </a:gs>
+            <a:gs pos="100000">
+              <a:schemeClr val="phClr">
+                <a:shade val="63000"/>
+                <a:satMod val="120000"/>
+              </a:schemeClr>
+            </a:gs>
+          </a:gsLst>
+          <a:lin ang="5400000" scaled="0"/>
+        </a:gradFill>
+      </a:bgFillStyleLst>
+    </a:fmtScheme>
+  </a:themeElements>
+  <a:objectDefaults/>
+  <a:extraClrSchemeLst/>
+  <a:extLst>
+    <a:ext uri="{05A4C25C-085E-4340-85A3-A5531E510DB2}">
+      <thm15:themeFamily xmlns:thm15="http://schemas.microsoft.com/office/thememl/2012/main" name="Office Theme" id="{62F939B6-93AF-4DB8-9C6B-D6C7DFDC589F}" vid="{4A3C46E8-61CC-4603-A589-7422A47A8E4A}"/>
+    </a:ext>
+  </a:extLst>
+</a:theme>
 </file>
--- a/chukan/発表スライド.pptx
+++ b/chukan/発表スライド.pptx
@@ -5,7 +5,7 @@
     <p:sldMasterId id="2147483827" r:id="rId1"/>
   </p:sldMasterIdLst>
   <p:notesMasterIdLst>
-    <p:notesMasterId r:id="rId26"/>
+    <p:notesMasterId r:id="rId27"/>
   </p:notesMasterIdLst>
   <p:sldIdLst>
     <p:sldId id="256" r:id="rId2"/>
@@ -28,10 +28,11 @@
     <p:sldId id="260" r:id="rId19"/>
     <p:sldId id="279" r:id="rId20"/>
     <p:sldId id="281" r:id="rId21"/>
-    <p:sldId id="270" r:id="rId22"/>
-    <p:sldId id="274" r:id="rId23"/>
-    <p:sldId id="275" r:id="rId24"/>
-    <p:sldId id="276" r:id="rId25"/>
+    <p:sldId id="282" r:id="rId22"/>
+    <p:sldId id="270" r:id="rId23"/>
+    <p:sldId id="274" r:id="rId24"/>
+    <p:sldId id="275" r:id="rId25"/>
+    <p:sldId id="276" r:id="rId26"/>
   </p:sldIdLst>
   <p:sldSz cx="12192000" cy="6858000"/>
   <p:notesSz cx="6858000" cy="9144000"/>
@@ -564,364 +565,23 @@
           <a:lstStyle/>
           <a:p>
             <a:r>
-              <a:rPr kumimoji="1" lang="ja-JP" altLang="en-US" sz="1200" b="0" kern="1200">
-                <a:solidFill>
-                  <a:schemeClr val="tx1"/>
-                </a:solidFill>
-                <a:effectLst/>
-                <a:latin typeface="+mn-lt"/>
-                <a:ea typeface="+mn-ea"/>
-                <a:cs typeface="+mn-cs"/>
-              </a:rPr>
-              <a:t>近年，受検者の論理的思考力や表現力などの実践的な能力を測定する方法の一つとして，パフォーマンス評価が注目されています．</a:t>
-            </a:r>
-            <a:endParaRPr kumimoji="1" lang="en-US" altLang="ja-JP" sz="1200" b="0" kern="1200" dirty="0">
-              <a:solidFill>
-                <a:schemeClr val="tx1"/>
-              </a:solidFill>
-              <a:effectLst/>
-              <a:latin typeface="+mn-lt"/>
-              <a:ea typeface="+mn-ea"/>
-              <a:cs typeface="+mn-cs"/>
-            </a:endParaRPr>
-          </a:p>
-          <a:p>
-            <a:r>
-              <a:rPr kumimoji="1" lang="ja-JP" altLang="en-US" sz="1200" b="0" kern="1200">
-                <a:solidFill>
-                  <a:schemeClr val="tx1"/>
-                </a:solidFill>
-                <a:effectLst/>
-                <a:latin typeface="+mn-lt"/>
-                <a:ea typeface="+mn-ea"/>
-                <a:cs typeface="+mn-cs"/>
-              </a:rPr>
-              <a:t>パフォーマンス評価における問題の一つが，採点の信頼性に関わる点です．</a:t>
-            </a:r>
-            <a:endParaRPr kumimoji="1" lang="en-US" altLang="ja-JP" sz="1200" b="0" kern="1200" dirty="0">
-              <a:solidFill>
-                <a:schemeClr val="tx1"/>
-              </a:solidFill>
-              <a:effectLst/>
-              <a:latin typeface="+mn-lt"/>
-              <a:ea typeface="+mn-ea"/>
-              <a:cs typeface="+mn-cs"/>
-            </a:endParaRPr>
-          </a:p>
-          <a:p>
-            <a:r>
-              <a:rPr kumimoji="1" lang="ja-JP" altLang="en-US" sz="1200" b="0" kern="1200">
-                <a:solidFill>
-                  <a:schemeClr val="tx1"/>
-                </a:solidFill>
-                <a:effectLst/>
-                <a:latin typeface="+mn-lt"/>
-                <a:ea typeface="+mn-ea"/>
-                <a:cs typeface="+mn-cs"/>
-              </a:rPr>
-              <a:t>パフォーマンス評価では，評価者の厳しさや一貫性の違い，各得点の使用傾向の差などにより，採点に偏りが出てしまうことがあり，このことが評価の信頼性低下の要因となります．</a:t>
-            </a:r>
-            <a:endParaRPr kumimoji="1" lang="en-US" altLang="ja-JP" sz="1200" b="0" kern="1200" dirty="0">
-              <a:solidFill>
-                <a:schemeClr val="tx1"/>
-              </a:solidFill>
-              <a:effectLst/>
-              <a:latin typeface="+mn-lt"/>
-              <a:ea typeface="+mn-ea"/>
-              <a:cs typeface="+mn-cs"/>
-            </a:endParaRPr>
-          </a:p>
-          <a:p>
-            <a:r>
-              <a:rPr kumimoji="1" lang="ja-JP" altLang="en-US" sz="1200" b="0" kern="1200">
-                <a:solidFill>
-                  <a:schemeClr val="tx1"/>
-                </a:solidFill>
-                <a:effectLst/>
-                <a:latin typeface="+mn-lt"/>
-                <a:ea typeface="+mn-ea"/>
-                <a:cs typeface="+mn-cs"/>
-              </a:rPr>
-              <a:t>この問題を解決するために項目反応理論と呼ばれる数理モデルの利用が近年注目されています．</a:t>
-            </a:r>
-            <a:endParaRPr kumimoji="1" lang="en-US" altLang="ja-JP" sz="1200" b="0" kern="1200" dirty="0">
-              <a:solidFill>
-                <a:schemeClr val="tx1"/>
-              </a:solidFill>
-              <a:effectLst/>
-              <a:latin typeface="+mn-lt"/>
-              <a:ea typeface="+mn-ea"/>
-              <a:cs typeface="+mn-cs"/>
-            </a:endParaRPr>
-          </a:p>
-          <a:p>
-            <a:endParaRPr kumimoji="1" lang="en-US" altLang="ja-JP" sz="1200" b="0" kern="1200" dirty="0">
-              <a:solidFill>
-                <a:schemeClr val="tx1"/>
-              </a:solidFill>
-              <a:effectLst/>
-              <a:latin typeface="+mn-lt"/>
-              <a:ea typeface="+mn-ea"/>
-              <a:cs typeface="+mn-cs"/>
-            </a:endParaRPr>
-          </a:p>
-          <a:p>
-            <a:endParaRPr kumimoji="1" lang="en-US" altLang="ja-JP" sz="1200" b="0" kern="1200" dirty="0">
-              <a:solidFill>
-                <a:schemeClr val="tx1"/>
-              </a:solidFill>
-              <a:effectLst/>
-              <a:latin typeface="+mn-lt"/>
-              <a:ea typeface="+mn-ea"/>
-              <a:cs typeface="+mn-cs"/>
-            </a:endParaRPr>
-          </a:p>
-          <a:p>
-            <a:endParaRPr kumimoji="1" lang="en-US" altLang="ja-JP" sz="1200" b="0" kern="1200" dirty="0">
-              <a:solidFill>
-                <a:schemeClr val="tx1"/>
-              </a:solidFill>
-              <a:effectLst/>
-              <a:latin typeface="+mn-lt"/>
-              <a:ea typeface="+mn-ea"/>
-              <a:cs typeface="+mn-cs"/>
-            </a:endParaRPr>
-          </a:p>
-          <a:p>
-            <a:r>
-              <a:rPr kumimoji="1" lang="ja-JP" altLang="en-US" sz="1200" b="0" kern="1200">
-                <a:solidFill>
-                  <a:schemeClr val="tx1"/>
-                </a:solidFill>
-                <a:effectLst/>
-                <a:latin typeface="+mn-lt"/>
-                <a:ea typeface="+mn-ea"/>
-                <a:cs typeface="+mn-cs"/>
-              </a:rPr>
-              <a:t>ーーー以下詳しく聞かれたらーーーーーーーーーーーーーーーーーーーーーーーーーーーーーーーーーーーーーーーーーーーーーーーーーーーーーーーーーーーーーーーーーーーーーーーーーーーーーー</a:t>
-            </a:r>
-            <a:endParaRPr kumimoji="1" lang="en-US" altLang="ja-JP" sz="1200" b="0" kern="1200" dirty="0">
-              <a:solidFill>
-                <a:schemeClr val="tx1"/>
-              </a:solidFill>
-              <a:effectLst/>
-              <a:latin typeface="+mn-lt"/>
-              <a:ea typeface="+mn-ea"/>
-              <a:cs typeface="+mn-cs"/>
-            </a:endParaRPr>
-          </a:p>
-          <a:p>
-            <a:endParaRPr kumimoji="1" lang="en-US" altLang="ja-JP" sz="1200" b="0" kern="1200" dirty="0">
-              <a:solidFill>
-                <a:srgbClr val="FF0000"/>
-              </a:solidFill>
-              <a:effectLst/>
-              <a:latin typeface="+mn-lt"/>
-              <a:ea typeface="+mn-ea"/>
-              <a:cs typeface="+mn-cs"/>
-            </a:endParaRPr>
-          </a:p>
-          <a:p>
-            <a:r>
-              <a:rPr kumimoji="1" lang="ja-JP" altLang="en-US" sz="1200" b="0" kern="1200">
-                <a:solidFill>
-                  <a:srgbClr val="FF0000"/>
-                </a:solidFill>
-                <a:effectLst/>
-                <a:latin typeface="+mn-lt"/>
-                <a:ea typeface="+mn-ea"/>
-                <a:cs typeface="+mn-cs"/>
-              </a:rPr>
-              <a:t>項目反応理論は，コンピュータ・テスティングの普及とともに，近年様々な分野で実用化が進められている数理モデルを用いたテスト理論の一つで，テストを作成・実施・評価・運用するための数理モデルです．</a:t>
-            </a:r>
-          </a:p>
-          <a:p>
-            <a:r>
-              <a:rPr kumimoji="1" lang="en" altLang="ja-JP" sz="1200" b="0" kern="1200" dirty="0">
-                <a:solidFill>
-                  <a:srgbClr val="FF0000"/>
-                </a:solidFill>
-                <a:effectLst/>
-                <a:latin typeface="+mn-lt"/>
-                <a:ea typeface="+mn-ea"/>
-                <a:cs typeface="+mn-cs"/>
-              </a:rPr>
-              <a:t>IRT</a:t>
-            </a:r>
-            <a:r>
-              <a:rPr kumimoji="1" lang="ja-JP" altLang="en-US" sz="1200" b="0" kern="1200">
-                <a:solidFill>
-                  <a:srgbClr val="FF0000"/>
-                </a:solidFill>
-                <a:effectLst/>
-                <a:latin typeface="+mn-lt"/>
-                <a:ea typeface="+mn-ea"/>
-                <a:cs typeface="+mn-cs"/>
-              </a:rPr>
-              <a:t>の利点として，次のような点が挙げられる</a:t>
-            </a:r>
-            <a:endParaRPr kumimoji="1" lang="en-US" altLang="ja-JP" sz="1200" b="0" kern="1200" dirty="0">
-              <a:solidFill>
-                <a:srgbClr val="FF0000"/>
-              </a:solidFill>
-              <a:effectLst/>
-              <a:latin typeface="+mn-lt"/>
-              <a:ea typeface="+mn-ea"/>
-              <a:cs typeface="+mn-cs"/>
-            </a:endParaRPr>
-          </a:p>
-          <a:p>
-            <a:r>
-              <a:rPr kumimoji="1" lang="ja-JP" altLang="en-US" sz="1200" b="0" kern="1200">
-                <a:solidFill>
-                  <a:srgbClr val="FF0000"/>
-                </a:solidFill>
-                <a:effectLst/>
-                <a:latin typeface="+mn-lt"/>
-                <a:ea typeface="+mn-ea"/>
-                <a:cs typeface="+mn-cs"/>
-              </a:rPr>
-              <a:t>・推定制度の低い異質項目の影響を小さくして能力推定を行うことができる．</a:t>
-            </a:r>
-          </a:p>
-          <a:p>
-            <a:r>
-              <a:rPr kumimoji="1" lang="ja-JP" altLang="en-US" sz="1200" b="0" kern="1200">
-                <a:solidFill>
-                  <a:srgbClr val="FF0000"/>
-                </a:solidFill>
-                <a:effectLst/>
-                <a:latin typeface="+mn-lt"/>
-                <a:ea typeface="+mn-ea"/>
-                <a:cs typeface="+mn-cs"/>
-              </a:rPr>
-              <a:t>・異なる項目への受検者の反応を同一尺度上で評価できる．</a:t>
-            </a:r>
-          </a:p>
-          <a:p>
-            <a:r>
-              <a:rPr kumimoji="1" lang="ja-JP" altLang="en-US" sz="1200" b="0" kern="1200">
-                <a:solidFill>
-                  <a:srgbClr val="FF0000"/>
-                </a:solidFill>
-                <a:effectLst/>
-                <a:latin typeface="+mn-lt"/>
-                <a:ea typeface="+mn-ea"/>
-                <a:cs typeface="+mn-cs"/>
-              </a:rPr>
-              <a:t>・欠測データから容易にパラメータを推定できる．</a:t>
-            </a:r>
-          </a:p>
-          <a:p>
-            <a:br>
-              <a:rPr kumimoji="1" lang="en" altLang="ja-JP" sz="1200" b="0" kern="1200" dirty="0">
-                <a:solidFill>
-                  <a:srgbClr val="FF0000"/>
-                </a:solidFill>
-                <a:effectLst/>
-                <a:latin typeface="+mn-lt"/>
-                <a:ea typeface="+mn-ea"/>
-                <a:cs typeface="+mn-cs"/>
-              </a:rPr>
-            </a:br>
-            <a:r>
-              <a:rPr kumimoji="1" lang="en" altLang="ja-JP" sz="1200" b="0" kern="1200" dirty="0">
-                <a:solidFill>
-                  <a:srgbClr val="FF0000"/>
-                </a:solidFill>
-                <a:effectLst/>
-                <a:latin typeface="+mn-lt"/>
-                <a:ea typeface="+mn-ea"/>
-                <a:cs typeface="+mn-cs"/>
-              </a:rPr>
-              <a:t>IRT</a:t>
-            </a:r>
-            <a:r>
-              <a:rPr kumimoji="1" lang="ja-JP" altLang="en-US" sz="1200" b="0" kern="1200">
-                <a:solidFill>
-                  <a:srgbClr val="FF0000"/>
-                </a:solidFill>
-                <a:effectLst/>
-                <a:latin typeface="+mn-lt"/>
-                <a:ea typeface="+mn-ea"/>
-                <a:cs typeface="+mn-cs"/>
-              </a:rPr>
-              <a:t>はこれまで，正誤判定問題や選択式問題などの正誤を一意に判定できる</a:t>
-            </a:r>
-            <a:r>
-              <a:rPr kumimoji="1" lang="en-US" altLang="ja-JP" sz="1200" b="0" kern="1200" dirty="0">
-                <a:solidFill>
-                  <a:srgbClr val="FF0000"/>
-                </a:solidFill>
-                <a:effectLst/>
-                <a:latin typeface="+mn-lt"/>
-                <a:ea typeface="+mn-ea"/>
-                <a:cs typeface="+mn-cs"/>
-              </a:rPr>
-              <a:t>2</a:t>
-            </a:r>
-            <a:r>
-              <a:rPr kumimoji="1" lang="ja-JP" altLang="en-US" sz="1200" b="0" kern="1200">
-                <a:solidFill>
-                  <a:srgbClr val="FF0000"/>
-                </a:solidFill>
-                <a:effectLst/>
-                <a:latin typeface="+mn-lt"/>
-                <a:ea typeface="+mn-ea"/>
-                <a:cs typeface="+mn-cs"/>
-              </a:rPr>
-              <a:t>値型データを扱うテストへの利用が一般的であった．</a:t>
-            </a:r>
-            <a:endParaRPr kumimoji="1" lang="en-US" altLang="ja-JP" sz="1200" b="0" kern="1200" dirty="0">
-              <a:solidFill>
-                <a:srgbClr val="FF0000"/>
-              </a:solidFill>
-              <a:effectLst/>
-              <a:latin typeface="+mn-lt"/>
-              <a:ea typeface="+mn-ea"/>
-              <a:cs typeface="+mn-cs"/>
-            </a:endParaRPr>
-          </a:p>
-          <a:p>
-            <a:r>
-              <a:rPr kumimoji="1" lang="ja-JP" altLang="en-US" sz="1200" b="0" kern="1200">
-                <a:solidFill>
-                  <a:srgbClr val="FF0000"/>
-                </a:solidFill>
-                <a:effectLst/>
-                <a:latin typeface="+mn-lt"/>
-                <a:ea typeface="+mn-ea"/>
-                <a:cs typeface="+mn-cs"/>
-              </a:rPr>
-              <a:t> 一方で，近年では論述式・記述式試験のような多段階カテゴリを用いた評価データに対して，多値型</a:t>
-            </a:r>
-            <a:r>
-              <a:rPr kumimoji="1" lang="en" altLang="ja-JP" sz="1200" b="0" kern="1200" dirty="0">
-                <a:solidFill>
-                  <a:srgbClr val="FF0000"/>
-                </a:solidFill>
-                <a:effectLst/>
-                <a:latin typeface="+mn-lt"/>
-                <a:ea typeface="+mn-ea"/>
-                <a:cs typeface="+mn-cs"/>
-              </a:rPr>
-              <a:t>IRT</a:t>
-            </a:r>
-            <a:r>
-              <a:rPr kumimoji="1" lang="ja-JP" altLang="en-US" sz="1200" b="0" kern="1200">
-                <a:solidFill>
-                  <a:srgbClr val="FF0000"/>
-                </a:solidFill>
-                <a:effectLst/>
-                <a:latin typeface="+mn-lt"/>
-                <a:ea typeface="+mn-ea"/>
-                <a:cs typeface="+mn-cs"/>
-              </a:rPr>
-              <a:t>モデルを適用してパフォーマンスを評価する応用的な研究も進められている</a:t>
-            </a:r>
-          </a:p>
-          <a:p>
-            <a:endParaRPr kumimoji="1" lang="ja-JP" altLang="en-US"/>
+              <a:rPr kumimoji="1" lang="ja-JP" altLang="en-US" b="1"/>
+              <a:t>＜注意＞</a:t>
+            </a:r>
+            <a:endParaRPr kumimoji="1" lang="en-US" altLang="ja-JP" b="1" dirty="0"/>
+          </a:p>
+          <a:p>
+            <a:r>
+              <a:rPr kumimoji="1" lang="ja-JP" altLang="en-US"/>
+              <a:t>早口で話す！</a:t>
+            </a:r>
+            <a:endParaRPr kumimoji="1" lang="en-US" altLang="ja-JP" dirty="0"/>
+          </a:p>
+          <a:p>
+            <a:r>
+              <a:rPr kumimoji="1" lang="ja-JP" altLang="en-US"/>
+              <a:t>ポインターを使う！</a:t>
+            </a:r>
           </a:p>
         </p:txBody>
       </p:sp>
@@ -942,7 +602,7 @@
           <a:p>
             <a:fld id="{F069C953-97BB-D34F-A925-DB809641415F}" type="slidenum">
               <a:rPr kumimoji="1" lang="ja-JP" altLang="en-US" smtClean="0"/>
-              <a:t>2</a:t>
+              <a:t>1</a:t>
             </a:fld>
             <a:endParaRPr kumimoji="1" lang="ja-JP" altLang="en-US"/>
           </a:p>
@@ -951,7 +611,7 @@
     </p:spTree>
     <p:extLst>
       <p:ext uri="{BB962C8B-B14F-4D97-AF65-F5344CB8AC3E}">
-        <p14:creationId xmlns:p14="http://schemas.microsoft.com/office/powerpoint/2010/main" val="97678624"/>
+        <p14:creationId xmlns:p14="http://schemas.microsoft.com/office/powerpoint/2010/main" val="158352615"/>
       </p:ext>
     </p:extLst>
   </p:cSld>
@@ -1005,8 +665,25 @@
           <a:bodyPr/>
           <a:lstStyle/>
           <a:p>
-            <a:r>
-              <a:rPr kumimoji="1" lang="ja-JP" altLang="en-US" sz="1200" kern="1200">
+            <a:pPr marL="0" marR="0" lvl="0" indent="0" algn="l" defTabSz="914400" rtl="0" eaLnBrk="1" fontAlgn="auto" latinLnBrk="0" hangingPunct="1">
+              <a:lnSpc>
+                <a:spcPct val="100000"/>
+              </a:lnSpc>
+              <a:spcBef>
+                <a:spcPts val="0"/>
+              </a:spcBef>
+              <a:spcAft>
+                <a:spcPts val="0"/>
+              </a:spcAft>
+              <a:buClrTx/>
+              <a:buSzTx/>
+              <a:buFontTx/>
+              <a:buNone/>
+              <a:tabLst/>
+              <a:defRPr/>
+            </a:pPr>
+            <a:r>
+              <a:rPr kumimoji="1" lang="ja-JP" altLang="en-US" sz="1200" b="0" i="0" u="none" strike="noStrike" kern="1200">
                 <a:solidFill>
                   <a:schemeClr val="tx1"/>
                 </a:solidFill>
@@ -1015,10 +692,66 @@
                 <a:ea typeface="+mn-ea"/>
                 <a:cs typeface="+mn-cs"/>
               </a:rPr>
-              <a:t>また，</a:t>
-            </a:r>
-            <a:r>
-              <a:rPr kumimoji="1" lang="ja-JP" altLang="en-US" sz="1200" b="0" kern="1200">
+              <a:t>本研究では，提案モデルのパラメータ推定にマルコフ連鎖モンテカルロ法を利用しますが，これによって適切にパラメータを推定できるかをシミュレーションで評価しました．</a:t>
+            </a:r>
+            <a:endParaRPr kumimoji="1" lang="en-US" altLang="ja-JP" sz="1200" b="0" i="0" u="none" strike="noStrike" kern="1200" dirty="0">
+              <a:solidFill>
+                <a:schemeClr val="tx1"/>
+              </a:solidFill>
+              <a:effectLst/>
+              <a:latin typeface="+mn-lt"/>
+              <a:ea typeface="+mn-ea"/>
+              <a:cs typeface="+mn-cs"/>
+            </a:endParaRPr>
+          </a:p>
+          <a:p>
+            <a:pPr marL="0" marR="0" lvl="0" indent="0" algn="l" defTabSz="914400" rtl="0" eaLnBrk="1" fontAlgn="auto" latinLnBrk="0" hangingPunct="1">
+              <a:lnSpc>
+                <a:spcPct val="100000"/>
+              </a:lnSpc>
+              <a:spcBef>
+                <a:spcPts val="0"/>
+              </a:spcBef>
+              <a:spcAft>
+                <a:spcPts val="0"/>
+              </a:spcAft>
+              <a:buClrTx/>
+              <a:buSzTx/>
+              <a:buFontTx/>
+              <a:buNone/>
+              <a:tabLst/>
+              <a:defRPr/>
+            </a:pPr>
+            <a:endParaRPr kumimoji="1" lang="en-US" altLang="ja-JP" sz="1200" b="0" i="0" u="none" strike="noStrike" kern="1200" dirty="0">
+              <a:solidFill>
+                <a:schemeClr val="tx1"/>
+              </a:solidFill>
+              <a:effectLst/>
+              <a:latin typeface="+mn-lt"/>
+              <a:ea typeface="+mn-ea"/>
+              <a:cs typeface="+mn-cs"/>
+            </a:endParaRPr>
+          </a:p>
+          <a:p>
+            <a:pPr marL="0" marR="0" lvl="0" indent="0" algn="l" defTabSz="914400" rtl="0" eaLnBrk="1" fontAlgn="auto" latinLnBrk="0" hangingPunct="1">
+              <a:lnSpc>
+                <a:spcPct val="100000"/>
+              </a:lnSpc>
+              <a:spcBef>
+                <a:spcPts val="0"/>
+              </a:spcBef>
+              <a:spcAft>
+                <a:spcPts val="0"/>
+              </a:spcAft>
+              <a:buClrTx/>
+              <a:buSzTx/>
+              <a:buFontTx/>
+              <a:buNone/>
+              <a:tabLst/>
+              <a:defRPr/>
+            </a:pPr>
+            <a:r>
+              <a:rPr kumimoji="1" lang="ja-JP" altLang="en-US" sz="1200" b="0" i="0" u="none" strike="noStrike" kern="1200">
                 <a:solidFill>
                   <a:schemeClr val="tx1"/>
                 </a:solidFill>
@@ -1027,10 +760,10 @@
                 <a:ea typeface="+mn-ea"/>
                 <a:cs typeface="+mn-cs"/>
               </a:rPr>
-              <a:t>評価者の厳しさパラメータ</a:t>
-            </a:r>
-            <a:r>
-              <a:rPr kumimoji="1" lang="ja-JP" altLang="en-US" sz="1200" kern="1200">
+              <a:t>実験結果はこちらになります．誤差指標に</a:t>
+            </a:r>
+            <a:r>
+              <a:rPr kumimoji="1" lang="en" altLang="ja-JP" sz="1200" b="0" i="0" u="none" strike="noStrike" kern="1200" dirty="0">
                 <a:solidFill>
                   <a:schemeClr val="tx1"/>
                 </a:solidFill>
@@ -1039,9 +772,45 @@
                 <a:ea typeface="+mn-ea"/>
                 <a:cs typeface="+mn-cs"/>
               </a:rPr>
-              <a:t>の推定結果の例を図に示します．</a:t>
-            </a:r>
-            <a:endParaRPr kumimoji="1" lang="en-US" altLang="ja-JP" sz="1200" kern="1200" dirty="0">
+              <a:t>RMSE</a:t>
+            </a:r>
+            <a:r>
+              <a:rPr kumimoji="1" lang="ja-JP" altLang="en-US" sz="1200" b="0" i="0" u="none" strike="noStrike" kern="1200">
+                <a:solidFill>
+                  <a:schemeClr val="tx1"/>
+                </a:solidFill>
+                <a:effectLst/>
+                <a:latin typeface="+mn-lt"/>
+                <a:ea typeface="+mn-ea"/>
+                <a:cs typeface="+mn-cs"/>
+              </a:rPr>
+              <a:t>と</a:t>
+            </a:r>
+            <a:r>
+              <a:rPr kumimoji="1" lang="en" altLang="ja-JP" sz="1200" b="0" i="0" u="none" strike="noStrike" kern="1200" dirty="0">
+                <a:solidFill>
+                  <a:schemeClr val="tx1"/>
+                </a:solidFill>
+                <a:effectLst/>
+                <a:latin typeface="+mn-lt"/>
+                <a:ea typeface="+mn-ea"/>
+                <a:cs typeface="+mn-cs"/>
+              </a:rPr>
+              <a:t>BIAS</a:t>
+            </a:r>
+            <a:r>
+              <a:rPr kumimoji="1" lang="ja-JP" altLang="en-US" sz="1200" b="0" i="0" u="none" strike="noStrike" kern="1200">
+                <a:solidFill>
+                  <a:schemeClr val="tx1"/>
+                </a:solidFill>
+                <a:effectLst/>
+                <a:latin typeface="+mn-lt"/>
+                <a:ea typeface="+mn-ea"/>
+                <a:cs typeface="+mn-cs"/>
+              </a:rPr>
+              <a:t>を使っています．</a:t>
+            </a:r>
+            <a:endParaRPr kumimoji="1" lang="en-US" altLang="ja-JP" sz="1200" b="0" i="0" u="none" strike="noStrike" kern="1200" dirty="0">
               <a:solidFill>
                 <a:schemeClr val="tx1"/>
               </a:solidFill>
@@ -1052,7 +821,36 @@
             </a:endParaRPr>
           </a:p>
           <a:p>
-            <a:endParaRPr kumimoji="1" lang="en-US" altLang="ja-JP" sz="1200" kern="1200" dirty="0">
+            <a:pPr marL="0" marR="0" lvl="0" indent="0" algn="l" defTabSz="914400" rtl="0" eaLnBrk="1" fontAlgn="auto" latinLnBrk="0" hangingPunct="1">
+              <a:lnSpc>
+                <a:spcPct val="100000"/>
+              </a:lnSpc>
+              <a:spcBef>
+                <a:spcPts val="0"/>
+              </a:spcBef>
+              <a:spcAft>
+                <a:spcPts val="0"/>
+              </a:spcAft>
+              <a:buClrTx/>
+              <a:buSzTx/>
+              <a:buFontTx/>
+              <a:buNone/>
+              <a:tabLst/>
+              <a:defRPr/>
+            </a:pPr>
+            <a:r>
+              <a:rPr kumimoji="1" lang="ja-JP" altLang="en-US" sz="1200" b="0" i="0" u="none" strike="noStrike" kern="1200">
+                <a:solidFill>
+                  <a:schemeClr val="tx1"/>
+                </a:solidFill>
+                <a:effectLst/>
+                <a:latin typeface="+mn-lt"/>
+                <a:ea typeface="+mn-ea"/>
+                <a:cs typeface="+mn-cs"/>
+              </a:rPr>
+              <a:t>詳細は割愛しますが，全体的に小さな値となっており，適切に推定ができていることが確認できました</a:t>
+            </a:r>
+            <a:endParaRPr kumimoji="1" lang="en-US" altLang="ja-JP" sz="1200" b="0" i="0" u="none" strike="noStrike" kern="1200" dirty="0">
               <a:solidFill>
                 <a:schemeClr val="tx1"/>
               </a:solidFill>
@@ -1063,78 +861,24 @@
             </a:endParaRPr>
           </a:p>
           <a:p>
-            <a:r>
-              <a:rPr kumimoji="1" lang="ja-JP" altLang="en-US" sz="1200" kern="1200">
-                <a:solidFill>
-                  <a:schemeClr val="tx1"/>
-                </a:solidFill>
-                <a:effectLst/>
-                <a:latin typeface="+mn-lt"/>
-                <a:ea typeface="+mn-ea"/>
-                <a:cs typeface="+mn-cs"/>
-              </a:rPr>
-              <a:t>横軸が時間区分，縦軸が評価者の厳しさパラメータの値で，実線が作成したパラメータ真値，破線が推定したパラメータです．</a:t>
-            </a:r>
-            <a:endParaRPr kumimoji="1" lang="en-US" altLang="ja-JP" sz="1200" kern="1200" dirty="0">
-              <a:solidFill>
-                <a:schemeClr val="tx1"/>
-              </a:solidFill>
-              <a:effectLst/>
-              <a:latin typeface="+mn-lt"/>
-              <a:ea typeface="+mn-ea"/>
-              <a:cs typeface="+mn-cs"/>
-            </a:endParaRPr>
-          </a:p>
-          <a:p>
-            <a:r>
-              <a:rPr kumimoji="1" lang="ja-JP" altLang="en-US" sz="1200" kern="1200">
-                <a:solidFill>
-                  <a:schemeClr val="tx1"/>
-                </a:solidFill>
-                <a:effectLst/>
-                <a:latin typeface="+mn-lt"/>
-                <a:ea typeface="+mn-ea"/>
-                <a:cs typeface="+mn-cs"/>
-              </a:rPr>
-              <a:t>このグラフより，作成した真値に近い値で，パラメータが推定されていることがわかります．</a:t>
-            </a:r>
-            <a:endParaRPr kumimoji="1" lang="en-US" altLang="ja-JP" sz="1200" kern="1200" dirty="0">
-              <a:solidFill>
-                <a:schemeClr val="tx1"/>
-              </a:solidFill>
-              <a:effectLst/>
-              <a:latin typeface="+mn-lt"/>
-              <a:ea typeface="+mn-ea"/>
-              <a:cs typeface="+mn-cs"/>
-            </a:endParaRPr>
-          </a:p>
-          <a:p>
-            <a:pPr marL="0" indent="0">
+            <a:pPr marL="0" marR="0" lvl="0" indent="0" algn="l" defTabSz="914400" rtl="0" eaLnBrk="1" fontAlgn="auto" latinLnBrk="0" hangingPunct="1">
+              <a:lnSpc>
+                <a:spcPct val="100000"/>
+              </a:lnSpc>
+              <a:spcBef>
+                <a:spcPts val="0"/>
+              </a:spcBef>
+              <a:spcAft>
+                <a:spcPts val="0"/>
+              </a:spcAft>
+              <a:buClrTx/>
+              <a:buSzTx/>
+              <a:buFontTx/>
               <a:buNone/>
+              <a:tabLst/>
+              <a:defRPr/>
             </a:pPr>
-            <a:r>
-              <a:rPr kumimoji="1" lang="ja-JP" altLang="en-US" sz="1200" kern="1200">
-                <a:solidFill>
-                  <a:schemeClr val="tx1"/>
-                </a:solidFill>
-                <a:effectLst/>
-                <a:latin typeface="+mn-lt"/>
-                <a:ea typeface="+mn-ea"/>
-                <a:cs typeface="+mn-cs"/>
-              </a:rPr>
-              <a:t>以上より，</a:t>
-            </a:r>
-            <a:r>
-              <a:rPr kumimoji="1" lang="en-US" altLang="ja-JP" dirty="0"/>
-              <a:t>MCMC</a:t>
-            </a:r>
-            <a:r>
-              <a:rPr kumimoji="1" lang="ja-JP" altLang="en-US"/>
-              <a:t>により提案モデルのパラメータを適切に推定できることがわかりました．</a:t>
-            </a:r>
-          </a:p>
-          <a:p>
-            <a:endParaRPr kumimoji="1" lang="ja-JP" altLang="en-US" sz="1200" kern="1200">
+            <a:endParaRPr kumimoji="1" lang="en-US" altLang="ja-JP" sz="1200" b="0" i="0" u="none" strike="noStrike" kern="1200" dirty="0">
               <a:solidFill>
                 <a:schemeClr val="tx1"/>
               </a:solidFill>
@@ -1163,7 +907,7 @@
           <a:p>
             <a:fld id="{F069C953-97BB-D34F-A925-DB809641415F}" type="slidenum">
               <a:rPr kumimoji="1" lang="ja-JP" altLang="en-US" smtClean="0"/>
-              <a:t>11</a:t>
+              <a:t>10</a:t>
             </a:fld>
             <a:endParaRPr kumimoji="1" lang="ja-JP" altLang="en-US"/>
           </a:p>
@@ -1172,7 +916,7 @@
     </p:spTree>
     <p:extLst>
       <p:ext uri="{BB962C8B-B14F-4D97-AF65-F5344CB8AC3E}">
-        <p14:creationId xmlns:p14="http://schemas.microsoft.com/office/powerpoint/2010/main" val="3887713054"/>
+        <p14:creationId xmlns:p14="http://schemas.microsoft.com/office/powerpoint/2010/main" val="3580786003"/>
       </p:ext>
     </p:extLst>
   </p:cSld>
@@ -1227,6 +971,18 @@
           <a:lstStyle/>
           <a:p>
             <a:r>
+              <a:rPr kumimoji="1" lang="ja-JP" altLang="en-US" sz="1200" kern="1200">
+                <a:solidFill>
+                  <a:schemeClr val="tx1"/>
+                </a:solidFill>
+                <a:effectLst/>
+                <a:latin typeface="+mn-lt"/>
+                <a:ea typeface="+mn-ea"/>
+                <a:cs typeface="+mn-cs"/>
+              </a:rPr>
+              <a:t>また，</a:t>
+            </a:r>
+            <a:r>
               <a:rPr kumimoji="1" lang="ja-JP" altLang="en-US" sz="1200" b="0" kern="1200">
                 <a:solidFill>
                   <a:schemeClr val="tx1"/>
@@ -1236,9 +992,21 @@
                 <a:ea typeface="+mn-ea"/>
                 <a:cs typeface="+mn-cs"/>
               </a:rPr>
-              <a:t>次に，実データの適用を通して，提案モデルの有効性を評価します．</a:t>
-            </a:r>
-            <a:endParaRPr kumimoji="1" lang="en-US" altLang="ja-JP" sz="1200" b="0" kern="1200" dirty="0">
+              <a:t>評価者の厳しさパラメータ</a:t>
+            </a:r>
+            <a:r>
+              <a:rPr kumimoji="1" lang="ja-JP" altLang="en-US" sz="1200" kern="1200">
+                <a:solidFill>
+                  <a:schemeClr val="tx1"/>
+                </a:solidFill>
+                <a:effectLst/>
+                <a:latin typeface="+mn-lt"/>
+                <a:ea typeface="+mn-ea"/>
+                <a:cs typeface="+mn-cs"/>
+              </a:rPr>
+              <a:t>の推定結果の例を図に示します．</a:t>
+            </a:r>
+            <a:endParaRPr kumimoji="1" lang="en-US" altLang="ja-JP" sz="1200" kern="1200" dirty="0">
               <a:solidFill>
                 <a:schemeClr val="tx1"/>
               </a:solidFill>
@@ -1249,8 +1017,19 @@
             </a:endParaRPr>
           </a:p>
           <a:p>
-            <a:r>
-              <a:rPr kumimoji="1" lang="ja-JP" altLang="en-US" sz="1200" b="0" kern="1200">
+            <a:endParaRPr kumimoji="1" lang="en-US" altLang="ja-JP" sz="1200" kern="1200" dirty="0">
+              <a:solidFill>
+                <a:schemeClr val="tx1"/>
+              </a:solidFill>
+              <a:effectLst/>
+              <a:latin typeface="+mn-lt"/>
+              <a:ea typeface="+mn-ea"/>
+              <a:cs typeface="+mn-cs"/>
+            </a:endParaRPr>
+          </a:p>
+          <a:p>
+            <a:r>
+              <a:rPr kumimoji="1" lang="ja-JP" altLang="en-US" sz="1200" kern="1200">
                 <a:solidFill>
                   <a:schemeClr val="tx1"/>
                 </a:solidFill>
@@ -1259,9 +1038,9 @@
                 <a:ea typeface="+mn-ea"/>
                 <a:cs typeface="+mn-cs"/>
               </a:rPr>
-              <a:t>本実験では，記載のようなデータを使用します．</a:t>
-            </a:r>
-            <a:endParaRPr kumimoji="1" lang="en-US" altLang="ja-JP" sz="1200" b="0" kern="1200" dirty="0">
+              <a:t>横軸が時間区分，縦軸が評価者の厳しさパラメータの値で，実線が作成したパラメータ真値，破線が推定したパラメータです．</a:t>
+            </a:r>
+            <a:endParaRPr kumimoji="1" lang="en-US" altLang="ja-JP" sz="1200" kern="1200" dirty="0">
               <a:solidFill>
                 <a:schemeClr val="tx1"/>
               </a:solidFill>
@@ -1273,7 +1052,7 @@
           </a:p>
           <a:p>
             <a:r>
-              <a:rPr kumimoji="1" lang="ja-JP" altLang="en-US" sz="1200" b="0" kern="1200">
+              <a:rPr kumimoji="1" lang="ja-JP" altLang="en-US" sz="1200" kern="1200">
                 <a:solidFill>
                   <a:schemeClr val="tx1"/>
                 </a:solidFill>
@@ -1282,12 +1061,24 @@
                 <a:ea typeface="+mn-ea"/>
                 <a:cs typeface="+mn-cs"/>
               </a:rPr>
-              <a:t>実データ実験では，実際にデータからパラメータを推定し，さらに情報量規準によるモデル性能の比較を行いました．</a:t>
-            </a:r>
-          </a:p>
-          <a:p>
-            <a:br>
-              <a:rPr kumimoji="1" lang="ja-JP" altLang="en-US" sz="1200" b="0" kern="1200">
+              <a:t>このグラフより，作成した真値に近い値で，パラメータが推定されていることがわかります．</a:t>
+            </a:r>
+            <a:endParaRPr kumimoji="1" lang="en-US" altLang="ja-JP" sz="1200" kern="1200" dirty="0">
+              <a:solidFill>
+                <a:schemeClr val="tx1"/>
+              </a:solidFill>
+              <a:effectLst/>
+              <a:latin typeface="+mn-lt"/>
+              <a:ea typeface="+mn-ea"/>
+              <a:cs typeface="+mn-cs"/>
+            </a:endParaRPr>
+          </a:p>
+          <a:p>
+            <a:pPr marL="0" indent="0">
+              <a:buNone/>
+            </a:pPr>
+            <a:r>
+              <a:rPr kumimoji="1" lang="ja-JP" altLang="en-US" sz="1200" kern="1200">
                 <a:solidFill>
                   <a:schemeClr val="tx1"/>
                 </a:solidFill>
@@ -1296,8 +1087,19 @@
                 <a:ea typeface="+mn-ea"/>
                 <a:cs typeface="+mn-cs"/>
               </a:rPr>
-            </a:br>
-            <a:endParaRPr kumimoji="1" lang="ja-JP" altLang="en-US" sz="1200" b="0" kern="1200">
+              <a:t>以上より，</a:t>
+            </a:r>
+            <a:r>
+              <a:rPr kumimoji="1" lang="en-US" altLang="ja-JP" dirty="0"/>
+              <a:t>MCMC</a:t>
+            </a:r>
+            <a:r>
+              <a:rPr kumimoji="1" lang="ja-JP" altLang="en-US"/>
+              <a:t>により提案モデルのパラメータを適切に推定できることがわかりました．</a:t>
+            </a:r>
+          </a:p>
+          <a:p>
+            <a:endParaRPr kumimoji="1" lang="ja-JP" altLang="en-US" sz="1200" kern="1200">
               <a:solidFill>
                 <a:schemeClr val="tx1"/>
               </a:solidFill>
@@ -1306,9 +1108,6 @@
               <a:ea typeface="+mn-ea"/>
               <a:cs typeface="+mn-cs"/>
             </a:endParaRPr>
-          </a:p>
-          <a:p>
-            <a:endParaRPr kumimoji="1" lang="ja-JP" altLang="en-US"/>
           </a:p>
         </p:txBody>
       </p:sp>
@@ -1329,7 +1128,7 @@
           <a:p>
             <a:fld id="{F069C953-97BB-D34F-A925-DB809641415F}" type="slidenum">
               <a:rPr kumimoji="1" lang="ja-JP" altLang="en-US" smtClean="0"/>
-              <a:t>12</a:t>
+              <a:t>11</a:t>
             </a:fld>
             <a:endParaRPr kumimoji="1" lang="ja-JP" altLang="en-US"/>
           </a:p>
@@ -1338,7 +1137,7 @@
     </p:spTree>
     <p:extLst>
       <p:ext uri="{BB962C8B-B14F-4D97-AF65-F5344CB8AC3E}">
-        <p14:creationId xmlns:p14="http://schemas.microsoft.com/office/powerpoint/2010/main" val="3955567287"/>
+        <p14:creationId xmlns:p14="http://schemas.microsoft.com/office/powerpoint/2010/main" val="3887713054"/>
       </p:ext>
     </p:extLst>
   </p:cSld>
@@ -1402,7 +1201,7 @@
                 <a:ea typeface="+mn-ea"/>
                 <a:cs typeface="+mn-cs"/>
               </a:rPr>
-              <a:t>実データから推定された評価者の厳しさパラメータの例を，図に示します．</a:t>
+              <a:t>次に，実データの適用を通して，提案モデルの有効性を評価します．</a:t>
             </a:r>
             <a:endParaRPr kumimoji="1" lang="en-US" altLang="ja-JP" sz="1200" b="0" kern="1200" dirty="0">
               <a:solidFill>
@@ -1425,7 +1224,7 @@
                 <a:ea typeface="+mn-ea"/>
                 <a:cs typeface="+mn-cs"/>
               </a:rPr>
-              <a:t>横軸が時間区分，縦軸が評価者の厳しさパラメータであり，各線が一人一人の評価者のパラメータの推定値を表しています．</a:t>
+              <a:t>本実験では，記載のようなデータを使用します．</a:t>
             </a:r>
             <a:endParaRPr kumimoji="1" lang="en-US" altLang="ja-JP" sz="1200" b="0" kern="1200" dirty="0">
               <a:solidFill>
@@ -1448,20 +1247,11 @@
                 <a:ea typeface="+mn-ea"/>
                 <a:cs typeface="+mn-cs"/>
               </a:rPr>
-              <a:t>図から，評価者によって変化の仕方や度合いが違うことがわかります．</a:t>
-            </a:r>
-            <a:endParaRPr kumimoji="1" lang="en-US" altLang="ja-JP" sz="1200" b="0" kern="1200" dirty="0">
-              <a:solidFill>
-                <a:schemeClr val="tx1"/>
-              </a:solidFill>
-              <a:effectLst/>
-              <a:latin typeface="+mn-lt"/>
-              <a:ea typeface="+mn-ea"/>
-              <a:cs typeface="+mn-cs"/>
-            </a:endParaRPr>
-          </a:p>
-          <a:p>
-            <a:r>
+              <a:t>実データ実験では，実際にデータからパラメータを推定し，さらに情報量規準によるモデル性能の比較を行いました．</a:t>
+            </a:r>
+          </a:p>
+          <a:p>
+            <a:br>
               <a:rPr kumimoji="1" lang="ja-JP" altLang="en-US" sz="1200" b="0" kern="1200">
                 <a:solidFill>
                   <a:schemeClr val="tx1"/>
@@ -1471,15 +1261,19 @@
                 <a:ea typeface="+mn-ea"/>
                 <a:cs typeface="+mn-cs"/>
               </a:rPr>
-              <a:t>このように，評価者ドリフトの傾向を推定できていることがわかります．</a:t>
-            </a:r>
-          </a:p>
-          <a:p>
-            <a:r>
-              <a:rPr kumimoji="1" lang="ja-JP" altLang="en-US"/>
-              <a:t>一貫性などの他のパラメータについても評価者によって違いがあることが推定できました．．</a:t>
-            </a:r>
-            <a:endParaRPr kumimoji="1" lang="en-US" altLang="ja-JP" dirty="0"/>
+            </a:br>
+            <a:endParaRPr kumimoji="1" lang="ja-JP" altLang="en-US" sz="1200" b="0" kern="1200">
+              <a:solidFill>
+                <a:schemeClr val="tx1"/>
+              </a:solidFill>
+              <a:effectLst/>
+              <a:latin typeface="+mn-lt"/>
+              <a:ea typeface="+mn-ea"/>
+              <a:cs typeface="+mn-cs"/>
+            </a:endParaRPr>
+          </a:p>
+          <a:p>
+            <a:endParaRPr kumimoji="1" lang="ja-JP" altLang="en-US"/>
           </a:p>
         </p:txBody>
       </p:sp>
@@ -1500,7 +1294,7 @@
           <a:p>
             <a:fld id="{F069C953-97BB-D34F-A925-DB809641415F}" type="slidenum">
               <a:rPr kumimoji="1" lang="ja-JP" altLang="en-US" smtClean="0"/>
-              <a:t>13</a:t>
+              <a:t>12</a:t>
             </a:fld>
             <a:endParaRPr kumimoji="1" lang="ja-JP" altLang="en-US"/>
           </a:p>
@@ -1509,7 +1303,7 @@
     </p:spTree>
     <p:extLst>
       <p:ext uri="{BB962C8B-B14F-4D97-AF65-F5344CB8AC3E}">
-        <p14:creationId xmlns:p14="http://schemas.microsoft.com/office/powerpoint/2010/main" val="1784252293"/>
+        <p14:creationId xmlns:p14="http://schemas.microsoft.com/office/powerpoint/2010/main" val="3955567287"/>
       </p:ext>
     </p:extLst>
   </p:cSld>
@@ -1573,7 +1367,7 @@
                 <a:ea typeface="+mn-ea"/>
                 <a:cs typeface="+mn-cs"/>
               </a:rPr>
-              <a:t>次に，情報量規準によるモデル比較により提案モデルの性能を評価します．</a:t>
+              <a:t>実データから推定された評価者の厳しさパラメータの例を，図に示します．</a:t>
             </a:r>
             <a:endParaRPr kumimoji="1" lang="en-US" altLang="ja-JP" sz="1200" b="0" kern="1200" dirty="0">
               <a:solidFill>
@@ -1586,7 +1380,7 @@
             </a:endParaRPr>
           </a:p>
           <a:p>
-            <a:br>
+            <a:r>
               <a:rPr kumimoji="1" lang="ja-JP" altLang="en-US" sz="1200" b="0" kern="1200">
                 <a:solidFill>
                   <a:schemeClr val="tx1"/>
@@ -1596,7 +1390,19 @@
                 <a:ea typeface="+mn-ea"/>
                 <a:cs typeface="+mn-cs"/>
               </a:rPr>
-            </a:br>
+              <a:t>横軸が時間区分，縦軸が評価者の厳しさパラメータであり，各線が一人一人の評価者のパラメータの推定値を表しています．</a:t>
+            </a:r>
+            <a:endParaRPr kumimoji="1" lang="en-US" altLang="ja-JP" sz="1200" b="0" kern="1200" dirty="0">
+              <a:solidFill>
+                <a:schemeClr val="tx1"/>
+              </a:solidFill>
+              <a:effectLst/>
+              <a:latin typeface="+mn-lt"/>
+              <a:ea typeface="+mn-ea"/>
+              <a:cs typeface="+mn-cs"/>
+            </a:endParaRPr>
+          </a:p>
+          <a:p>
             <a:r>
               <a:rPr kumimoji="1" lang="ja-JP" altLang="en-US" sz="1200" b="0" kern="1200">
                 <a:solidFill>
@@ -1607,7 +1413,7 @@
                 <a:ea typeface="+mn-ea"/>
                 <a:cs typeface="+mn-cs"/>
               </a:rPr>
-              <a:t>実験結果を表に示します．</a:t>
+              <a:t>図から，評価者によって変化の傾きや度合いが違うことがわかります．</a:t>
             </a:r>
             <a:endParaRPr kumimoji="1" lang="en-US" altLang="ja-JP" sz="1200" b="0" kern="1200" dirty="0">
               <a:solidFill>
@@ -1620,23 +1426,6 @@
             </a:endParaRPr>
           </a:p>
           <a:p>
-            <a:pPr marL="0" marR="0" lvl="0" indent="0" algn="l" defTabSz="914400" rtl="0" eaLnBrk="1" fontAlgn="auto" latinLnBrk="0" hangingPunct="1">
-              <a:lnSpc>
-                <a:spcPct val="100000"/>
-              </a:lnSpc>
-              <a:spcBef>
-                <a:spcPts val="0"/>
-              </a:spcBef>
-              <a:spcAft>
-                <a:spcPts val="0"/>
-              </a:spcAft>
-              <a:buClrTx/>
-              <a:buSzTx/>
-              <a:buFontTx/>
-              <a:buNone/>
-              <a:tabLst/>
-              <a:defRPr/>
-            </a:pPr>
             <a:r>
               <a:rPr kumimoji="1" lang="ja-JP" altLang="en-US" sz="1200" b="0" kern="1200">
                 <a:solidFill>
@@ -1647,166 +1436,15 @@
                 <a:ea typeface="+mn-ea"/>
                 <a:cs typeface="+mn-cs"/>
               </a:rPr>
-              <a:t>情報量規準には</a:t>
-            </a:r>
-            <a:r>
-              <a:rPr kumimoji="1" lang="en" altLang="ja-JP" sz="1200" b="0" kern="1200" dirty="0">
-                <a:solidFill>
-                  <a:schemeClr val="tx1"/>
-                </a:solidFill>
-                <a:effectLst/>
-                <a:latin typeface="+mn-lt"/>
-                <a:ea typeface="+mn-ea"/>
-                <a:cs typeface="+mn-cs"/>
-              </a:rPr>
-              <a:t>WAIC</a:t>
-            </a:r>
-            <a:r>
-              <a:rPr kumimoji="1" lang="ja-JP" altLang="en-US" sz="1200" b="0" kern="1200">
-                <a:solidFill>
-                  <a:schemeClr val="tx1"/>
-                </a:solidFill>
-                <a:effectLst/>
-                <a:latin typeface="+mn-lt"/>
-                <a:ea typeface="+mn-ea"/>
-                <a:cs typeface="+mn-cs"/>
-              </a:rPr>
-              <a:t>と</a:t>
-            </a:r>
-            <a:r>
-              <a:rPr kumimoji="1" lang="en" altLang="ja-JP" sz="1200" b="0" kern="1200" dirty="0">
-                <a:solidFill>
-                  <a:schemeClr val="tx1"/>
-                </a:solidFill>
-                <a:effectLst/>
-                <a:latin typeface="+mn-lt"/>
-                <a:ea typeface="+mn-ea"/>
-                <a:cs typeface="+mn-cs"/>
-              </a:rPr>
-              <a:t>WBIC</a:t>
-            </a:r>
-            <a:r>
-              <a:rPr kumimoji="1" lang="ja-JP" altLang="en-US" sz="1200" b="0" kern="1200">
-                <a:solidFill>
-                  <a:schemeClr val="tx1"/>
-                </a:solidFill>
-                <a:effectLst/>
-                <a:latin typeface="+mn-lt"/>
-                <a:ea typeface="+mn-ea"/>
-                <a:cs typeface="+mn-cs"/>
-              </a:rPr>
-              <a:t>を用いました．</a:t>
-            </a:r>
-            <a:endParaRPr kumimoji="1" lang="en-US" altLang="ja-JP" sz="1200" b="0" kern="1200" dirty="0">
-              <a:solidFill>
-                <a:schemeClr val="tx1"/>
-              </a:solidFill>
-              <a:effectLst/>
-              <a:latin typeface="+mn-lt"/>
-              <a:ea typeface="+mn-ea"/>
-              <a:cs typeface="+mn-cs"/>
-            </a:endParaRPr>
-          </a:p>
-          <a:p>
-            <a:br>
-              <a:rPr kumimoji="1" lang="ja-JP" altLang="en-US" sz="1200" b="0" kern="1200">
-                <a:solidFill>
-                  <a:schemeClr val="tx1"/>
-                </a:solidFill>
-                <a:effectLst/>
-                <a:latin typeface="+mn-lt"/>
-                <a:ea typeface="+mn-ea"/>
-                <a:cs typeface="+mn-cs"/>
-              </a:rPr>
-            </a:br>
-            <a:r>
-              <a:rPr kumimoji="1" lang="ja-JP" altLang="en-US" sz="1200" b="0" kern="1200">
-                <a:solidFill>
-                  <a:schemeClr val="tx1"/>
-                </a:solidFill>
-                <a:effectLst/>
-                <a:latin typeface="+mn-lt"/>
-                <a:ea typeface="+mn-ea"/>
-                <a:cs typeface="+mn-cs"/>
-              </a:rPr>
-              <a:t>表から，各時間区分における</a:t>
-            </a:r>
-            <a:r>
-              <a:rPr kumimoji="1" lang="en" altLang="ja-JP" sz="1200" b="0" kern="1200" dirty="0">
-                <a:solidFill>
-                  <a:schemeClr val="tx1"/>
-                </a:solidFill>
-                <a:effectLst/>
-                <a:latin typeface="+mn-lt"/>
-                <a:ea typeface="+mn-ea"/>
-                <a:cs typeface="+mn-cs"/>
-              </a:rPr>
-              <a:t>WAIC</a:t>
-            </a:r>
-            <a:r>
-              <a:rPr kumimoji="1" lang="ja-JP" altLang="en-US" sz="1200" b="0" kern="1200">
-                <a:solidFill>
-                  <a:schemeClr val="tx1"/>
-                </a:solidFill>
-                <a:effectLst/>
-                <a:latin typeface="+mn-lt"/>
-                <a:ea typeface="+mn-ea"/>
-                <a:cs typeface="+mn-cs"/>
-              </a:rPr>
-              <a:t>と</a:t>
-            </a:r>
-            <a:r>
-              <a:rPr kumimoji="1" lang="en-US" altLang="ja-JP" sz="1200" b="0" kern="1200" dirty="0">
-                <a:solidFill>
-                  <a:schemeClr val="tx1"/>
-                </a:solidFill>
-                <a:effectLst/>
-                <a:latin typeface="+mn-lt"/>
-                <a:ea typeface="+mn-ea"/>
-                <a:cs typeface="+mn-cs"/>
-              </a:rPr>
-              <a:t>WBIC</a:t>
-            </a:r>
-            <a:r>
-              <a:rPr kumimoji="1" lang="ja-JP" altLang="en-US" sz="1200" b="0" kern="1200">
-                <a:solidFill>
-                  <a:schemeClr val="tx1"/>
-                </a:solidFill>
-                <a:effectLst/>
-                <a:latin typeface="+mn-lt"/>
-                <a:ea typeface="+mn-ea"/>
-                <a:cs typeface="+mn-cs"/>
-              </a:rPr>
-              <a:t>の最小値を比較すると，提案モデルが最適モデルとして選択されたことが確認できます．</a:t>
-            </a:r>
-          </a:p>
-          <a:p>
-            <a:br>
-              <a:rPr kumimoji="1" lang="ja-JP" altLang="en-US" sz="1200" b="0" kern="1200">
-                <a:solidFill>
-                  <a:schemeClr val="tx1"/>
-                </a:solidFill>
-                <a:effectLst/>
-                <a:latin typeface="+mn-lt"/>
-                <a:ea typeface="+mn-ea"/>
-                <a:cs typeface="+mn-cs"/>
-              </a:rPr>
-            </a:br>
-            <a:endParaRPr kumimoji="1" lang="ja-JP" altLang="en-US" sz="1200" b="0" kern="1200">
-              <a:solidFill>
-                <a:schemeClr val="tx1"/>
-              </a:solidFill>
-              <a:effectLst/>
-              <a:latin typeface="+mn-lt"/>
-              <a:ea typeface="+mn-ea"/>
-              <a:cs typeface="+mn-cs"/>
-            </a:endParaRPr>
+              <a:t>このように，評価者ドリフトの傾向を推定できていることがわかります．</a:t>
+            </a:r>
           </a:p>
           <a:p>
             <a:r>
               <a:rPr kumimoji="1" lang="ja-JP" altLang="en-US"/>
-              <a:t>タイトル　情報量規準によるモデル比較の結果</a:t>
-            </a:r>
+              <a:t>一貫性などの他のパラメータについても評価者によって違いがあることが推定できました．．</a:t>
+            </a:r>
+            <a:endParaRPr kumimoji="1" lang="en-US" altLang="ja-JP" dirty="0"/>
           </a:p>
         </p:txBody>
       </p:sp>
@@ -1827,7 +1465,7 @@
           <a:p>
             <a:fld id="{F069C953-97BB-D34F-A925-DB809641415F}" type="slidenum">
               <a:rPr kumimoji="1" lang="ja-JP" altLang="en-US" smtClean="0"/>
-              <a:t>14</a:t>
+              <a:t>13</a:t>
             </a:fld>
             <a:endParaRPr kumimoji="1" lang="ja-JP" altLang="en-US"/>
           </a:p>
@@ -1836,7 +1474,7 @@
     </p:spTree>
     <p:extLst>
       <p:ext uri="{BB962C8B-B14F-4D97-AF65-F5344CB8AC3E}">
-        <p14:creationId xmlns:p14="http://schemas.microsoft.com/office/powerpoint/2010/main" val="3299156748"/>
+        <p14:creationId xmlns:p14="http://schemas.microsoft.com/office/powerpoint/2010/main" val="1784252293"/>
       </p:ext>
     </p:extLst>
   </p:cSld>
@@ -1890,6 +1528,63 @@
           <a:bodyPr/>
           <a:lstStyle/>
           <a:p>
+            <a:r>
+              <a:rPr kumimoji="1" lang="ja-JP" altLang="en-US" sz="1200" b="0" kern="1200">
+                <a:solidFill>
+                  <a:schemeClr val="tx1"/>
+                </a:solidFill>
+                <a:effectLst/>
+                <a:latin typeface="+mn-lt"/>
+                <a:ea typeface="+mn-ea"/>
+                <a:cs typeface="+mn-cs"/>
+              </a:rPr>
+              <a:t>次に，情報量規準によるモデル比較により提案モデルの性能を評価します．</a:t>
+            </a:r>
+            <a:endParaRPr kumimoji="1" lang="en-US" altLang="ja-JP" sz="1200" b="0" kern="1200" dirty="0">
+              <a:solidFill>
+                <a:schemeClr val="tx1"/>
+              </a:solidFill>
+              <a:effectLst/>
+              <a:latin typeface="+mn-lt"/>
+              <a:ea typeface="+mn-ea"/>
+              <a:cs typeface="+mn-cs"/>
+            </a:endParaRPr>
+          </a:p>
+          <a:p>
+            <a:br>
+              <a:rPr kumimoji="1" lang="ja-JP" altLang="en-US" sz="1200" b="0" kern="1200">
+                <a:solidFill>
+                  <a:schemeClr val="tx1"/>
+                </a:solidFill>
+                <a:effectLst/>
+                <a:latin typeface="+mn-lt"/>
+                <a:ea typeface="+mn-ea"/>
+                <a:cs typeface="+mn-cs"/>
+              </a:rPr>
+            </a:br>
+            <a:r>
+              <a:rPr kumimoji="1" lang="ja-JP" altLang="en-US" sz="1200" b="0" kern="1200">
+                <a:solidFill>
+                  <a:schemeClr val="tx1"/>
+                </a:solidFill>
+                <a:effectLst/>
+                <a:latin typeface="+mn-lt"/>
+                <a:ea typeface="+mn-ea"/>
+                <a:cs typeface="+mn-cs"/>
+              </a:rPr>
+              <a:t>実験結果を表に示します．</a:t>
+            </a:r>
+            <a:endParaRPr kumimoji="1" lang="en-US" altLang="ja-JP" sz="1200" b="0" kern="1200" dirty="0">
+              <a:solidFill>
+                <a:schemeClr val="tx1"/>
+              </a:solidFill>
+              <a:effectLst/>
+              <a:latin typeface="+mn-lt"/>
+              <a:ea typeface="+mn-ea"/>
+              <a:cs typeface="+mn-cs"/>
+            </a:endParaRPr>
+          </a:p>
+          <a:p>
             <a:pPr marL="0" marR="0" lvl="0" indent="0" algn="l" defTabSz="914400" rtl="0" eaLnBrk="1" fontAlgn="auto" latinLnBrk="0" hangingPunct="1">
               <a:lnSpc>
                 <a:spcPct val="100000"/>
@@ -1917,7 +1612,55 @@
                 <a:ea typeface="+mn-ea"/>
                 <a:cs typeface="+mn-cs"/>
               </a:rPr>
-              <a:t>本研究では，時間区分ごとの評価者の厳しさにマルコフ性を仮定した新しい項目反応モデルを提案しました．</a:t>
+              <a:t>情報量規準には</a:t>
+            </a:r>
+            <a:r>
+              <a:rPr kumimoji="1" lang="en" altLang="ja-JP" sz="1200" b="0" kern="1200" dirty="0">
+                <a:solidFill>
+                  <a:schemeClr val="tx1"/>
+                </a:solidFill>
+                <a:effectLst/>
+                <a:latin typeface="+mn-lt"/>
+                <a:ea typeface="+mn-ea"/>
+                <a:cs typeface="+mn-cs"/>
+              </a:rPr>
+              <a:t>WAIC</a:t>
+            </a:r>
+            <a:r>
+              <a:rPr kumimoji="1" lang="ja-JP" altLang="en-US" sz="1200" b="0" kern="1200">
+                <a:solidFill>
+                  <a:schemeClr val="tx1"/>
+                </a:solidFill>
+                <a:effectLst/>
+                <a:latin typeface="+mn-lt"/>
+                <a:ea typeface="+mn-ea"/>
+                <a:cs typeface="+mn-cs"/>
+              </a:rPr>
+              <a:t>と</a:t>
+            </a:r>
+            <a:r>
+              <a:rPr kumimoji="1" lang="en" altLang="ja-JP" sz="1200" b="0" kern="1200" dirty="0">
+                <a:solidFill>
+                  <a:schemeClr val="tx1"/>
+                </a:solidFill>
+                <a:effectLst/>
+                <a:latin typeface="+mn-lt"/>
+                <a:ea typeface="+mn-ea"/>
+                <a:cs typeface="+mn-cs"/>
+              </a:rPr>
+              <a:t>WBIC</a:t>
+            </a:r>
+            <a:r>
+              <a:rPr kumimoji="1" lang="ja-JP" altLang="en-US" sz="1200" b="0" kern="1200">
+                <a:solidFill>
+                  <a:schemeClr val="tx1"/>
+                </a:solidFill>
+                <a:effectLst/>
+                <a:latin typeface="+mn-lt"/>
+                <a:ea typeface="+mn-ea"/>
+                <a:cs typeface="+mn-cs"/>
+              </a:rPr>
+              <a:t>を用いました．</a:t>
             </a:r>
             <a:endParaRPr kumimoji="1" lang="en-US" altLang="ja-JP" sz="1200" b="0" kern="1200" dirty="0">
               <a:solidFill>
@@ -1930,24 +1673,7 @@
             </a:endParaRPr>
           </a:p>
           <a:p>
-            <a:pPr marL="0" marR="0" lvl="0" indent="0" algn="l" defTabSz="914400" rtl="0" eaLnBrk="1" fontAlgn="auto" latinLnBrk="0" hangingPunct="1">
-              <a:lnSpc>
-                <a:spcPct val="100000"/>
-              </a:lnSpc>
-              <a:spcBef>
-                <a:spcPts val="0"/>
-              </a:spcBef>
-              <a:spcAft>
-                <a:spcPts val="0"/>
-              </a:spcAft>
-              <a:buClrTx/>
-              <a:buSzTx/>
-              <a:buFontTx/>
-              <a:buNone/>
-              <a:tabLst/>
-              <a:defRPr/>
-            </a:pPr>
-            <a:r>
+            <a:br>
               <a:rPr kumimoji="1" lang="ja-JP" altLang="en-US" sz="1200" b="0" kern="1200">
                 <a:solidFill>
                   <a:schemeClr val="tx1"/>
@@ -1957,36 +1683,7 @@
                 <a:ea typeface="+mn-ea"/>
                 <a:cs typeface="+mn-cs"/>
               </a:rPr>
-              <a:t>今後の課題としては，</a:t>
-            </a:r>
-            <a:endParaRPr kumimoji="1" lang="en-US" altLang="ja-JP" sz="1200" b="0" kern="1200" dirty="0">
-              <a:solidFill>
-                <a:schemeClr val="tx1"/>
-              </a:solidFill>
-              <a:effectLst/>
-              <a:latin typeface="+mn-lt"/>
-              <a:ea typeface="+mn-ea"/>
-              <a:cs typeface="+mn-cs"/>
-            </a:endParaRPr>
-          </a:p>
-          <a:p>
-            <a:pPr marL="0" marR="0" lvl="0" indent="0" algn="l" defTabSz="914400" rtl="0" eaLnBrk="1" fontAlgn="auto" latinLnBrk="0" hangingPunct="1">
-              <a:lnSpc>
-                <a:spcPct val="100000"/>
-              </a:lnSpc>
-              <a:spcBef>
-                <a:spcPts val="0"/>
-              </a:spcBef>
-              <a:spcAft>
-                <a:spcPts val="0"/>
-              </a:spcAft>
-              <a:buClrTx/>
-              <a:buSzTx/>
-              <a:buFontTx/>
-              <a:buNone/>
-              <a:tabLst/>
-              <a:defRPr/>
-            </a:pPr>
+            </a:br>
             <a:r>
               <a:rPr kumimoji="1" lang="ja-JP" altLang="en-US" sz="1200" b="0" kern="1200">
                 <a:solidFill>
@@ -1997,36 +1694,20 @@
                 <a:ea typeface="+mn-ea"/>
                 <a:cs typeface="+mn-cs"/>
               </a:rPr>
-              <a:t>まずはより大規模なデータを収集して，提案モデルの性能を評価すること．</a:t>
-            </a:r>
-            <a:endParaRPr kumimoji="1" lang="en-US" altLang="ja-JP" sz="1200" b="0" kern="1200" dirty="0">
-              <a:solidFill>
-                <a:schemeClr val="tx1"/>
-              </a:solidFill>
-              <a:effectLst/>
-              <a:latin typeface="+mn-lt"/>
-              <a:ea typeface="+mn-ea"/>
-              <a:cs typeface="+mn-cs"/>
-            </a:endParaRPr>
-          </a:p>
-          <a:p>
-            <a:pPr marL="0" marR="0" lvl="0" indent="0" algn="l" defTabSz="914400" rtl="0" eaLnBrk="1" fontAlgn="auto" latinLnBrk="0" hangingPunct="1">
-              <a:lnSpc>
-                <a:spcPct val="100000"/>
-              </a:lnSpc>
-              <a:spcBef>
-                <a:spcPts val="0"/>
-              </a:spcBef>
-              <a:spcAft>
-                <a:spcPts val="0"/>
-              </a:spcAft>
-              <a:buClrTx/>
-              <a:buSzTx/>
-              <a:buFontTx/>
-              <a:buNone/>
-              <a:tabLst/>
-              <a:defRPr/>
-            </a:pPr>
+              <a:t>表から，各時間区分における</a:t>
+            </a:r>
+            <a:r>
+              <a:rPr kumimoji="1" lang="en" altLang="ja-JP" sz="1200" b="0" kern="1200" dirty="0">
+                <a:solidFill>
+                  <a:schemeClr val="tx1"/>
+                </a:solidFill>
+                <a:effectLst/>
+                <a:latin typeface="+mn-lt"/>
+                <a:ea typeface="+mn-ea"/>
+                <a:cs typeface="+mn-cs"/>
+              </a:rPr>
+              <a:t>WAIC</a:t>
+            </a:r>
             <a:r>
               <a:rPr kumimoji="1" lang="ja-JP" altLang="en-US" sz="1200" b="0" kern="1200">
                 <a:solidFill>
@@ -2037,36 +1718,20 @@
                 <a:ea typeface="+mn-ea"/>
                 <a:cs typeface="+mn-cs"/>
               </a:rPr>
-              <a:t>加えて，既存モデルと比べて，提案モデルで追加した一貫性や得点別の厳しさのパラメータの影響について分析を行うこと．</a:t>
-            </a:r>
-            <a:endParaRPr kumimoji="1" lang="en-US" altLang="ja-JP" sz="1200" b="0" kern="1200" dirty="0">
-              <a:solidFill>
-                <a:schemeClr val="tx1"/>
-              </a:solidFill>
-              <a:effectLst/>
-              <a:latin typeface="+mn-lt"/>
-              <a:ea typeface="+mn-ea"/>
-              <a:cs typeface="+mn-cs"/>
-            </a:endParaRPr>
-          </a:p>
-          <a:p>
-            <a:pPr marL="0" marR="0" lvl="0" indent="0" algn="l" defTabSz="914400" rtl="0" eaLnBrk="1" fontAlgn="auto" latinLnBrk="0" hangingPunct="1">
-              <a:lnSpc>
-                <a:spcPct val="100000"/>
-              </a:lnSpc>
-              <a:spcBef>
-                <a:spcPts val="0"/>
-              </a:spcBef>
-              <a:spcAft>
-                <a:spcPts val="0"/>
-              </a:spcAft>
-              <a:buClrTx/>
-              <a:buSzTx/>
-              <a:buFontTx/>
-              <a:buNone/>
-              <a:tabLst/>
-              <a:defRPr/>
-            </a:pPr>
+              <a:t>と</a:t>
+            </a:r>
+            <a:r>
+              <a:rPr kumimoji="1" lang="en-US" altLang="ja-JP" sz="1200" b="0" kern="1200" dirty="0">
+                <a:solidFill>
+                  <a:schemeClr val="tx1"/>
+                </a:solidFill>
+                <a:effectLst/>
+                <a:latin typeface="+mn-lt"/>
+                <a:ea typeface="+mn-ea"/>
+                <a:cs typeface="+mn-cs"/>
+              </a:rPr>
+              <a:t>WBIC</a:t>
+            </a:r>
             <a:r>
               <a:rPr kumimoji="1" lang="ja-JP" altLang="en-US" sz="1200" b="0" kern="1200">
                 <a:solidFill>
@@ -2077,17 +1742,8 @@
                 <a:ea typeface="+mn-ea"/>
                 <a:cs typeface="+mn-cs"/>
               </a:rPr>
-              <a:t>さらに，課題ごとの特性も考慮できるようにモデルの拡張を行いたいと思っています．</a:t>
-            </a:r>
-            <a:endParaRPr kumimoji="1" lang="en-US" altLang="ja-JP" sz="1200" b="0" kern="1200" dirty="0">
-              <a:solidFill>
-                <a:schemeClr val="tx1"/>
-              </a:solidFill>
-              <a:effectLst/>
-              <a:latin typeface="+mn-lt"/>
-              <a:ea typeface="+mn-ea"/>
-              <a:cs typeface="+mn-cs"/>
-            </a:endParaRPr>
+              <a:t>の最小値を比較すると，提案モデルが最適モデルとして選択されたことが確認できます．</a:t>
+            </a:r>
           </a:p>
         </p:txBody>
       </p:sp>
@@ -2108,7 +1764,7 @@
           <a:p>
             <a:fld id="{F069C953-97BB-D34F-A925-DB809641415F}" type="slidenum">
               <a:rPr kumimoji="1" lang="ja-JP" altLang="en-US" smtClean="0"/>
-              <a:t>15</a:t>
+              <a:t>14</a:t>
             </a:fld>
             <a:endParaRPr kumimoji="1" lang="ja-JP" altLang="en-US"/>
           </a:p>
@@ -2117,7 +1773,7 @@
     </p:spTree>
     <p:extLst>
       <p:ext uri="{BB962C8B-B14F-4D97-AF65-F5344CB8AC3E}">
-        <p14:creationId xmlns:p14="http://schemas.microsoft.com/office/powerpoint/2010/main" val="146290981"/>
+        <p14:creationId xmlns:p14="http://schemas.microsoft.com/office/powerpoint/2010/main" val="3299156748"/>
       </p:ext>
     </p:extLst>
   </p:cSld>
@@ -2171,7 +1827,204 @@
           <a:bodyPr/>
           <a:lstStyle/>
           <a:p>
-            <a:endParaRPr kumimoji="1" lang="ja-JP" altLang="en-US"/>
+            <a:pPr marL="0" marR="0" lvl="0" indent="0" algn="l" defTabSz="914400" rtl="0" eaLnBrk="1" fontAlgn="auto" latinLnBrk="0" hangingPunct="1">
+              <a:lnSpc>
+                <a:spcPct val="100000"/>
+              </a:lnSpc>
+              <a:spcBef>
+                <a:spcPts val="0"/>
+              </a:spcBef>
+              <a:spcAft>
+                <a:spcPts val="0"/>
+              </a:spcAft>
+              <a:buClrTx/>
+              <a:buSzTx/>
+              <a:buFontTx/>
+              <a:buNone/>
+              <a:tabLst/>
+              <a:defRPr/>
+            </a:pPr>
+            <a:r>
+              <a:rPr kumimoji="1" lang="ja-JP" altLang="en-US" sz="1200" b="0" kern="1200">
+                <a:solidFill>
+                  <a:schemeClr val="tx1"/>
+                </a:solidFill>
+                <a:effectLst/>
+                <a:latin typeface="+mn-lt"/>
+                <a:ea typeface="+mn-ea"/>
+                <a:cs typeface="+mn-cs"/>
+              </a:rPr>
+              <a:t>本研究では，時間区分ごとの評価者の厳しさにマルコフ性を仮定した新しい項目反応モデルを提案しました．</a:t>
+            </a:r>
+            <a:endParaRPr kumimoji="1" lang="en-US" altLang="ja-JP" sz="1200" b="0" kern="1200" dirty="0">
+              <a:solidFill>
+                <a:schemeClr val="tx1"/>
+              </a:solidFill>
+              <a:effectLst/>
+              <a:latin typeface="+mn-lt"/>
+              <a:ea typeface="+mn-ea"/>
+              <a:cs typeface="+mn-cs"/>
+            </a:endParaRPr>
+          </a:p>
+          <a:p>
+            <a:pPr marL="0" marR="0" lvl="0" indent="0" algn="l" defTabSz="914400" rtl="0" eaLnBrk="1" fontAlgn="auto" latinLnBrk="0" hangingPunct="1">
+              <a:lnSpc>
+                <a:spcPct val="100000"/>
+              </a:lnSpc>
+              <a:spcBef>
+                <a:spcPts val="0"/>
+              </a:spcBef>
+              <a:spcAft>
+                <a:spcPts val="0"/>
+              </a:spcAft>
+              <a:buClrTx/>
+              <a:buSzTx/>
+              <a:buFontTx/>
+              <a:buNone/>
+              <a:tabLst/>
+              <a:defRPr/>
+            </a:pPr>
+            <a:r>
+              <a:rPr kumimoji="1" lang="ja-JP" altLang="en-US" sz="1200" b="0" kern="1200">
+                <a:solidFill>
+                  <a:schemeClr val="tx1"/>
+                </a:solidFill>
+                <a:effectLst/>
+                <a:latin typeface="+mn-lt"/>
+                <a:ea typeface="+mn-ea"/>
+                <a:cs typeface="+mn-cs"/>
+              </a:rPr>
+              <a:t>今後の課題としては，</a:t>
+            </a:r>
+            <a:endParaRPr kumimoji="1" lang="en-US" altLang="ja-JP" sz="1200" b="0" kern="1200" dirty="0">
+              <a:solidFill>
+                <a:schemeClr val="tx1"/>
+              </a:solidFill>
+              <a:effectLst/>
+              <a:latin typeface="+mn-lt"/>
+              <a:ea typeface="+mn-ea"/>
+              <a:cs typeface="+mn-cs"/>
+            </a:endParaRPr>
+          </a:p>
+          <a:p>
+            <a:pPr marL="0" marR="0" lvl="0" indent="0" algn="l" defTabSz="914400" rtl="0" eaLnBrk="1" fontAlgn="auto" latinLnBrk="0" hangingPunct="1">
+              <a:lnSpc>
+                <a:spcPct val="100000"/>
+              </a:lnSpc>
+              <a:spcBef>
+                <a:spcPts val="0"/>
+              </a:spcBef>
+              <a:spcAft>
+                <a:spcPts val="0"/>
+              </a:spcAft>
+              <a:buClrTx/>
+              <a:buSzTx/>
+              <a:buFontTx/>
+              <a:buNone/>
+              <a:tabLst/>
+              <a:defRPr/>
+            </a:pPr>
+            <a:r>
+              <a:rPr kumimoji="1" lang="ja-JP" altLang="en-US" sz="1200" b="0" kern="1200">
+                <a:solidFill>
+                  <a:schemeClr val="tx1"/>
+                </a:solidFill>
+                <a:effectLst/>
+                <a:latin typeface="+mn-lt"/>
+                <a:ea typeface="+mn-ea"/>
+                <a:cs typeface="+mn-cs"/>
+              </a:rPr>
+              <a:t>まずはより大規模なデータを収集して，提案モデルの性能を評価すること．</a:t>
+            </a:r>
+            <a:endParaRPr kumimoji="1" lang="en-US" altLang="ja-JP" sz="1200" b="0" kern="1200" dirty="0">
+              <a:solidFill>
+                <a:schemeClr val="tx1"/>
+              </a:solidFill>
+              <a:effectLst/>
+              <a:latin typeface="+mn-lt"/>
+              <a:ea typeface="+mn-ea"/>
+              <a:cs typeface="+mn-cs"/>
+            </a:endParaRPr>
+          </a:p>
+          <a:p>
+            <a:pPr marL="0" marR="0" lvl="0" indent="0" algn="l" defTabSz="914400" rtl="0" eaLnBrk="1" fontAlgn="auto" latinLnBrk="0" hangingPunct="1">
+              <a:lnSpc>
+                <a:spcPct val="100000"/>
+              </a:lnSpc>
+              <a:spcBef>
+                <a:spcPts val="0"/>
+              </a:spcBef>
+              <a:spcAft>
+                <a:spcPts val="0"/>
+              </a:spcAft>
+              <a:buClrTx/>
+              <a:buSzTx/>
+              <a:buFontTx/>
+              <a:buNone/>
+              <a:tabLst/>
+              <a:defRPr/>
+            </a:pPr>
+            <a:r>
+              <a:rPr kumimoji="1" lang="ja-JP" altLang="en-US" sz="1200" b="0" kern="1200">
+                <a:solidFill>
+                  <a:schemeClr val="tx1"/>
+                </a:solidFill>
+                <a:effectLst/>
+                <a:latin typeface="+mn-lt"/>
+                <a:ea typeface="+mn-ea"/>
+                <a:cs typeface="+mn-cs"/>
+              </a:rPr>
+              <a:t>加えて，既存モデルと比べて，提案モデルで追加した一貫性や得点別の厳しさのパラメータの影響について分析を行うこと．</a:t>
+            </a:r>
+            <a:endParaRPr kumimoji="1" lang="en-US" altLang="ja-JP" sz="1200" b="0" kern="1200" dirty="0">
+              <a:solidFill>
+                <a:schemeClr val="tx1"/>
+              </a:solidFill>
+              <a:effectLst/>
+              <a:latin typeface="+mn-lt"/>
+              <a:ea typeface="+mn-ea"/>
+              <a:cs typeface="+mn-cs"/>
+            </a:endParaRPr>
+          </a:p>
+          <a:p>
+            <a:pPr marL="0" marR="0" lvl="0" indent="0" algn="l" defTabSz="914400" rtl="0" eaLnBrk="1" fontAlgn="auto" latinLnBrk="0" hangingPunct="1">
+              <a:lnSpc>
+                <a:spcPct val="100000"/>
+              </a:lnSpc>
+              <a:spcBef>
+                <a:spcPts val="0"/>
+              </a:spcBef>
+              <a:spcAft>
+                <a:spcPts val="0"/>
+              </a:spcAft>
+              <a:buClrTx/>
+              <a:buSzTx/>
+              <a:buFontTx/>
+              <a:buNone/>
+              <a:tabLst/>
+              <a:defRPr/>
+            </a:pPr>
+            <a:r>
+              <a:rPr kumimoji="1" lang="ja-JP" altLang="en-US" sz="1200" b="0" kern="1200">
+                <a:solidFill>
+                  <a:schemeClr val="tx1"/>
+                </a:solidFill>
+                <a:effectLst/>
+                <a:latin typeface="+mn-lt"/>
+                <a:ea typeface="+mn-ea"/>
+                <a:cs typeface="+mn-cs"/>
+              </a:rPr>
+              <a:t>さらに，課題ごとの特性も考慮できるようにモデルの拡張を行いたいと思っています．</a:t>
+            </a:r>
+            <a:endParaRPr kumimoji="1" lang="en-US" altLang="ja-JP" sz="1200" b="0" kern="1200" dirty="0">
+              <a:solidFill>
+                <a:schemeClr val="tx1"/>
+              </a:solidFill>
+              <a:effectLst/>
+              <a:latin typeface="+mn-lt"/>
+              <a:ea typeface="+mn-ea"/>
+              <a:cs typeface="+mn-cs"/>
+            </a:endParaRPr>
           </a:p>
         </p:txBody>
       </p:sp>
@@ -2192,7 +2045,7 @@
           <a:p>
             <a:fld id="{F069C953-97BB-D34F-A925-DB809641415F}" type="slidenum">
               <a:rPr kumimoji="1" lang="ja-JP" altLang="en-US" smtClean="0"/>
-              <a:t>16</a:t>
+              <a:t>15</a:t>
             </a:fld>
             <a:endParaRPr kumimoji="1" lang="ja-JP" altLang="en-US"/>
           </a:p>
@@ -2201,7 +2054,7 @@
     </p:spTree>
     <p:extLst>
       <p:ext uri="{BB962C8B-B14F-4D97-AF65-F5344CB8AC3E}">
-        <p14:creationId xmlns:p14="http://schemas.microsoft.com/office/powerpoint/2010/main" val="2975947878"/>
+        <p14:creationId xmlns:p14="http://schemas.microsoft.com/office/powerpoint/2010/main" val="146290981"/>
       </p:ext>
     </p:extLst>
   </p:cSld>
@@ -2255,402 +2108,7 @@
           <a:bodyPr/>
           <a:lstStyle/>
           <a:p>
-            <a:pPr marL="0" marR="0" lvl="0" indent="0" algn="l" defTabSz="914400" rtl="0" eaLnBrk="1" fontAlgn="auto" latinLnBrk="0" hangingPunct="1">
-              <a:lnSpc>
-                <a:spcPct val="100000"/>
-              </a:lnSpc>
-              <a:spcBef>
-                <a:spcPts val="0"/>
-              </a:spcBef>
-              <a:spcAft>
-                <a:spcPts val="0"/>
-              </a:spcAft>
-              <a:buClrTx/>
-              <a:buSzTx/>
-              <a:buFontTx/>
-              <a:buNone/>
-              <a:tabLst/>
-              <a:defRPr/>
-            </a:pPr>
-            <a:r>
-              <a:rPr kumimoji="1" lang="ja-JP" altLang="en-US" sz="1200" b="0" i="0" u="none" strike="noStrike" kern="1200">
-                <a:solidFill>
-                  <a:schemeClr val="tx1"/>
-                </a:solidFill>
-                <a:effectLst/>
-                <a:latin typeface="+mn-lt"/>
-                <a:ea typeface="+mn-ea"/>
-                <a:cs typeface="+mn-cs"/>
-              </a:rPr>
-              <a:t>本研究では，提案モデルのパラメータ推定にマルコフ連鎖モンテカルロ法を利用しますが，これによって適切にパラメータを推定できるかをシミュレーションで評価しました．</a:t>
-            </a:r>
-            <a:endParaRPr kumimoji="1" lang="en-US" altLang="ja-JP" sz="1200" b="0" i="0" u="none" strike="noStrike" kern="1200" dirty="0">
-              <a:solidFill>
-                <a:schemeClr val="tx1"/>
-              </a:solidFill>
-              <a:effectLst/>
-              <a:latin typeface="+mn-lt"/>
-              <a:ea typeface="+mn-ea"/>
-              <a:cs typeface="+mn-cs"/>
-            </a:endParaRPr>
-          </a:p>
-          <a:p>
-            <a:pPr marL="0" marR="0" lvl="0" indent="0" algn="l" defTabSz="914400" rtl="0" eaLnBrk="1" fontAlgn="auto" latinLnBrk="0" hangingPunct="1">
-              <a:lnSpc>
-                <a:spcPct val="100000"/>
-              </a:lnSpc>
-              <a:spcBef>
-                <a:spcPts val="0"/>
-              </a:spcBef>
-              <a:spcAft>
-                <a:spcPts val="0"/>
-              </a:spcAft>
-              <a:buClrTx/>
-              <a:buSzTx/>
-              <a:buFontTx/>
-              <a:buNone/>
-              <a:tabLst/>
-              <a:defRPr/>
-            </a:pPr>
-            <a:r>
-              <a:rPr kumimoji="1" lang="ja-JP" altLang="en-US" sz="1200" b="0" i="0" u="none" strike="noStrike" kern="1200">
-                <a:solidFill>
-                  <a:schemeClr val="tx1"/>
-                </a:solidFill>
-                <a:effectLst/>
-                <a:latin typeface="+mn-lt"/>
-                <a:ea typeface="+mn-ea"/>
-                <a:cs typeface="+mn-cs"/>
-              </a:rPr>
-              <a:t>具体的には，パラメータの真値を定めてモデルからデータを生成し，そのデータから推定したパラメータ値と真値との誤差を評価する実験です．</a:t>
-            </a:r>
-            <a:endParaRPr kumimoji="1" lang="en-US" altLang="ja-JP" sz="1200" b="0" i="0" u="none" strike="noStrike" kern="1200" dirty="0">
-              <a:solidFill>
-                <a:schemeClr val="tx1"/>
-              </a:solidFill>
-              <a:effectLst/>
-              <a:latin typeface="+mn-lt"/>
-              <a:ea typeface="+mn-ea"/>
-              <a:cs typeface="+mn-cs"/>
-            </a:endParaRPr>
-          </a:p>
-          <a:p>
-            <a:pPr marL="0" marR="0" lvl="0" indent="0" algn="l" defTabSz="914400" rtl="0" eaLnBrk="1" fontAlgn="auto" latinLnBrk="0" hangingPunct="1">
-              <a:lnSpc>
-                <a:spcPct val="100000"/>
-              </a:lnSpc>
-              <a:spcBef>
-                <a:spcPts val="0"/>
-              </a:spcBef>
-              <a:spcAft>
-                <a:spcPts val="0"/>
-              </a:spcAft>
-              <a:buClrTx/>
-              <a:buSzTx/>
-              <a:buFontTx/>
-              <a:buNone/>
-              <a:tabLst/>
-              <a:defRPr/>
-            </a:pPr>
-            <a:endParaRPr lang="en-US" altLang="ja-JP" dirty="0"/>
-          </a:p>
-          <a:p>
-            <a:r>
-              <a:rPr lang="ja-JP" altLang="en-US"/>
-              <a:t>ーーーーーーーーーーーーーーーーーーーーーーーーーーーーーーーーーーーーーーーーーーーーーー</a:t>
-            </a:r>
-            <a:endParaRPr lang="en-US" altLang="ja-JP" dirty="0"/>
-          </a:p>
-          <a:p>
-            <a:endParaRPr lang="en-US" altLang="ja-JP" dirty="0"/>
-          </a:p>
-          <a:p>
-            <a:r>
-              <a:rPr kumimoji="1" lang="ja-JP" altLang="en-US" sz="1200" b="0" kern="1200">
-                <a:solidFill>
-                  <a:schemeClr val="tx1"/>
-                </a:solidFill>
-                <a:effectLst/>
-                <a:latin typeface="+mn-lt"/>
-                <a:ea typeface="+mn-ea"/>
-                <a:cs typeface="+mn-cs"/>
-              </a:rPr>
-              <a:t>上記の実験を，学習者数</a:t>
-            </a:r>
-            <a:r>
-              <a:rPr kumimoji="1" lang="en" altLang="ja-JP" sz="1200" b="1" kern="1200" dirty="0">
-                <a:solidFill>
-                  <a:schemeClr val="tx1"/>
-                </a:solidFill>
-                <a:effectLst/>
-                <a:latin typeface="+mn-lt"/>
-                <a:ea typeface="+mn-ea"/>
-                <a:cs typeface="+mn-cs"/>
-              </a:rPr>
-              <a:t>50</a:t>
-            </a:r>
-            <a:r>
-              <a:rPr kumimoji="1" lang="ja-JP" altLang="en" sz="1200" b="1" kern="1200">
-                <a:solidFill>
-                  <a:schemeClr val="tx1"/>
-                </a:solidFill>
-                <a:effectLst/>
-                <a:latin typeface="+mn-lt"/>
-                <a:ea typeface="+mn-ea"/>
-                <a:cs typeface="+mn-cs"/>
-              </a:rPr>
-              <a:t>，</a:t>
-            </a:r>
-            <a:r>
-              <a:rPr kumimoji="1" lang="en" altLang="ja-JP" sz="1200" b="1" kern="1200" dirty="0">
-                <a:solidFill>
-                  <a:schemeClr val="tx1"/>
-                </a:solidFill>
-                <a:effectLst/>
-                <a:latin typeface="+mn-lt"/>
-                <a:ea typeface="+mn-ea"/>
-                <a:cs typeface="+mn-cs"/>
-              </a:rPr>
-              <a:t>100</a:t>
-            </a:r>
-            <a:r>
-              <a:rPr kumimoji="1" lang="ja-JP" altLang="en-US" sz="1200" b="0" kern="1200">
-                <a:solidFill>
-                  <a:schemeClr val="tx1"/>
-                </a:solidFill>
-                <a:effectLst/>
-                <a:latin typeface="+mn-lt"/>
-                <a:ea typeface="+mn-ea"/>
-                <a:cs typeface="+mn-cs"/>
-              </a:rPr>
-              <a:t>評価者数</a:t>
-            </a:r>
-            <a:r>
-              <a:rPr kumimoji="1" lang="en-US" altLang="ja-JP" sz="1200" b="1" kern="1200" dirty="0">
-                <a:solidFill>
-                  <a:schemeClr val="tx1"/>
-                </a:solidFill>
-                <a:effectLst/>
-                <a:latin typeface="+mn-lt"/>
-                <a:ea typeface="+mn-ea"/>
-                <a:cs typeface="+mn-cs"/>
-              </a:rPr>
-              <a:t>1</a:t>
-            </a:r>
-            <a:r>
-              <a:rPr kumimoji="1" lang="en" altLang="ja-JP" sz="1200" b="1" kern="1200" dirty="0">
-                <a:solidFill>
-                  <a:schemeClr val="tx1"/>
-                </a:solidFill>
-                <a:effectLst/>
-                <a:latin typeface="+mn-lt"/>
-                <a:ea typeface="+mn-ea"/>
-                <a:cs typeface="+mn-cs"/>
-              </a:rPr>
-              <a:t>0</a:t>
-            </a:r>
-            <a:r>
-              <a:rPr kumimoji="1" lang="ja-JP" altLang="en" sz="1200" b="1" kern="1200">
-                <a:solidFill>
-                  <a:schemeClr val="tx1"/>
-                </a:solidFill>
-                <a:effectLst/>
-                <a:latin typeface="+mn-lt"/>
-                <a:ea typeface="+mn-ea"/>
-                <a:cs typeface="+mn-cs"/>
-              </a:rPr>
-              <a:t>，</a:t>
-            </a:r>
-            <a:r>
-              <a:rPr kumimoji="1" lang="en" altLang="ja-JP" sz="1200" b="1" kern="1200" dirty="0">
-                <a:solidFill>
-                  <a:schemeClr val="tx1"/>
-                </a:solidFill>
-                <a:effectLst/>
-                <a:latin typeface="+mn-lt"/>
-                <a:ea typeface="+mn-ea"/>
-                <a:cs typeface="+mn-cs"/>
-              </a:rPr>
-              <a:t>15</a:t>
-            </a:r>
-            <a:r>
-              <a:rPr kumimoji="1" lang="ja-JP" altLang="en-US" sz="1200" b="1" kern="1200">
-                <a:solidFill>
-                  <a:schemeClr val="tx1"/>
-                </a:solidFill>
-                <a:effectLst/>
-                <a:latin typeface="+mn-lt"/>
-                <a:ea typeface="+mn-ea"/>
-                <a:cs typeface="+mn-cs"/>
-              </a:rPr>
-              <a:t>，</a:t>
-            </a:r>
-            <a:r>
-              <a:rPr kumimoji="1" lang="ja-JP" altLang="en-US" sz="1200" b="0" kern="1200">
-                <a:solidFill>
-                  <a:schemeClr val="tx1"/>
-                </a:solidFill>
-                <a:effectLst/>
-                <a:latin typeface="+mn-lt"/>
-                <a:ea typeface="+mn-ea"/>
-                <a:cs typeface="+mn-cs"/>
-              </a:rPr>
-              <a:t>時間区間</a:t>
-            </a:r>
-            <a:r>
-              <a:rPr kumimoji="1" lang="en" altLang="ja-JP" sz="1200" b="1" kern="1200" dirty="0">
-                <a:solidFill>
-                  <a:schemeClr val="tx1"/>
-                </a:solidFill>
-                <a:effectLst/>
-                <a:latin typeface="+mn-lt"/>
-                <a:ea typeface="+mn-ea"/>
-                <a:cs typeface="+mn-cs"/>
-              </a:rPr>
-              <a:t>3</a:t>
-            </a:r>
-            <a:r>
-              <a:rPr kumimoji="1" lang="ja-JP" altLang="en" sz="1200" b="1" kern="1200">
-                <a:solidFill>
-                  <a:schemeClr val="tx1"/>
-                </a:solidFill>
-                <a:effectLst/>
-                <a:latin typeface="+mn-lt"/>
-                <a:ea typeface="+mn-ea"/>
-                <a:cs typeface="+mn-cs"/>
-              </a:rPr>
-              <a:t>，</a:t>
-            </a:r>
-            <a:r>
-              <a:rPr kumimoji="1" lang="en" altLang="ja-JP" sz="1200" b="1" kern="1200" dirty="0">
-                <a:solidFill>
-                  <a:schemeClr val="tx1"/>
-                </a:solidFill>
-                <a:effectLst/>
-                <a:latin typeface="+mn-lt"/>
-                <a:ea typeface="+mn-ea"/>
-                <a:cs typeface="+mn-cs"/>
-              </a:rPr>
-              <a:t>5</a:t>
-            </a:r>
-            <a:r>
-              <a:rPr kumimoji="1" lang="ja-JP" altLang="en" sz="1200" b="1" kern="1200">
-                <a:solidFill>
-                  <a:schemeClr val="tx1"/>
-                </a:solidFill>
-                <a:effectLst/>
-                <a:latin typeface="+mn-lt"/>
-                <a:ea typeface="+mn-ea"/>
-                <a:cs typeface="+mn-cs"/>
-              </a:rPr>
-              <a:t>，</a:t>
-            </a:r>
-            <a:r>
-              <a:rPr kumimoji="1" lang="en" altLang="ja-JP" sz="1200" b="1" kern="1200" dirty="0">
-                <a:solidFill>
-                  <a:schemeClr val="tx1"/>
-                </a:solidFill>
-                <a:effectLst/>
-                <a:latin typeface="+mn-lt"/>
-                <a:ea typeface="+mn-ea"/>
-                <a:cs typeface="+mn-cs"/>
-              </a:rPr>
-              <a:t>10</a:t>
-            </a:r>
-            <a:r>
-              <a:rPr kumimoji="1" lang="ja-JP" altLang="en-US" sz="1200" b="0" kern="1200">
-                <a:solidFill>
-                  <a:schemeClr val="tx1"/>
-                </a:solidFill>
-                <a:effectLst/>
-                <a:latin typeface="+mn-lt"/>
-                <a:ea typeface="+mn-ea"/>
-                <a:cs typeface="+mn-cs"/>
-              </a:rPr>
-              <a:t>の場合において行いました．</a:t>
-            </a:r>
-            <a:endParaRPr kumimoji="1" lang="en-US" altLang="ja-JP" sz="1200" b="0" kern="1200" dirty="0">
-              <a:solidFill>
-                <a:schemeClr val="tx1"/>
-              </a:solidFill>
-              <a:effectLst/>
-              <a:latin typeface="+mn-lt"/>
-              <a:ea typeface="+mn-ea"/>
-              <a:cs typeface="+mn-cs"/>
-            </a:endParaRPr>
-          </a:p>
-          <a:p>
-            <a:r>
-              <a:rPr kumimoji="1" lang="ja-JP" altLang="en-US" sz="1200" b="0" kern="1200">
-                <a:solidFill>
-                  <a:schemeClr val="tx1"/>
-                </a:solidFill>
-                <a:effectLst/>
-                <a:latin typeface="+mn-lt"/>
-                <a:ea typeface="+mn-ea"/>
-                <a:cs typeface="+mn-cs"/>
-              </a:rPr>
-              <a:t>カテゴリ数は</a:t>
-            </a:r>
-            <a:r>
-              <a:rPr kumimoji="1" lang="en" altLang="ja-JP" sz="1200" b="1" kern="1200" dirty="0">
-                <a:solidFill>
-                  <a:schemeClr val="tx1"/>
-                </a:solidFill>
-                <a:effectLst/>
-                <a:latin typeface="+mn-lt"/>
-                <a:ea typeface="+mn-ea"/>
-                <a:cs typeface="+mn-cs"/>
-              </a:rPr>
-              <a:t>5</a:t>
-            </a:r>
-            <a:r>
-              <a:rPr kumimoji="1" lang="ja-JP" altLang="en-US" sz="1200" b="0" kern="1200">
-                <a:solidFill>
-                  <a:schemeClr val="tx1"/>
-                </a:solidFill>
-                <a:effectLst/>
-                <a:latin typeface="+mn-lt"/>
-                <a:ea typeface="+mn-ea"/>
-                <a:cs typeface="+mn-cs"/>
-              </a:rPr>
-              <a:t>とした．</a:t>
-            </a:r>
-          </a:p>
-          <a:p>
-            <a:br>
-              <a:rPr kumimoji="1" lang="ja-JP" altLang="en-US" sz="1200" b="0" kern="1200">
-                <a:solidFill>
-                  <a:schemeClr val="tx1"/>
-                </a:solidFill>
-                <a:effectLst/>
-                <a:latin typeface="+mn-lt"/>
-                <a:ea typeface="+mn-ea"/>
-                <a:cs typeface="+mn-cs"/>
-              </a:rPr>
-            </a:br>
-            <a:endParaRPr kumimoji="1" lang="ja-JP" altLang="en-US" sz="1200" b="0" kern="1200">
-              <a:solidFill>
-                <a:schemeClr val="tx1"/>
-              </a:solidFill>
-              <a:effectLst/>
-              <a:latin typeface="+mn-lt"/>
-              <a:ea typeface="+mn-ea"/>
-              <a:cs typeface="+mn-cs"/>
-            </a:endParaRPr>
-          </a:p>
-          <a:p>
-            <a:pPr marL="514350" indent="-514350">
-              <a:buFont typeface="+mj-lt"/>
-              <a:buAutoNum type="arabicPeriod"/>
-            </a:pPr>
-            <a:endParaRPr lang="ja-JP" altLang="en-US"/>
-          </a:p>
-          <a:p>
-            <a:r>
-              <a:rPr kumimoji="1" lang="ja-JP" altLang="en-US"/>
-              <a:t>これなくす</a:t>
-            </a:r>
+            <a:endParaRPr kumimoji="1" lang="ja-JP" altLang="en-US"/>
           </a:p>
         </p:txBody>
       </p:sp>
@@ -2671,7 +2129,7 @@
           <a:p>
             <a:fld id="{F069C953-97BB-D34F-A925-DB809641415F}" type="slidenum">
               <a:rPr kumimoji="1" lang="ja-JP" altLang="en-US" smtClean="0"/>
-              <a:t>18</a:t>
+              <a:t>16</a:t>
             </a:fld>
             <a:endParaRPr kumimoji="1" lang="ja-JP" altLang="en-US"/>
           </a:p>
@@ -2680,7 +2138,7 @@
     </p:spTree>
     <p:extLst>
       <p:ext uri="{BB962C8B-B14F-4D97-AF65-F5344CB8AC3E}">
-        <p14:creationId xmlns:p14="http://schemas.microsoft.com/office/powerpoint/2010/main" val="2452455439"/>
+        <p14:creationId xmlns:p14="http://schemas.microsoft.com/office/powerpoint/2010/main" val="2975947878"/>
       </p:ext>
     </p:extLst>
   </p:cSld>
@@ -2734,8 +2192,25 @@
           <a:bodyPr/>
           <a:lstStyle/>
           <a:p>
-            <a:r>
-              <a:rPr kumimoji="1" lang="ja-JP" altLang="en-US" sz="1200" kern="1200">
+            <a:pPr marL="0" marR="0" lvl="0" indent="0" algn="l" defTabSz="914400" rtl="0" eaLnBrk="1" fontAlgn="auto" latinLnBrk="0" hangingPunct="1">
+              <a:lnSpc>
+                <a:spcPct val="100000"/>
+              </a:lnSpc>
+              <a:spcBef>
+                <a:spcPts val="0"/>
+              </a:spcBef>
+              <a:spcAft>
+                <a:spcPts val="0"/>
+              </a:spcAft>
+              <a:buClrTx/>
+              <a:buSzTx/>
+              <a:buFontTx/>
+              <a:buNone/>
+              <a:tabLst/>
+              <a:defRPr/>
+            </a:pPr>
+            <a:r>
+              <a:rPr kumimoji="1" lang="ja-JP" altLang="en-US" sz="1200" b="0" i="0" u="none" strike="noStrike" kern="1200">
                 <a:solidFill>
                   <a:schemeClr val="tx1"/>
                 </a:solidFill>
@@ -2744,10 +2219,38 @@
                 <a:ea typeface="+mn-ea"/>
                 <a:cs typeface="+mn-cs"/>
               </a:rPr>
-              <a:t>なお，提案モデルにおける</a:t>
-            </a:r>
-            <a:r>
-              <a:rPr kumimoji="1" lang="el-GR" altLang="ja-JP" sz="1200" kern="1200" dirty="0">
+              <a:t>本研究では，提案モデルのパラメータ推定にマルコフ連鎖モンテカルロ法を利用しますが，これによって適切にパラメータを推定できるかをシミュレーションで評価しました．</a:t>
+            </a:r>
+            <a:endParaRPr kumimoji="1" lang="en-US" altLang="ja-JP" sz="1200" b="0" i="0" u="none" strike="noStrike" kern="1200" dirty="0">
+              <a:solidFill>
+                <a:schemeClr val="tx1"/>
+              </a:solidFill>
+              <a:effectLst/>
+              <a:latin typeface="+mn-lt"/>
+              <a:ea typeface="+mn-ea"/>
+              <a:cs typeface="+mn-cs"/>
+            </a:endParaRPr>
+          </a:p>
+          <a:p>
+            <a:pPr marL="0" marR="0" lvl="0" indent="0" algn="l" defTabSz="914400" rtl="0" eaLnBrk="1" fontAlgn="auto" latinLnBrk="0" hangingPunct="1">
+              <a:lnSpc>
+                <a:spcPct val="100000"/>
+              </a:lnSpc>
+              <a:spcBef>
+                <a:spcPts val="0"/>
+              </a:spcBef>
+              <a:spcAft>
+                <a:spcPts val="0"/>
+              </a:spcAft>
+              <a:buClrTx/>
+              <a:buSzTx/>
+              <a:buFontTx/>
+              <a:buNone/>
+              <a:tabLst/>
+              <a:defRPr/>
+            </a:pPr>
+            <a:r>
+              <a:rPr kumimoji="1" lang="ja-JP" altLang="en-US" sz="1200" b="0" i="0" u="none" strike="noStrike" kern="1200">
                 <a:solidFill>
                   <a:schemeClr val="tx1"/>
                 </a:solidFill>
@@ -2756,10 +2259,51 @@
                 <a:ea typeface="+mn-ea"/>
                 <a:cs typeface="+mn-cs"/>
               </a:rPr>
-              <a:t>β</a:t>
-            </a:r>
-            <a:r>
-              <a:rPr kumimoji="1" lang="en" altLang="ja-JP" sz="1200" kern="1200" dirty="0">
+              <a:t>具体的には，パラメータの真値を定めてモデルからデータを生成し，そのデータから推定したパラメータ値と真値との誤差を評価する実験です．</a:t>
+            </a:r>
+            <a:endParaRPr kumimoji="1" lang="en-US" altLang="ja-JP" sz="1200" b="0" i="0" u="none" strike="noStrike" kern="1200" dirty="0">
+              <a:solidFill>
+                <a:schemeClr val="tx1"/>
+              </a:solidFill>
+              <a:effectLst/>
+              <a:latin typeface="+mn-lt"/>
+              <a:ea typeface="+mn-ea"/>
+              <a:cs typeface="+mn-cs"/>
+            </a:endParaRPr>
+          </a:p>
+          <a:p>
+            <a:pPr marL="0" marR="0" lvl="0" indent="0" algn="l" defTabSz="914400" rtl="0" eaLnBrk="1" fontAlgn="auto" latinLnBrk="0" hangingPunct="1">
+              <a:lnSpc>
+                <a:spcPct val="100000"/>
+              </a:lnSpc>
+              <a:spcBef>
+                <a:spcPts val="0"/>
+              </a:spcBef>
+              <a:spcAft>
+                <a:spcPts val="0"/>
+              </a:spcAft>
+              <a:buClrTx/>
+              <a:buSzTx/>
+              <a:buFontTx/>
+              <a:buNone/>
+              <a:tabLst/>
+              <a:defRPr/>
+            </a:pPr>
+            <a:endParaRPr lang="en-US" altLang="ja-JP" dirty="0"/>
+          </a:p>
+          <a:p>
+            <a:r>
+              <a:rPr lang="ja-JP" altLang="en-US"/>
+              <a:t>ーーーーーーーーーーーーーーーーーーーーーーーーーーーーーーーーーーーーーーーーーーーーーー</a:t>
+            </a:r>
+            <a:endParaRPr lang="en-US" altLang="ja-JP" dirty="0"/>
+          </a:p>
+          <a:p>
+            <a:endParaRPr lang="en-US" altLang="ja-JP" dirty="0"/>
+          </a:p>
+          <a:p>
+            <a:r>
+              <a:rPr kumimoji="1" lang="ja-JP" altLang="en-US" sz="1200" b="0" kern="1200">
                 <a:solidFill>
                   <a:schemeClr val="tx1"/>
                 </a:solidFill>
@@ -2768,10 +2312,10 @@
                 <a:ea typeface="+mn-ea"/>
                 <a:cs typeface="+mn-cs"/>
               </a:rPr>
-              <a:t>rt </a:t>
-            </a:r>
-            <a:r>
-              <a:rPr kumimoji="1" lang="ja-JP" altLang="en-US" sz="1200" kern="1200">
+              <a:t>上記の実験を，学習者数</a:t>
+            </a:r>
+            <a:r>
+              <a:rPr kumimoji="1" lang="en" altLang="ja-JP" sz="1200" b="1" kern="1200" dirty="0">
                 <a:solidFill>
                   <a:schemeClr val="tx1"/>
                 </a:solidFill>
@@ -2780,141 +2324,10 @@
                 <a:ea typeface="+mn-ea"/>
                 <a:cs typeface="+mn-cs"/>
               </a:rPr>
-              <a:t>の事前分布のパラメータである</a:t>
-            </a:r>
-            <a:r>
-              <a:rPr kumimoji="1" lang="el-GR" altLang="ja-JP" sz="1200" kern="1200" dirty="0">
-                <a:solidFill>
-                  <a:schemeClr val="tx1"/>
-                </a:solidFill>
-                <a:effectLst/>
-                <a:latin typeface="+mn-lt"/>
-                <a:ea typeface="+mn-ea"/>
-                <a:cs typeface="+mn-cs"/>
-              </a:rPr>
-              <a:t>σ </a:t>
-            </a:r>
-            <a:r>
-              <a:rPr kumimoji="1" lang="ja-JP" altLang="en-US" sz="1200" kern="1200">
-                <a:solidFill>
-                  <a:schemeClr val="tx1"/>
-                </a:solidFill>
-                <a:effectLst/>
-                <a:latin typeface="+mn-lt"/>
-                <a:ea typeface="+mn-ea"/>
-                <a:cs typeface="+mn-cs"/>
-              </a:rPr>
-              <a:t>は，できる限り小さい値とすることで，</a:t>
-            </a:r>
-            <a:r>
-              <a:rPr kumimoji="1" lang="el-GR" altLang="ja-JP" sz="1200" kern="1200" dirty="0">
-                <a:solidFill>
-                  <a:schemeClr val="tx1"/>
-                </a:solidFill>
-                <a:effectLst/>
-                <a:latin typeface="+mn-lt"/>
-                <a:ea typeface="+mn-ea"/>
-                <a:cs typeface="+mn-cs"/>
-              </a:rPr>
-              <a:t>β</a:t>
-            </a:r>
-            <a:r>
-              <a:rPr kumimoji="1" lang="en" altLang="ja-JP" sz="1200" kern="1200" dirty="0">
-                <a:solidFill>
-                  <a:schemeClr val="tx1"/>
-                </a:solidFill>
-                <a:effectLst/>
-                <a:latin typeface="+mn-lt"/>
-                <a:ea typeface="+mn-ea"/>
-                <a:cs typeface="+mn-cs"/>
-              </a:rPr>
-              <a:t>rt </a:t>
-            </a:r>
-            <a:r>
-              <a:rPr kumimoji="1" lang="ja-JP" altLang="en" sz="1200" kern="1200">
-                <a:solidFill>
-                  <a:schemeClr val="tx1"/>
-                </a:solidFill>
-                <a:effectLst/>
-                <a:latin typeface="+mn-lt"/>
-                <a:ea typeface="+mn-ea"/>
-                <a:cs typeface="+mn-cs"/>
-              </a:rPr>
-              <a:t>（</a:t>
-            </a:r>
-            <a:r>
-              <a:rPr kumimoji="1" lang="en" altLang="ja-JP" sz="1200" kern="1200" dirty="0">
-                <a:solidFill>
-                  <a:schemeClr val="tx1"/>
-                </a:solidFill>
-                <a:effectLst/>
-                <a:latin typeface="+mn-lt"/>
-                <a:ea typeface="+mn-ea"/>
-                <a:cs typeface="+mn-cs"/>
-              </a:rPr>
-              <a:t>t &gt; 1</a:t>
-            </a:r>
-            <a:r>
-              <a:rPr kumimoji="1" lang="ja-JP" altLang="en" sz="1200" kern="1200">
-                <a:solidFill>
-                  <a:schemeClr val="tx1"/>
-                </a:solidFill>
-                <a:effectLst/>
-                <a:latin typeface="+mn-lt"/>
-                <a:ea typeface="+mn-ea"/>
-                <a:cs typeface="+mn-cs"/>
-              </a:rPr>
-              <a:t>）</a:t>
-            </a:r>
-            <a:r>
-              <a:rPr kumimoji="1" lang="ja-JP" altLang="en-US" sz="1200" kern="1200">
-                <a:solidFill>
-                  <a:schemeClr val="tx1"/>
-                </a:solidFill>
-                <a:effectLst/>
-                <a:latin typeface="+mn-lt"/>
-                <a:ea typeface="+mn-ea"/>
-                <a:cs typeface="+mn-cs"/>
-              </a:rPr>
-              <a:t>の事後分布が縮小するため，パラメータ推定が安定すると期待できる．</a:t>
-            </a:r>
-            <a:endParaRPr kumimoji="1" lang="en-US" altLang="ja-JP" sz="1200" kern="1200" dirty="0">
-              <a:solidFill>
-                <a:schemeClr val="tx1"/>
-              </a:solidFill>
-              <a:effectLst/>
-              <a:latin typeface="+mn-lt"/>
-              <a:ea typeface="+mn-ea"/>
-              <a:cs typeface="+mn-cs"/>
-            </a:endParaRPr>
-          </a:p>
-          <a:p>
-            <a:r>
-              <a:rPr kumimoji="1" lang="ja-JP" altLang="en-US" sz="1200" kern="1200">
-                <a:solidFill>
-                  <a:schemeClr val="tx1"/>
-                </a:solidFill>
-                <a:effectLst/>
-                <a:latin typeface="+mn-lt"/>
-                <a:ea typeface="+mn-ea"/>
-                <a:cs typeface="+mn-cs"/>
-              </a:rPr>
-              <a:t>この事前知識に合わせて，ここでは，</a:t>
-            </a:r>
-            <a:r>
-              <a:rPr kumimoji="1" lang="en" altLang="ja-JP" sz="1200" kern="1200" dirty="0">
-                <a:solidFill>
-                  <a:schemeClr val="tx1"/>
-                </a:solidFill>
-                <a:effectLst/>
-                <a:latin typeface="+mn-lt"/>
-                <a:ea typeface="+mn-ea"/>
-                <a:cs typeface="+mn-cs"/>
-              </a:rPr>
-              <a:t>LN(−3</a:t>
-            </a:r>
-            <a:r>
-              <a:rPr kumimoji="1" lang="ja-JP" altLang="en" sz="1200" kern="1200">
+              <a:t>50</a:t>
+            </a:r>
+            <a:r>
+              <a:rPr kumimoji="1" lang="ja-JP" altLang="en" sz="1200" b="1" kern="1200">
                 <a:solidFill>
                   <a:schemeClr val="tx1"/>
                 </a:solidFill>
@@ -2926,7 +2339,7 @@
               <a:t>，</a:t>
             </a:r>
             <a:r>
-              <a:rPr kumimoji="1" lang="en" altLang="ja-JP" sz="1200" kern="1200" dirty="0">
+              <a:rPr kumimoji="1" lang="en" altLang="ja-JP" sz="1200" b="1" kern="1200" dirty="0">
                 <a:solidFill>
                   <a:schemeClr val="tx1"/>
                 </a:solidFill>
@@ -2935,10 +2348,10 @@
                 <a:ea typeface="+mn-ea"/>
                 <a:cs typeface="+mn-cs"/>
               </a:rPr>
-              <a:t>0)</a:t>
-            </a:r>
-            <a:r>
-              <a:rPr kumimoji="1" lang="ja-JP" altLang="en-US" sz="1200" kern="1200">
+              <a:t>100</a:t>
+            </a:r>
+            <a:r>
+              <a:rPr kumimoji="1" lang="ja-JP" altLang="en-US" sz="1200" b="0" kern="1200">
                 <a:solidFill>
                   <a:schemeClr val="tx1"/>
                 </a:solidFill>
@@ -2947,10 +2360,10 @@
                 <a:ea typeface="+mn-ea"/>
                 <a:cs typeface="+mn-cs"/>
               </a:rPr>
-              <a:t>を</a:t>
-            </a:r>
-            <a:r>
-              <a:rPr kumimoji="1" lang="el-GR" altLang="ja-JP" sz="1200" kern="1200" dirty="0">
+              <a:t>評価者数</a:t>
+            </a:r>
+            <a:r>
+              <a:rPr kumimoji="1" lang="en-US" altLang="ja-JP" sz="1200" b="1" kern="1200" dirty="0">
                 <a:solidFill>
                   <a:schemeClr val="tx1"/>
                 </a:solidFill>
@@ -2959,10 +2372,10 @@
                 <a:ea typeface="+mn-ea"/>
                 <a:cs typeface="+mn-cs"/>
               </a:rPr>
-              <a:t>σ </a:t>
-            </a:r>
-            <a:r>
-              <a:rPr kumimoji="1" lang="ja-JP" altLang="en-US" sz="1200" kern="1200">
+              <a:t>1</a:t>
+            </a:r>
+            <a:r>
+              <a:rPr kumimoji="1" lang="en" altLang="ja-JP" sz="1200" b="1" kern="1200" dirty="0">
                 <a:solidFill>
                   <a:schemeClr val="tx1"/>
                 </a:solidFill>
@@ -2971,9 +2384,129 @@
                 <a:ea typeface="+mn-ea"/>
                 <a:cs typeface="+mn-cs"/>
               </a:rPr>
-              <a:t>の事前分布として採用した．</a:t>
-            </a:r>
-            <a:endParaRPr kumimoji="1" lang="en-US" altLang="ja-JP" sz="1200" kern="1200" dirty="0">
+              <a:t>0</a:t>
+            </a:r>
+            <a:r>
+              <a:rPr kumimoji="1" lang="ja-JP" altLang="en" sz="1200" b="1" kern="1200">
+                <a:solidFill>
+                  <a:schemeClr val="tx1"/>
+                </a:solidFill>
+                <a:effectLst/>
+                <a:latin typeface="+mn-lt"/>
+                <a:ea typeface="+mn-ea"/>
+                <a:cs typeface="+mn-cs"/>
+              </a:rPr>
+              <a:t>，</a:t>
+            </a:r>
+            <a:r>
+              <a:rPr kumimoji="1" lang="en" altLang="ja-JP" sz="1200" b="1" kern="1200" dirty="0">
+                <a:solidFill>
+                  <a:schemeClr val="tx1"/>
+                </a:solidFill>
+                <a:effectLst/>
+                <a:latin typeface="+mn-lt"/>
+                <a:ea typeface="+mn-ea"/>
+                <a:cs typeface="+mn-cs"/>
+              </a:rPr>
+              <a:t>15</a:t>
+            </a:r>
+            <a:r>
+              <a:rPr kumimoji="1" lang="ja-JP" altLang="en-US" sz="1200" b="1" kern="1200">
+                <a:solidFill>
+                  <a:schemeClr val="tx1"/>
+                </a:solidFill>
+                <a:effectLst/>
+                <a:latin typeface="+mn-lt"/>
+                <a:ea typeface="+mn-ea"/>
+                <a:cs typeface="+mn-cs"/>
+              </a:rPr>
+              <a:t>，</a:t>
+            </a:r>
+            <a:r>
+              <a:rPr kumimoji="1" lang="ja-JP" altLang="en-US" sz="1200" b="0" kern="1200">
+                <a:solidFill>
+                  <a:schemeClr val="tx1"/>
+                </a:solidFill>
+                <a:effectLst/>
+                <a:latin typeface="+mn-lt"/>
+                <a:ea typeface="+mn-ea"/>
+                <a:cs typeface="+mn-cs"/>
+              </a:rPr>
+              <a:t>時間区間</a:t>
+            </a:r>
+            <a:r>
+              <a:rPr kumimoji="1" lang="en" altLang="ja-JP" sz="1200" b="1" kern="1200" dirty="0">
+                <a:solidFill>
+                  <a:schemeClr val="tx1"/>
+                </a:solidFill>
+                <a:effectLst/>
+                <a:latin typeface="+mn-lt"/>
+                <a:ea typeface="+mn-ea"/>
+                <a:cs typeface="+mn-cs"/>
+              </a:rPr>
+              <a:t>3</a:t>
+            </a:r>
+            <a:r>
+              <a:rPr kumimoji="1" lang="ja-JP" altLang="en" sz="1200" b="1" kern="1200">
+                <a:solidFill>
+                  <a:schemeClr val="tx1"/>
+                </a:solidFill>
+                <a:effectLst/>
+                <a:latin typeface="+mn-lt"/>
+                <a:ea typeface="+mn-ea"/>
+                <a:cs typeface="+mn-cs"/>
+              </a:rPr>
+              <a:t>，</a:t>
+            </a:r>
+            <a:r>
+              <a:rPr kumimoji="1" lang="en" altLang="ja-JP" sz="1200" b="1" kern="1200" dirty="0">
+                <a:solidFill>
+                  <a:schemeClr val="tx1"/>
+                </a:solidFill>
+                <a:effectLst/>
+                <a:latin typeface="+mn-lt"/>
+                <a:ea typeface="+mn-ea"/>
+                <a:cs typeface="+mn-cs"/>
+              </a:rPr>
+              <a:t>5</a:t>
+            </a:r>
+            <a:r>
+              <a:rPr kumimoji="1" lang="ja-JP" altLang="en" sz="1200" b="1" kern="1200">
+                <a:solidFill>
+                  <a:schemeClr val="tx1"/>
+                </a:solidFill>
+                <a:effectLst/>
+                <a:latin typeface="+mn-lt"/>
+                <a:ea typeface="+mn-ea"/>
+                <a:cs typeface="+mn-cs"/>
+              </a:rPr>
+              <a:t>，</a:t>
+            </a:r>
+            <a:r>
+              <a:rPr kumimoji="1" lang="en" altLang="ja-JP" sz="1200" b="1" kern="1200" dirty="0">
+                <a:solidFill>
+                  <a:schemeClr val="tx1"/>
+                </a:solidFill>
+                <a:effectLst/>
+                <a:latin typeface="+mn-lt"/>
+                <a:ea typeface="+mn-ea"/>
+                <a:cs typeface="+mn-cs"/>
+              </a:rPr>
+              <a:t>10</a:t>
+            </a:r>
+            <a:r>
+              <a:rPr kumimoji="1" lang="ja-JP" altLang="en-US" sz="1200" b="0" kern="1200">
+                <a:solidFill>
+                  <a:schemeClr val="tx1"/>
+                </a:solidFill>
+                <a:effectLst/>
+                <a:latin typeface="+mn-lt"/>
+                <a:ea typeface="+mn-ea"/>
+                <a:cs typeface="+mn-cs"/>
+              </a:rPr>
+              <a:t>の場合において行いました．</a:t>
+            </a:r>
+            <a:endParaRPr kumimoji="1" lang="en-US" altLang="ja-JP" sz="1200" b="0" kern="1200" dirty="0">
               <a:solidFill>
                 <a:schemeClr val="tx1"/>
               </a:solidFill>
@@ -2984,25 +2517,76 @@
             </a:endParaRPr>
           </a:p>
           <a:p>
-            <a:endParaRPr kumimoji="1" lang="en-US" altLang="ja-JP" dirty="0"/>
+            <a:r>
+              <a:rPr kumimoji="1" lang="ja-JP" altLang="en-US" sz="1200" b="0" kern="1200">
+                <a:solidFill>
+                  <a:schemeClr val="tx1"/>
+                </a:solidFill>
+                <a:effectLst/>
+                <a:latin typeface="+mn-lt"/>
+                <a:ea typeface="+mn-ea"/>
+                <a:cs typeface="+mn-cs"/>
+              </a:rPr>
+              <a:t>カテゴリ数は</a:t>
+            </a:r>
+            <a:r>
+              <a:rPr kumimoji="1" lang="en" altLang="ja-JP" sz="1200" b="1" kern="1200" dirty="0">
+                <a:solidFill>
+                  <a:schemeClr val="tx1"/>
+                </a:solidFill>
+                <a:effectLst/>
+                <a:latin typeface="+mn-lt"/>
+                <a:ea typeface="+mn-ea"/>
+                <a:cs typeface="+mn-cs"/>
+              </a:rPr>
+              <a:t>5</a:t>
+            </a:r>
+            <a:r>
+              <a:rPr kumimoji="1" lang="ja-JP" altLang="en-US" sz="1200" b="0" kern="1200">
+                <a:solidFill>
+                  <a:schemeClr val="tx1"/>
+                </a:solidFill>
+                <a:effectLst/>
+                <a:latin typeface="+mn-lt"/>
+                <a:ea typeface="+mn-ea"/>
+                <a:cs typeface="+mn-cs"/>
+              </a:rPr>
+              <a:t>とした．</a:t>
+            </a:r>
+          </a:p>
+          <a:p>
+            <a:br>
+              <a:rPr kumimoji="1" lang="ja-JP" altLang="en-US" sz="1200" b="0" kern="1200">
+                <a:solidFill>
+                  <a:schemeClr val="tx1"/>
+                </a:solidFill>
+                <a:effectLst/>
+                <a:latin typeface="+mn-lt"/>
+                <a:ea typeface="+mn-ea"/>
+                <a:cs typeface="+mn-cs"/>
+              </a:rPr>
+            </a:br>
+            <a:endParaRPr kumimoji="1" lang="ja-JP" altLang="en-US" sz="1200" b="0" kern="1200">
+              <a:solidFill>
+                <a:schemeClr val="tx1"/>
+              </a:solidFill>
+              <a:effectLst/>
+              <a:latin typeface="+mn-lt"/>
+              <a:ea typeface="+mn-ea"/>
+              <a:cs typeface="+mn-cs"/>
+            </a:endParaRPr>
+          </a:p>
+          <a:p>
+            <a:pPr marL="514350" indent="-514350">
+              <a:buFont typeface="+mj-lt"/>
+              <a:buAutoNum type="arabicPeriod"/>
+            </a:pPr>
+            <a:endParaRPr lang="ja-JP" altLang="en-US"/>
           </a:p>
           <a:p>
             <a:r>
               <a:rPr kumimoji="1" lang="ja-JP" altLang="en-US"/>
-              <a:t>全部独立ー＞分散</a:t>
-            </a:r>
-            <a:r>
-              <a:rPr kumimoji="1" lang="en-US" altLang="ja-JP" dirty="0"/>
-              <a:t>1</a:t>
-            </a:r>
-          </a:p>
-          <a:p>
-            <a:endParaRPr kumimoji="1" lang="en-US" altLang="ja-JP" dirty="0"/>
-          </a:p>
-          <a:p>
-            <a:r>
-              <a:rPr kumimoji="1" lang="ja-JP" altLang="en-US"/>
-              <a:t>分散を小さくとってることが特徴→自由度が減るから安定した推定結果になると期待できる</a:t>
+              <a:t>これなくす</a:t>
             </a:r>
           </a:p>
         </p:txBody>
@@ -3024,7 +2608,7 @@
           <a:p>
             <a:fld id="{F069C953-97BB-D34F-A925-DB809641415F}" type="slidenum">
               <a:rPr kumimoji="1" lang="ja-JP" altLang="en-US" smtClean="0"/>
-              <a:t>19</a:t>
+              <a:t>18</a:t>
             </a:fld>
             <a:endParaRPr kumimoji="1" lang="ja-JP" altLang="en-US"/>
           </a:p>
@@ -3033,7 +2617,7 @@
     </p:spTree>
     <p:extLst>
       <p:ext uri="{BB962C8B-B14F-4D97-AF65-F5344CB8AC3E}">
-        <p14:creationId xmlns:p14="http://schemas.microsoft.com/office/powerpoint/2010/main" val="258032559"/>
+        <p14:creationId xmlns:p14="http://schemas.microsoft.com/office/powerpoint/2010/main" val="2452455439"/>
       </p:ext>
     </p:extLst>
   </p:cSld>
@@ -3087,7 +2671,276 @@
           <a:bodyPr/>
           <a:lstStyle/>
           <a:p>
-            <a:endParaRPr kumimoji="1" lang="ja-JP" altLang="en-US"/>
+            <a:r>
+              <a:rPr kumimoji="1" lang="ja-JP" altLang="en-US" sz="1200" kern="1200">
+                <a:solidFill>
+                  <a:schemeClr val="tx1"/>
+                </a:solidFill>
+                <a:effectLst/>
+                <a:latin typeface="+mn-lt"/>
+                <a:ea typeface="+mn-ea"/>
+                <a:cs typeface="+mn-cs"/>
+              </a:rPr>
+              <a:t>なお，提案モデルにおける</a:t>
+            </a:r>
+            <a:r>
+              <a:rPr kumimoji="1" lang="el-GR" altLang="ja-JP" sz="1200" kern="1200" dirty="0">
+                <a:solidFill>
+                  <a:schemeClr val="tx1"/>
+                </a:solidFill>
+                <a:effectLst/>
+                <a:latin typeface="+mn-lt"/>
+                <a:ea typeface="+mn-ea"/>
+                <a:cs typeface="+mn-cs"/>
+              </a:rPr>
+              <a:t>β</a:t>
+            </a:r>
+            <a:r>
+              <a:rPr kumimoji="1" lang="en" altLang="ja-JP" sz="1200" kern="1200" dirty="0">
+                <a:solidFill>
+                  <a:schemeClr val="tx1"/>
+                </a:solidFill>
+                <a:effectLst/>
+                <a:latin typeface="+mn-lt"/>
+                <a:ea typeface="+mn-ea"/>
+                <a:cs typeface="+mn-cs"/>
+              </a:rPr>
+              <a:t>rt </a:t>
+            </a:r>
+            <a:r>
+              <a:rPr kumimoji="1" lang="ja-JP" altLang="en-US" sz="1200" kern="1200">
+                <a:solidFill>
+                  <a:schemeClr val="tx1"/>
+                </a:solidFill>
+                <a:effectLst/>
+                <a:latin typeface="+mn-lt"/>
+                <a:ea typeface="+mn-ea"/>
+                <a:cs typeface="+mn-cs"/>
+              </a:rPr>
+              <a:t>の事前分布のパラメータである</a:t>
+            </a:r>
+            <a:r>
+              <a:rPr kumimoji="1" lang="el-GR" altLang="ja-JP" sz="1200" kern="1200" dirty="0">
+                <a:solidFill>
+                  <a:schemeClr val="tx1"/>
+                </a:solidFill>
+                <a:effectLst/>
+                <a:latin typeface="+mn-lt"/>
+                <a:ea typeface="+mn-ea"/>
+                <a:cs typeface="+mn-cs"/>
+              </a:rPr>
+              <a:t>σ </a:t>
+            </a:r>
+            <a:r>
+              <a:rPr kumimoji="1" lang="ja-JP" altLang="en-US" sz="1200" kern="1200">
+                <a:solidFill>
+                  <a:schemeClr val="tx1"/>
+                </a:solidFill>
+                <a:effectLst/>
+                <a:latin typeface="+mn-lt"/>
+                <a:ea typeface="+mn-ea"/>
+                <a:cs typeface="+mn-cs"/>
+              </a:rPr>
+              <a:t>は，できる限り小さい値とすることで，</a:t>
+            </a:r>
+            <a:r>
+              <a:rPr kumimoji="1" lang="el-GR" altLang="ja-JP" sz="1200" kern="1200" dirty="0">
+                <a:solidFill>
+                  <a:schemeClr val="tx1"/>
+                </a:solidFill>
+                <a:effectLst/>
+                <a:latin typeface="+mn-lt"/>
+                <a:ea typeface="+mn-ea"/>
+                <a:cs typeface="+mn-cs"/>
+              </a:rPr>
+              <a:t>β</a:t>
+            </a:r>
+            <a:r>
+              <a:rPr kumimoji="1" lang="en" altLang="ja-JP" sz="1200" kern="1200" dirty="0">
+                <a:solidFill>
+                  <a:schemeClr val="tx1"/>
+                </a:solidFill>
+                <a:effectLst/>
+                <a:latin typeface="+mn-lt"/>
+                <a:ea typeface="+mn-ea"/>
+                <a:cs typeface="+mn-cs"/>
+              </a:rPr>
+              <a:t>rt </a:t>
+            </a:r>
+            <a:r>
+              <a:rPr kumimoji="1" lang="ja-JP" altLang="en" sz="1200" kern="1200">
+                <a:solidFill>
+                  <a:schemeClr val="tx1"/>
+                </a:solidFill>
+                <a:effectLst/>
+                <a:latin typeface="+mn-lt"/>
+                <a:ea typeface="+mn-ea"/>
+                <a:cs typeface="+mn-cs"/>
+              </a:rPr>
+              <a:t>（</a:t>
+            </a:r>
+            <a:r>
+              <a:rPr kumimoji="1" lang="en" altLang="ja-JP" sz="1200" kern="1200" dirty="0">
+                <a:solidFill>
+                  <a:schemeClr val="tx1"/>
+                </a:solidFill>
+                <a:effectLst/>
+                <a:latin typeface="+mn-lt"/>
+                <a:ea typeface="+mn-ea"/>
+                <a:cs typeface="+mn-cs"/>
+              </a:rPr>
+              <a:t>t &gt; 1</a:t>
+            </a:r>
+            <a:r>
+              <a:rPr kumimoji="1" lang="ja-JP" altLang="en" sz="1200" kern="1200">
+                <a:solidFill>
+                  <a:schemeClr val="tx1"/>
+                </a:solidFill>
+                <a:effectLst/>
+                <a:latin typeface="+mn-lt"/>
+                <a:ea typeface="+mn-ea"/>
+                <a:cs typeface="+mn-cs"/>
+              </a:rPr>
+              <a:t>）</a:t>
+            </a:r>
+            <a:r>
+              <a:rPr kumimoji="1" lang="ja-JP" altLang="en-US" sz="1200" kern="1200">
+                <a:solidFill>
+                  <a:schemeClr val="tx1"/>
+                </a:solidFill>
+                <a:effectLst/>
+                <a:latin typeface="+mn-lt"/>
+                <a:ea typeface="+mn-ea"/>
+                <a:cs typeface="+mn-cs"/>
+              </a:rPr>
+              <a:t>の事後分布が縮小するため，パラメータ推定が安定すると期待できる．</a:t>
+            </a:r>
+            <a:endParaRPr kumimoji="1" lang="en-US" altLang="ja-JP" sz="1200" kern="1200" dirty="0">
+              <a:solidFill>
+                <a:schemeClr val="tx1"/>
+              </a:solidFill>
+              <a:effectLst/>
+              <a:latin typeface="+mn-lt"/>
+              <a:ea typeface="+mn-ea"/>
+              <a:cs typeface="+mn-cs"/>
+            </a:endParaRPr>
+          </a:p>
+          <a:p>
+            <a:r>
+              <a:rPr kumimoji="1" lang="ja-JP" altLang="en-US" sz="1200" kern="1200">
+                <a:solidFill>
+                  <a:schemeClr val="tx1"/>
+                </a:solidFill>
+                <a:effectLst/>
+                <a:latin typeface="+mn-lt"/>
+                <a:ea typeface="+mn-ea"/>
+                <a:cs typeface="+mn-cs"/>
+              </a:rPr>
+              <a:t>この事前知識に合わせて，ここでは，</a:t>
+            </a:r>
+            <a:r>
+              <a:rPr kumimoji="1" lang="en" altLang="ja-JP" sz="1200" kern="1200" dirty="0">
+                <a:solidFill>
+                  <a:schemeClr val="tx1"/>
+                </a:solidFill>
+                <a:effectLst/>
+                <a:latin typeface="+mn-lt"/>
+                <a:ea typeface="+mn-ea"/>
+                <a:cs typeface="+mn-cs"/>
+              </a:rPr>
+              <a:t>LN(−3</a:t>
+            </a:r>
+            <a:r>
+              <a:rPr kumimoji="1" lang="ja-JP" altLang="en" sz="1200" kern="1200">
+                <a:solidFill>
+                  <a:schemeClr val="tx1"/>
+                </a:solidFill>
+                <a:effectLst/>
+                <a:latin typeface="+mn-lt"/>
+                <a:ea typeface="+mn-ea"/>
+                <a:cs typeface="+mn-cs"/>
+              </a:rPr>
+              <a:t>，</a:t>
+            </a:r>
+            <a:r>
+              <a:rPr kumimoji="1" lang="en" altLang="ja-JP" sz="1200" kern="1200" dirty="0">
+                <a:solidFill>
+                  <a:schemeClr val="tx1"/>
+                </a:solidFill>
+                <a:effectLst/>
+                <a:latin typeface="+mn-lt"/>
+                <a:ea typeface="+mn-ea"/>
+                <a:cs typeface="+mn-cs"/>
+              </a:rPr>
+              <a:t>0)</a:t>
+            </a:r>
+            <a:r>
+              <a:rPr kumimoji="1" lang="ja-JP" altLang="en-US" sz="1200" kern="1200">
+                <a:solidFill>
+                  <a:schemeClr val="tx1"/>
+                </a:solidFill>
+                <a:effectLst/>
+                <a:latin typeface="+mn-lt"/>
+                <a:ea typeface="+mn-ea"/>
+                <a:cs typeface="+mn-cs"/>
+              </a:rPr>
+              <a:t>を</a:t>
+            </a:r>
+            <a:r>
+              <a:rPr kumimoji="1" lang="el-GR" altLang="ja-JP" sz="1200" kern="1200" dirty="0">
+                <a:solidFill>
+                  <a:schemeClr val="tx1"/>
+                </a:solidFill>
+                <a:effectLst/>
+                <a:latin typeface="+mn-lt"/>
+                <a:ea typeface="+mn-ea"/>
+                <a:cs typeface="+mn-cs"/>
+              </a:rPr>
+              <a:t>σ </a:t>
+            </a:r>
+            <a:r>
+              <a:rPr kumimoji="1" lang="ja-JP" altLang="en-US" sz="1200" kern="1200">
+                <a:solidFill>
+                  <a:schemeClr val="tx1"/>
+                </a:solidFill>
+                <a:effectLst/>
+                <a:latin typeface="+mn-lt"/>
+                <a:ea typeface="+mn-ea"/>
+                <a:cs typeface="+mn-cs"/>
+              </a:rPr>
+              <a:t>の事前分布として採用した．</a:t>
+            </a:r>
+            <a:endParaRPr kumimoji="1" lang="en-US" altLang="ja-JP" sz="1200" kern="1200" dirty="0">
+              <a:solidFill>
+                <a:schemeClr val="tx1"/>
+              </a:solidFill>
+              <a:effectLst/>
+              <a:latin typeface="+mn-lt"/>
+              <a:ea typeface="+mn-ea"/>
+              <a:cs typeface="+mn-cs"/>
+            </a:endParaRPr>
+          </a:p>
+          <a:p>
+            <a:endParaRPr kumimoji="1" lang="en-US" altLang="ja-JP" dirty="0"/>
+          </a:p>
+          <a:p>
+            <a:r>
+              <a:rPr kumimoji="1" lang="ja-JP" altLang="en-US"/>
+              <a:t>全部独立ー＞分散</a:t>
+            </a:r>
+            <a:r>
+              <a:rPr kumimoji="1" lang="en-US" altLang="ja-JP" dirty="0"/>
+              <a:t>1</a:t>
+            </a:r>
+          </a:p>
+          <a:p>
+            <a:endParaRPr kumimoji="1" lang="en-US" altLang="ja-JP" dirty="0"/>
+          </a:p>
+          <a:p>
+            <a:r>
+              <a:rPr kumimoji="1" lang="ja-JP" altLang="en-US"/>
+              <a:t>分散を小さくとってることが特徴→自由度が減るから安定した推定結果になると期待できる</a:t>
+            </a:r>
           </a:p>
         </p:txBody>
       </p:sp>
@@ -3108,7 +2961,7 @@
           <a:p>
             <a:fld id="{F069C953-97BB-D34F-A925-DB809641415F}" type="slidenum">
               <a:rPr kumimoji="1" lang="ja-JP" altLang="en-US" smtClean="0"/>
-              <a:t>20</a:t>
+              <a:t>19</a:t>
             </a:fld>
             <a:endParaRPr kumimoji="1" lang="ja-JP" altLang="en-US"/>
           </a:p>
@@ -3117,7 +2970,7 @@
     </p:spTree>
     <p:extLst>
       <p:ext uri="{BB962C8B-B14F-4D97-AF65-F5344CB8AC3E}">
-        <p14:creationId xmlns:p14="http://schemas.microsoft.com/office/powerpoint/2010/main" val="1317054837"/>
+        <p14:creationId xmlns:p14="http://schemas.microsoft.com/office/powerpoint/2010/main" val="258032559"/>
       </p:ext>
     </p:extLst>
   </p:cSld>
@@ -3171,73 +3024,7 @@
           <a:bodyPr/>
           <a:lstStyle/>
           <a:p>
-            <a:r>
-              <a:rPr kumimoji="1" lang="ja-JP" altLang="en-US"/>
-              <a:t>マルコフ連鎖モンテカルロ法？</a:t>
-            </a:r>
-            <a:endParaRPr kumimoji="1" lang="en-US" altLang="ja-JP" dirty="0"/>
-          </a:p>
-          <a:p>
-            <a:r>
-              <a:rPr kumimoji="1" lang="ja-JP" altLang="en-US"/>
-              <a:t>推定値をたくさんサンプリングして事後分布を推定する</a:t>
-            </a:r>
-            <a:endParaRPr kumimoji="1" lang="en-US" altLang="ja-JP" dirty="0"/>
-          </a:p>
-          <a:p>
-            <a:r>
-              <a:rPr kumimoji="1" lang="ja-JP" altLang="en-US"/>
-              <a:t>複雑な階層モデルでも，安定してベイズ推定することができる</a:t>
-            </a:r>
-            <a:endParaRPr kumimoji="1" lang="en-US" altLang="ja-JP" dirty="0"/>
-          </a:p>
-          <a:p>
-            <a:endParaRPr kumimoji="1" lang="en-US" altLang="ja-JP" dirty="0"/>
-          </a:p>
-          <a:p>
-            <a:r>
-              <a:rPr kumimoji="1" lang="ja-JP" altLang="en-US"/>
-              <a:t>ベイズ推定？</a:t>
-            </a:r>
-            <a:endParaRPr kumimoji="1" lang="en-US" altLang="ja-JP" dirty="0"/>
-          </a:p>
-          <a:p>
-            <a:r>
-              <a:rPr kumimoji="1" lang="ja-JP" altLang="en-US" sz="1200" b="0" i="0" kern="1200">
-                <a:solidFill>
-                  <a:schemeClr val="tx1"/>
-                </a:solidFill>
-                <a:effectLst/>
-                <a:latin typeface="+mn-lt"/>
-                <a:ea typeface="+mn-ea"/>
-                <a:cs typeface="+mn-cs"/>
-              </a:rPr>
-              <a:t>ベイズ推定は、平均リスクを最小にする考え方です。平均リスクとは、事前分布におけるリスクの期待値になります。</a:t>
-            </a:r>
-            <a:endParaRPr kumimoji="1" lang="en-US" altLang="ja-JP" sz="1200" b="0" i="0" kern="1200" dirty="0">
-              <a:solidFill>
-                <a:schemeClr val="tx1"/>
-              </a:solidFill>
-              <a:effectLst/>
-              <a:latin typeface="+mn-lt"/>
-              <a:ea typeface="+mn-ea"/>
-              <a:cs typeface="+mn-cs"/>
-            </a:endParaRPr>
-          </a:p>
-          <a:p>
-            <a:r>
-              <a:rPr kumimoji="1" lang="ja-JP" altLang="en-US" sz="1200" b="0" i="0" kern="1200">
-                <a:solidFill>
-                  <a:schemeClr val="tx1"/>
-                </a:solidFill>
-                <a:effectLst/>
-                <a:latin typeface="+mn-lt"/>
-                <a:ea typeface="+mn-ea"/>
-                <a:cs typeface="+mn-cs"/>
-              </a:rPr>
-              <a:t>ベイズ推定は標本を必ずしも必要としない。データ不十分でも何とかして確率を導く。</a:t>
-            </a:r>
-            <a:endParaRPr kumimoji="1" lang="ja-JP" altLang="en-US" b="0"/>
+            <a:endParaRPr kumimoji="1" lang="ja-JP" altLang="en-US"/>
           </a:p>
         </p:txBody>
       </p:sp>
@@ -3258,7 +3045,7 @@
           <a:p>
             <a:fld id="{F069C953-97BB-D34F-A925-DB809641415F}" type="slidenum">
               <a:rPr kumimoji="1" lang="ja-JP" altLang="en-US" smtClean="0"/>
-              <a:t>21</a:t>
+              <a:t>20</a:t>
             </a:fld>
             <a:endParaRPr kumimoji="1" lang="ja-JP" altLang="en-US"/>
           </a:p>
@@ -3267,7 +3054,7 @@
     </p:spTree>
     <p:extLst>
       <p:ext uri="{BB962C8B-B14F-4D97-AF65-F5344CB8AC3E}">
-        <p14:creationId xmlns:p14="http://schemas.microsoft.com/office/powerpoint/2010/main" val="1116398763"/>
+        <p14:creationId xmlns:p14="http://schemas.microsoft.com/office/powerpoint/2010/main" val="1317054837"/>
       </p:ext>
     </p:extLst>
   </p:cSld>
@@ -3322,7 +3109,7 @@
           <a:lstStyle/>
           <a:p>
             <a:r>
-              <a:rPr kumimoji="1" lang="ja-JP" altLang="en-US" sz="1200" b="0" i="0" u="none" strike="noStrike" kern="1200">
+              <a:rPr kumimoji="1" lang="ja-JP" altLang="en-US" sz="1200" b="0" kern="1200">
                 <a:solidFill>
                   <a:schemeClr val="tx1"/>
                 </a:solidFill>
@@ -3331,12 +3118,355 @@
                 <a:ea typeface="+mn-ea"/>
                 <a:cs typeface="+mn-cs"/>
               </a:rPr>
-              <a:t>評価者特性を考慮できる項目反応モデルはこのように様々なモデルが提案されています．ここでは，</a:t>
-            </a:r>
-            <a:r>
-              <a:rPr kumimoji="1" lang="ja-JP" altLang="en-US"/>
-              <a:t>最先端モデルである一般化多相ラッシュモデルを紹介します．</a:t>
-            </a:r>
+              <a:t>近年，受検者の論理的思考力や表現力などの実践的な能力を測定する方法の一つとして，パフォーマンス評価が注目されています．</a:t>
+            </a:r>
+            <a:endParaRPr kumimoji="1" lang="en-US" altLang="ja-JP" sz="1200" b="0" kern="1200" dirty="0">
+              <a:solidFill>
+                <a:schemeClr val="tx1"/>
+              </a:solidFill>
+              <a:effectLst/>
+              <a:latin typeface="+mn-lt"/>
+              <a:ea typeface="+mn-ea"/>
+              <a:cs typeface="+mn-cs"/>
+            </a:endParaRPr>
+          </a:p>
+          <a:p>
+            <a:r>
+              <a:rPr kumimoji="1" lang="ja-JP" altLang="en-US" sz="1200" b="0" kern="1200">
+                <a:solidFill>
+                  <a:schemeClr val="tx1"/>
+                </a:solidFill>
+                <a:effectLst/>
+                <a:latin typeface="+mn-lt"/>
+                <a:ea typeface="+mn-ea"/>
+                <a:cs typeface="+mn-cs"/>
+              </a:rPr>
+              <a:t>パフォーマンス評価における問題の一つが，採点の信頼性に関わる点です．</a:t>
+            </a:r>
+            <a:endParaRPr kumimoji="1" lang="en-US" altLang="ja-JP" sz="1200" b="0" kern="1200" dirty="0">
+              <a:solidFill>
+                <a:schemeClr val="tx1"/>
+              </a:solidFill>
+              <a:effectLst/>
+              <a:latin typeface="+mn-lt"/>
+              <a:ea typeface="+mn-ea"/>
+              <a:cs typeface="+mn-cs"/>
+            </a:endParaRPr>
+          </a:p>
+          <a:p>
+            <a:r>
+              <a:rPr kumimoji="1" lang="ja-JP" altLang="en-US" sz="1200" b="0" kern="1200">
+                <a:solidFill>
+                  <a:schemeClr val="tx1"/>
+                </a:solidFill>
+                <a:effectLst/>
+                <a:latin typeface="+mn-lt"/>
+                <a:ea typeface="+mn-ea"/>
+                <a:cs typeface="+mn-cs"/>
+              </a:rPr>
+              <a:t>パフォーマンス評価では，評価者の厳しさや一貫性の違い，各得点の使用傾向の差などにより，採点に偏りが出てしまうことがあり，このことが評価の信頼性低下の要因となります．</a:t>
+            </a:r>
+            <a:endParaRPr kumimoji="1" lang="en-US" altLang="ja-JP" sz="1200" b="0" kern="1200" dirty="0">
+              <a:solidFill>
+                <a:schemeClr val="tx1"/>
+              </a:solidFill>
+              <a:effectLst/>
+              <a:latin typeface="+mn-lt"/>
+              <a:ea typeface="+mn-ea"/>
+              <a:cs typeface="+mn-cs"/>
+            </a:endParaRPr>
+          </a:p>
+          <a:p>
+            <a:r>
+              <a:rPr kumimoji="1" lang="ja-JP" altLang="en-US" sz="1200" b="0" kern="1200">
+                <a:solidFill>
+                  <a:schemeClr val="tx1"/>
+                </a:solidFill>
+                <a:effectLst/>
+                <a:latin typeface="+mn-lt"/>
+                <a:ea typeface="+mn-ea"/>
+                <a:cs typeface="+mn-cs"/>
+              </a:rPr>
+              <a:t>この問題を解決するために項目反応理論と呼ばれる数理モデルの利用が近年注目されています．</a:t>
+            </a:r>
+            <a:endParaRPr kumimoji="1" lang="en-US" altLang="ja-JP" sz="1200" b="0" kern="1200" dirty="0">
+              <a:solidFill>
+                <a:schemeClr val="tx1"/>
+              </a:solidFill>
+              <a:effectLst/>
+              <a:latin typeface="+mn-lt"/>
+              <a:ea typeface="+mn-ea"/>
+              <a:cs typeface="+mn-cs"/>
+            </a:endParaRPr>
+          </a:p>
+          <a:p>
+            <a:endParaRPr kumimoji="1" lang="en-US" altLang="ja-JP" sz="1200" b="0" kern="1200" dirty="0">
+              <a:solidFill>
+                <a:schemeClr val="tx1"/>
+              </a:solidFill>
+              <a:effectLst/>
+              <a:latin typeface="+mn-lt"/>
+              <a:ea typeface="+mn-ea"/>
+              <a:cs typeface="+mn-cs"/>
+            </a:endParaRPr>
+          </a:p>
+          <a:p>
+            <a:endParaRPr kumimoji="1" lang="en-US" altLang="ja-JP" sz="1200" b="0" kern="1200" dirty="0">
+              <a:solidFill>
+                <a:schemeClr val="tx1"/>
+              </a:solidFill>
+              <a:effectLst/>
+              <a:latin typeface="+mn-lt"/>
+              <a:ea typeface="+mn-ea"/>
+              <a:cs typeface="+mn-cs"/>
+            </a:endParaRPr>
+          </a:p>
+          <a:p>
+            <a:endParaRPr kumimoji="1" lang="en-US" altLang="ja-JP" sz="1200" b="0" kern="1200" dirty="0">
+              <a:solidFill>
+                <a:schemeClr val="tx1"/>
+              </a:solidFill>
+              <a:effectLst/>
+              <a:latin typeface="+mn-lt"/>
+              <a:ea typeface="+mn-ea"/>
+              <a:cs typeface="+mn-cs"/>
+            </a:endParaRPr>
+          </a:p>
+          <a:p>
+            <a:r>
+              <a:rPr kumimoji="1" lang="ja-JP" altLang="en-US" sz="1200" b="0" kern="1200">
+                <a:solidFill>
+                  <a:schemeClr val="tx1"/>
+                </a:solidFill>
+                <a:effectLst/>
+                <a:latin typeface="+mn-lt"/>
+                <a:ea typeface="+mn-ea"/>
+                <a:cs typeface="+mn-cs"/>
+              </a:rPr>
+              <a:t>ーーー以下詳しく聞かれたらーーーーーーーーーーーーーー</a:t>
+            </a:r>
+            <a:endParaRPr kumimoji="1" lang="en-US" altLang="ja-JP" sz="1200" b="0" kern="1200" dirty="0">
+              <a:solidFill>
+                <a:schemeClr val="tx1"/>
+              </a:solidFill>
+              <a:effectLst/>
+              <a:latin typeface="+mn-lt"/>
+              <a:ea typeface="+mn-ea"/>
+              <a:cs typeface="+mn-cs"/>
+            </a:endParaRPr>
+          </a:p>
+          <a:p>
+            <a:endParaRPr kumimoji="1" lang="en-US" altLang="ja-JP" sz="1200" b="0" kern="1200" dirty="0">
+              <a:solidFill>
+                <a:srgbClr val="FF0000"/>
+              </a:solidFill>
+              <a:effectLst/>
+              <a:latin typeface="+mn-lt"/>
+              <a:ea typeface="+mn-ea"/>
+              <a:cs typeface="+mn-cs"/>
+            </a:endParaRPr>
+          </a:p>
+          <a:p>
+            <a:r>
+              <a:rPr kumimoji="1" lang="ja-JP" altLang="en-US" sz="1200" b="0" kern="1200">
+                <a:solidFill>
+                  <a:srgbClr val="FF0000"/>
+                </a:solidFill>
+                <a:effectLst/>
+                <a:latin typeface="+mn-lt"/>
+                <a:ea typeface="+mn-ea"/>
+                <a:cs typeface="+mn-cs"/>
+              </a:rPr>
+              <a:t>項目反応理論は，コンピュータ・テスティングの普及とともに，近年様々な分野で実用化が進められている数理モデルを用いたテスト理論の一つで，テストを作成・実施・評価・運用するための数理モデルです．</a:t>
+            </a:r>
+          </a:p>
+          <a:p>
+            <a:r>
+              <a:rPr kumimoji="1" lang="en" altLang="ja-JP" sz="1200" b="0" kern="1200" dirty="0">
+                <a:solidFill>
+                  <a:srgbClr val="FF0000"/>
+                </a:solidFill>
+                <a:effectLst/>
+                <a:latin typeface="+mn-lt"/>
+                <a:ea typeface="+mn-ea"/>
+                <a:cs typeface="+mn-cs"/>
+              </a:rPr>
+              <a:t>IRT</a:t>
+            </a:r>
+            <a:r>
+              <a:rPr kumimoji="1" lang="ja-JP" altLang="en-US" sz="1200" b="0" kern="1200">
+                <a:solidFill>
+                  <a:srgbClr val="FF0000"/>
+                </a:solidFill>
+                <a:effectLst/>
+                <a:latin typeface="+mn-lt"/>
+                <a:ea typeface="+mn-ea"/>
+                <a:cs typeface="+mn-cs"/>
+              </a:rPr>
+              <a:t>の利点として，次のような点が挙げられる</a:t>
+            </a:r>
+            <a:endParaRPr kumimoji="1" lang="en-US" altLang="ja-JP" sz="1200" b="0" kern="1200" dirty="0">
+              <a:solidFill>
+                <a:srgbClr val="FF0000"/>
+              </a:solidFill>
+              <a:effectLst/>
+              <a:latin typeface="+mn-lt"/>
+              <a:ea typeface="+mn-ea"/>
+              <a:cs typeface="+mn-cs"/>
+            </a:endParaRPr>
+          </a:p>
+          <a:p>
+            <a:r>
+              <a:rPr kumimoji="1" lang="ja-JP" altLang="en-US" sz="1200" b="0" kern="1200">
+                <a:solidFill>
+                  <a:srgbClr val="FF0000"/>
+                </a:solidFill>
+                <a:effectLst/>
+                <a:latin typeface="+mn-lt"/>
+                <a:ea typeface="+mn-ea"/>
+                <a:cs typeface="+mn-cs"/>
+              </a:rPr>
+              <a:t>・推定制度の低い異質項目の影響を小さくして能力推定を行うことができる．</a:t>
+            </a:r>
+          </a:p>
+          <a:p>
+            <a:r>
+              <a:rPr kumimoji="1" lang="ja-JP" altLang="en-US" sz="1200" b="0" kern="1200">
+                <a:solidFill>
+                  <a:srgbClr val="FF0000"/>
+                </a:solidFill>
+                <a:effectLst/>
+                <a:latin typeface="+mn-lt"/>
+                <a:ea typeface="+mn-ea"/>
+                <a:cs typeface="+mn-cs"/>
+              </a:rPr>
+              <a:t>・異なる項目への受検者の反応を同一尺度上で評価できる．</a:t>
+            </a:r>
+          </a:p>
+          <a:p>
+            <a:r>
+              <a:rPr kumimoji="1" lang="ja-JP" altLang="en-US" sz="1200" b="0" kern="1200">
+                <a:solidFill>
+                  <a:srgbClr val="FF0000"/>
+                </a:solidFill>
+                <a:effectLst/>
+                <a:latin typeface="+mn-lt"/>
+                <a:ea typeface="+mn-ea"/>
+                <a:cs typeface="+mn-cs"/>
+              </a:rPr>
+              <a:t>・欠測データから容易にパラメータを推定できる．</a:t>
+            </a:r>
+          </a:p>
+          <a:p>
+            <a:br>
+              <a:rPr kumimoji="1" lang="en" altLang="ja-JP" sz="1200" b="0" kern="1200" dirty="0">
+                <a:solidFill>
+                  <a:srgbClr val="FF0000"/>
+                </a:solidFill>
+                <a:effectLst/>
+                <a:latin typeface="+mn-lt"/>
+                <a:ea typeface="+mn-ea"/>
+                <a:cs typeface="+mn-cs"/>
+              </a:rPr>
+            </a:br>
+            <a:r>
+              <a:rPr kumimoji="1" lang="en" altLang="ja-JP" sz="1200" b="0" kern="1200" dirty="0">
+                <a:solidFill>
+                  <a:srgbClr val="FF0000"/>
+                </a:solidFill>
+                <a:effectLst/>
+                <a:latin typeface="+mn-lt"/>
+                <a:ea typeface="+mn-ea"/>
+                <a:cs typeface="+mn-cs"/>
+              </a:rPr>
+              <a:t>IRT</a:t>
+            </a:r>
+            <a:r>
+              <a:rPr kumimoji="1" lang="ja-JP" altLang="en-US" sz="1200" b="0" kern="1200">
+                <a:solidFill>
+                  <a:srgbClr val="FF0000"/>
+                </a:solidFill>
+                <a:effectLst/>
+                <a:latin typeface="+mn-lt"/>
+                <a:ea typeface="+mn-ea"/>
+                <a:cs typeface="+mn-cs"/>
+              </a:rPr>
+              <a:t>はこれまで，正誤判定問題や選択式問題などの正誤を一意に判定できる</a:t>
+            </a:r>
+            <a:r>
+              <a:rPr kumimoji="1" lang="en-US" altLang="ja-JP" sz="1200" b="0" kern="1200" dirty="0">
+                <a:solidFill>
+                  <a:srgbClr val="FF0000"/>
+                </a:solidFill>
+                <a:effectLst/>
+                <a:latin typeface="+mn-lt"/>
+                <a:ea typeface="+mn-ea"/>
+                <a:cs typeface="+mn-cs"/>
+              </a:rPr>
+              <a:t>2</a:t>
+            </a:r>
+            <a:r>
+              <a:rPr kumimoji="1" lang="ja-JP" altLang="en-US" sz="1200" b="0" kern="1200">
+                <a:solidFill>
+                  <a:srgbClr val="FF0000"/>
+                </a:solidFill>
+                <a:effectLst/>
+                <a:latin typeface="+mn-lt"/>
+                <a:ea typeface="+mn-ea"/>
+                <a:cs typeface="+mn-cs"/>
+              </a:rPr>
+              <a:t>値型データを扱うテストへの利用が一般的であった．</a:t>
+            </a:r>
+            <a:endParaRPr kumimoji="1" lang="en-US" altLang="ja-JP" sz="1200" b="0" kern="1200" dirty="0">
+              <a:solidFill>
+                <a:srgbClr val="FF0000"/>
+              </a:solidFill>
+              <a:effectLst/>
+              <a:latin typeface="+mn-lt"/>
+              <a:ea typeface="+mn-ea"/>
+              <a:cs typeface="+mn-cs"/>
+            </a:endParaRPr>
+          </a:p>
+          <a:p>
+            <a:r>
+              <a:rPr kumimoji="1" lang="ja-JP" altLang="en-US" sz="1200" b="0" kern="1200">
+                <a:solidFill>
+                  <a:srgbClr val="FF0000"/>
+                </a:solidFill>
+                <a:effectLst/>
+                <a:latin typeface="+mn-lt"/>
+                <a:ea typeface="+mn-ea"/>
+                <a:cs typeface="+mn-cs"/>
+              </a:rPr>
+              <a:t> 一方で，近年では論述式・記述式試験のような多段階カテゴリを用いた評価データに対して，多値型</a:t>
+            </a:r>
+            <a:r>
+              <a:rPr kumimoji="1" lang="en" altLang="ja-JP" sz="1200" b="0" kern="1200" dirty="0">
+                <a:solidFill>
+                  <a:srgbClr val="FF0000"/>
+                </a:solidFill>
+                <a:effectLst/>
+                <a:latin typeface="+mn-lt"/>
+                <a:ea typeface="+mn-ea"/>
+                <a:cs typeface="+mn-cs"/>
+              </a:rPr>
+              <a:t>IRT</a:t>
+            </a:r>
+            <a:r>
+              <a:rPr kumimoji="1" lang="ja-JP" altLang="en-US" sz="1200" b="0" kern="1200">
+                <a:solidFill>
+                  <a:srgbClr val="FF0000"/>
+                </a:solidFill>
+                <a:effectLst/>
+                <a:latin typeface="+mn-lt"/>
+                <a:ea typeface="+mn-ea"/>
+                <a:cs typeface="+mn-cs"/>
+              </a:rPr>
+              <a:t>モデルを適用してパフォーマンスを評価する応用的な研究も進められている</a:t>
+            </a:r>
+          </a:p>
+          <a:p>
+            <a:endParaRPr kumimoji="1" lang="ja-JP" altLang="en-US"/>
           </a:p>
         </p:txBody>
       </p:sp>
@@ -3357,7 +3487,7 @@
           <a:p>
             <a:fld id="{F069C953-97BB-D34F-A925-DB809641415F}" type="slidenum">
               <a:rPr kumimoji="1" lang="ja-JP" altLang="en-US" smtClean="0"/>
-              <a:t>3</a:t>
+              <a:t>2</a:t>
             </a:fld>
             <a:endParaRPr kumimoji="1" lang="ja-JP" altLang="en-US"/>
           </a:p>
@@ -3366,7 +3496,7 @@
     </p:spTree>
     <p:extLst>
       <p:ext uri="{BB962C8B-B14F-4D97-AF65-F5344CB8AC3E}">
-        <p14:creationId xmlns:p14="http://schemas.microsoft.com/office/powerpoint/2010/main" val="2910473030"/>
+        <p14:creationId xmlns:p14="http://schemas.microsoft.com/office/powerpoint/2010/main" val="97678624"/>
       </p:ext>
     </p:extLst>
   </p:cSld>
@@ -3420,6 +3550,156 @@
           <a:bodyPr/>
           <a:lstStyle/>
           <a:p>
+            <a:r>
+              <a:rPr kumimoji="1" lang="ja-JP" altLang="en-US"/>
+              <a:t>マルコフ連鎖モンテカルロ法？</a:t>
+            </a:r>
+            <a:endParaRPr kumimoji="1" lang="en-US" altLang="ja-JP" dirty="0"/>
+          </a:p>
+          <a:p>
+            <a:r>
+              <a:rPr kumimoji="1" lang="ja-JP" altLang="en-US"/>
+              <a:t>推定値をたくさんサンプリングして事後分布を推定する</a:t>
+            </a:r>
+            <a:endParaRPr kumimoji="1" lang="en-US" altLang="ja-JP" dirty="0"/>
+          </a:p>
+          <a:p>
+            <a:r>
+              <a:rPr kumimoji="1" lang="ja-JP" altLang="en-US"/>
+              <a:t>複雑な階層モデルでも，安定してベイズ推定することができる</a:t>
+            </a:r>
+            <a:endParaRPr kumimoji="1" lang="en-US" altLang="ja-JP" dirty="0"/>
+          </a:p>
+          <a:p>
+            <a:endParaRPr kumimoji="1" lang="en-US" altLang="ja-JP" dirty="0"/>
+          </a:p>
+          <a:p>
+            <a:r>
+              <a:rPr kumimoji="1" lang="ja-JP" altLang="en-US"/>
+              <a:t>ベイズ推定？</a:t>
+            </a:r>
+            <a:endParaRPr kumimoji="1" lang="en-US" altLang="ja-JP" dirty="0"/>
+          </a:p>
+          <a:p>
+            <a:r>
+              <a:rPr kumimoji="1" lang="ja-JP" altLang="en-US" sz="1200" b="0" i="0" kern="1200">
+                <a:solidFill>
+                  <a:schemeClr val="tx1"/>
+                </a:solidFill>
+                <a:effectLst/>
+                <a:latin typeface="+mn-lt"/>
+                <a:ea typeface="+mn-ea"/>
+                <a:cs typeface="+mn-cs"/>
+              </a:rPr>
+              <a:t>ベイズ推定は、平均リスクを最小にする考え方です。平均リスクとは、事前分布におけるリスクの期待値になります。</a:t>
+            </a:r>
+            <a:endParaRPr kumimoji="1" lang="en-US" altLang="ja-JP" sz="1200" b="0" i="0" kern="1200" dirty="0">
+              <a:solidFill>
+                <a:schemeClr val="tx1"/>
+              </a:solidFill>
+              <a:effectLst/>
+              <a:latin typeface="+mn-lt"/>
+              <a:ea typeface="+mn-ea"/>
+              <a:cs typeface="+mn-cs"/>
+            </a:endParaRPr>
+          </a:p>
+          <a:p>
+            <a:r>
+              <a:rPr kumimoji="1" lang="ja-JP" altLang="en-US" sz="1200" b="0" i="0" kern="1200">
+                <a:solidFill>
+                  <a:schemeClr val="tx1"/>
+                </a:solidFill>
+                <a:effectLst/>
+                <a:latin typeface="+mn-lt"/>
+                <a:ea typeface="+mn-ea"/>
+                <a:cs typeface="+mn-cs"/>
+              </a:rPr>
+              <a:t>ベイズ推定は標本を必ずしも必要としない。データ不十分でも何とかして確率を導く。</a:t>
+            </a:r>
+            <a:endParaRPr kumimoji="1" lang="ja-JP" altLang="en-US" b="0"/>
+          </a:p>
+        </p:txBody>
+      </p:sp>
+      <p:sp>
+        <p:nvSpPr>
+          <p:cNvPr id="4" name="スライド番号プレースホルダー 3"/>
+          <p:cNvSpPr>
+            <a:spLocks noGrp="1"/>
+          </p:cNvSpPr>
+          <p:nvPr>
+            <p:ph type="sldNum" sz="quarter" idx="5"/>
+          </p:nvPr>
+        </p:nvSpPr>
+        <p:spPr/>
+        <p:txBody>
+          <a:bodyPr/>
+          <a:lstStyle/>
+          <a:p>
+            <a:fld id="{F069C953-97BB-D34F-A925-DB809641415F}" type="slidenum">
+              <a:rPr kumimoji="1" lang="ja-JP" altLang="en-US" smtClean="0"/>
+              <a:t>22</a:t>
+            </a:fld>
+            <a:endParaRPr kumimoji="1" lang="ja-JP" altLang="en-US"/>
+          </a:p>
+        </p:txBody>
+      </p:sp>
+    </p:spTree>
+    <p:extLst>
+      <p:ext uri="{BB962C8B-B14F-4D97-AF65-F5344CB8AC3E}">
+        <p14:creationId xmlns:p14="http://schemas.microsoft.com/office/powerpoint/2010/main" val="1116398763"/>
+      </p:ext>
+    </p:extLst>
+  </p:cSld>
+  <p:clrMapOvr>
+    <a:masterClrMapping/>
+  </p:clrMapOvr>
+</p:notes>
+</file>
+
+<file path=ppt/notesSlides/notesSlide21.xml><?xml version="1.0" encoding="utf-8"?>
+<p:notes xmlns:a="http://schemas.openxmlformats.org/drawingml/2006/main" xmlns:r="http://schemas.openxmlformats.org/officeDocument/2006/relationships" xmlns:p="http://schemas.openxmlformats.org/presentationml/2006/main">
+  <p:cSld>
+    <p:spTree>
+      <p:nvGrpSpPr>
+        <p:cNvPr id="1" name=""/>
+        <p:cNvGrpSpPr/>
+        <p:nvPr/>
+      </p:nvGrpSpPr>
+      <p:grpSpPr>
+        <a:xfrm>
+          <a:off x="0" y="0"/>
+          <a:ext cx="0" cy="0"/>
+          <a:chOff x="0" y="0"/>
+          <a:chExt cx="0" cy="0"/>
+        </a:xfrm>
+      </p:grpSpPr>
+      <p:sp>
+        <p:nvSpPr>
+          <p:cNvPr id="2" name="スライド イメージ プレースホルダー 1"/>
+          <p:cNvSpPr>
+            <a:spLocks noGrp="1" noRot="1" noChangeAspect="1"/>
+          </p:cNvSpPr>
+          <p:nvPr>
+            <p:ph type="sldImg"/>
+          </p:nvPr>
+        </p:nvSpPr>
+        <p:spPr/>
+      </p:sp>
+      <p:sp>
+        <p:nvSpPr>
+          <p:cNvPr id="3" name="ノート プレースホルダー 2"/>
+          <p:cNvSpPr>
+            <a:spLocks noGrp="1"/>
+          </p:cNvSpPr>
+          <p:nvPr>
+            <p:ph type="body" idx="1"/>
+          </p:nvPr>
+        </p:nvSpPr>
+        <p:spPr/>
+        <p:txBody>
+          <a:bodyPr/>
+          <a:lstStyle/>
+          <a:p>
             <a:pPr marL="0" marR="0" lvl="0" indent="0" algn="l" defTabSz="914400" rtl="0" eaLnBrk="1" fontAlgn="auto" latinLnBrk="0" hangingPunct="1">
               <a:lnSpc>
                 <a:spcPct val="100000"/>
@@ -3634,7 +3914,7 @@
           <a:p>
             <a:fld id="{F069C953-97BB-D34F-A925-DB809641415F}" type="slidenum">
               <a:rPr kumimoji="1" lang="ja-JP" altLang="en-US" smtClean="0"/>
-              <a:t>24</a:t>
+              <a:t>25</a:t>
             </a:fld>
             <a:endParaRPr kumimoji="1" lang="ja-JP" altLang="en-US"/>
           </a:p>
@@ -3698,7 +3978,7 @@
           <a:lstStyle/>
           <a:p>
             <a:r>
-              <a:rPr kumimoji="1" lang="ja-JP" altLang="en-US" sz="1200" kern="1200">
+              <a:rPr kumimoji="1" lang="ja-JP" altLang="en-US" sz="1200" b="0" i="0" u="none" strike="noStrike" kern="1200">
                 <a:solidFill>
                   <a:schemeClr val="tx1"/>
                 </a:solidFill>
@@ -3707,233 +3987,12 @@
                 <a:ea typeface="+mn-ea"/>
                 <a:cs typeface="+mn-cs"/>
               </a:rPr>
-              <a:t>このモデルでは，評価者</a:t>
-            </a:r>
-            <a:r>
-              <a:rPr kumimoji="1" lang="en" altLang="ja-JP" sz="1200" kern="1200" dirty="0">
-                <a:solidFill>
-                  <a:schemeClr val="tx1"/>
-                </a:solidFill>
-                <a:effectLst/>
-                <a:latin typeface="+mn-lt"/>
-                <a:ea typeface="+mn-ea"/>
-                <a:cs typeface="+mn-cs"/>
-              </a:rPr>
-              <a:t>r</a:t>
-            </a:r>
-            <a:r>
-              <a:rPr kumimoji="1" lang="ja-JP" altLang="en-US" sz="1200" kern="1200">
-                <a:solidFill>
-                  <a:schemeClr val="tx1"/>
-                </a:solidFill>
-                <a:effectLst/>
-                <a:latin typeface="+mn-lt"/>
-                <a:ea typeface="+mn-ea"/>
-                <a:cs typeface="+mn-cs"/>
-              </a:rPr>
-              <a:t>が受検者</a:t>
-            </a:r>
-            <a:r>
-              <a:rPr kumimoji="1" lang="en" altLang="ja-JP" sz="1200" kern="1200" dirty="0">
-                <a:solidFill>
-                  <a:schemeClr val="tx1"/>
-                </a:solidFill>
-                <a:effectLst/>
-                <a:latin typeface="+mn-lt"/>
-                <a:ea typeface="+mn-ea"/>
-                <a:cs typeface="+mn-cs"/>
-              </a:rPr>
-              <a:t>j</a:t>
-            </a:r>
-            <a:r>
-              <a:rPr kumimoji="1" lang="ja-JP" altLang="en-US" sz="1200" kern="1200">
-                <a:solidFill>
-                  <a:schemeClr val="tx1"/>
-                </a:solidFill>
-                <a:effectLst/>
-                <a:latin typeface="+mn-lt"/>
-                <a:ea typeface="+mn-ea"/>
-                <a:cs typeface="+mn-cs"/>
-              </a:rPr>
-              <a:t>のパフォーマンスに評点</a:t>
-            </a:r>
-            <a:r>
-              <a:rPr kumimoji="1" lang="en" altLang="ja-JP" sz="1200" kern="1200" dirty="0">
-                <a:solidFill>
-                  <a:schemeClr val="tx1"/>
-                </a:solidFill>
-                <a:effectLst/>
-                <a:latin typeface="+mn-lt"/>
-                <a:ea typeface="+mn-ea"/>
-                <a:cs typeface="+mn-cs"/>
-              </a:rPr>
-              <a:t>k</a:t>
-            </a:r>
-            <a:r>
-              <a:rPr kumimoji="1" lang="ja-JP" altLang="en-US" sz="1200" kern="1200">
-                <a:solidFill>
-                  <a:schemeClr val="tx1"/>
-                </a:solidFill>
-                <a:effectLst/>
-                <a:latin typeface="+mn-lt"/>
-                <a:ea typeface="+mn-ea"/>
-                <a:cs typeface="+mn-cs"/>
-              </a:rPr>
-              <a:t>を与える確率を記載の式で定義します．</a:t>
-            </a:r>
-            <a:endParaRPr kumimoji="1" lang="en-US" altLang="ja-JP" sz="1200" kern="1200" dirty="0">
-              <a:solidFill>
-                <a:schemeClr val="tx1"/>
-              </a:solidFill>
-              <a:effectLst/>
-              <a:latin typeface="+mn-lt"/>
-              <a:ea typeface="+mn-ea"/>
-              <a:cs typeface="+mn-cs"/>
-            </a:endParaRPr>
-          </a:p>
-          <a:p>
-            <a:r>
-              <a:rPr kumimoji="1" lang="ja-JP" altLang="en-US" sz="1200" kern="1200">
-                <a:solidFill>
-                  <a:schemeClr val="tx1"/>
-                </a:solidFill>
-                <a:effectLst/>
-                <a:latin typeface="+mn-lt"/>
-                <a:ea typeface="+mn-ea"/>
-                <a:cs typeface="+mn-cs"/>
-              </a:rPr>
-              <a:t>このモデルでは，</a:t>
-            </a:r>
-            <a:r>
-              <a:rPr kumimoji="1" lang="en-US" altLang="ja-JP" sz="1200" kern="1200" dirty="0">
-                <a:solidFill>
-                  <a:schemeClr val="tx1"/>
-                </a:solidFill>
-                <a:effectLst/>
-                <a:latin typeface="+mn-lt"/>
-                <a:ea typeface="+mn-ea"/>
-                <a:cs typeface="+mn-cs"/>
-              </a:rPr>
-              <a:t>r</a:t>
-            </a:r>
-            <a:r>
-              <a:rPr kumimoji="1" lang="ja-JP" altLang="en-US" sz="1200" kern="1200">
-                <a:solidFill>
-                  <a:schemeClr val="tx1"/>
-                </a:solidFill>
-                <a:effectLst/>
-                <a:latin typeface="+mn-lt"/>
-                <a:ea typeface="+mn-ea"/>
-                <a:cs typeface="+mn-cs"/>
-              </a:rPr>
-              <a:t>を添え字にもつパラメータが評価者の一貫性，厳しさ，得点別の厳しさを表す評価者パラメータ，</a:t>
-            </a:r>
-            <a:r>
-              <a:rPr kumimoji="1" lang="en-US" altLang="ja-JP" sz="1200" kern="1200" dirty="0">
-                <a:solidFill>
-                  <a:schemeClr val="tx1"/>
-                </a:solidFill>
-                <a:effectLst/>
-                <a:latin typeface="+mn-lt"/>
-                <a:ea typeface="+mn-ea"/>
-                <a:cs typeface="+mn-cs"/>
-              </a:rPr>
-              <a:t>j</a:t>
-            </a:r>
-            <a:r>
-              <a:rPr kumimoji="1" lang="ja-JP" altLang="en-US" sz="1200" kern="1200">
-                <a:solidFill>
-                  <a:schemeClr val="tx1"/>
-                </a:solidFill>
-                <a:effectLst/>
-                <a:latin typeface="+mn-lt"/>
-                <a:ea typeface="+mn-ea"/>
-                <a:cs typeface="+mn-cs"/>
-              </a:rPr>
-              <a:t>を添え字にもつ</a:t>
-            </a:r>
-            <a:r>
-              <a:rPr kumimoji="1" lang="en-US" altLang="ja-JP" sz="1200" kern="1200" dirty="0" err="1">
-                <a:solidFill>
-                  <a:schemeClr val="tx1"/>
-                </a:solidFill>
-                <a:effectLst/>
-                <a:latin typeface="+mn-lt"/>
-                <a:ea typeface="+mn-ea"/>
-                <a:cs typeface="+mn-cs"/>
-              </a:rPr>
-              <a:t>θj</a:t>
-            </a:r>
-            <a:r>
-              <a:rPr kumimoji="1" lang="ja-JP" altLang="en-US" sz="1200" kern="1200">
-                <a:solidFill>
-                  <a:schemeClr val="tx1"/>
-                </a:solidFill>
-                <a:effectLst/>
-                <a:latin typeface="+mn-lt"/>
-                <a:ea typeface="+mn-ea"/>
-                <a:cs typeface="+mn-cs"/>
-              </a:rPr>
-              <a:t>が受験者の能力を表す受検者パラメータとして使用しています．</a:t>
-            </a:r>
-            <a:endParaRPr kumimoji="1" lang="en-US" altLang="ja-JP" sz="1200" kern="1200" dirty="0">
-              <a:solidFill>
-                <a:schemeClr val="tx1"/>
-              </a:solidFill>
-              <a:effectLst/>
-              <a:latin typeface="+mn-lt"/>
-              <a:ea typeface="+mn-ea"/>
-              <a:cs typeface="+mn-cs"/>
-            </a:endParaRPr>
-          </a:p>
-          <a:p>
-            <a:endParaRPr kumimoji="1" lang="en-US" altLang="ja-JP" sz="1200" kern="1200" dirty="0">
-              <a:solidFill>
-                <a:schemeClr val="tx1"/>
-              </a:solidFill>
-              <a:effectLst/>
-              <a:latin typeface="+mn-lt"/>
-              <a:ea typeface="+mn-ea"/>
-              <a:cs typeface="+mn-cs"/>
-            </a:endParaRPr>
-          </a:p>
-          <a:p>
-            <a:r>
-              <a:rPr kumimoji="1" lang="ja-JP" altLang="en-US" sz="1200" kern="1200">
-                <a:solidFill>
-                  <a:schemeClr val="tx1"/>
-                </a:solidFill>
-                <a:effectLst/>
-                <a:latin typeface="+mn-lt"/>
-                <a:ea typeface="+mn-ea"/>
-                <a:cs typeface="+mn-cs"/>
-              </a:rPr>
-              <a:t>これらのパラメータは，実際の採点データから推定します．</a:t>
-            </a:r>
-            <a:endParaRPr kumimoji="1" lang="en-US" altLang="ja-JP" sz="1200" kern="1200" dirty="0">
-              <a:solidFill>
-                <a:schemeClr val="tx1"/>
-              </a:solidFill>
-              <a:effectLst/>
-              <a:latin typeface="+mn-lt"/>
-              <a:ea typeface="+mn-ea"/>
-              <a:cs typeface="+mn-cs"/>
-            </a:endParaRPr>
-          </a:p>
-          <a:p>
-            <a:r>
-              <a:rPr kumimoji="1" lang="ja-JP" altLang="en-US" sz="1200" kern="1200">
-                <a:solidFill>
-                  <a:schemeClr val="tx1"/>
-                </a:solidFill>
-                <a:effectLst/>
-                <a:latin typeface="+mn-lt"/>
-                <a:ea typeface="+mn-ea"/>
-                <a:cs typeface="+mn-cs"/>
-              </a:rPr>
-              <a:t>このように推定することで，評価者の特性を考慮して能力推定ができます．</a:t>
-            </a:r>
-            <a:endParaRPr kumimoji="1" lang="ja-JP" altLang="en-US"/>
+              <a:t>評価者特性を考慮できる項目反応モデルはこのように様々なモデルが提案されています．ここでは，</a:t>
+            </a:r>
+            <a:r>
+              <a:rPr kumimoji="1" lang="ja-JP" altLang="en-US"/>
+              <a:t>最先端モデルである一般化多相ラッシュモデルを紹介します．</a:t>
+            </a:r>
           </a:p>
         </p:txBody>
       </p:sp>
@@ -3954,7 +4013,7 @@
           <a:p>
             <a:fld id="{F069C953-97BB-D34F-A925-DB809641415F}" type="slidenum">
               <a:rPr kumimoji="1" lang="ja-JP" altLang="en-US" smtClean="0"/>
-              <a:t>4</a:t>
+              <a:t>3</a:t>
             </a:fld>
             <a:endParaRPr kumimoji="1" lang="ja-JP" altLang="en-US"/>
           </a:p>
@@ -3963,7 +4022,7 @@
     </p:spTree>
     <p:extLst>
       <p:ext uri="{BB962C8B-B14F-4D97-AF65-F5344CB8AC3E}">
-        <p14:creationId xmlns:p14="http://schemas.microsoft.com/office/powerpoint/2010/main" val="4033461016"/>
+        <p14:creationId xmlns:p14="http://schemas.microsoft.com/office/powerpoint/2010/main" val="2910473030"/>
       </p:ext>
     </p:extLst>
   </p:cSld>
@@ -4018,7 +4077,7 @@
           <a:lstStyle/>
           <a:p>
             <a:r>
-              <a:rPr kumimoji="1" lang="ja-JP" altLang="en-US" sz="1200" b="0" kern="1200">
+              <a:rPr kumimoji="1" lang="ja-JP" altLang="en-US" sz="1200" kern="1200">
                 <a:solidFill>
                   <a:schemeClr val="tx1"/>
                 </a:solidFill>
@@ -4027,10 +4086,10 @@
                 <a:ea typeface="+mn-ea"/>
                 <a:cs typeface="+mn-cs"/>
               </a:rPr>
-              <a:t>このモデルは評価者の特性が評価中に変化しないことを仮定していますが，実際には採点の進行に伴い，評価者の特性が変化してしまう「評価者ドリフト</a:t>
-            </a:r>
-            <a:r>
-              <a:rPr kumimoji="1" lang="en-US" altLang="ja-JP" sz="1200" b="0" kern="1200" dirty="0">
+              <a:t>このモデルでは，評価者</a:t>
+            </a:r>
+            <a:r>
+              <a:rPr kumimoji="1" lang="en" altLang="ja-JP" sz="1200" kern="1200" dirty="0">
                 <a:solidFill>
                   <a:schemeClr val="tx1"/>
                 </a:solidFill>
@@ -4039,10 +4098,10 @@
                 <a:ea typeface="+mn-ea"/>
                 <a:cs typeface="+mn-cs"/>
               </a:rPr>
-              <a:t>(</a:t>
-            </a:r>
-            <a:r>
-              <a:rPr kumimoji="1" lang="en" altLang="ja-JP" sz="1200" b="0" kern="1200" dirty="0">
+              <a:t>r</a:t>
+            </a:r>
+            <a:r>
+              <a:rPr kumimoji="1" lang="ja-JP" altLang="en-US" sz="1200" kern="1200">
                 <a:solidFill>
                   <a:schemeClr val="tx1"/>
                 </a:solidFill>
@@ -4051,10 +4110,10 @@
                 <a:ea typeface="+mn-ea"/>
                 <a:cs typeface="+mn-cs"/>
               </a:rPr>
-              <a:t>Rater Drift)</a:t>
-            </a:r>
-            <a:r>
-              <a:rPr kumimoji="1" lang="ja-JP" altLang="en" sz="1200" b="0" kern="1200">
+              <a:t>が受検者</a:t>
+            </a:r>
+            <a:r>
+              <a:rPr kumimoji="1" lang="en" altLang="ja-JP" sz="1200" kern="1200" dirty="0">
                 <a:solidFill>
                   <a:schemeClr val="tx1"/>
                 </a:solidFill>
@@ -4063,10 +4122,10 @@
                 <a:ea typeface="+mn-ea"/>
                 <a:cs typeface="+mn-cs"/>
               </a:rPr>
-              <a:t>」</a:t>
-            </a:r>
-            <a:r>
-              <a:rPr kumimoji="1" lang="ja-JP" altLang="en-US" sz="1200" b="0" kern="1200">
+              <a:t>j</a:t>
+            </a:r>
+            <a:r>
+              <a:rPr kumimoji="1" lang="ja-JP" altLang="en-US" sz="1200" kern="1200">
                 <a:solidFill>
                   <a:schemeClr val="tx1"/>
                 </a:solidFill>
@@ -4075,9 +4134,33 @@
                 <a:ea typeface="+mn-ea"/>
                 <a:cs typeface="+mn-cs"/>
               </a:rPr>
-              <a:t>と呼ばれる問題が知られています．</a:t>
-            </a:r>
-            <a:endParaRPr kumimoji="1" lang="en-US" altLang="ja-JP" sz="1200" b="0" kern="1200" dirty="0">
+              <a:t>のパフォーマンスに評点</a:t>
+            </a:r>
+            <a:r>
+              <a:rPr kumimoji="1" lang="en" altLang="ja-JP" sz="1200" kern="1200" dirty="0">
+                <a:solidFill>
+                  <a:schemeClr val="tx1"/>
+                </a:solidFill>
+                <a:effectLst/>
+                <a:latin typeface="+mn-lt"/>
+                <a:ea typeface="+mn-ea"/>
+                <a:cs typeface="+mn-cs"/>
+              </a:rPr>
+              <a:t>k</a:t>
+            </a:r>
+            <a:r>
+              <a:rPr kumimoji="1" lang="ja-JP" altLang="en-US" sz="1200" kern="1200">
+                <a:solidFill>
+                  <a:schemeClr val="tx1"/>
+                </a:solidFill>
+                <a:effectLst/>
+                <a:latin typeface="+mn-lt"/>
+                <a:ea typeface="+mn-ea"/>
+                <a:cs typeface="+mn-cs"/>
+              </a:rPr>
+              <a:t>を与える確率を記載の式で定義します．</a:t>
+            </a:r>
+            <a:endParaRPr kumimoji="1" lang="en-US" altLang="ja-JP" sz="1200" kern="1200" dirty="0">
               <a:solidFill>
                 <a:schemeClr val="tx1"/>
               </a:solidFill>
@@ -4089,7 +4172,7 @@
           </a:p>
           <a:p>
             <a:r>
-              <a:rPr kumimoji="1" lang="ja-JP" altLang="en-US" sz="1200" b="0" kern="1200">
+              <a:rPr kumimoji="1" lang="ja-JP" altLang="en-US" sz="1200" kern="1200">
                 <a:solidFill>
                   <a:schemeClr val="tx1"/>
                 </a:solidFill>
@@ -4098,10 +4181,137 @@
                 <a:ea typeface="+mn-ea"/>
                 <a:cs typeface="+mn-cs"/>
               </a:rPr>
-              <a:t>このような評価者ドリフトを考慮できるモデルとして，次のモデルが提案されています．</a:t>
-            </a:r>
-          </a:p>
-          <a:p>
+              <a:t>このモデルでは，</a:t>
+            </a:r>
+            <a:r>
+              <a:rPr kumimoji="1" lang="en-US" altLang="ja-JP" sz="1200" kern="1200" dirty="0">
+                <a:solidFill>
+                  <a:schemeClr val="tx1"/>
+                </a:solidFill>
+                <a:effectLst/>
+                <a:latin typeface="+mn-lt"/>
+                <a:ea typeface="+mn-ea"/>
+                <a:cs typeface="+mn-cs"/>
+              </a:rPr>
+              <a:t>r</a:t>
+            </a:r>
+            <a:r>
+              <a:rPr kumimoji="1" lang="ja-JP" altLang="en-US" sz="1200" kern="1200">
+                <a:solidFill>
+                  <a:schemeClr val="tx1"/>
+                </a:solidFill>
+                <a:effectLst/>
+                <a:latin typeface="+mn-lt"/>
+                <a:ea typeface="+mn-ea"/>
+                <a:cs typeface="+mn-cs"/>
+              </a:rPr>
+              <a:t>を添え字にもつパラメータが評価者の一貫性，厳しさ，得点別の厳しさを表す評価者パラメータ，</a:t>
+            </a:r>
+            <a:r>
+              <a:rPr kumimoji="1" lang="en-US" altLang="ja-JP" sz="1200" kern="1200" dirty="0">
+                <a:solidFill>
+                  <a:schemeClr val="tx1"/>
+                </a:solidFill>
+                <a:effectLst/>
+                <a:latin typeface="+mn-lt"/>
+                <a:ea typeface="+mn-ea"/>
+                <a:cs typeface="+mn-cs"/>
+              </a:rPr>
+              <a:t>j</a:t>
+            </a:r>
+            <a:r>
+              <a:rPr kumimoji="1" lang="ja-JP" altLang="en-US" sz="1200" kern="1200">
+                <a:solidFill>
+                  <a:schemeClr val="tx1"/>
+                </a:solidFill>
+                <a:effectLst/>
+                <a:latin typeface="+mn-lt"/>
+                <a:ea typeface="+mn-ea"/>
+                <a:cs typeface="+mn-cs"/>
+              </a:rPr>
+              <a:t>を添え字にもつ</a:t>
+            </a:r>
+            <a:r>
+              <a:rPr kumimoji="1" lang="en-US" altLang="ja-JP" sz="1200" kern="1200" dirty="0" err="1">
+                <a:solidFill>
+                  <a:schemeClr val="tx1"/>
+                </a:solidFill>
+                <a:effectLst/>
+                <a:latin typeface="+mn-lt"/>
+                <a:ea typeface="+mn-ea"/>
+                <a:cs typeface="+mn-cs"/>
+              </a:rPr>
+              <a:t>θj</a:t>
+            </a:r>
+            <a:r>
+              <a:rPr kumimoji="1" lang="ja-JP" altLang="en-US" sz="1200" kern="1200">
+                <a:solidFill>
+                  <a:schemeClr val="tx1"/>
+                </a:solidFill>
+                <a:effectLst/>
+                <a:latin typeface="+mn-lt"/>
+                <a:ea typeface="+mn-ea"/>
+                <a:cs typeface="+mn-cs"/>
+              </a:rPr>
+              <a:t>が受験者の能力を表す受検者パラメータとして使用しています．</a:t>
+            </a:r>
+            <a:endParaRPr kumimoji="1" lang="en-US" altLang="ja-JP" sz="1200" kern="1200" dirty="0">
+              <a:solidFill>
+                <a:schemeClr val="tx1"/>
+              </a:solidFill>
+              <a:effectLst/>
+              <a:latin typeface="+mn-lt"/>
+              <a:ea typeface="+mn-ea"/>
+              <a:cs typeface="+mn-cs"/>
+            </a:endParaRPr>
+          </a:p>
+          <a:p>
+            <a:endParaRPr kumimoji="1" lang="en-US" altLang="ja-JP" sz="1200" kern="1200" dirty="0">
+              <a:solidFill>
+                <a:schemeClr val="tx1"/>
+              </a:solidFill>
+              <a:effectLst/>
+              <a:latin typeface="+mn-lt"/>
+              <a:ea typeface="+mn-ea"/>
+              <a:cs typeface="+mn-cs"/>
+            </a:endParaRPr>
+          </a:p>
+          <a:p>
+            <a:r>
+              <a:rPr kumimoji="1" lang="ja-JP" altLang="en-US" sz="1200" kern="1200">
+                <a:solidFill>
+                  <a:schemeClr val="tx1"/>
+                </a:solidFill>
+                <a:effectLst/>
+                <a:latin typeface="+mn-lt"/>
+                <a:ea typeface="+mn-ea"/>
+                <a:cs typeface="+mn-cs"/>
+              </a:rPr>
+              <a:t>これらのパラメータは，実際の採点データから推定します．</a:t>
+            </a:r>
+            <a:endParaRPr kumimoji="1" lang="en-US" altLang="ja-JP" sz="1200" kern="1200" dirty="0">
+              <a:solidFill>
+                <a:schemeClr val="tx1"/>
+              </a:solidFill>
+              <a:effectLst/>
+              <a:latin typeface="+mn-lt"/>
+              <a:ea typeface="+mn-ea"/>
+              <a:cs typeface="+mn-cs"/>
+            </a:endParaRPr>
+          </a:p>
+          <a:p>
+            <a:r>
+              <a:rPr kumimoji="1" lang="ja-JP" altLang="en-US" sz="1200" kern="1200">
+                <a:solidFill>
+                  <a:schemeClr val="tx1"/>
+                </a:solidFill>
+                <a:effectLst/>
+                <a:latin typeface="+mn-lt"/>
+                <a:ea typeface="+mn-ea"/>
+                <a:cs typeface="+mn-cs"/>
+              </a:rPr>
+              <a:t>このように推定することで，評価者の特性を考慮して能力推定ができます．</a:t>
+            </a:r>
             <a:endParaRPr kumimoji="1" lang="ja-JP" altLang="en-US"/>
           </a:p>
         </p:txBody>
@@ -4123,7 +4333,7 @@
           <a:p>
             <a:fld id="{F069C953-97BB-D34F-A925-DB809641415F}" type="slidenum">
               <a:rPr kumimoji="1" lang="ja-JP" altLang="en-US" smtClean="0"/>
-              <a:t>5</a:t>
+              <a:t>4</a:t>
             </a:fld>
             <a:endParaRPr kumimoji="1" lang="ja-JP" altLang="en-US"/>
           </a:p>
@@ -4132,7 +4342,7 @@
     </p:spTree>
     <p:extLst>
       <p:ext uri="{BB962C8B-B14F-4D97-AF65-F5344CB8AC3E}">
-        <p14:creationId xmlns:p14="http://schemas.microsoft.com/office/powerpoint/2010/main" val="572396447"/>
+        <p14:creationId xmlns:p14="http://schemas.microsoft.com/office/powerpoint/2010/main" val="4033461016"/>
       </p:ext>
     </p:extLst>
   </p:cSld>
@@ -4187,40 +4397,91 @@
           <a:lstStyle/>
           <a:p>
             <a:r>
-              <a:rPr kumimoji="1" lang="ja-JP" altLang="en-US"/>
-              <a:t>このモデルは，評価者の厳しさを，初期の厳しさ・厳しさの傾き・ある時間区分における厳しさ，の</a:t>
-            </a:r>
-            <a:r>
-              <a:rPr kumimoji="1" lang="en-US" altLang="ja-JP" dirty="0"/>
-              <a:t>3</a:t>
-            </a:r>
-            <a:r>
-              <a:rPr kumimoji="1" lang="ja-JP" altLang="en-US"/>
-              <a:t>つのパラメータを用いて表しています．</a:t>
-            </a:r>
-            <a:endParaRPr kumimoji="1" lang="en-US" altLang="ja-JP" dirty="0"/>
-          </a:p>
-          <a:p>
-            <a:r>
-              <a:rPr kumimoji="1" lang="ja-JP" altLang="en-US"/>
-              <a:t>特に，時間区分ごとの厳しさパラメータである</a:t>
-            </a:r>
-            <a:r>
-              <a:rPr kumimoji="1" lang="en-US" altLang="ja-JP" dirty="0" err="1"/>
-              <a:t>beta_rt</a:t>
-            </a:r>
-            <a:r>
-              <a:rPr kumimoji="1" lang="ja-JP" altLang="en-US"/>
-              <a:t>を導入している点が特徴です．</a:t>
-            </a:r>
-            <a:endParaRPr kumimoji="1" lang="en-US" altLang="ja-JP" dirty="0"/>
-          </a:p>
-          <a:p>
-            <a:r>
-              <a:rPr kumimoji="1" lang="ja-JP" altLang="en-US"/>
-              <a:t>これにより，評価者ドリフトを考慮した推定を行うことができるとされています．</a:t>
-            </a:r>
-            <a:endParaRPr kumimoji="1" lang="en-US" altLang="ja-JP" dirty="0"/>
+              <a:rPr kumimoji="1" lang="ja-JP" altLang="en-US" sz="1200" b="0" kern="1200">
+                <a:solidFill>
+                  <a:schemeClr val="tx1"/>
+                </a:solidFill>
+                <a:effectLst/>
+                <a:latin typeface="+mn-lt"/>
+                <a:ea typeface="+mn-ea"/>
+                <a:cs typeface="+mn-cs"/>
+              </a:rPr>
+              <a:t>一方で，このモデルは評価者の特性が評価中に変化しないことを仮定していますが，実際には採点の進行に伴い，評価者の特性が変化してしまう「評価者ドリフト</a:t>
+            </a:r>
+            <a:r>
+              <a:rPr kumimoji="1" lang="en-US" altLang="ja-JP" sz="1200" b="0" kern="1200" dirty="0">
+                <a:solidFill>
+                  <a:schemeClr val="tx1"/>
+                </a:solidFill>
+                <a:effectLst/>
+                <a:latin typeface="+mn-lt"/>
+                <a:ea typeface="+mn-ea"/>
+                <a:cs typeface="+mn-cs"/>
+              </a:rPr>
+              <a:t>(</a:t>
+            </a:r>
+            <a:r>
+              <a:rPr kumimoji="1" lang="en" altLang="ja-JP" sz="1200" b="0" kern="1200" dirty="0">
+                <a:solidFill>
+                  <a:schemeClr val="tx1"/>
+                </a:solidFill>
+                <a:effectLst/>
+                <a:latin typeface="+mn-lt"/>
+                <a:ea typeface="+mn-ea"/>
+                <a:cs typeface="+mn-cs"/>
+              </a:rPr>
+              <a:t>Rater Drift)</a:t>
+            </a:r>
+            <a:r>
+              <a:rPr kumimoji="1" lang="ja-JP" altLang="en" sz="1200" b="0" kern="1200">
+                <a:solidFill>
+                  <a:schemeClr val="tx1"/>
+                </a:solidFill>
+                <a:effectLst/>
+                <a:latin typeface="+mn-lt"/>
+                <a:ea typeface="+mn-ea"/>
+                <a:cs typeface="+mn-cs"/>
+              </a:rPr>
+              <a:t>」</a:t>
+            </a:r>
+            <a:r>
+              <a:rPr kumimoji="1" lang="ja-JP" altLang="en-US" sz="1200" b="0" kern="1200">
+                <a:solidFill>
+                  <a:schemeClr val="tx1"/>
+                </a:solidFill>
+                <a:effectLst/>
+                <a:latin typeface="+mn-lt"/>
+                <a:ea typeface="+mn-ea"/>
+                <a:cs typeface="+mn-cs"/>
+              </a:rPr>
+              <a:t>と呼ばれる問題が知られています．</a:t>
+            </a:r>
+            <a:endParaRPr kumimoji="1" lang="en-US" altLang="ja-JP" sz="1200" b="0" kern="1200" dirty="0">
+              <a:solidFill>
+                <a:schemeClr val="tx1"/>
+              </a:solidFill>
+              <a:effectLst/>
+              <a:latin typeface="+mn-lt"/>
+              <a:ea typeface="+mn-ea"/>
+              <a:cs typeface="+mn-cs"/>
+            </a:endParaRPr>
+          </a:p>
+          <a:p>
+            <a:r>
+              <a:rPr kumimoji="1" lang="ja-JP" altLang="en-US" sz="1200" b="0" kern="1200">
+                <a:solidFill>
+                  <a:schemeClr val="tx1"/>
+                </a:solidFill>
+                <a:effectLst/>
+                <a:latin typeface="+mn-lt"/>
+                <a:ea typeface="+mn-ea"/>
+                <a:cs typeface="+mn-cs"/>
+              </a:rPr>
+              <a:t>このような評価者ドリフトを考慮できるモデルとして，次のモデルが提案されています．</a:t>
+            </a:r>
+          </a:p>
+          <a:p>
+            <a:endParaRPr kumimoji="1" lang="ja-JP" altLang="en-US"/>
           </a:p>
         </p:txBody>
       </p:sp>
@@ -4241,7 +4502,7 @@
           <a:p>
             <a:fld id="{F069C953-97BB-D34F-A925-DB809641415F}" type="slidenum">
               <a:rPr kumimoji="1" lang="ja-JP" altLang="en-US" smtClean="0"/>
-              <a:t>6</a:t>
+              <a:t>5</a:t>
             </a:fld>
             <a:endParaRPr kumimoji="1" lang="ja-JP" altLang="en-US"/>
           </a:p>
@@ -4250,7 +4511,7 @@
     </p:spTree>
     <p:extLst>
       <p:ext uri="{BB962C8B-B14F-4D97-AF65-F5344CB8AC3E}">
-        <p14:creationId xmlns:p14="http://schemas.microsoft.com/office/powerpoint/2010/main" val="1261749050"/>
+        <p14:creationId xmlns:p14="http://schemas.microsoft.com/office/powerpoint/2010/main" val="572396447"/>
       </p:ext>
     </p:extLst>
   </p:cSld>
@@ -4305,52 +4566,40 @@
           <a:lstStyle/>
           <a:p>
             <a:r>
-              <a:rPr kumimoji="1" lang="ja-JP" altLang="en-US" sz="1200" b="0" kern="1200">
-                <a:solidFill>
-                  <a:schemeClr val="tx1"/>
-                </a:solidFill>
-                <a:effectLst/>
-                <a:latin typeface="+mn-lt"/>
-                <a:ea typeface="+mn-ea"/>
-                <a:cs typeface="+mn-cs"/>
-              </a:rPr>
-              <a:t>このモデルでは，一連の採点データを一定の時間区分で区切り，時間区分ごとの評価者パラメータを導入している点が特徴です．</a:t>
-            </a:r>
-            <a:endParaRPr kumimoji="1" lang="en-US" altLang="ja-JP" sz="1200" b="0" kern="1200" dirty="0">
-              <a:solidFill>
-                <a:schemeClr val="tx1"/>
-              </a:solidFill>
-              <a:effectLst/>
-              <a:latin typeface="+mn-lt"/>
-              <a:ea typeface="+mn-ea"/>
-              <a:cs typeface="+mn-cs"/>
-            </a:endParaRPr>
-          </a:p>
-          <a:p>
-            <a:r>
-              <a:rPr kumimoji="1" lang="ja-JP" altLang="en-US" sz="1200" b="0" kern="1200">
-                <a:solidFill>
-                  <a:schemeClr val="tx1"/>
-                </a:solidFill>
-                <a:effectLst/>
-                <a:latin typeface="+mn-lt"/>
-                <a:ea typeface="+mn-ea"/>
-                <a:cs typeface="+mn-cs"/>
-              </a:rPr>
-              <a:t>図のように，データ全体をいくつかの時間区分数に分割し，各評価者の厳しさパラメータを時間区分ごとに推定しています．</a:t>
-            </a:r>
-            <a:br>
-              <a:rPr kumimoji="1" lang="ja-JP" altLang="en-US" sz="1200" b="0" kern="1200">
-                <a:solidFill>
-                  <a:schemeClr val="tx1"/>
-                </a:solidFill>
-                <a:effectLst/>
-                <a:latin typeface="+mn-lt"/>
-                <a:ea typeface="+mn-ea"/>
-                <a:cs typeface="+mn-cs"/>
-              </a:rPr>
-            </a:br>
-            <a:endParaRPr kumimoji="1" lang="ja-JP" altLang="en-US"/>
+              <a:rPr kumimoji="1" lang="ja-JP" altLang="en-US"/>
+              <a:t>このモデルは，評価者の厳しさを，初期の厳しさ・厳しさの傾き・ある時間区分における厳しさ，の</a:t>
+            </a:r>
+            <a:r>
+              <a:rPr kumimoji="1" lang="en-US" altLang="ja-JP" dirty="0"/>
+              <a:t>3</a:t>
+            </a:r>
+            <a:r>
+              <a:rPr kumimoji="1" lang="ja-JP" altLang="en-US"/>
+              <a:t>つのパラメータを用いて表しています．</a:t>
+            </a:r>
+            <a:endParaRPr kumimoji="1" lang="en-US" altLang="ja-JP" dirty="0"/>
+          </a:p>
+          <a:p>
+            <a:r>
+              <a:rPr kumimoji="1" lang="ja-JP" altLang="en-US"/>
+              <a:t>特に，時間区分ごとの厳しさパラメータである</a:t>
+            </a:r>
+            <a:r>
+              <a:rPr kumimoji="1" lang="en-US" altLang="ja-JP" dirty="0" err="1"/>
+              <a:t>beta_rt</a:t>
+            </a:r>
+            <a:r>
+              <a:rPr kumimoji="1" lang="ja-JP" altLang="en-US"/>
+              <a:t>を導入している点が特徴です．</a:t>
+            </a:r>
+            <a:endParaRPr kumimoji="1" lang="en-US" altLang="ja-JP" dirty="0"/>
+          </a:p>
+          <a:p>
+            <a:r>
+              <a:rPr kumimoji="1" lang="ja-JP" altLang="en-US"/>
+              <a:t>これにより，評価者ドリフトを考慮した推定を行うことができるとされています．</a:t>
+            </a:r>
+            <a:endParaRPr kumimoji="1" lang="en-US" altLang="ja-JP" dirty="0"/>
           </a:p>
         </p:txBody>
       </p:sp>
@@ -4371,7 +4620,7 @@
           <a:p>
             <a:fld id="{F069C953-97BB-D34F-A925-DB809641415F}" type="slidenum">
               <a:rPr kumimoji="1" lang="ja-JP" altLang="en-US" smtClean="0"/>
-              <a:t>7</a:t>
+              <a:t>6</a:t>
             </a:fld>
             <a:endParaRPr kumimoji="1" lang="ja-JP" altLang="en-US"/>
           </a:p>
@@ -4380,7 +4629,7 @@
     </p:spTree>
     <p:extLst>
       <p:ext uri="{BB962C8B-B14F-4D97-AF65-F5344CB8AC3E}">
-        <p14:creationId xmlns:p14="http://schemas.microsoft.com/office/powerpoint/2010/main" val="909891966"/>
+        <p14:creationId xmlns:p14="http://schemas.microsoft.com/office/powerpoint/2010/main" val="1261749050"/>
       </p:ext>
     </p:extLst>
   </p:cSld>
@@ -4435,46 +4684,52 @@
           <a:lstStyle/>
           <a:p>
             <a:r>
-              <a:rPr kumimoji="1" lang="ja-JP" altLang="en-US"/>
-              <a:t>このモデルの課題は，各時間区分ごとのパラメータが独立しているため，データからパラメータの推定をすることが難しい点にあります．</a:t>
-            </a:r>
-            <a:endParaRPr kumimoji="1" lang="en-US" altLang="ja-JP" dirty="0"/>
-          </a:p>
-          <a:p>
-            <a:r>
-              <a:rPr kumimoji="1" lang="ja-JP" altLang="en-US"/>
-              <a:t>そのため，本研究では時間区分ごとの評価者の厳しさにマルコフ性を仮定した新しい項目反応モデルを提案します．</a:t>
-            </a:r>
-            <a:endParaRPr kumimoji="1" lang="en-US" altLang="ja-JP" dirty="0"/>
-          </a:p>
-          <a:p>
-            <a:endParaRPr kumimoji="1" lang="en-US" altLang="ja-JP" dirty="0"/>
-          </a:p>
-          <a:p>
-            <a:endParaRPr kumimoji="1" lang="en-US" altLang="ja-JP" dirty="0"/>
-          </a:p>
-          <a:p>
-            <a:r>
-              <a:rPr kumimoji="1" lang="ja-JP" altLang="en-US"/>
-              <a:t>ーーーー以下詳しく聞かれたらーーーーーーーーーーーーーーーーーーーーーーーーーーーーーーーーーーーーーーーーーーーーーーー</a:t>
-            </a:r>
-            <a:endParaRPr kumimoji="1" lang="en-US" altLang="ja-JP" dirty="0"/>
-          </a:p>
-          <a:p>
-            <a:endParaRPr kumimoji="1" lang="en-US" altLang="ja-JP" dirty="0"/>
-          </a:p>
-          <a:p>
-            <a:r>
-              <a:rPr kumimoji="1" lang="ja-JP" altLang="en-US"/>
-              <a:t>マルコフ性とは，現在の値によって次の値が決まる性質のことです．</a:t>
-            </a:r>
-            <a:endParaRPr kumimoji="1" lang="en-US" altLang="ja-JP" dirty="0"/>
-          </a:p>
-          <a:p>
-            <a:r>
-              <a:rPr kumimoji="1" lang="ja-JP" altLang="en-US"/>
-              <a:t>これをパラメータに適用することで，時間の経過によって変化するパラメータの特徴をより安定して推定することができると考えられます．</a:t>
-            </a:r>
+              <a:rPr kumimoji="1" lang="ja-JP" altLang="en-US" sz="1200" b="0" kern="1200">
+                <a:solidFill>
+                  <a:schemeClr val="tx1"/>
+                </a:solidFill>
+                <a:effectLst/>
+                <a:latin typeface="+mn-lt"/>
+                <a:ea typeface="+mn-ea"/>
+                <a:cs typeface="+mn-cs"/>
+              </a:rPr>
+              <a:t>このモデルでは，一連の採点データを一定の時間区分で区切り，時間区分ごとの評価者パラメータを導入している点が特徴です．</a:t>
+            </a:r>
+            <a:endParaRPr kumimoji="1" lang="en-US" altLang="ja-JP" sz="1200" b="0" kern="1200" dirty="0">
+              <a:solidFill>
+                <a:schemeClr val="tx1"/>
+              </a:solidFill>
+              <a:effectLst/>
+              <a:latin typeface="+mn-lt"/>
+              <a:ea typeface="+mn-ea"/>
+              <a:cs typeface="+mn-cs"/>
+            </a:endParaRPr>
+          </a:p>
+          <a:p>
+            <a:r>
+              <a:rPr kumimoji="1" lang="ja-JP" altLang="en-US" sz="1200" b="0" kern="1200">
+                <a:solidFill>
+                  <a:schemeClr val="tx1"/>
+                </a:solidFill>
+                <a:effectLst/>
+                <a:latin typeface="+mn-lt"/>
+                <a:ea typeface="+mn-ea"/>
+                <a:cs typeface="+mn-cs"/>
+              </a:rPr>
+              <a:t>図のように，データ全体をいくつかの時間区分数に分割し，各評価者の厳しさパラメータを時間区分ごとに推定しています．</a:t>
+            </a:r>
+            <a:br>
+              <a:rPr kumimoji="1" lang="ja-JP" altLang="en-US" sz="1200" b="0" kern="1200">
+                <a:solidFill>
+                  <a:schemeClr val="tx1"/>
+                </a:solidFill>
+                <a:effectLst/>
+                <a:latin typeface="+mn-lt"/>
+                <a:ea typeface="+mn-ea"/>
+                <a:cs typeface="+mn-cs"/>
+              </a:rPr>
+            </a:br>
+            <a:endParaRPr kumimoji="1" lang="ja-JP" altLang="en-US"/>
           </a:p>
         </p:txBody>
       </p:sp>
@@ -4495,7 +4750,7 @@
           <a:p>
             <a:fld id="{F069C953-97BB-D34F-A925-DB809641415F}" type="slidenum">
               <a:rPr kumimoji="1" lang="ja-JP" altLang="en-US" smtClean="0"/>
-              <a:t>8</a:t>
+              <a:t>7</a:t>
             </a:fld>
             <a:endParaRPr kumimoji="1" lang="ja-JP" altLang="en-US"/>
           </a:p>
@@ -4504,7 +4759,7 @@
     </p:spTree>
     <p:extLst>
       <p:ext uri="{BB962C8B-B14F-4D97-AF65-F5344CB8AC3E}">
-        <p14:creationId xmlns:p14="http://schemas.microsoft.com/office/powerpoint/2010/main" val="581497790"/>
+        <p14:creationId xmlns:p14="http://schemas.microsoft.com/office/powerpoint/2010/main" val="909891966"/>
       </p:ext>
     </p:extLst>
   </p:cSld>
@@ -4559,195 +4814,46 @@
           <a:lstStyle/>
           <a:p>
             <a:r>
-              <a:rPr kumimoji="1" lang="ja-JP" altLang="en-US" sz="1200" kern="1200">
-                <a:solidFill>
-                  <a:schemeClr val="tx1"/>
-                </a:solidFill>
-                <a:effectLst/>
-                <a:latin typeface="+mn-lt"/>
-                <a:ea typeface="+mn-ea"/>
-                <a:cs typeface="+mn-cs"/>
-              </a:rPr>
-              <a:t>提案モデルを</a:t>
-            </a:r>
-            <a:r>
-              <a:rPr lang="ja-JP" altLang="en-US"/>
-              <a:t>このような式で定義します．</a:t>
-            </a:r>
-          </a:p>
-          <a:p>
-            <a:endParaRPr kumimoji="1" lang="en-US" altLang="ja-JP" sz="1200" kern="1200" dirty="0">
-              <a:solidFill>
-                <a:schemeClr val="tx1"/>
-              </a:solidFill>
-              <a:effectLst/>
-              <a:latin typeface="+mn-lt"/>
-              <a:ea typeface="+mn-ea"/>
-              <a:cs typeface="+mn-cs"/>
-            </a:endParaRPr>
-          </a:p>
-          <a:p>
-            <a:r>
-              <a:rPr kumimoji="1" lang="ja-JP" altLang="en-US" sz="1200" kern="1200">
-                <a:solidFill>
-                  <a:schemeClr val="tx1"/>
-                </a:solidFill>
-                <a:effectLst/>
-                <a:latin typeface="+mn-lt"/>
-                <a:ea typeface="+mn-ea"/>
-                <a:cs typeface="+mn-cs"/>
-              </a:rPr>
-              <a:t>提案モデルの特徴は</a:t>
-            </a:r>
-            <a:r>
-              <a:rPr kumimoji="1" lang="en-US" altLang="ja-JP" sz="1200" kern="1200" dirty="0" err="1">
-                <a:solidFill>
-                  <a:schemeClr val="tx1"/>
-                </a:solidFill>
-                <a:effectLst/>
-                <a:latin typeface="+mn-lt"/>
-                <a:ea typeface="+mn-ea"/>
-                <a:cs typeface="+mn-cs"/>
-              </a:rPr>
-              <a:t>beta_rt</a:t>
-            </a:r>
-            <a:r>
-              <a:rPr kumimoji="1" lang="ja-JP" altLang="en-US" sz="1200" kern="1200">
-                <a:solidFill>
-                  <a:schemeClr val="tx1"/>
-                </a:solidFill>
-                <a:effectLst/>
-                <a:latin typeface="+mn-lt"/>
-                <a:ea typeface="+mn-ea"/>
-                <a:cs typeface="+mn-cs"/>
-              </a:rPr>
-              <a:t>の分布として，一つ前の時間区分での厳しさを平均値とした正規分布を仮定しているところです．</a:t>
-            </a:r>
-            <a:endParaRPr kumimoji="1" lang="en-US" altLang="ja-JP" sz="1200" kern="1200" dirty="0">
-              <a:solidFill>
-                <a:schemeClr val="tx1"/>
-              </a:solidFill>
-              <a:effectLst/>
-              <a:latin typeface="+mn-lt"/>
-              <a:ea typeface="+mn-ea"/>
-              <a:cs typeface="+mn-cs"/>
-            </a:endParaRPr>
-          </a:p>
-          <a:p>
-            <a:endParaRPr kumimoji="1" lang="en-US" altLang="ja-JP" sz="1200" kern="1200" dirty="0">
-              <a:solidFill>
-                <a:schemeClr val="tx1"/>
-              </a:solidFill>
-              <a:effectLst/>
-              <a:latin typeface="+mn-lt"/>
-              <a:ea typeface="+mn-ea"/>
-              <a:cs typeface="+mn-cs"/>
-            </a:endParaRPr>
-          </a:p>
-          <a:p>
-            <a:pPr marL="0" marR="0" lvl="0" indent="0" algn="l" defTabSz="914400" rtl="0" eaLnBrk="1" fontAlgn="auto" latinLnBrk="0" hangingPunct="1">
-              <a:lnSpc>
-                <a:spcPct val="100000"/>
-              </a:lnSpc>
-              <a:spcBef>
-                <a:spcPts val="0"/>
-              </a:spcBef>
-              <a:spcAft>
-                <a:spcPts val="0"/>
-              </a:spcAft>
-              <a:buClrTx/>
-              <a:buSzTx/>
-              <a:buFontTx/>
-              <a:buNone/>
-              <a:tabLst/>
-              <a:defRPr/>
-            </a:pPr>
-            <a:r>
-              <a:rPr kumimoji="1" lang="ja-JP" altLang="en-US" sz="1200" b="0" kern="1200">
-                <a:solidFill>
-                  <a:schemeClr val="tx1"/>
-                </a:solidFill>
-                <a:effectLst/>
-                <a:latin typeface="+mn-lt"/>
-                <a:ea typeface="+mn-ea"/>
-                <a:cs typeface="+mn-cs"/>
-              </a:rPr>
-              <a:t>それにより，直前の時間区分の特性値を次の時間区分の特性値の推定に利用できるため，より安定したパラメータ推定が可能となる点にあります．</a:t>
-            </a:r>
-            <a:endParaRPr kumimoji="1" lang="en-US" altLang="ja-JP" sz="1200" kern="1200" dirty="0">
-              <a:solidFill>
-                <a:schemeClr val="tx1"/>
-              </a:solidFill>
-              <a:effectLst/>
-              <a:latin typeface="+mn-lt"/>
-              <a:ea typeface="+mn-ea"/>
-              <a:cs typeface="+mn-cs"/>
-            </a:endParaRPr>
-          </a:p>
-          <a:p>
-            <a:endParaRPr kumimoji="1" lang="ja-JP" altLang="en-US" sz="1200" kern="1200">
-              <a:solidFill>
-                <a:schemeClr val="tx1"/>
-              </a:solidFill>
-              <a:effectLst/>
-              <a:latin typeface="+mn-lt"/>
-              <a:ea typeface="+mn-ea"/>
-              <a:cs typeface="+mn-cs"/>
-            </a:endParaRPr>
-          </a:p>
-          <a:p>
-            <a:pPr marL="0" marR="0" lvl="0" indent="0" algn="l" defTabSz="914400" rtl="0" eaLnBrk="1" fontAlgn="auto" latinLnBrk="0" hangingPunct="1">
-              <a:lnSpc>
-                <a:spcPct val="100000"/>
-              </a:lnSpc>
-              <a:spcBef>
-                <a:spcPts val="0"/>
-              </a:spcBef>
-              <a:spcAft>
-                <a:spcPts val="0"/>
-              </a:spcAft>
-              <a:buClrTx/>
-              <a:buSzTx/>
-              <a:buFontTx/>
-              <a:buNone/>
-              <a:tabLst/>
-              <a:defRPr/>
-            </a:pPr>
-            <a:r>
-              <a:rPr kumimoji="1" lang="ja-JP" altLang="en-US" sz="1200" kern="1200">
-                <a:solidFill>
-                  <a:schemeClr val="tx1"/>
-                </a:solidFill>
-                <a:effectLst/>
-                <a:latin typeface="+mn-lt"/>
-                <a:ea typeface="+mn-ea"/>
-                <a:cs typeface="+mn-cs"/>
-              </a:rPr>
-              <a:t>また，より柔軟に評価者特性を表現するために，一般化多相ラッシュモデルでも採用されている評価者の一貫性パラメータと各スコアに対する厳しさパラメータを導入しているところも特徴です．</a:t>
-            </a:r>
-            <a:endParaRPr kumimoji="1" lang="en-US" altLang="ja-JP" sz="1200" kern="1200" dirty="0">
-              <a:solidFill>
-                <a:schemeClr val="tx1"/>
-              </a:solidFill>
-              <a:effectLst/>
-              <a:latin typeface="+mn-lt"/>
-              <a:ea typeface="+mn-ea"/>
-              <a:cs typeface="+mn-cs"/>
-            </a:endParaRPr>
-          </a:p>
-          <a:p>
-            <a:endParaRPr kumimoji="1" lang="en-US" altLang="ja-JP" sz="1200" kern="1200" dirty="0">
-              <a:solidFill>
-                <a:schemeClr val="tx1"/>
-              </a:solidFill>
-              <a:effectLst/>
-              <a:latin typeface="+mn-lt"/>
-              <a:ea typeface="+mn-ea"/>
-              <a:cs typeface="+mn-cs"/>
-            </a:endParaRPr>
-          </a:p>
-          <a:p>
-            <a:endParaRPr kumimoji="1" lang="ja-JP" altLang="en-US"/>
+              <a:rPr kumimoji="1" lang="ja-JP" altLang="en-US"/>
+              <a:t>一方で，このモデルの課題は，各時間区分ごとのパラメータが独立しているため，データからパラメータの推定をすることが難しい点にあります．</a:t>
+            </a:r>
+            <a:endParaRPr kumimoji="1" lang="en-US" altLang="ja-JP" dirty="0"/>
+          </a:p>
+          <a:p>
+            <a:r>
+              <a:rPr kumimoji="1" lang="ja-JP" altLang="en-US"/>
+              <a:t>そのため，本研究では時間区分ごとの評価者の厳しさにマルコフ性を仮定した新しい項目反応モデルを提案します．</a:t>
+            </a:r>
+            <a:endParaRPr kumimoji="1" lang="en-US" altLang="ja-JP" dirty="0"/>
+          </a:p>
+          <a:p>
+            <a:endParaRPr kumimoji="1" lang="en-US" altLang="ja-JP" dirty="0"/>
+          </a:p>
+          <a:p>
+            <a:endParaRPr kumimoji="1" lang="en-US" altLang="ja-JP" dirty="0"/>
+          </a:p>
+          <a:p>
+            <a:r>
+              <a:rPr kumimoji="1" lang="ja-JP" altLang="en-US"/>
+              <a:t>ーーーー以下詳しく聞かれたらーーーーーーーーーーーーーーーーーーーーーーーーーーーーーーーーーーーーーーーーーーーーーーー</a:t>
+            </a:r>
+            <a:endParaRPr kumimoji="1" lang="en-US" altLang="ja-JP" dirty="0"/>
+          </a:p>
+          <a:p>
+            <a:endParaRPr kumimoji="1" lang="en-US" altLang="ja-JP" dirty="0"/>
+          </a:p>
+          <a:p>
+            <a:r>
+              <a:rPr kumimoji="1" lang="ja-JP" altLang="en-US"/>
+              <a:t>マルコフ性とは，現在の値によって次の値が決まる性質のことです．</a:t>
+            </a:r>
+            <a:endParaRPr kumimoji="1" lang="en-US" altLang="ja-JP" dirty="0"/>
+          </a:p>
+          <a:p>
+            <a:r>
+              <a:rPr kumimoji="1" lang="ja-JP" altLang="en-US"/>
+              <a:t>これをパラメータに適用することで，時間の経過によって変化するパラメータの特徴をより安定して推定することができると考えられます．</a:t>
+            </a:r>
           </a:p>
         </p:txBody>
       </p:sp>
@@ -4768,7 +4874,7 @@
           <a:p>
             <a:fld id="{F069C953-97BB-D34F-A925-DB809641415F}" type="slidenum">
               <a:rPr kumimoji="1" lang="ja-JP" altLang="en-US" smtClean="0"/>
-              <a:t>9</a:t>
+              <a:t>8</a:t>
             </a:fld>
             <a:endParaRPr kumimoji="1" lang="ja-JP" altLang="en-US"/>
           </a:p>
@@ -4777,7 +4883,7 @@
     </p:spTree>
     <p:extLst>
       <p:ext uri="{BB962C8B-B14F-4D97-AF65-F5344CB8AC3E}">
-        <p14:creationId xmlns:p14="http://schemas.microsoft.com/office/powerpoint/2010/main" val="3048203218"/>
+        <p14:creationId xmlns:p14="http://schemas.microsoft.com/office/powerpoint/2010/main" val="581497790"/>
       </p:ext>
     </p:extLst>
   </p:cSld>
@@ -4831,6 +4937,93 @@
           <a:bodyPr/>
           <a:lstStyle/>
           <a:p>
+            <a:r>
+              <a:rPr kumimoji="1" lang="ja-JP" altLang="en-US" sz="1200" kern="1200">
+                <a:solidFill>
+                  <a:schemeClr val="tx1"/>
+                </a:solidFill>
+                <a:effectLst/>
+                <a:latin typeface="+mn-lt"/>
+                <a:ea typeface="+mn-ea"/>
+                <a:cs typeface="+mn-cs"/>
+              </a:rPr>
+              <a:t>提案モデルを</a:t>
+            </a:r>
+            <a:r>
+              <a:rPr lang="ja-JP" altLang="en-US"/>
+              <a:t>このような式で定義します．</a:t>
+            </a:r>
+          </a:p>
+          <a:p>
+            <a:endParaRPr kumimoji="1" lang="en-US" altLang="ja-JP" sz="1200" kern="1200" dirty="0">
+              <a:solidFill>
+                <a:schemeClr val="tx1"/>
+              </a:solidFill>
+              <a:effectLst/>
+              <a:latin typeface="+mn-lt"/>
+              <a:ea typeface="+mn-ea"/>
+              <a:cs typeface="+mn-cs"/>
+            </a:endParaRPr>
+          </a:p>
+          <a:p>
+            <a:r>
+              <a:rPr kumimoji="1" lang="ja-JP" altLang="en-US" sz="1200" kern="1200">
+                <a:solidFill>
+                  <a:schemeClr val="tx1"/>
+                </a:solidFill>
+                <a:effectLst/>
+                <a:latin typeface="+mn-lt"/>
+                <a:ea typeface="+mn-ea"/>
+                <a:cs typeface="+mn-cs"/>
+              </a:rPr>
+              <a:t>提案モデルの特徴は</a:t>
+            </a:r>
+            <a:r>
+              <a:rPr kumimoji="1" lang="en-US" altLang="ja-JP" sz="1200" kern="1200" dirty="0" err="1">
+                <a:solidFill>
+                  <a:schemeClr val="tx1"/>
+                </a:solidFill>
+                <a:effectLst/>
+                <a:latin typeface="+mn-lt"/>
+                <a:ea typeface="+mn-ea"/>
+                <a:cs typeface="+mn-cs"/>
+              </a:rPr>
+              <a:t>beta_rt</a:t>
+            </a:r>
+            <a:r>
+              <a:rPr kumimoji="1" lang="ja-JP" altLang="en-US" sz="1200" kern="1200">
+                <a:solidFill>
+                  <a:schemeClr val="tx1"/>
+                </a:solidFill>
+                <a:effectLst/>
+                <a:latin typeface="+mn-lt"/>
+                <a:ea typeface="+mn-ea"/>
+                <a:cs typeface="+mn-cs"/>
+              </a:rPr>
+              <a:t>の分布として，一つ前の時間区分での厳しさを平均値とした正規分布を仮定しているところです．</a:t>
+            </a:r>
+            <a:endParaRPr kumimoji="1" lang="en-US" altLang="ja-JP" sz="1200" kern="1200" dirty="0">
+              <a:solidFill>
+                <a:schemeClr val="tx1"/>
+              </a:solidFill>
+              <a:effectLst/>
+              <a:latin typeface="+mn-lt"/>
+              <a:ea typeface="+mn-ea"/>
+              <a:cs typeface="+mn-cs"/>
+            </a:endParaRPr>
+          </a:p>
+          <a:p>
+            <a:endParaRPr kumimoji="1" lang="en-US" altLang="ja-JP" sz="1200" kern="1200" dirty="0">
+              <a:solidFill>
+                <a:schemeClr val="tx1"/>
+              </a:solidFill>
+              <a:effectLst/>
+              <a:latin typeface="+mn-lt"/>
+              <a:ea typeface="+mn-ea"/>
+              <a:cs typeface="+mn-cs"/>
+            </a:endParaRPr>
+          </a:p>
+          <a:p>
             <a:pPr marL="0" marR="0" lvl="0" indent="0" algn="l" defTabSz="914400" rtl="0" eaLnBrk="1" fontAlgn="auto" latinLnBrk="0" hangingPunct="1">
               <a:lnSpc>
                 <a:spcPct val="100000"/>
@@ -4849,7 +5042,7 @@
               <a:defRPr/>
             </a:pPr>
             <a:r>
-              <a:rPr kumimoji="1" lang="ja-JP" altLang="en-US" sz="1200" b="0" i="0" u="none" strike="noStrike" kern="1200">
+              <a:rPr kumimoji="1" lang="ja-JP" altLang="en-US" sz="1200" b="0" kern="1200">
                 <a:solidFill>
                   <a:schemeClr val="tx1"/>
                 </a:solidFill>
@@ -4858,9 +5051,20 @@
                 <a:ea typeface="+mn-ea"/>
                 <a:cs typeface="+mn-cs"/>
               </a:rPr>
-              <a:t>本研究では，提案モデルのパラメータ推定にマルコフ連鎖モンテカルロ法を利用しますが，これによって適切にパラメータを推定できるかをシミュレーションで評価しました．</a:t>
-            </a:r>
-            <a:endParaRPr kumimoji="1" lang="en-US" altLang="ja-JP" sz="1200" b="0" i="0" u="none" strike="noStrike" kern="1200" dirty="0">
+              <a:t>それにより，直前の時間区分の特性値を次の時間区分の特性値の推定に利用できるため，より安定したパラメータ推定が可能となる点にあります．</a:t>
+            </a:r>
+            <a:endParaRPr kumimoji="1" lang="en-US" altLang="ja-JP" sz="1200" kern="1200" dirty="0">
+              <a:solidFill>
+                <a:schemeClr val="tx1"/>
+              </a:solidFill>
+              <a:effectLst/>
+              <a:latin typeface="+mn-lt"/>
+              <a:ea typeface="+mn-ea"/>
+              <a:cs typeface="+mn-cs"/>
+            </a:endParaRPr>
+          </a:p>
+          <a:p>
+            <a:endParaRPr kumimoji="1" lang="ja-JP" altLang="en-US" sz="1200" kern="1200">
               <a:solidFill>
                 <a:schemeClr val="tx1"/>
               </a:solidFill>
@@ -4888,7 +5092,19 @@
               <a:tabLst/>
               <a:defRPr/>
             </a:pPr>
-            <a:endParaRPr kumimoji="1" lang="en-US" altLang="ja-JP" sz="1200" b="0" i="0" u="none" strike="noStrike" kern="1200" dirty="0">
+            <a:r>
+              <a:rPr kumimoji="1" lang="ja-JP" altLang="en-US" sz="1200" kern="1200">
+                <a:solidFill>
+                  <a:schemeClr val="tx1"/>
+                </a:solidFill>
+                <a:effectLst/>
+                <a:latin typeface="+mn-lt"/>
+                <a:ea typeface="+mn-ea"/>
+                <a:cs typeface="+mn-cs"/>
+              </a:rPr>
+              <a:t>また，より柔軟に評価者特性を表現するために，一般化多相ラッシュモデルでも採用されている評価者の一貫性パラメータと各スコアに対する厳しさパラメータを導入しているところも特徴です．</a:t>
+            </a:r>
+            <a:endParaRPr kumimoji="1" lang="en-US" altLang="ja-JP" sz="1200" kern="1200" dirty="0">
               <a:solidFill>
                 <a:schemeClr val="tx1"/>
               </a:solidFill>
@@ -4899,84 +5115,7 @@
             </a:endParaRPr>
           </a:p>
           <a:p>
-            <a:pPr marL="0" marR="0" lvl="0" indent="0" algn="l" defTabSz="914400" rtl="0" eaLnBrk="1" fontAlgn="auto" latinLnBrk="0" hangingPunct="1">
-              <a:lnSpc>
-                <a:spcPct val="100000"/>
-              </a:lnSpc>
-              <a:spcBef>
-                <a:spcPts val="0"/>
-              </a:spcBef>
-              <a:spcAft>
-                <a:spcPts val="0"/>
-              </a:spcAft>
-              <a:buClrTx/>
-              <a:buSzTx/>
-              <a:buFontTx/>
-              <a:buNone/>
-              <a:tabLst/>
-              <a:defRPr/>
-            </a:pPr>
-            <a:r>
-              <a:rPr kumimoji="1" lang="ja-JP" altLang="en-US" sz="1200" b="0" i="0" u="none" strike="noStrike" kern="1200">
-                <a:solidFill>
-                  <a:schemeClr val="tx1"/>
-                </a:solidFill>
-                <a:effectLst/>
-                <a:latin typeface="+mn-lt"/>
-                <a:ea typeface="+mn-ea"/>
-                <a:cs typeface="+mn-cs"/>
-              </a:rPr>
-              <a:t>実験結果はこちらになります．誤差指標に</a:t>
-            </a:r>
-            <a:r>
-              <a:rPr kumimoji="1" lang="en" altLang="ja-JP" sz="1200" b="0" i="0" u="none" strike="noStrike" kern="1200" dirty="0">
-                <a:solidFill>
-                  <a:schemeClr val="tx1"/>
-                </a:solidFill>
-                <a:effectLst/>
-                <a:latin typeface="+mn-lt"/>
-                <a:ea typeface="+mn-ea"/>
-                <a:cs typeface="+mn-cs"/>
-              </a:rPr>
-              <a:t>RMSE</a:t>
-            </a:r>
-            <a:r>
-              <a:rPr kumimoji="1" lang="ja-JP" altLang="en-US" sz="1200" b="0" i="0" u="none" strike="noStrike" kern="1200">
-                <a:solidFill>
-                  <a:schemeClr val="tx1"/>
-                </a:solidFill>
-                <a:effectLst/>
-                <a:latin typeface="+mn-lt"/>
-                <a:ea typeface="+mn-ea"/>
-                <a:cs typeface="+mn-cs"/>
-              </a:rPr>
-              <a:t>と</a:t>
-            </a:r>
-            <a:r>
-              <a:rPr kumimoji="1" lang="en" altLang="ja-JP" sz="1200" b="0" i="0" u="none" strike="noStrike" kern="1200" dirty="0">
-                <a:solidFill>
-                  <a:schemeClr val="tx1"/>
-                </a:solidFill>
-                <a:effectLst/>
-                <a:latin typeface="+mn-lt"/>
-                <a:ea typeface="+mn-ea"/>
-                <a:cs typeface="+mn-cs"/>
-              </a:rPr>
-              <a:t>BIAS</a:t>
-            </a:r>
-            <a:r>
-              <a:rPr kumimoji="1" lang="ja-JP" altLang="en-US" sz="1200" b="0" i="0" u="none" strike="noStrike" kern="1200">
-                <a:solidFill>
-                  <a:schemeClr val="tx1"/>
-                </a:solidFill>
-                <a:effectLst/>
-                <a:latin typeface="+mn-lt"/>
-                <a:ea typeface="+mn-ea"/>
-                <a:cs typeface="+mn-cs"/>
-              </a:rPr>
-              <a:t>を使っています．</a:t>
-            </a:r>
-            <a:endParaRPr kumimoji="1" lang="en-US" altLang="ja-JP" sz="1200" b="0" i="0" u="none" strike="noStrike" kern="1200" dirty="0">
+            <a:endParaRPr kumimoji="1" lang="en-US" altLang="ja-JP" sz="1200" kern="1200" dirty="0">
               <a:solidFill>
                 <a:schemeClr val="tx1"/>
               </a:solidFill>
@@ -4987,72 +5126,7 @@
             </a:endParaRPr>
           </a:p>
           <a:p>
-            <a:pPr marL="0" marR="0" lvl="0" indent="0" algn="l" defTabSz="914400" rtl="0" eaLnBrk="1" fontAlgn="auto" latinLnBrk="0" hangingPunct="1">
-              <a:lnSpc>
-                <a:spcPct val="100000"/>
-              </a:lnSpc>
-              <a:spcBef>
-                <a:spcPts val="0"/>
-              </a:spcBef>
-              <a:spcAft>
-                <a:spcPts val="0"/>
-              </a:spcAft>
-              <a:buClrTx/>
-              <a:buSzTx/>
-              <a:buFontTx/>
-              <a:buNone/>
-              <a:tabLst/>
-              <a:defRPr/>
-            </a:pPr>
-            <a:r>
-              <a:rPr kumimoji="1" lang="ja-JP" altLang="en-US" sz="1200" b="0" i="0" u="none" strike="noStrike" kern="1200">
-                <a:solidFill>
-                  <a:schemeClr val="tx1"/>
-                </a:solidFill>
-                <a:effectLst/>
-                <a:latin typeface="+mn-lt"/>
-                <a:ea typeface="+mn-ea"/>
-                <a:cs typeface="+mn-cs"/>
-              </a:rPr>
-              <a:t>詳細は割愛しますが，全体的に小さな値となっており，適切に推定ができていることが確認できました</a:t>
-            </a:r>
-            <a:endParaRPr kumimoji="1" lang="en-US" altLang="ja-JP" sz="1200" b="0" i="0" u="none" strike="noStrike" kern="1200" dirty="0">
-              <a:solidFill>
-                <a:schemeClr val="tx1"/>
-              </a:solidFill>
-              <a:effectLst/>
-              <a:latin typeface="+mn-lt"/>
-              <a:ea typeface="+mn-ea"/>
-              <a:cs typeface="+mn-cs"/>
-            </a:endParaRPr>
-          </a:p>
-          <a:p>
-            <a:pPr marL="0" marR="0" lvl="0" indent="0" algn="l" defTabSz="914400" rtl="0" eaLnBrk="1" fontAlgn="auto" latinLnBrk="0" hangingPunct="1">
-              <a:lnSpc>
-                <a:spcPct val="100000"/>
-              </a:lnSpc>
-              <a:spcBef>
-                <a:spcPts val="0"/>
-              </a:spcBef>
-              <a:spcAft>
-                <a:spcPts val="0"/>
-              </a:spcAft>
-              <a:buClrTx/>
-              <a:buSzTx/>
-              <a:buFontTx/>
-              <a:buNone/>
-              <a:tabLst/>
-              <a:defRPr/>
-            </a:pPr>
-            <a:endParaRPr kumimoji="1" lang="en-US" altLang="ja-JP" sz="1200" b="0" i="0" u="none" strike="noStrike" kern="1200" dirty="0">
-              <a:solidFill>
-                <a:schemeClr val="tx1"/>
-              </a:solidFill>
-              <a:effectLst/>
-              <a:latin typeface="+mn-lt"/>
-              <a:ea typeface="+mn-ea"/>
-              <a:cs typeface="+mn-cs"/>
-            </a:endParaRPr>
+            <a:endParaRPr kumimoji="1" lang="ja-JP" altLang="en-US"/>
           </a:p>
         </p:txBody>
       </p:sp>
@@ -5073,7 +5147,7 @@
           <a:p>
             <a:fld id="{F069C953-97BB-D34F-A925-DB809641415F}" type="slidenum">
               <a:rPr kumimoji="1" lang="ja-JP" altLang="en-US" smtClean="0"/>
-              <a:t>10</a:t>
+              <a:t>9</a:t>
             </a:fld>
             <a:endParaRPr kumimoji="1" lang="ja-JP" altLang="en-US"/>
           </a:p>
@@ -5082,7 +5156,7 @@
     </p:spTree>
     <p:extLst>
       <p:ext uri="{BB962C8B-B14F-4D97-AF65-F5344CB8AC3E}">
-        <p14:creationId xmlns:p14="http://schemas.microsoft.com/office/powerpoint/2010/main" val="3580786003"/>
+        <p14:creationId xmlns:p14="http://schemas.microsoft.com/office/powerpoint/2010/main" val="3048203218"/>
       </p:ext>
     </p:extLst>
   </p:cSld>
@@ -16449,7 +16523,7 @@
                 </a14:m>
                 <a:r>
                   <a:rPr lang="ja-JP" altLang="en-US"/>
-                  <a:t>の推定結果</a:t>
+                  <a:t>の推定結果例</a:t>
                 </a:r>
                 <a:endParaRPr kumimoji="1" lang="ja-JP" altLang="en-US"/>
               </a:p>
@@ -18918,7 +18992,7 @@
         <p:spPr>
           <a:xfrm>
             <a:off x="6281359" y="3057042"/>
-            <a:ext cx="4482942" cy="923330"/>
+            <a:ext cx="4482942" cy="1200329"/>
           </a:xfrm>
           <a:prstGeom prst="rect">
             <a:avLst/>
@@ -18930,6 +19004,13 @@
             <a:spAutoFit/>
           </a:bodyPr>
           <a:lstStyle/>
+          <a:p>
+            <a:r>
+              <a:rPr kumimoji="1" lang="ja-JP" altLang="en-US"/>
+              <a:t>例</a:t>
+            </a:r>
+            <a:endParaRPr kumimoji="1" lang="en-US" altLang="ja-JP" dirty="0"/>
+          </a:p>
           <a:p>
             <a:r>
               <a:rPr kumimoji="1" lang="ja-JP" altLang="en-US">
@@ -19151,13 +19232,13 @@
             <p:ph idx="1"/>
             <p:extLst>
               <p:ext uri="{D42A27DB-BD31-4B8C-83A1-F6EECF244321}">
-                <p14:modId xmlns:p14="http://schemas.microsoft.com/office/powerpoint/2010/main" val="2035997707"/>
+                <p14:modId xmlns:p14="http://schemas.microsoft.com/office/powerpoint/2010/main" val="3859897025"/>
               </p:ext>
             </p:extLst>
           </p:nvPr>
         </p:nvGraphicFramePr>
         <p:xfrm>
-          <a:off x="972589" y="3429000"/>
+          <a:off x="990006" y="3575610"/>
           <a:ext cx="6392487" cy="2592709"/>
         </p:xfrm>
         <a:graphic>
@@ -19311,18 +19392,14 @@
                       <a:r>
                         <a:rPr kumimoji="1" lang="en-US" altLang="ja-JP" dirty="0">
                           <a:solidFill>
-                            <a:schemeClr val="accent1">
-                              <a:lumMod val="75000"/>
-                            </a:schemeClr>
+                            <a:srgbClr val="FF0000"/>
                           </a:solidFill>
                         </a:rPr>
                         <a:t>2956.466</a:t>
                       </a:r>
                       <a:endParaRPr kumimoji="1" lang="ja-JP" altLang="en-US">
                         <a:solidFill>
-                          <a:schemeClr val="accent1">
-                            <a:lumMod val="75000"/>
-                          </a:schemeClr>
+                          <a:srgbClr val="FF0000"/>
                         </a:solidFill>
                       </a:endParaRPr>
                     </a:p>
@@ -19386,18 +19463,14 @@
                       <a:r>
                         <a:rPr kumimoji="1" lang="en-US" altLang="ja-JP" dirty="0">
                           <a:solidFill>
-                            <a:schemeClr val="accent1">
-                              <a:lumMod val="75000"/>
-                            </a:schemeClr>
+                            <a:srgbClr val="FF0000"/>
                           </a:solidFill>
                         </a:rPr>
                         <a:t>2962.159</a:t>
                       </a:r>
                       <a:endParaRPr kumimoji="1" lang="ja-JP" altLang="en-US">
                         <a:solidFill>
-                          <a:schemeClr val="accent1">
-                            <a:lumMod val="75000"/>
-                          </a:schemeClr>
+                          <a:srgbClr val="FF0000"/>
                         </a:solidFill>
                       </a:endParaRPr>
                     </a:p>
@@ -19461,18 +19534,14 @@
                       <a:r>
                         <a:rPr kumimoji="1" lang="en-US" altLang="ja-JP" dirty="0">
                           <a:solidFill>
-                            <a:schemeClr val="accent1">
-                              <a:lumMod val="75000"/>
-                            </a:schemeClr>
+                            <a:srgbClr val="FF0000"/>
                           </a:solidFill>
                         </a:rPr>
                         <a:t>2961.461</a:t>
                       </a:r>
                       <a:endParaRPr kumimoji="1" lang="ja-JP" altLang="en-US">
                         <a:solidFill>
-                          <a:schemeClr val="accent1">
-                            <a:lumMod val="75000"/>
-                          </a:schemeClr>
+                          <a:srgbClr val="FF0000"/>
                         </a:solidFill>
                       </a:endParaRPr>
                     </a:p>
@@ -19540,18 +19609,14 @@
                       <a:r>
                         <a:rPr kumimoji="1" lang="en-US" altLang="ja-JP" dirty="0">
                           <a:solidFill>
-                            <a:schemeClr val="accent1">
-                              <a:lumMod val="75000"/>
-                            </a:schemeClr>
+                            <a:srgbClr val="FF0000"/>
                           </a:solidFill>
                         </a:rPr>
                         <a:t>1808.674</a:t>
                       </a:r>
                       <a:endParaRPr kumimoji="1" lang="ja-JP" altLang="en-US">
                         <a:solidFill>
-                          <a:schemeClr val="accent1">
-                            <a:lumMod val="75000"/>
-                          </a:schemeClr>
+                          <a:srgbClr val="FF0000"/>
                         </a:solidFill>
                       </a:endParaRPr>
                     </a:p>
@@ -19615,18 +19680,14 @@
                       <a:r>
                         <a:rPr kumimoji="1" lang="en-US" altLang="ja-JP" dirty="0">
                           <a:solidFill>
-                            <a:schemeClr val="accent1">
-                              <a:lumMod val="75000"/>
-                            </a:schemeClr>
+                            <a:srgbClr val="FF0000"/>
                           </a:solidFill>
                         </a:rPr>
                         <a:t>1807.423</a:t>
                       </a:r>
                       <a:endParaRPr kumimoji="1" lang="ja-JP" altLang="en-US">
                         <a:solidFill>
-                          <a:schemeClr val="accent1">
-                            <a:lumMod val="75000"/>
-                          </a:schemeClr>
+                          <a:srgbClr val="FF0000"/>
                         </a:solidFill>
                       </a:endParaRPr>
                     </a:p>
@@ -19690,18 +19751,14 @@
                       <a:r>
                         <a:rPr kumimoji="1" lang="en-US" altLang="ja-JP" dirty="0">
                           <a:solidFill>
-                            <a:schemeClr val="accent1">
-                              <a:lumMod val="75000"/>
-                            </a:schemeClr>
+                            <a:srgbClr val="FF0000"/>
                           </a:solidFill>
                         </a:rPr>
                         <a:t>1806.655</a:t>
                       </a:r>
                       <a:endParaRPr kumimoji="1" lang="ja-JP" altLang="en-US">
                         <a:solidFill>
-                          <a:schemeClr val="accent1">
-                            <a:lumMod val="75000"/>
-                          </a:schemeClr>
+                          <a:srgbClr val="FF0000"/>
                         </a:solidFill>
                       </a:endParaRPr>
                     </a:p>
@@ -19795,7 +19852,7 @@
         <p:spPr>
           <a:xfrm>
             <a:off x="1147156" y="1612669"/>
-            <a:ext cx="9468197" cy="1569660"/>
+            <a:ext cx="9468197" cy="1938992"/>
           </a:xfrm>
           <a:prstGeom prst="rect">
             <a:avLst/>
@@ -19853,6 +19910,13 @@
               <a:rPr kumimoji="1" lang="en-US" altLang="ja-JP" sz="2400" dirty="0"/>
               <a:t>)</a:t>
             </a:r>
+          </a:p>
+          <a:p>
+            <a:pPr marL="742950" lvl="1" indent="-285750">
+              <a:buFont typeface="Arial" panose="020B0604020202020204" pitchFamily="34" charset="0"/>
+              <a:buChar char="•"/>
+            </a:pPr>
+            <a:endParaRPr kumimoji="1" lang="en-US" altLang="ja-JP" sz="2000" dirty="0"/>
           </a:p>
           <a:p>
             <a:pPr marL="285750" indent="-285750">
@@ -22376,6 +22440,92 @@
           <p:cNvPr id="2" name="タイトル 1">
             <a:extLst>
               <a:ext uri="{FF2B5EF4-FFF2-40B4-BE49-F238E27FC236}">
+                <a16:creationId xmlns:a16="http://schemas.microsoft.com/office/drawing/2014/main" id="{291C3BE5-DB72-A94F-BF30-E3218BAB4B29}"/>
+              </a:ext>
+            </a:extLst>
+          </p:cNvPr>
+          <p:cNvSpPr>
+            <a:spLocks noGrp="1"/>
+          </p:cNvSpPr>
+          <p:nvPr>
+            <p:ph type="title"/>
+          </p:nvPr>
+        </p:nvSpPr>
+        <p:spPr/>
+        <p:txBody>
+          <a:bodyPr/>
+          <a:lstStyle/>
+          <a:p>
+            <a:r>
+              <a:rPr kumimoji="1" lang="ja-JP" altLang="en-US"/>
+              <a:t>各パラメータの事前分布</a:t>
+            </a:r>
+          </a:p>
+        </p:txBody>
+      </p:sp>
+      <p:sp>
+        <p:nvSpPr>
+          <p:cNvPr id="3" name="コンテンツ プレースホルダー 2">
+            <a:extLst>
+              <a:ext uri="{FF2B5EF4-FFF2-40B4-BE49-F238E27FC236}">
+                <a16:creationId xmlns:a16="http://schemas.microsoft.com/office/drawing/2014/main" id="{EC988E41-ED43-4E45-BACC-F6507B186587}"/>
+              </a:ext>
+            </a:extLst>
+          </p:cNvPr>
+          <p:cNvSpPr>
+            <a:spLocks noGrp="1"/>
+          </p:cNvSpPr>
+          <p:nvPr>
+            <p:ph idx="1"/>
+          </p:nvPr>
+        </p:nvSpPr>
+        <p:spPr/>
+        <p:txBody>
+          <a:bodyPr/>
+          <a:lstStyle/>
+          <a:p>
+            <a:r>
+              <a:rPr kumimoji="1" lang="ja-JP" altLang="en-US"/>
+              <a:t>予稿見てください</a:t>
+            </a:r>
+          </a:p>
+        </p:txBody>
+      </p:sp>
+    </p:spTree>
+    <p:extLst>
+      <p:ext uri="{BB962C8B-B14F-4D97-AF65-F5344CB8AC3E}">
+        <p14:creationId xmlns:p14="http://schemas.microsoft.com/office/powerpoint/2010/main" val="2529173525"/>
+      </p:ext>
+    </p:extLst>
+  </p:cSld>
+  <p:clrMapOvr>
+    <a:masterClrMapping/>
+  </p:clrMapOvr>
+</p:sld>
+</file>
+
+<file path=ppt/slides/slide22.xml><?xml version="1.0" encoding="utf-8"?>
+<p:sld xmlns:a="http://schemas.openxmlformats.org/drawingml/2006/main" xmlns:r="http://schemas.openxmlformats.org/officeDocument/2006/relationships" xmlns:p="http://schemas.openxmlformats.org/presentationml/2006/main">
+  <p:cSld>
+    <p:spTree>
+      <p:nvGrpSpPr>
+        <p:cNvPr id="1" name=""/>
+        <p:cNvGrpSpPr/>
+        <p:nvPr/>
+      </p:nvGrpSpPr>
+      <p:grpSpPr>
+        <a:xfrm>
+          <a:off x="0" y="0"/>
+          <a:ext cx="0" cy="0"/>
+          <a:chOff x="0" y="0"/>
+          <a:chExt cx="0" cy="0"/>
+        </a:xfrm>
+      </p:grpSpPr>
+      <p:sp>
+        <p:nvSpPr>
+          <p:cNvPr id="2" name="タイトル 1">
+            <a:extLst>
+              <a:ext uri="{FF2B5EF4-FFF2-40B4-BE49-F238E27FC236}">
                 <a16:creationId xmlns:a16="http://schemas.microsoft.com/office/drawing/2014/main" id="{364CC0C1-C4CE-2847-AAD8-BA1217DC73B3}"/>
               </a:ext>
             </a:extLst>
@@ -22540,7 +22690,7 @@
 </p:sld>
 </file>
 
-<file path=ppt/slides/slide22.xml><?xml version="1.0" encoding="utf-8"?>
+<file path=ppt/slides/slide23.xml><?xml version="1.0" encoding="utf-8"?>
 <p:sld xmlns:a="http://schemas.openxmlformats.org/drawingml/2006/main" xmlns:r="http://schemas.openxmlformats.org/officeDocument/2006/relationships" xmlns:p="http://schemas.openxmlformats.org/presentationml/2006/main">
   <p:cSld>
     <p:spTree>
@@ -22921,7 +23071,7 @@
 </p:sld>
 </file>
 
-<file path=ppt/slides/slide23.xml><?xml version="1.0" encoding="utf-8"?>
+<file path=ppt/slides/slide24.xml><?xml version="1.0" encoding="utf-8"?>
 <p:sld xmlns:a="http://schemas.openxmlformats.org/drawingml/2006/main" xmlns:r="http://schemas.openxmlformats.org/officeDocument/2006/relationships" xmlns:p="http://schemas.openxmlformats.org/presentationml/2006/main">
   <p:cSld>
     <p:spTree>
@@ -23244,7 +23394,7 @@
 </p:sld>
 </file>
 
-<file path=ppt/slides/slide24.xml><?xml version="1.0" encoding="utf-8"?>
+<file path=ppt/slides/slide25.xml><?xml version="1.0" encoding="utf-8"?>
 <p:sld xmlns:a="http://schemas.openxmlformats.org/drawingml/2006/main" xmlns:r="http://schemas.openxmlformats.org/officeDocument/2006/relationships" xmlns:p="http://schemas.openxmlformats.org/presentationml/2006/main">
   <p:cSld>
     <p:spTree>
